--- a/pitch/MOTRA-Business-Plan.pptx
+++ b/pitch/MOTRA-Business-Plan.pptx
@@ -3118,7 +3118,7 @@
         <p:spPr>
           <a:xfrm>
             <a:off x="0" y="0"/>
-            <a:ext cx="9144000" cy="1371600"/>
+            <a:ext cx="9144000" cy="1097280"/>
           </a:xfrm>
           <a:prstGeom prst="rect">
             <a:avLst/>
@@ -3160,8 +3160,8 @@
         </p:nvSpPr>
         <p:spPr>
           <a:xfrm>
-            <a:off x="457200" y="365760"/>
-            <a:ext cx="8229600" cy="731520"/>
+            <a:off x="457200" y="274320"/>
+            <a:ext cx="8229600" cy="640080"/>
           </a:xfrm>
           <a:prstGeom prst="rect">
             <a:avLst/>
@@ -3174,8 +3174,8 @@
           </a:bodyPr>
           <a:lstStyle/>
           <a:p>
-            <a:pPr>
-              <a:defRPr sz="3600" b="1">
+            <a:pPr algn="ctr">
+              <a:defRPr sz="4400" b="1">
                 <a:solidFill>
                   <a:srgbClr val="FFFFFF"/>
                 </a:solidFill>
@@ -3195,8 +3195,8 @@
         </p:nvSpPr>
         <p:spPr>
           <a:xfrm>
-            <a:off x="457200" y="2286000"/>
-            <a:ext cx="8229600" cy="914400"/>
+            <a:off x="457200" y="1828800"/>
+            <a:ext cx="8229600" cy="2286000"/>
           </a:xfrm>
           <a:prstGeom prst="rect">
             <a:avLst/>
@@ -3204,13 +3204,13 @@
           <a:noFill/>
         </p:spPr>
         <p:txBody>
-          <a:bodyPr wrap="none">
+          <a:bodyPr wrap="square">
             <a:spAutoFit/>
           </a:bodyPr>
           <a:lstStyle/>
           <a:p>
             <a:pPr algn="ctr">
-              <a:defRPr sz="2400">
+              <a:defRPr sz="1800">
                 <a:solidFill>
                   <a:srgbClr val="323232"/>
                 </a:solidFill>
@@ -3254,7 +3254,7 @@
         <p:spPr>
           <a:xfrm>
             <a:off x="0" y="0"/>
-            <a:ext cx="9144000" cy="731520"/>
+            <a:ext cx="9144000" cy="548640"/>
           </a:xfrm>
           <a:prstGeom prst="rect">
             <a:avLst/>
@@ -3296,8 +3296,8 @@
         </p:nvSpPr>
         <p:spPr>
           <a:xfrm>
-            <a:off x="274320" y="182880"/>
-            <a:ext cx="457200" cy="365760"/>
+            <a:off x="182880" y="109728"/>
+            <a:ext cx="365760" cy="320040"/>
           </a:xfrm>
           <a:prstGeom prst="rect">
             <a:avLst/>
@@ -3311,7 +3311,7 @@
           <a:lstStyle/>
           <a:p>
             <a:pPr>
-              <a:defRPr sz="1800" b="1">
+              <a:defRPr sz="1400" b="1">
                 <a:solidFill>
                   <a:srgbClr val="FFFFFF"/>
                 </a:solidFill>
@@ -3331,8 +3331,8 @@
         </p:nvSpPr>
         <p:spPr>
           <a:xfrm>
-            <a:off x="731520" y="182880"/>
-            <a:ext cx="7772400" cy="457200"/>
+            <a:off x="548640" y="109728"/>
+            <a:ext cx="7772400" cy="365760"/>
           </a:xfrm>
           <a:prstGeom prst="rect">
             <a:avLst/>
@@ -3346,7 +3346,7 @@
           <a:lstStyle/>
           <a:p>
             <a:pPr>
-              <a:defRPr sz="2400" b="1">
+              <a:defRPr sz="2000" b="1">
                 <a:solidFill>
                   <a:srgbClr val="FFFFFF"/>
                 </a:solidFill>
@@ -3366,8 +3366,8 @@
         </p:nvSpPr>
         <p:spPr>
           <a:xfrm>
-            <a:off x="457200" y="1005840"/>
-            <a:ext cx="8229600" cy="3657600"/>
+            <a:off x="365760" y="685800"/>
+            <a:ext cx="8412480" cy="4297680"/>
           </a:xfrm>
           <a:prstGeom prst="rect">
             <a:avLst/>
@@ -3382,9 +3382,9 @@
           <a:p>
             <a:pPr>
               <a:spcAft>
-                <a:spcPts val="800"/>
-              </a:spcAft>
-              <a:defRPr sz="1400">
+                <a:spcPts val="400"/>
+              </a:spcAft>
+              <a:defRPr sz="1100">
                 <a:solidFill>
                   <a:srgbClr val="323232"/>
                 </a:solidFill>
@@ -3397,9 +3397,9 @@
           <a:p>
             <a:pPr>
               <a:spcAft>
-                <a:spcPts val="800"/>
-              </a:spcAft>
-              <a:defRPr sz="1400">
+                <a:spcPts val="400"/>
+              </a:spcAft>
+              <a:defRPr sz="1100">
                 <a:solidFill>
                   <a:srgbClr val="323232"/>
                 </a:solidFill>
@@ -3412,9 +3412,9 @@
           <a:p>
             <a:pPr>
               <a:spcAft>
-                <a:spcPts val="800"/>
-              </a:spcAft>
-              <a:defRPr sz="1400">
+                <a:spcPts val="400"/>
+              </a:spcAft>
+              <a:defRPr sz="1100">
                 <a:solidFill>
                   <a:srgbClr val="323232"/>
                 </a:solidFill>
@@ -3427,9 +3427,9 @@
           <a:p>
             <a:pPr>
               <a:spcAft>
-                <a:spcPts val="800"/>
-              </a:spcAft>
-              <a:defRPr sz="1400">
+                <a:spcPts val="400"/>
+              </a:spcAft>
+              <a:defRPr sz="1100">
                 <a:solidFill>
                   <a:srgbClr val="323232"/>
                 </a:solidFill>
@@ -3442,9 +3442,9 @@
           <a:p>
             <a:pPr>
               <a:spcAft>
-                <a:spcPts val="800"/>
-              </a:spcAft>
-              <a:defRPr sz="1400">
+                <a:spcPts val="400"/>
+              </a:spcAft>
+              <a:defRPr sz="1100">
                 <a:solidFill>
                   <a:srgbClr val="323232"/>
                 </a:solidFill>
@@ -3457,9 +3457,9 @@
           <a:p>
             <a:pPr>
               <a:spcAft>
-                <a:spcPts val="800"/>
-              </a:spcAft>
-              <a:defRPr sz="1400">
+                <a:spcPts val="400"/>
+              </a:spcAft>
+              <a:defRPr sz="1100">
                 <a:solidFill>
                   <a:srgbClr val="323232"/>
                 </a:solidFill>
@@ -3472,21 +3472,21 @@
           <a:p>
             <a:pPr>
               <a:spcAft>
-                <a:spcPts val="800"/>
-              </a:spcAft>
-              <a:defRPr sz="1400">
-                <a:solidFill>
-                  <a:srgbClr val="323232"/>
-                </a:solidFill>
-              </a:defRPr>
-            </a:pPr>
-          </a:p>
-          <a:p>
-            <a:pPr>
-              <a:spcAft>
-                <a:spcPts val="800"/>
-              </a:spcAft>
-              <a:defRPr sz="1400">
+                <a:spcPts val="400"/>
+              </a:spcAft>
+              <a:defRPr sz="1100">
+                <a:solidFill>
+                  <a:srgbClr val="323232"/>
+                </a:solidFill>
+              </a:defRPr>
+            </a:pPr>
+          </a:p>
+          <a:p>
+            <a:pPr>
+              <a:spcAft>
+                <a:spcPts val="400"/>
+              </a:spcAft>
+              <a:defRPr sz="1100">
                 <a:solidFill>
                   <a:srgbClr val="323232"/>
                 </a:solidFill>
@@ -3499,9 +3499,9 @@
           <a:p>
             <a:pPr>
               <a:spcAft>
-                <a:spcPts val="800"/>
-              </a:spcAft>
-              <a:defRPr sz="1400">
+                <a:spcPts val="400"/>
+              </a:spcAft>
+              <a:defRPr sz="1100">
                 <a:solidFill>
                   <a:srgbClr val="323232"/>
                 </a:solidFill>
@@ -3514,9 +3514,9 @@
           <a:p>
             <a:pPr>
               <a:spcAft>
-                <a:spcPts val="800"/>
-              </a:spcAft>
-              <a:defRPr sz="1400">
+                <a:spcPts val="400"/>
+              </a:spcAft>
+              <a:defRPr sz="1100">
                 <a:solidFill>
                   <a:srgbClr val="323232"/>
                 </a:solidFill>
@@ -3529,9 +3529,9 @@
           <a:p>
             <a:pPr>
               <a:spcAft>
-                <a:spcPts val="800"/>
-              </a:spcAft>
-              <a:defRPr sz="1400">
+                <a:spcPts val="400"/>
+              </a:spcAft>
+              <a:defRPr sz="1100">
                 <a:solidFill>
                   <a:srgbClr val="323232"/>
                 </a:solidFill>
@@ -3544,21 +3544,21 @@
           <a:p>
             <a:pPr>
               <a:spcAft>
-                <a:spcPts val="800"/>
-              </a:spcAft>
-              <a:defRPr sz="1400">
-                <a:solidFill>
-                  <a:srgbClr val="323232"/>
-                </a:solidFill>
-              </a:defRPr>
-            </a:pPr>
-          </a:p>
-          <a:p>
-            <a:pPr>
-              <a:spcAft>
-                <a:spcPts val="800"/>
-              </a:spcAft>
-              <a:defRPr sz="1400">
+                <a:spcPts val="400"/>
+              </a:spcAft>
+              <a:defRPr sz="1100">
+                <a:solidFill>
+                  <a:srgbClr val="323232"/>
+                </a:solidFill>
+              </a:defRPr>
+            </a:pPr>
+          </a:p>
+          <a:p>
+            <a:pPr>
+              <a:spcAft>
+                <a:spcPts val="400"/>
+              </a:spcAft>
+              <a:defRPr sz="1100">
                 <a:solidFill>
                   <a:srgbClr val="323232"/>
                 </a:solidFill>
@@ -3571,9 +3571,9 @@
           <a:p>
             <a:pPr>
               <a:spcAft>
-                <a:spcPts val="800"/>
-              </a:spcAft>
-              <a:defRPr sz="1400">
+                <a:spcPts val="400"/>
+              </a:spcAft>
+              <a:defRPr sz="1100">
                 <a:solidFill>
                   <a:srgbClr val="323232"/>
                 </a:solidFill>
@@ -3586,9 +3586,9 @@
           <a:p>
             <a:pPr>
               <a:spcAft>
-                <a:spcPts val="800"/>
-              </a:spcAft>
-              <a:defRPr sz="1400">
+                <a:spcPts val="400"/>
+              </a:spcAft>
+              <a:defRPr sz="1100">
                 <a:solidFill>
                   <a:srgbClr val="323232"/>
                 </a:solidFill>
@@ -3627,7 +3627,7 @@
         <p:spPr>
           <a:xfrm>
             <a:off x="0" y="0"/>
-            <a:ext cx="9144000" cy="731520"/>
+            <a:ext cx="9144000" cy="548640"/>
           </a:xfrm>
           <a:prstGeom prst="rect">
             <a:avLst/>
@@ -3669,8 +3669,8 @@
         </p:nvSpPr>
         <p:spPr>
           <a:xfrm>
-            <a:off x="274320" y="182880"/>
-            <a:ext cx="457200" cy="365760"/>
+            <a:off x="182880" y="109728"/>
+            <a:ext cx="365760" cy="320040"/>
           </a:xfrm>
           <a:prstGeom prst="rect">
             <a:avLst/>
@@ -3684,7 +3684,7 @@
           <a:lstStyle/>
           <a:p>
             <a:pPr>
-              <a:defRPr sz="1800" b="1">
+              <a:defRPr sz="1400" b="1">
                 <a:solidFill>
                   <a:srgbClr val="FFFFFF"/>
                 </a:solidFill>
@@ -3704,8 +3704,8 @@
         </p:nvSpPr>
         <p:spPr>
           <a:xfrm>
-            <a:off x="731520" y="182880"/>
-            <a:ext cx="7772400" cy="457200"/>
+            <a:off x="548640" y="109728"/>
+            <a:ext cx="7772400" cy="365760"/>
           </a:xfrm>
           <a:prstGeom prst="rect">
             <a:avLst/>
@@ -3719,7 +3719,7 @@
           <a:lstStyle/>
           <a:p>
             <a:pPr>
-              <a:defRPr sz="2400" b="1">
+              <a:defRPr sz="2000" b="1">
                 <a:solidFill>
                   <a:srgbClr val="FFFFFF"/>
                 </a:solidFill>
@@ -3739,8 +3739,8 @@
         </p:nvSpPr>
         <p:spPr>
           <a:xfrm>
-            <a:off x="457200" y="1005840"/>
-            <a:ext cx="8229600" cy="3657600"/>
+            <a:off x="365760" y="685800"/>
+            <a:ext cx="8412480" cy="4297680"/>
           </a:xfrm>
           <a:prstGeom prst="rect">
             <a:avLst/>
@@ -3755,21 +3755,21 @@
           <a:p>
             <a:pPr>
               <a:spcAft>
-                <a:spcPts val="800"/>
-              </a:spcAft>
-              <a:defRPr sz="1400">
-                <a:solidFill>
-                  <a:srgbClr val="323232"/>
-                </a:solidFill>
-              </a:defRPr>
-            </a:pPr>
-          </a:p>
-          <a:p>
-            <a:pPr>
-              <a:spcAft>
-                <a:spcPts val="800"/>
-              </a:spcAft>
-              <a:defRPr sz="1400">
+                <a:spcPts val="400"/>
+              </a:spcAft>
+              <a:defRPr sz="1100">
+                <a:solidFill>
+                  <a:srgbClr val="323232"/>
+                </a:solidFill>
+              </a:defRPr>
+            </a:pPr>
+          </a:p>
+          <a:p>
+            <a:pPr>
+              <a:spcAft>
+                <a:spcPts val="400"/>
+              </a:spcAft>
+              <a:defRPr sz="1100">
                 <a:solidFill>
                   <a:srgbClr val="323232"/>
                 </a:solidFill>
@@ -3782,9 +3782,9 @@
           <a:p>
             <a:pPr>
               <a:spcAft>
-                <a:spcPts val="800"/>
-              </a:spcAft>
-              <a:defRPr sz="1400">
+                <a:spcPts val="400"/>
+              </a:spcAft>
+              <a:defRPr sz="1100">
                 <a:solidFill>
                   <a:srgbClr val="323232"/>
                 </a:solidFill>
@@ -3797,9 +3797,9 @@
           <a:p>
             <a:pPr>
               <a:spcAft>
-                <a:spcPts val="800"/>
-              </a:spcAft>
-              <a:defRPr sz="1400">
+                <a:spcPts val="400"/>
+              </a:spcAft>
+              <a:defRPr sz="1100">
                 <a:solidFill>
                   <a:srgbClr val="323232"/>
                 </a:solidFill>
@@ -3812,33 +3812,33 @@
           <a:p>
             <a:pPr>
               <a:spcAft>
-                <a:spcPts val="800"/>
-              </a:spcAft>
-              <a:defRPr sz="1400">
-                <a:solidFill>
-                  <a:srgbClr val="323232"/>
-                </a:solidFill>
-              </a:defRPr>
-            </a:pPr>
-          </a:p>
-          <a:p>
-            <a:pPr>
-              <a:spcAft>
-                <a:spcPts val="800"/>
-              </a:spcAft>
-              <a:defRPr sz="1400">
-                <a:solidFill>
-                  <a:srgbClr val="323232"/>
-                </a:solidFill>
-              </a:defRPr>
-            </a:pPr>
-          </a:p>
-          <a:p>
-            <a:pPr>
-              <a:spcAft>
-                <a:spcPts val="800"/>
-              </a:spcAft>
-              <a:defRPr sz="1400">
+                <a:spcPts val="400"/>
+              </a:spcAft>
+              <a:defRPr sz="1100">
+                <a:solidFill>
+                  <a:srgbClr val="323232"/>
+                </a:solidFill>
+              </a:defRPr>
+            </a:pPr>
+          </a:p>
+          <a:p>
+            <a:pPr>
+              <a:spcAft>
+                <a:spcPts val="400"/>
+              </a:spcAft>
+              <a:defRPr sz="1100">
+                <a:solidFill>
+                  <a:srgbClr val="323232"/>
+                </a:solidFill>
+              </a:defRPr>
+            </a:pPr>
+          </a:p>
+          <a:p>
+            <a:pPr>
+              <a:spcAft>
+                <a:spcPts val="400"/>
+              </a:spcAft>
+              <a:defRPr sz="1100">
                 <a:solidFill>
                   <a:srgbClr val="323232"/>
                 </a:solidFill>
@@ -3851,21 +3851,21 @@
           <a:p>
             <a:pPr>
               <a:spcAft>
-                <a:spcPts val="800"/>
-              </a:spcAft>
-              <a:defRPr sz="1400">
-                <a:solidFill>
-                  <a:srgbClr val="323232"/>
-                </a:solidFill>
-              </a:defRPr>
-            </a:pPr>
-          </a:p>
-          <a:p>
-            <a:pPr>
-              <a:spcAft>
-                <a:spcPts val="800"/>
-              </a:spcAft>
-              <a:defRPr sz="1400">
+                <a:spcPts val="400"/>
+              </a:spcAft>
+              <a:defRPr sz="1100">
+                <a:solidFill>
+                  <a:srgbClr val="323232"/>
+                </a:solidFill>
+              </a:defRPr>
+            </a:pPr>
+          </a:p>
+          <a:p>
+            <a:pPr>
+              <a:spcAft>
+                <a:spcPts val="400"/>
+              </a:spcAft>
+              <a:defRPr sz="1100">
                 <a:solidFill>
                   <a:srgbClr val="323232"/>
                 </a:solidFill>
@@ -3878,9 +3878,9 @@
           <a:p>
             <a:pPr>
               <a:spcAft>
-                <a:spcPts val="800"/>
-              </a:spcAft>
-              <a:defRPr sz="1400">
+                <a:spcPts val="400"/>
+              </a:spcAft>
+              <a:defRPr sz="1100">
                 <a:solidFill>
                   <a:srgbClr val="323232"/>
                 </a:solidFill>
@@ -3893,9 +3893,9 @@
           <a:p>
             <a:pPr>
               <a:spcAft>
-                <a:spcPts val="800"/>
-              </a:spcAft>
-              <a:defRPr sz="1400">
+                <a:spcPts val="400"/>
+              </a:spcAft>
+              <a:defRPr sz="1100">
                 <a:solidFill>
                   <a:srgbClr val="323232"/>
                 </a:solidFill>
@@ -3908,9 +3908,9 @@
           <a:p>
             <a:pPr>
               <a:spcAft>
-                <a:spcPts val="800"/>
-              </a:spcAft>
-              <a:defRPr sz="1400">
+                <a:spcPts val="400"/>
+              </a:spcAft>
+              <a:defRPr sz="1100">
                 <a:solidFill>
                   <a:srgbClr val="323232"/>
                 </a:solidFill>
@@ -3949,7 +3949,7 @@
         <p:spPr>
           <a:xfrm>
             <a:off x="0" y="0"/>
-            <a:ext cx="9144000" cy="731520"/>
+            <a:ext cx="9144000" cy="548640"/>
           </a:xfrm>
           <a:prstGeom prst="rect">
             <a:avLst/>
@@ -3991,8 +3991,8 @@
         </p:nvSpPr>
         <p:spPr>
           <a:xfrm>
-            <a:off x="274320" y="182880"/>
-            <a:ext cx="457200" cy="365760"/>
+            <a:off x="182880" y="109728"/>
+            <a:ext cx="365760" cy="320040"/>
           </a:xfrm>
           <a:prstGeom prst="rect">
             <a:avLst/>
@@ -4006,7 +4006,7 @@
           <a:lstStyle/>
           <a:p>
             <a:pPr>
-              <a:defRPr sz="1800" b="1">
+              <a:defRPr sz="1400" b="1">
                 <a:solidFill>
                   <a:srgbClr val="FFFFFF"/>
                 </a:solidFill>
@@ -4026,8 +4026,8 @@
         </p:nvSpPr>
         <p:spPr>
           <a:xfrm>
-            <a:off x="731520" y="182880"/>
-            <a:ext cx="7772400" cy="457200"/>
+            <a:off x="548640" y="109728"/>
+            <a:ext cx="7772400" cy="365760"/>
           </a:xfrm>
           <a:prstGeom prst="rect">
             <a:avLst/>
@@ -4041,7 +4041,7 @@
           <a:lstStyle/>
           <a:p>
             <a:pPr>
-              <a:defRPr sz="2400" b="1">
+              <a:defRPr sz="2000" b="1">
                 <a:solidFill>
                   <a:srgbClr val="FFFFFF"/>
                 </a:solidFill>
@@ -4061,8 +4061,8 @@
         </p:nvSpPr>
         <p:spPr>
           <a:xfrm>
-            <a:off x="457200" y="1005840"/>
-            <a:ext cx="8229600" cy="3657600"/>
+            <a:off x="365760" y="685800"/>
+            <a:ext cx="8412480" cy="4297680"/>
           </a:xfrm>
           <a:prstGeom prst="rect">
             <a:avLst/>
@@ -4077,9 +4077,9 @@
           <a:p>
             <a:pPr>
               <a:spcAft>
-                <a:spcPts val="800"/>
-              </a:spcAft>
-              <a:defRPr sz="1400">
+                <a:spcPts val="400"/>
+              </a:spcAft>
+              <a:defRPr sz="1100">
                 <a:solidFill>
                   <a:srgbClr val="323232"/>
                 </a:solidFill>
@@ -4092,9 +4092,9 @@
           <a:p>
             <a:pPr>
               <a:spcAft>
-                <a:spcPts val="800"/>
-              </a:spcAft>
-              <a:defRPr sz="1400">
+                <a:spcPts val="400"/>
+              </a:spcAft>
+              <a:defRPr sz="1100">
                 <a:solidFill>
                   <a:srgbClr val="323232"/>
                 </a:solidFill>
@@ -4107,9 +4107,9 @@
           <a:p>
             <a:pPr>
               <a:spcAft>
-                <a:spcPts val="800"/>
-              </a:spcAft>
-              <a:defRPr sz="1400">
+                <a:spcPts val="400"/>
+              </a:spcAft>
+              <a:defRPr sz="1100">
                 <a:solidFill>
                   <a:srgbClr val="323232"/>
                 </a:solidFill>
@@ -4122,9 +4122,9 @@
           <a:p>
             <a:pPr>
               <a:spcAft>
-                <a:spcPts val="800"/>
-              </a:spcAft>
-              <a:defRPr sz="1400">
+                <a:spcPts val="400"/>
+              </a:spcAft>
+              <a:defRPr sz="1100">
                 <a:solidFill>
                   <a:srgbClr val="323232"/>
                 </a:solidFill>
@@ -4137,9 +4137,9 @@
           <a:p>
             <a:pPr>
               <a:spcAft>
-                <a:spcPts val="800"/>
-              </a:spcAft>
-              <a:defRPr sz="1400">
+                <a:spcPts val="400"/>
+              </a:spcAft>
+              <a:defRPr sz="1100">
                 <a:solidFill>
                   <a:srgbClr val="323232"/>
                 </a:solidFill>
@@ -4152,21 +4152,21 @@
           <a:p>
             <a:pPr>
               <a:spcAft>
-                <a:spcPts val="800"/>
-              </a:spcAft>
-              <a:defRPr sz="1400">
-                <a:solidFill>
-                  <a:srgbClr val="323232"/>
-                </a:solidFill>
-              </a:defRPr>
-            </a:pPr>
-          </a:p>
-          <a:p>
-            <a:pPr>
-              <a:spcAft>
-                <a:spcPts val="800"/>
-              </a:spcAft>
-              <a:defRPr sz="1400">
+                <a:spcPts val="400"/>
+              </a:spcAft>
+              <a:defRPr sz="1100">
+                <a:solidFill>
+                  <a:srgbClr val="323232"/>
+                </a:solidFill>
+              </a:defRPr>
+            </a:pPr>
+          </a:p>
+          <a:p>
+            <a:pPr>
+              <a:spcAft>
+                <a:spcPts val="400"/>
+              </a:spcAft>
+              <a:defRPr sz="1100">
                 <a:solidFill>
                   <a:srgbClr val="323232"/>
                 </a:solidFill>
@@ -4179,9 +4179,9 @@
           <a:p>
             <a:pPr>
               <a:spcAft>
-                <a:spcPts val="800"/>
-              </a:spcAft>
-              <a:defRPr sz="1400">
+                <a:spcPts val="400"/>
+              </a:spcAft>
+              <a:defRPr sz="1100">
                 <a:solidFill>
                   <a:srgbClr val="323232"/>
                 </a:solidFill>
@@ -4194,9 +4194,9 @@
           <a:p>
             <a:pPr>
               <a:spcAft>
-                <a:spcPts val="800"/>
-              </a:spcAft>
-              <a:defRPr sz="1400">
+                <a:spcPts val="400"/>
+              </a:spcAft>
+              <a:defRPr sz="1100">
                 <a:solidFill>
                   <a:srgbClr val="323232"/>
                 </a:solidFill>
@@ -4209,9 +4209,9 @@
           <a:p>
             <a:pPr>
               <a:spcAft>
-                <a:spcPts val="800"/>
-              </a:spcAft>
-              <a:defRPr sz="1400">
+                <a:spcPts val="400"/>
+              </a:spcAft>
+              <a:defRPr sz="1100">
                 <a:solidFill>
                   <a:srgbClr val="323232"/>
                 </a:solidFill>
@@ -4224,21 +4224,21 @@
           <a:p>
             <a:pPr>
               <a:spcAft>
-                <a:spcPts val="800"/>
-              </a:spcAft>
-              <a:defRPr sz="1400">
-                <a:solidFill>
-                  <a:srgbClr val="323232"/>
-                </a:solidFill>
-              </a:defRPr>
-            </a:pPr>
-          </a:p>
-          <a:p>
-            <a:pPr>
-              <a:spcAft>
-                <a:spcPts val="800"/>
-              </a:spcAft>
-              <a:defRPr sz="1400">
+                <a:spcPts val="400"/>
+              </a:spcAft>
+              <a:defRPr sz="1100">
+                <a:solidFill>
+                  <a:srgbClr val="323232"/>
+                </a:solidFill>
+              </a:defRPr>
+            </a:pPr>
+          </a:p>
+          <a:p>
+            <a:pPr>
+              <a:spcAft>
+                <a:spcPts val="400"/>
+              </a:spcAft>
+              <a:defRPr sz="1100">
                 <a:solidFill>
                   <a:srgbClr val="323232"/>
                 </a:solidFill>
@@ -4251,9 +4251,9 @@
           <a:p>
             <a:pPr>
               <a:spcAft>
-                <a:spcPts val="800"/>
-              </a:spcAft>
-              <a:defRPr sz="1400">
+                <a:spcPts val="400"/>
+              </a:spcAft>
+              <a:defRPr sz="1100">
                 <a:solidFill>
                   <a:srgbClr val="323232"/>
                 </a:solidFill>
@@ -4266,9 +4266,9 @@
           <a:p>
             <a:pPr>
               <a:spcAft>
-                <a:spcPts val="800"/>
-              </a:spcAft>
-              <a:defRPr sz="1400">
+                <a:spcPts val="400"/>
+              </a:spcAft>
+              <a:defRPr sz="1100">
                 <a:solidFill>
                   <a:srgbClr val="323232"/>
                 </a:solidFill>
@@ -4281,9 +4281,9 @@
           <a:p>
             <a:pPr>
               <a:spcAft>
-                <a:spcPts val="800"/>
-              </a:spcAft>
-              <a:defRPr sz="1400">
+                <a:spcPts val="400"/>
+              </a:spcAft>
+              <a:defRPr sz="1100">
                 <a:solidFill>
                   <a:srgbClr val="323232"/>
                 </a:solidFill>
@@ -4296,9 +4296,9 @@
           <a:p>
             <a:pPr>
               <a:spcAft>
-                <a:spcPts val="800"/>
-              </a:spcAft>
-              <a:defRPr sz="1400">
+                <a:spcPts val="400"/>
+              </a:spcAft>
+              <a:defRPr sz="1100">
                 <a:solidFill>
                   <a:srgbClr val="323232"/>
                 </a:solidFill>
@@ -4337,7 +4337,7 @@
         <p:spPr>
           <a:xfrm>
             <a:off x="0" y="0"/>
-            <a:ext cx="9144000" cy="731520"/>
+            <a:ext cx="9144000" cy="548640"/>
           </a:xfrm>
           <a:prstGeom prst="rect">
             <a:avLst/>
@@ -4379,8 +4379,8 @@
         </p:nvSpPr>
         <p:spPr>
           <a:xfrm>
-            <a:off x="274320" y="182880"/>
-            <a:ext cx="457200" cy="365760"/>
+            <a:off x="182880" y="109728"/>
+            <a:ext cx="365760" cy="320040"/>
           </a:xfrm>
           <a:prstGeom prst="rect">
             <a:avLst/>
@@ -4394,7 +4394,7 @@
           <a:lstStyle/>
           <a:p>
             <a:pPr>
-              <a:defRPr sz="1800" b="1">
+              <a:defRPr sz="1400" b="1">
                 <a:solidFill>
                   <a:srgbClr val="FFFFFF"/>
                 </a:solidFill>
@@ -4414,8 +4414,8 @@
         </p:nvSpPr>
         <p:spPr>
           <a:xfrm>
-            <a:off x="731520" y="182880"/>
-            <a:ext cx="7772400" cy="457200"/>
+            <a:off x="548640" y="109728"/>
+            <a:ext cx="7772400" cy="365760"/>
           </a:xfrm>
           <a:prstGeom prst="rect">
             <a:avLst/>
@@ -4429,7 +4429,7 @@
           <a:lstStyle/>
           <a:p>
             <a:pPr>
-              <a:defRPr sz="2400" b="1">
+              <a:defRPr sz="2000" b="1">
                 <a:solidFill>
                   <a:srgbClr val="FFFFFF"/>
                 </a:solidFill>
@@ -4449,8 +4449,8 @@
         </p:nvSpPr>
         <p:spPr>
           <a:xfrm>
-            <a:off x="457200" y="1005840"/>
-            <a:ext cx="8229600" cy="3657600"/>
+            <a:off x="365760" y="685800"/>
+            <a:ext cx="8412480" cy="4297680"/>
           </a:xfrm>
           <a:prstGeom prst="rect">
             <a:avLst/>
@@ -4465,9 +4465,9 @@
           <a:p>
             <a:pPr>
               <a:spcAft>
-                <a:spcPts val="800"/>
-              </a:spcAft>
-              <a:defRPr sz="1400">
+                <a:spcPts val="400"/>
+              </a:spcAft>
+              <a:defRPr sz="1100">
                 <a:solidFill>
                   <a:srgbClr val="323232"/>
                 </a:solidFill>
@@ -4480,21 +4480,21 @@
           <a:p>
             <a:pPr>
               <a:spcAft>
-                <a:spcPts val="800"/>
-              </a:spcAft>
-              <a:defRPr sz="1400">
-                <a:solidFill>
-                  <a:srgbClr val="323232"/>
-                </a:solidFill>
-              </a:defRPr>
-            </a:pPr>
-          </a:p>
-          <a:p>
-            <a:pPr>
-              <a:spcAft>
-                <a:spcPts val="800"/>
-              </a:spcAft>
-              <a:defRPr sz="1400">
+                <a:spcPts val="400"/>
+              </a:spcAft>
+              <a:defRPr sz="1100">
+                <a:solidFill>
+                  <a:srgbClr val="323232"/>
+                </a:solidFill>
+              </a:defRPr>
+            </a:pPr>
+          </a:p>
+          <a:p>
+            <a:pPr>
+              <a:spcAft>
+                <a:spcPts val="400"/>
+              </a:spcAft>
+              <a:defRPr sz="1100">
                 <a:solidFill>
                   <a:srgbClr val="323232"/>
                 </a:solidFill>
@@ -4507,9 +4507,9 @@
           <a:p>
             <a:pPr>
               <a:spcAft>
-                <a:spcPts val="800"/>
-              </a:spcAft>
-              <a:defRPr sz="1400">
+                <a:spcPts val="400"/>
+              </a:spcAft>
+              <a:defRPr sz="1100">
                 <a:solidFill>
                   <a:srgbClr val="323232"/>
                 </a:solidFill>
@@ -4522,9 +4522,9 @@
           <a:p>
             <a:pPr>
               <a:spcAft>
-                <a:spcPts val="800"/>
-              </a:spcAft>
-              <a:defRPr sz="1400">
+                <a:spcPts val="400"/>
+              </a:spcAft>
+              <a:defRPr sz="1100">
                 <a:solidFill>
                   <a:srgbClr val="323232"/>
                 </a:solidFill>
@@ -4537,9 +4537,9 @@
           <a:p>
             <a:pPr>
               <a:spcAft>
-                <a:spcPts val="800"/>
-              </a:spcAft>
-              <a:defRPr sz="1400">
+                <a:spcPts val="400"/>
+              </a:spcAft>
+              <a:defRPr sz="1100">
                 <a:solidFill>
                   <a:srgbClr val="323232"/>
                 </a:solidFill>
@@ -4552,9 +4552,9 @@
           <a:p>
             <a:pPr>
               <a:spcAft>
-                <a:spcPts val="800"/>
-              </a:spcAft>
-              <a:defRPr sz="1400">
+                <a:spcPts val="400"/>
+              </a:spcAft>
+              <a:defRPr sz="1100">
                 <a:solidFill>
                   <a:srgbClr val="323232"/>
                 </a:solidFill>
@@ -4567,21 +4567,21 @@
           <a:p>
             <a:pPr>
               <a:spcAft>
-                <a:spcPts val="800"/>
-              </a:spcAft>
-              <a:defRPr sz="1400">
-                <a:solidFill>
-                  <a:srgbClr val="323232"/>
-                </a:solidFill>
-              </a:defRPr>
-            </a:pPr>
-          </a:p>
-          <a:p>
-            <a:pPr>
-              <a:spcAft>
-                <a:spcPts val="800"/>
-              </a:spcAft>
-              <a:defRPr sz="1400">
+                <a:spcPts val="400"/>
+              </a:spcAft>
+              <a:defRPr sz="1100">
+                <a:solidFill>
+                  <a:srgbClr val="323232"/>
+                </a:solidFill>
+              </a:defRPr>
+            </a:pPr>
+          </a:p>
+          <a:p>
+            <a:pPr>
+              <a:spcAft>
+                <a:spcPts val="400"/>
+              </a:spcAft>
+              <a:defRPr sz="1100">
                 <a:solidFill>
                   <a:srgbClr val="323232"/>
                 </a:solidFill>
@@ -4594,21 +4594,21 @@
           <a:p>
             <a:pPr>
               <a:spcAft>
-                <a:spcPts val="800"/>
-              </a:spcAft>
-              <a:defRPr sz="1400">
-                <a:solidFill>
-                  <a:srgbClr val="323232"/>
-                </a:solidFill>
-              </a:defRPr>
-            </a:pPr>
-          </a:p>
-          <a:p>
-            <a:pPr>
-              <a:spcAft>
-                <a:spcPts val="800"/>
-              </a:spcAft>
-              <a:defRPr sz="1400">
+                <a:spcPts val="400"/>
+              </a:spcAft>
+              <a:defRPr sz="1100">
+                <a:solidFill>
+                  <a:srgbClr val="323232"/>
+                </a:solidFill>
+              </a:defRPr>
+            </a:pPr>
+          </a:p>
+          <a:p>
+            <a:pPr>
+              <a:spcAft>
+                <a:spcPts val="400"/>
+              </a:spcAft>
+              <a:defRPr sz="1100">
                 <a:solidFill>
                   <a:srgbClr val="323232"/>
                 </a:solidFill>
@@ -4621,9 +4621,9 @@
           <a:p>
             <a:pPr>
               <a:spcAft>
-                <a:spcPts val="800"/>
-              </a:spcAft>
-              <a:defRPr sz="1400">
+                <a:spcPts val="400"/>
+              </a:spcAft>
+              <a:defRPr sz="1100">
                 <a:solidFill>
                   <a:srgbClr val="323232"/>
                 </a:solidFill>
@@ -4636,9 +4636,9 @@
           <a:p>
             <a:pPr>
               <a:spcAft>
-                <a:spcPts val="800"/>
-              </a:spcAft>
-              <a:defRPr sz="1400">
+                <a:spcPts val="400"/>
+              </a:spcAft>
+              <a:defRPr sz="1100">
                 <a:solidFill>
                   <a:srgbClr val="323232"/>
                 </a:solidFill>
@@ -4651,9 +4651,9 @@
           <a:p>
             <a:pPr>
               <a:spcAft>
-                <a:spcPts val="800"/>
-              </a:spcAft>
-              <a:defRPr sz="1400">
+                <a:spcPts val="400"/>
+              </a:spcAft>
+              <a:defRPr sz="1100">
                 <a:solidFill>
                   <a:srgbClr val="323232"/>
                 </a:solidFill>
@@ -4692,7 +4692,7 @@
         <p:spPr>
           <a:xfrm>
             <a:off x="0" y="0"/>
-            <a:ext cx="9144000" cy="731520"/>
+            <a:ext cx="9144000" cy="548640"/>
           </a:xfrm>
           <a:prstGeom prst="rect">
             <a:avLst/>
@@ -4734,8 +4734,8 @@
         </p:nvSpPr>
         <p:spPr>
           <a:xfrm>
-            <a:off x="274320" y="182880"/>
-            <a:ext cx="457200" cy="365760"/>
+            <a:off x="182880" y="109728"/>
+            <a:ext cx="365760" cy="320040"/>
           </a:xfrm>
           <a:prstGeom prst="rect">
             <a:avLst/>
@@ -4749,7 +4749,7 @@
           <a:lstStyle/>
           <a:p>
             <a:pPr>
-              <a:defRPr sz="1800" b="1">
+              <a:defRPr sz="1400" b="1">
                 <a:solidFill>
                   <a:srgbClr val="FFFFFF"/>
                 </a:solidFill>
@@ -4769,8 +4769,8 @@
         </p:nvSpPr>
         <p:spPr>
           <a:xfrm>
-            <a:off x="731520" y="182880"/>
-            <a:ext cx="7772400" cy="457200"/>
+            <a:off x="548640" y="109728"/>
+            <a:ext cx="7772400" cy="365760"/>
           </a:xfrm>
           <a:prstGeom prst="rect">
             <a:avLst/>
@@ -4784,7 +4784,7 @@
           <a:lstStyle/>
           <a:p>
             <a:pPr>
-              <a:defRPr sz="2400" b="1">
+              <a:defRPr sz="2000" b="1">
                 <a:solidFill>
                   <a:srgbClr val="FFFFFF"/>
                 </a:solidFill>
@@ -4804,8 +4804,8 @@
         </p:nvSpPr>
         <p:spPr>
           <a:xfrm>
-            <a:off x="457200" y="1005840"/>
-            <a:ext cx="8229600" cy="3657600"/>
+            <a:off x="365760" y="685800"/>
+            <a:ext cx="8412480" cy="4297680"/>
           </a:xfrm>
           <a:prstGeom prst="rect">
             <a:avLst/>
@@ -4820,9 +4820,9 @@
           <a:p>
             <a:pPr>
               <a:spcAft>
-                <a:spcPts val="800"/>
-              </a:spcAft>
-              <a:defRPr sz="1400">
+                <a:spcPts val="400"/>
+              </a:spcAft>
+              <a:defRPr sz="1100">
                 <a:solidFill>
                   <a:srgbClr val="323232"/>
                 </a:solidFill>
@@ -4835,9 +4835,9 @@
           <a:p>
             <a:pPr>
               <a:spcAft>
-                <a:spcPts val="800"/>
-              </a:spcAft>
-              <a:defRPr sz="1400">
+                <a:spcPts val="400"/>
+              </a:spcAft>
+              <a:defRPr sz="1100">
                 <a:solidFill>
                   <a:srgbClr val="323232"/>
                 </a:solidFill>
@@ -4850,9 +4850,9 @@
           <a:p>
             <a:pPr>
               <a:spcAft>
-                <a:spcPts val="800"/>
-              </a:spcAft>
-              <a:defRPr sz="1400">
+                <a:spcPts val="400"/>
+              </a:spcAft>
+              <a:defRPr sz="1100">
                 <a:solidFill>
                   <a:srgbClr val="323232"/>
                 </a:solidFill>
@@ -4865,9 +4865,9 @@
           <a:p>
             <a:pPr>
               <a:spcAft>
-                <a:spcPts val="800"/>
-              </a:spcAft>
-              <a:defRPr sz="1400">
+                <a:spcPts val="400"/>
+              </a:spcAft>
+              <a:defRPr sz="1100">
                 <a:solidFill>
                   <a:srgbClr val="323232"/>
                 </a:solidFill>
@@ -4880,9 +4880,9 @@
           <a:p>
             <a:pPr>
               <a:spcAft>
-                <a:spcPts val="800"/>
-              </a:spcAft>
-              <a:defRPr sz="1400">
+                <a:spcPts val="400"/>
+              </a:spcAft>
+              <a:defRPr sz="1100">
                 <a:solidFill>
                   <a:srgbClr val="323232"/>
                 </a:solidFill>
@@ -4895,21 +4895,21 @@
           <a:p>
             <a:pPr>
               <a:spcAft>
-                <a:spcPts val="800"/>
-              </a:spcAft>
-              <a:defRPr sz="1400">
-                <a:solidFill>
-                  <a:srgbClr val="323232"/>
-                </a:solidFill>
-              </a:defRPr>
-            </a:pPr>
-          </a:p>
-          <a:p>
-            <a:pPr>
-              <a:spcAft>
-                <a:spcPts val="800"/>
-              </a:spcAft>
-              <a:defRPr sz="1400">
+                <a:spcPts val="400"/>
+              </a:spcAft>
+              <a:defRPr sz="1100">
+                <a:solidFill>
+                  <a:srgbClr val="323232"/>
+                </a:solidFill>
+              </a:defRPr>
+            </a:pPr>
+          </a:p>
+          <a:p>
+            <a:pPr>
+              <a:spcAft>
+                <a:spcPts val="400"/>
+              </a:spcAft>
+              <a:defRPr sz="1100">
                 <a:solidFill>
                   <a:srgbClr val="323232"/>
                 </a:solidFill>
@@ -4922,9 +4922,9 @@
           <a:p>
             <a:pPr>
               <a:spcAft>
-                <a:spcPts val="800"/>
-              </a:spcAft>
-              <a:defRPr sz="1400">
+                <a:spcPts val="400"/>
+              </a:spcAft>
+              <a:defRPr sz="1100">
                 <a:solidFill>
                   <a:srgbClr val="323232"/>
                 </a:solidFill>
@@ -4937,9 +4937,9 @@
           <a:p>
             <a:pPr>
               <a:spcAft>
-                <a:spcPts val="800"/>
-              </a:spcAft>
-              <a:defRPr sz="1400">
+                <a:spcPts val="400"/>
+              </a:spcAft>
+              <a:defRPr sz="1100">
                 <a:solidFill>
                   <a:srgbClr val="323232"/>
                 </a:solidFill>
@@ -4952,9 +4952,9 @@
           <a:p>
             <a:pPr>
               <a:spcAft>
-                <a:spcPts val="800"/>
-              </a:spcAft>
-              <a:defRPr sz="1400">
+                <a:spcPts val="400"/>
+              </a:spcAft>
+              <a:defRPr sz="1100">
                 <a:solidFill>
                   <a:srgbClr val="323232"/>
                 </a:solidFill>
@@ -4967,21 +4967,21 @@
           <a:p>
             <a:pPr>
               <a:spcAft>
-                <a:spcPts val="800"/>
-              </a:spcAft>
-              <a:defRPr sz="1400">
-                <a:solidFill>
-                  <a:srgbClr val="323232"/>
-                </a:solidFill>
-              </a:defRPr>
-            </a:pPr>
-          </a:p>
-          <a:p>
-            <a:pPr>
-              <a:spcAft>
-                <a:spcPts val="800"/>
-              </a:spcAft>
-              <a:defRPr sz="1400">
+                <a:spcPts val="400"/>
+              </a:spcAft>
+              <a:defRPr sz="1100">
+                <a:solidFill>
+                  <a:srgbClr val="323232"/>
+                </a:solidFill>
+              </a:defRPr>
+            </a:pPr>
+          </a:p>
+          <a:p>
+            <a:pPr>
+              <a:spcAft>
+                <a:spcPts val="400"/>
+              </a:spcAft>
+              <a:defRPr sz="1100">
                 <a:solidFill>
                   <a:srgbClr val="323232"/>
                 </a:solidFill>
@@ -4994,9 +4994,9 @@
           <a:p>
             <a:pPr>
               <a:spcAft>
-                <a:spcPts val="800"/>
-              </a:spcAft>
-              <a:defRPr sz="1400">
+                <a:spcPts val="400"/>
+              </a:spcAft>
+              <a:defRPr sz="1100">
                 <a:solidFill>
                   <a:srgbClr val="323232"/>
                 </a:solidFill>
@@ -5009,9 +5009,9 @@
           <a:p>
             <a:pPr>
               <a:spcAft>
-                <a:spcPts val="800"/>
-              </a:spcAft>
-              <a:defRPr sz="1400">
+                <a:spcPts val="400"/>
+              </a:spcAft>
+              <a:defRPr sz="1100">
                 <a:solidFill>
                   <a:srgbClr val="323232"/>
                 </a:solidFill>
@@ -5024,9 +5024,9 @@
           <a:p>
             <a:pPr>
               <a:spcAft>
-                <a:spcPts val="800"/>
-              </a:spcAft>
-              <a:defRPr sz="1400">
+                <a:spcPts val="400"/>
+              </a:spcAft>
+              <a:defRPr sz="1100">
                 <a:solidFill>
                   <a:srgbClr val="323232"/>
                 </a:solidFill>
@@ -5039,21 +5039,21 @@
           <a:p>
             <a:pPr>
               <a:spcAft>
-                <a:spcPts val="800"/>
-              </a:spcAft>
-              <a:defRPr sz="1400">
-                <a:solidFill>
-                  <a:srgbClr val="323232"/>
-                </a:solidFill>
-              </a:defRPr>
-            </a:pPr>
-          </a:p>
-          <a:p>
-            <a:pPr>
-              <a:spcAft>
-                <a:spcPts val="800"/>
-              </a:spcAft>
-              <a:defRPr sz="1400">
+                <a:spcPts val="400"/>
+              </a:spcAft>
+              <a:defRPr sz="1100">
+                <a:solidFill>
+                  <a:srgbClr val="323232"/>
+                </a:solidFill>
+              </a:defRPr>
+            </a:pPr>
+          </a:p>
+          <a:p>
+            <a:pPr>
+              <a:spcAft>
+                <a:spcPts val="400"/>
+              </a:spcAft>
+              <a:defRPr sz="1100">
                 <a:solidFill>
                   <a:srgbClr val="323232"/>
                 </a:solidFill>
@@ -5092,7 +5092,7 @@
         <p:spPr>
           <a:xfrm>
             <a:off x="0" y="0"/>
-            <a:ext cx="9144000" cy="731520"/>
+            <a:ext cx="9144000" cy="548640"/>
           </a:xfrm>
           <a:prstGeom prst="rect">
             <a:avLst/>
@@ -5134,8 +5134,8 @@
         </p:nvSpPr>
         <p:spPr>
           <a:xfrm>
-            <a:off x="274320" y="182880"/>
-            <a:ext cx="457200" cy="365760"/>
+            <a:off x="182880" y="109728"/>
+            <a:ext cx="365760" cy="320040"/>
           </a:xfrm>
           <a:prstGeom prst="rect">
             <a:avLst/>
@@ -5149,7 +5149,7 @@
           <a:lstStyle/>
           <a:p>
             <a:pPr>
-              <a:defRPr sz="1800" b="1">
+              <a:defRPr sz="1400" b="1">
                 <a:solidFill>
                   <a:srgbClr val="FFFFFF"/>
                 </a:solidFill>
@@ -5169,8 +5169,8 @@
         </p:nvSpPr>
         <p:spPr>
           <a:xfrm>
-            <a:off x="731520" y="182880"/>
-            <a:ext cx="7772400" cy="457200"/>
+            <a:off x="548640" y="109728"/>
+            <a:ext cx="7772400" cy="365760"/>
           </a:xfrm>
           <a:prstGeom prst="rect">
             <a:avLst/>
@@ -5184,7 +5184,7 @@
           <a:lstStyle/>
           <a:p>
             <a:pPr>
-              <a:defRPr sz="2400" b="1">
+              <a:defRPr sz="2000" b="1">
                 <a:solidFill>
                   <a:srgbClr val="FFFFFF"/>
                 </a:solidFill>
@@ -5204,8 +5204,8 @@
         </p:nvSpPr>
         <p:spPr>
           <a:xfrm>
-            <a:off x="457200" y="1005840"/>
-            <a:ext cx="8229600" cy="3657600"/>
+            <a:off x="365760" y="685800"/>
+            <a:ext cx="8412480" cy="4297680"/>
           </a:xfrm>
           <a:prstGeom prst="rect">
             <a:avLst/>
@@ -5220,9 +5220,9 @@
           <a:p>
             <a:pPr>
               <a:spcAft>
-                <a:spcPts val="800"/>
-              </a:spcAft>
-              <a:defRPr sz="1400">
+                <a:spcPts val="400"/>
+              </a:spcAft>
+              <a:defRPr sz="1100">
                 <a:solidFill>
                   <a:srgbClr val="323232"/>
                 </a:solidFill>
@@ -5235,9 +5235,9 @@
           <a:p>
             <a:pPr>
               <a:spcAft>
-                <a:spcPts val="800"/>
-              </a:spcAft>
-              <a:defRPr sz="1400">
+                <a:spcPts val="400"/>
+              </a:spcAft>
+              <a:defRPr sz="1100">
                 <a:solidFill>
                   <a:srgbClr val="323232"/>
                 </a:solidFill>
@@ -5250,9 +5250,9 @@
           <a:p>
             <a:pPr>
               <a:spcAft>
-                <a:spcPts val="800"/>
-              </a:spcAft>
-              <a:defRPr sz="1400">
+                <a:spcPts val="400"/>
+              </a:spcAft>
+              <a:defRPr sz="1100">
                 <a:solidFill>
                   <a:srgbClr val="323232"/>
                 </a:solidFill>
@@ -5265,9 +5265,9 @@
           <a:p>
             <a:pPr>
               <a:spcAft>
-                <a:spcPts val="800"/>
-              </a:spcAft>
-              <a:defRPr sz="1400">
+                <a:spcPts val="400"/>
+              </a:spcAft>
+              <a:defRPr sz="1100">
                 <a:solidFill>
                   <a:srgbClr val="323232"/>
                 </a:solidFill>
@@ -5280,9 +5280,9 @@
           <a:p>
             <a:pPr>
               <a:spcAft>
-                <a:spcPts val="800"/>
-              </a:spcAft>
-              <a:defRPr sz="1400">
+                <a:spcPts val="400"/>
+              </a:spcAft>
+              <a:defRPr sz="1100">
                 <a:solidFill>
                   <a:srgbClr val="323232"/>
                 </a:solidFill>
@@ -5295,21 +5295,21 @@
           <a:p>
             <a:pPr>
               <a:spcAft>
-                <a:spcPts val="800"/>
-              </a:spcAft>
-              <a:defRPr sz="1400">
-                <a:solidFill>
-                  <a:srgbClr val="323232"/>
-                </a:solidFill>
-              </a:defRPr>
-            </a:pPr>
-          </a:p>
-          <a:p>
-            <a:pPr>
-              <a:spcAft>
-                <a:spcPts val="800"/>
-              </a:spcAft>
-              <a:defRPr sz="1400">
+                <a:spcPts val="400"/>
+              </a:spcAft>
+              <a:defRPr sz="1100">
+                <a:solidFill>
+                  <a:srgbClr val="323232"/>
+                </a:solidFill>
+              </a:defRPr>
+            </a:pPr>
+          </a:p>
+          <a:p>
+            <a:pPr>
+              <a:spcAft>
+                <a:spcPts val="400"/>
+              </a:spcAft>
+              <a:defRPr sz="1100">
                 <a:solidFill>
                   <a:srgbClr val="323232"/>
                 </a:solidFill>
@@ -5322,9 +5322,9 @@
           <a:p>
             <a:pPr>
               <a:spcAft>
-                <a:spcPts val="800"/>
-              </a:spcAft>
-              <a:defRPr sz="1400">
+                <a:spcPts val="400"/>
+              </a:spcAft>
+              <a:defRPr sz="1100">
                 <a:solidFill>
                   <a:srgbClr val="323232"/>
                 </a:solidFill>
@@ -5337,9 +5337,9 @@
           <a:p>
             <a:pPr>
               <a:spcAft>
-                <a:spcPts val="800"/>
-              </a:spcAft>
-              <a:defRPr sz="1400">
+                <a:spcPts val="400"/>
+              </a:spcAft>
+              <a:defRPr sz="1100">
                 <a:solidFill>
                   <a:srgbClr val="323232"/>
                 </a:solidFill>
@@ -5352,9 +5352,9 @@
           <a:p>
             <a:pPr>
               <a:spcAft>
-                <a:spcPts val="800"/>
-              </a:spcAft>
-              <a:defRPr sz="1400">
+                <a:spcPts val="400"/>
+              </a:spcAft>
+              <a:defRPr sz="1100">
                 <a:solidFill>
                   <a:srgbClr val="323232"/>
                 </a:solidFill>
@@ -5367,21 +5367,21 @@
           <a:p>
             <a:pPr>
               <a:spcAft>
-                <a:spcPts val="800"/>
-              </a:spcAft>
-              <a:defRPr sz="1400">
-                <a:solidFill>
-                  <a:srgbClr val="323232"/>
-                </a:solidFill>
-              </a:defRPr>
-            </a:pPr>
-          </a:p>
-          <a:p>
-            <a:pPr>
-              <a:spcAft>
-                <a:spcPts val="800"/>
-              </a:spcAft>
-              <a:defRPr sz="1400">
+                <a:spcPts val="400"/>
+              </a:spcAft>
+              <a:defRPr sz="1100">
+                <a:solidFill>
+                  <a:srgbClr val="323232"/>
+                </a:solidFill>
+              </a:defRPr>
+            </a:pPr>
+          </a:p>
+          <a:p>
+            <a:pPr>
+              <a:spcAft>
+                <a:spcPts val="400"/>
+              </a:spcAft>
+              <a:defRPr sz="1100">
                 <a:solidFill>
                   <a:srgbClr val="323232"/>
                 </a:solidFill>
@@ -5394,9 +5394,9 @@
           <a:p>
             <a:pPr>
               <a:spcAft>
-                <a:spcPts val="800"/>
-              </a:spcAft>
-              <a:defRPr sz="1400">
+                <a:spcPts val="400"/>
+              </a:spcAft>
+              <a:defRPr sz="1100">
                 <a:solidFill>
                   <a:srgbClr val="323232"/>
                 </a:solidFill>
@@ -5409,9 +5409,9 @@
           <a:p>
             <a:pPr>
               <a:spcAft>
-                <a:spcPts val="800"/>
-              </a:spcAft>
-              <a:defRPr sz="1400">
+                <a:spcPts val="400"/>
+              </a:spcAft>
+              <a:defRPr sz="1100">
                 <a:solidFill>
                   <a:srgbClr val="323232"/>
                 </a:solidFill>
@@ -5424,21 +5424,21 @@
           <a:p>
             <a:pPr>
               <a:spcAft>
-                <a:spcPts val="800"/>
-              </a:spcAft>
-              <a:defRPr sz="1400">
-                <a:solidFill>
-                  <a:srgbClr val="323232"/>
-                </a:solidFill>
-              </a:defRPr>
-            </a:pPr>
-          </a:p>
-          <a:p>
-            <a:pPr>
-              <a:spcAft>
-                <a:spcPts val="800"/>
-              </a:spcAft>
-              <a:defRPr sz="1400">
+                <a:spcPts val="400"/>
+              </a:spcAft>
+              <a:defRPr sz="1100">
+                <a:solidFill>
+                  <a:srgbClr val="323232"/>
+                </a:solidFill>
+              </a:defRPr>
+            </a:pPr>
+          </a:p>
+          <a:p>
+            <a:pPr>
+              <a:spcAft>
+                <a:spcPts val="400"/>
+              </a:spcAft>
+              <a:defRPr sz="1100">
                 <a:solidFill>
                   <a:srgbClr val="323232"/>
                 </a:solidFill>
@@ -5451,9 +5451,9 @@
           <a:p>
             <a:pPr>
               <a:spcAft>
-                <a:spcPts val="800"/>
-              </a:spcAft>
-              <a:defRPr sz="1400">
+                <a:spcPts val="400"/>
+              </a:spcAft>
+              <a:defRPr sz="1100">
                 <a:solidFill>
                   <a:srgbClr val="323232"/>
                 </a:solidFill>
@@ -5466,9 +5466,9 @@
           <a:p>
             <a:pPr>
               <a:spcAft>
-                <a:spcPts val="800"/>
-              </a:spcAft>
-              <a:defRPr sz="1400">
+                <a:spcPts val="400"/>
+              </a:spcAft>
+              <a:defRPr sz="1100">
                 <a:solidFill>
                   <a:srgbClr val="323232"/>
                 </a:solidFill>
@@ -5507,7 +5507,7 @@
         <p:spPr>
           <a:xfrm>
             <a:off x="0" y="0"/>
-            <a:ext cx="9144000" cy="731520"/>
+            <a:ext cx="9144000" cy="548640"/>
           </a:xfrm>
           <a:prstGeom prst="rect">
             <a:avLst/>
@@ -5549,8 +5549,8 @@
         </p:nvSpPr>
         <p:spPr>
           <a:xfrm>
-            <a:off x="274320" y="182880"/>
-            <a:ext cx="457200" cy="365760"/>
+            <a:off x="182880" y="109728"/>
+            <a:ext cx="365760" cy="320040"/>
           </a:xfrm>
           <a:prstGeom prst="rect">
             <a:avLst/>
@@ -5564,7 +5564,7 @@
           <a:lstStyle/>
           <a:p>
             <a:pPr>
-              <a:defRPr sz="1800" b="1">
+              <a:defRPr sz="1400" b="1">
                 <a:solidFill>
                   <a:srgbClr val="FFFFFF"/>
                 </a:solidFill>
@@ -5584,8 +5584,8 @@
         </p:nvSpPr>
         <p:spPr>
           <a:xfrm>
-            <a:off x="731520" y="182880"/>
-            <a:ext cx="7772400" cy="457200"/>
+            <a:off x="548640" y="109728"/>
+            <a:ext cx="7772400" cy="365760"/>
           </a:xfrm>
           <a:prstGeom prst="rect">
             <a:avLst/>
@@ -5599,7 +5599,7 @@
           <a:lstStyle/>
           <a:p>
             <a:pPr>
-              <a:defRPr sz="2400" b="1">
+              <a:defRPr sz="2000" b="1">
                 <a:solidFill>
                   <a:srgbClr val="FFFFFF"/>
                 </a:solidFill>
@@ -5619,8 +5619,8 @@
         </p:nvSpPr>
         <p:spPr>
           <a:xfrm>
-            <a:off x="457200" y="1005840"/>
-            <a:ext cx="8229600" cy="3657600"/>
+            <a:off x="365760" y="685800"/>
+            <a:ext cx="8412480" cy="4297680"/>
           </a:xfrm>
           <a:prstGeom prst="rect">
             <a:avLst/>
@@ -5635,9 +5635,9 @@
           <a:p>
             <a:pPr>
               <a:spcAft>
-                <a:spcPts val="800"/>
-              </a:spcAft>
-              <a:defRPr sz="1400">
+                <a:spcPts val="400"/>
+              </a:spcAft>
+              <a:defRPr sz="1100">
                 <a:solidFill>
                   <a:srgbClr val="323232"/>
                 </a:solidFill>
@@ -5650,9 +5650,9 @@
           <a:p>
             <a:pPr>
               <a:spcAft>
-                <a:spcPts val="800"/>
-              </a:spcAft>
-              <a:defRPr sz="1400">
+                <a:spcPts val="400"/>
+              </a:spcAft>
+              <a:defRPr sz="1100">
                 <a:solidFill>
                   <a:srgbClr val="323232"/>
                 </a:solidFill>
@@ -5665,9 +5665,9 @@
           <a:p>
             <a:pPr>
               <a:spcAft>
-                <a:spcPts val="800"/>
-              </a:spcAft>
-              <a:defRPr sz="1400">
+                <a:spcPts val="400"/>
+              </a:spcAft>
+              <a:defRPr sz="1100">
                 <a:solidFill>
                   <a:srgbClr val="323232"/>
                 </a:solidFill>
@@ -5680,9 +5680,9 @@
           <a:p>
             <a:pPr>
               <a:spcAft>
-                <a:spcPts val="800"/>
-              </a:spcAft>
-              <a:defRPr sz="1400">
+                <a:spcPts val="400"/>
+              </a:spcAft>
+              <a:defRPr sz="1100">
                 <a:solidFill>
                   <a:srgbClr val="323232"/>
                 </a:solidFill>
@@ -5695,21 +5695,21 @@
           <a:p>
             <a:pPr>
               <a:spcAft>
-                <a:spcPts val="800"/>
-              </a:spcAft>
-              <a:defRPr sz="1400">
-                <a:solidFill>
-                  <a:srgbClr val="323232"/>
-                </a:solidFill>
-              </a:defRPr>
-            </a:pPr>
-          </a:p>
-          <a:p>
-            <a:pPr>
-              <a:spcAft>
-                <a:spcPts val="800"/>
-              </a:spcAft>
-              <a:defRPr sz="1400">
+                <a:spcPts val="400"/>
+              </a:spcAft>
+              <a:defRPr sz="1100">
+                <a:solidFill>
+                  <a:srgbClr val="323232"/>
+                </a:solidFill>
+              </a:defRPr>
+            </a:pPr>
+          </a:p>
+          <a:p>
+            <a:pPr>
+              <a:spcAft>
+                <a:spcPts val="400"/>
+              </a:spcAft>
+              <a:defRPr sz="1100">
                 <a:solidFill>
                   <a:srgbClr val="323232"/>
                 </a:solidFill>
@@ -5722,9 +5722,9 @@
           <a:p>
             <a:pPr>
               <a:spcAft>
-                <a:spcPts val="800"/>
-              </a:spcAft>
-              <a:defRPr sz="1400">
+                <a:spcPts val="400"/>
+              </a:spcAft>
+              <a:defRPr sz="1100">
                 <a:solidFill>
                   <a:srgbClr val="323232"/>
                 </a:solidFill>
@@ -5737,9 +5737,9 @@
           <a:p>
             <a:pPr>
               <a:spcAft>
-                <a:spcPts val="800"/>
-              </a:spcAft>
-              <a:defRPr sz="1400">
+                <a:spcPts val="400"/>
+              </a:spcAft>
+              <a:defRPr sz="1100">
                 <a:solidFill>
                   <a:srgbClr val="323232"/>
                 </a:solidFill>
@@ -5752,9 +5752,9 @@
           <a:p>
             <a:pPr>
               <a:spcAft>
-                <a:spcPts val="800"/>
-              </a:spcAft>
-              <a:defRPr sz="1400">
+                <a:spcPts val="400"/>
+              </a:spcAft>
+              <a:defRPr sz="1100">
                 <a:solidFill>
                   <a:srgbClr val="323232"/>
                 </a:solidFill>
@@ -5767,9 +5767,9 @@
           <a:p>
             <a:pPr>
               <a:spcAft>
-                <a:spcPts val="800"/>
-              </a:spcAft>
-              <a:defRPr sz="1400">
+                <a:spcPts val="400"/>
+              </a:spcAft>
+              <a:defRPr sz="1100">
                 <a:solidFill>
                   <a:srgbClr val="323232"/>
                 </a:solidFill>
@@ -5782,21 +5782,21 @@
           <a:p>
             <a:pPr>
               <a:spcAft>
-                <a:spcPts val="800"/>
-              </a:spcAft>
-              <a:defRPr sz="1400">
-                <a:solidFill>
-                  <a:srgbClr val="323232"/>
-                </a:solidFill>
-              </a:defRPr>
-            </a:pPr>
-          </a:p>
-          <a:p>
-            <a:pPr>
-              <a:spcAft>
-                <a:spcPts val="800"/>
-              </a:spcAft>
-              <a:defRPr sz="1400">
+                <a:spcPts val="400"/>
+              </a:spcAft>
+              <a:defRPr sz="1100">
+                <a:solidFill>
+                  <a:srgbClr val="323232"/>
+                </a:solidFill>
+              </a:defRPr>
+            </a:pPr>
+          </a:p>
+          <a:p>
+            <a:pPr>
+              <a:spcAft>
+                <a:spcPts val="400"/>
+              </a:spcAft>
+              <a:defRPr sz="1100">
                 <a:solidFill>
                   <a:srgbClr val="323232"/>
                 </a:solidFill>
@@ -5809,9 +5809,9 @@
           <a:p>
             <a:pPr>
               <a:spcAft>
-                <a:spcPts val="800"/>
-              </a:spcAft>
-              <a:defRPr sz="1400">
+                <a:spcPts val="400"/>
+              </a:spcAft>
+              <a:defRPr sz="1100">
                 <a:solidFill>
                   <a:srgbClr val="323232"/>
                 </a:solidFill>
@@ -5824,9 +5824,9 @@
           <a:p>
             <a:pPr>
               <a:spcAft>
-                <a:spcPts val="800"/>
-              </a:spcAft>
-              <a:defRPr sz="1400">
+                <a:spcPts val="400"/>
+              </a:spcAft>
+              <a:defRPr sz="1100">
                 <a:solidFill>
                   <a:srgbClr val="323232"/>
                 </a:solidFill>
@@ -5839,9 +5839,9 @@
           <a:p>
             <a:pPr>
               <a:spcAft>
-                <a:spcPts val="800"/>
-              </a:spcAft>
-              <a:defRPr sz="1400">
+                <a:spcPts val="400"/>
+              </a:spcAft>
+              <a:defRPr sz="1100">
                 <a:solidFill>
                   <a:srgbClr val="323232"/>
                 </a:solidFill>
@@ -5880,7 +5880,7 @@
         <p:spPr>
           <a:xfrm>
             <a:off x="0" y="0"/>
-            <a:ext cx="9144000" cy="731520"/>
+            <a:ext cx="9144000" cy="548640"/>
           </a:xfrm>
           <a:prstGeom prst="rect">
             <a:avLst/>
@@ -5922,8 +5922,8 @@
         </p:nvSpPr>
         <p:spPr>
           <a:xfrm>
-            <a:off x="274320" y="182880"/>
-            <a:ext cx="457200" cy="365760"/>
+            <a:off x="182880" y="109728"/>
+            <a:ext cx="365760" cy="320040"/>
           </a:xfrm>
           <a:prstGeom prst="rect">
             <a:avLst/>
@@ -5937,7 +5937,7 @@
           <a:lstStyle/>
           <a:p>
             <a:pPr>
-              <a:defRPr sz="1800" b="1">
+              <a:defRPr sz="1400" b="1">
                 <a:solidFill>
                   <a:srgbClr val="FFFFFF"/>
                 </a:solidFill>
@@ -5957,8 +5957,8 @@
         </p:nvSpPr>
         <p:spPr>
           <a:xfrm>
-            <a:off x="731520" y="182880"/>
-            <a:ext cx="7772400" cy="457200"/>
+            <a:off x="548640" y="109728"/>
+            <a:ext cx="7772400" cy="365760"/>
           </a:xfrm>
           <a:prstGeom prst="rect">
             <a:avLst/>
@@ -5972,7 +5972,7 @@
           <a:lstStyle/>
           <a:p>
             <a:pPr>
-              <a:defRPr sz="2400" b="1">
+              <a:defRPr sz="2000" b="1">
                 <a:solidFill>
                   <a:srgbClr val="FFFFFF"/>
                 </a:solidFill>
@@ -5992,8 +5992,8 @@
         </p:nvSpPr>
         <p:spPr>
           <a:xfrm>
-            <a:off x="457200" y="1005840"/>
-            <a:ext cx="8229600" cy="3657600"/>
+            <a:off x="365760" y="685800"/>
+            <a:ext cx="8412480" cy="4297680"/>
           </a:xfrm>
           <a:prstGeom prst="rect">
             <a:avLst/>
@@ -6008,9 +6008,9 @@
           <a:p>
             <a:pPr>
               <a:spcAft>
-                <a:spcPts val="800"/>
-              </a:spcAft>
-              <a:defRPr sz="1400">
+                <a:spcPts val="400"/>
+              </a:spcAft>
+              <a:defRPr sz="1100">
                 <a:solidFill>
                   <a:srgbClr val="323232"/>
                 </a:solidFill>
@@ -6023,9 +6023,9 @@
           <a:p>
             <a:pPr>
               <a:spcAft>
-                <a:spcPts val="800"/>
-              </a:spcAft>
-              <a:defRPr sz="1400">
+                <a:spcPts val="400"/>
+              </a:spcAft>
+              <a:defRPr sz="1100">
                 <a:solidFill>
                   <a:srgbClr val="323232"/>
                 </a:solidFill>
@@ -6038,9 +6038,9 @@
           <a:p>
             <a:pPr>
               <a:spcAft>
-                <a:spcPts val="800"/>
-              </a:spcAft>
-              <a:defRPr sz="1400">
+                <a:spcPts val="400"/>
+              </a:spcAft>
+              <a:defRPr sz="1100">
                 <a:solidFill>
                   <a:srgbClr val="323232"/>
                 </a:solidFill>
@@ -6053,9 +6053,9 @@
           <a:p>
             <a:pPr>
               <a:spcAft>
-                <a:spcPts val="800"/>
-              </a:spcAft>
-              <a:defRPr sz="1400">
+                <a:spcPts val="400"/>
+              </a:spcAft>
+              <a:defRPr sz="1100">
                 <a:solidFill>
                   <a:srgbClr val="323232"/>
                 </a:solidFill>
@@ -6068,9 +6068,9 @@
           <a:p>
             <a:pPr>
               <a:spcAft>
-                <a:spcPts val="800"/>
-              </a:spcAft>
-              <a:defRPr sz="1400">
+                <a:spcPts val="400"/>
+              </a:spcAft>
+              <a:defRPr sz="1100">
                 <a:solidFill>
                   <a:srgbClr val="323232"/>
                 </a:solidFill>
@@ -6083,21 +6083,21 @@
           <a:p>
             <a:pPr>
               <a:spcAft>
-                <a:spcPts val="800"/>
-              </a:spcAft>
-              <a:defRPr sz="1400">
-                <a:solidFill>
-                  <a:srgbClr val="323232"/>
-                </a:solidFill>
-              </a:defRPr>
-            </a:pPr>
-          </a:p>
-          <a:p>
-            <a:pPr>
-              <a:spcAft>
-                <a:spcPts val="800"/>
-              </a:spcAft>
-              <a:defRPr sz="1400">
+                <a:spcPts val="400"/>
+              </a:spcAft>
+              <a:defRPr sz="1100">
+                <a:solidFill>
+                  <a:srgbClr val="323232"/>
+                </a:solidFill>
+              </a:defRPr>
+            </a:pPr>
+          </a:p>
+          <a:p>
+            <a:pPr>
+              <a:spcAft>
+                <a:spcPts val="400"/>
+              </a:spcAft>
+              <a:defRPr sz="1100">
                 <a:solidFill>
                   <a:srgbClr val="323232"/>
                 </a:solidFill>
@@ -6110,9 +6110,9 @@
           <a:p>
             <a:pPr>
               <a:spcAft>
-                <a:spcPts val="800"/>
-              </a:spcAft>
-              <a:defRPr sz="1400">
+                <a:spcPts val="400"/>
+              </a:spcAft>
+              <a:defRPr sz="1100">
                 <a:solidFill>
                   <a:srgbClr val="323232"/>
                 </a:solidFill>
@@ -6125,9 +6125,9 @@
           <a:p>
             <a:pPr>
               <a:spcAft>
-                <a:spcPts val="800"/>
-              </a:spcAft>
-              <a:defRPr sz="1400">
+                <a:spcPts val="400"/>
+              </a:spcAft>
+              <a:defRPr sz="1100">
                 <a:solidFill>
                   <a:srgbClr val="323232"/>
                 </a:solidFill>
@@ -6140,9 +6140,9 @@
           <a:p>
             <a:pPr>
               <a:spcAft>
-                <a:spcPts val="800"/>
-              </a:spcAft>
-              <a:defRPr sz="1400">
+                <a:spcPts val="400"/>
+              </a:spcAft>
+              <a:defRPr sz="1100">
                 <a:solidFill>
                   <a:srgbClr val="323232"/>
                 </a:solidFill>
@@ -6155,9 +6155,9 @@
           <a:p>
             <a:pPr>
               <a:spcAft>
-                <a:spcPts val="800"/>
-              </a:spcAft>
-              <a:defRPr sz="1400">
+                <a:spcPts val="400"/>
+              </a:spcAft>
+              <a:defRPr sz="1100">
                 <a:solidFill>
                   <a:srgbClr val="323232"/>
                 </a:solidFill>
@@ -6170,21 +6170,21 @@
           <a:p>
             <a:pPr>
               <a:spcAft>
-                <a:spcPts val="800"/>
-              </a:spcAft>
-              <a:defRPr sz="1400">
-                <a:solidFill>
-                  <a:srgbClr val="323232"/>
-                </a:solidFill>
-              </a:defRPr>
-            </a:pPr>
-          </a:p>
-          <a:p>
-            <a:pPr>
-              <a:spcAft>
-                <a:spcPts val="800"/>
-              </a:spcAft>
-              <a:defRPr sz="1400">
+                <a:spcPts val="400"/>
+              </a:spcAft>
+              <a:defRPr sz="1100">
+                <a:solidFill>
+                  <a:srgbClr val="323232"/>
+                </a:solidFill>
+              </a:defRPr>
+            </a:pPr>
+          </a:p>
+          <a:p>
+            <a:pPr>
+              <a:spcAft>
+                <a:spcPts val="400"/>
+              </a:spcAft>
+              <a:defRPr sz="1100">
                 <a:solidFill>
                   <a:srgbClr val="323232"/>
                 </a:solidFill>
@@ -6197,9 +6197,9 @@
           <a:p>
             <a:pPr>
               <a:spcAft>
-                <a:spcPts val="800"/>
-              </a:spcAft>
-              <a:defRPr sz="1400">
+                <a:spcPts val="400"/>
+              </a:spcAft>
+              <a:defRPr sz="1100">
                 <a:solidFill>
                   <a:srgbClr val="323232"/>
                 </a:solidFill>
@@ -6212,9 +6212,9 @@
           <a:p>
             <a:pPr>
               <a:spcAft>
-                <a:spcPts val="800"/>
-              </a:spcAft>
-              <a:defRPr sz="1400">
+                <a:spcPts val="400"/>
+              </a:spcAft>
+              <a:defRPr sz="1100">
                 <a:solidFill>
                   <a:srgbClr val="323232"/>
                 </a:solidFill>
@@ -6227,9 +6227,9 @@
           <a:p>
             <a:pPr>
               <a:spcAft>
-                <a:spcPts val="800"/>
-              </a:spcAft>
-              <a:defRPr sz="1400">
+                <a:spcPts val="400"/>
+              </a:spcAft>
+              <a:defRPr sz="1100">
                 <a:solidFill>
                   <a:srgbClr val="323232"/>
                 </a:solidFill>
@@ -6242,21 +6242,21 @@
           <a:p>
             <a:pPr>
               <a:spcAft>
-                <a:spcPts val="800"/>
-              </a:spcAft>
-              <a:defRPr sz="1400">
-                <a:solidFill>
-                  <a:srgbClr val="323232"/>
-                </a:solidFill>
-              </a:defRPr>
-            </a:pPr>
-          </a:p>
-          <a:p>
-            <a:pPr>
-              <a:spcAft>
-                <a:spcPts val="800"/>
-              </a:spcAft>
-              <a:defRPr sz="1400">
+                <a:spcPts val="400"/>
+              </a:spcAft>
+              <a:defRPr sz="1100">
+                <a:solidFill>
+                  <a:srgbClr val="323232"/>
+                </a:solidFill>
+              </a:defRPr>
+            </a:pPr>
+          </a:p>
+          <a:p>
+            <a:pPr>
+              <a:spcAft>
+                <a:spcPts val="400"/>
+              </a:spcAft>
+              <a:defRPr sz="1100">
                 <a:solidFill>
                   <a:srgbClr val="323232"/>
                 </a:solidFill>
@@ -6269,9 +6269,9 @@
           <a:p>
             <a:pPr>
               <a:spcAft>
-                <a:spcPts val="800"/>
-              </a:spcAft>
-              <a:defRPr sz="1400">
+                <a:spcPts val="400"/>
+              </a:spcAft>
+              <a:defRPr sz="1100">
                 <a:solidFill>
                   <a:srgbClr val="323232"/>
                 </a:solidFill>
@@ -6310,7 +6310,7 @@
         <p:spPr>
           <a:xfrm>
             <a:off x="0" y="0"/>
-            <a:ext cx="9144000" cy="731520"/>
+            <a:ext cx="9144000" cy="548640"/>
           </a:xfrm>
           <a:prstGeom prst="rect">
             <a:avLst/>
@@ -6352,8 +6352,8 @@
         </p:nvSpPr>
         <p:spPr>
           <a:xfrm>
-            <a:off x="274320" y="182880"/>
-            <a:ext cx="457200" cy="365760"/>
+            <a:off x="182880" y="109728"/>
+            <a:ext cx="365760" cy="320040"/>
           </a:xfrm>
           <a:prstGeom prst="rect">
             <a:avLst/>
@@ -6367,7 +6367,7 @@
           <a:lstStyle/>
           <a:p>
             <a:pPr>
-              <a:defRPr sz="1800" b="1">
+              <a:defRPr sz="1400" b="1">
                 <a:solidFill>
                   <a:srgbClr val="FFFFFF"/>
                 </a:solidFill>
@@ -6387,8 +6387,8 @@
         </p:nvSpPr>
         <p:spPr>
           <a:xfrm>
-            <a:off x="731520" y="182880"/>
-            <a:ext cx="7772400" cy="457200"/>
+            <a:off x="548640" y="109728"/>
+            <a:ext cx="7772400" cy="365760"/>
           </a:xfrm>
           <a:prstGeom prst="rect">
             <a:avLst/>
@@ -6402,7 +6402,7 @@
           <a:lstStyle/>
           <a:p>
             <a:pPr>
-              <a:defRPr sz="2400" b="1">
+              <a:defRPr sz="2000" b="1">
                 <a:solidFill>
                   <a:srgbClr val="FFFFFF"/>
                 </a:solidFill>
@@ -6422,8 +6422,8 @@
         </p:nvSpPr>
         <p:spPr>
           <a:xfrm>
-            <a:off x="457200" y="1005840"/>
-            <a:ext cx="8229600" cy="3657600"/>
+            <a:off x="365760" y="685800"/>
+            <a:ext cx="8412480" cy="4297680"/>
           </a:xfrm>
           <a:prstGeom prst="rect">
             <a:avLst/>
@@ -6438,9 +6438,9 @@
           <a:p>
             <a:pPr>
               <a:spcAft>
-                <a:spcPts val="800"/>
-              </a:spcAft>
-              <a:defRPr sz="1400">
+                <a:spcPts val="400"/>
+              </a:spcAft>
+              <a:defRPr sz="1100">
                 <a:solidFill>
                   <a:srgbClr val="323232"/>
                 </a:solidFill>
@@ -6453,9 +6453,9 @@
           <a:p>
             <a:pPr>
               <a:spcAft>
-                <a:spcPts val="800"/>
-              </a:spcAft>
-              <a:defRPr sz="1400">
+                <a:spcPts val="400"/>
+              </a:spcAft>
+              <a:defRPr sz="1100">
                 <a:solidFill>
                   <a:srgbClr val="323232"/>
                 </a:solidFill>
@@ -6468,9 +6468,9 @@
           <a:p>
             <a:pPr>
               <a:spcAft>
-                <a:spcPts val="800"/>
-              </a:spcAft>
-              <a:defRPr sz="1400">
+                <a:spcPts val="400"/>
+              </a:spcAft>
+              <a:defRPr sz="1100">
                 <a:solidFill>
                   <a:srgbClr val="323232"/>
                 </a:solidFill>
@@ -6483,9 +6483,9 @@
           <a:p>
             <a:pPr>
               <a:spcAft>
-                <a:spcPts val="800"/>
-              </a:spcAft>
-              <a:defRPr sz="1400">
+                <a:spcPts val="400"/>
+              </a:spcAft>
+              <a:defRPr sz="1100">
                 <a:solidFill>
                   <a:srgbClr val="323232"/>
                 </a:solidFill>
@@ -6498,21 +6498,21 @@
           <a:p>
             <a:pPr>
               <a:spcAft>
-                <a:spcPts val="800"/>
-              </a:spcAft>
-              <a:defRPr sz="1400">
-                <a:solidFill>
-                  <a:srgbClr val="323232"/>
-                </a:solidFill>
-              </a:defRPr>
-            </a:pPr>
-          </a:p>
-          <a:p>
-            <a:pPr>
-              <a:spcAft>
-                <a:spcPts val="800"/>
-              </a:spcAft>
-              <a:defRPr sz="1400">
+                <a:spcPts val="400"/>
+              </a:spcAft>
+              <a:defRPr sz="1100">
+                <a:solidFill>
+                  <a:srgbClr val="323232"/>
+                </a:solidFill>
+              </a:defRPr>
+            </a:pPr>
+          </a:p>
+          <a:p>
+            <a:pPr>
+              <a:spcAft>
+                <a:spcPts val="400"/>
+              </a:spcAft>
+              <a:defRPr sz="1100">
                 <a:solidFill>
                   <a:srgbClr val="323232"/>
                 </a:solidFill>
@@ -6525,9 +6525,9 @@
           <a:p>
             <a:pPr>
               <a:spcAft>
-                <a:spcPts val="800"/>
-              </a:spcAft>
-              <a:defRPr sz="1400">
+                <a:spcPts val="400"/>
+              </a:spcAft>
+              <a:defRPr sz="1100">
                 <a:solidFill>
                   <a:srgbClr val="323232"/>
                 </a:solidFill>
@@ -6540,9 +6540,9 @@
           <a:p>
             <a:pPr>
               <a:spcAft>
-                <a:spcPts val="800"/>
-              </a:spcAft>
-              <a:defRPr sz="1400">
+                <a:spcPts val="400"/>
+              </a:spcAft>
+              <a:defRPr sz="1100">
                 <a:solidFill>
                   <a:srgbClr val="323232"/>
                 </a:solidFill>
@@ -6555,9 +6555,9 @@
           <a:p>
             <a:pPr>
               <a:spcAft>
-                <a:spcPts val="800"/>
-              </a:spcAft>
-              <a:defRPr sz="1400">
+                <a:spcPts val="400"/>
+              </a:spcAft>
+              <a:defRPr sz="1100">
                 <a:solidFill>
                   <a:srgbClr val="323232"/>
                 </a:solidFill>
@@ -6570,21 +6570,21 @@
           <a:p>
             <a:pPr>
               <a:spcAft>
-                <a:spcPts val="800"/>
-              </a:spcAft>
-              <a:defRPr sz="1400">
-                <a:solidFill>
-                  <a:srgbClr val="323232"/>
-                </a:solidFill>
-              </a:defRPr>
-            </a:pPr>
-          </a:p>
-          <a:p>
-            <a:pPr>
-              <a:spcAft>
-                <a:spcPts val="800"/>
-              </a:spcAft>
-              <a:defRPr sz="1400">
+                <a:spcPts val="400"/>
+              </a:spcAft>
+              <a:defRPr sz="1100">
+                <a:solidFill>
+                  <a:srgbClr val="323232"/>
+                </a:solidFill>
+              </a:defRPr>
+            </a:pPr>
+          </a:p>
+          <a:p>
+            <a:pPr>
+              <a:spcAft>
+                <a:spcPts val="400"/>
+              </a:spcAft>
+              <a:defRPr sz="1100">
                 <a:solidFill>
                   <a:srgbClr val="323232"/>
                 </a:solidFill>
@@ -6597,9 +6597,9 @@
           <a:p>
             <a:pPr>
               <a:spcAft>
-                <a:spcPts val="800"/>
-              </a:spcAft>
-              <a:defRPr sz="1400">
+                <a:spcPts val="400"/>
+              </a:spcAft>
+              <a:defRPr sz="1100">
                 <a:solidFill>
                   <a:srgbClr val="323232"/>
                 </a:solidFill>
@@ -6612,9 +6612,9 @@
           <a:p>
             <a:pPr>
               <a:spcAft>
-                <a:spcPts val="800"/>
-              </a:spcAft>
-              <a:defRPr sz="1400">
+                <a:spcPts val="400"/>
+              </a:spcAft>
+              <a:defRPr sz="1100">
                 <a:solidFill>
                   <a:srgbClr val="323232"/>
                 </a:solidFill>
@@ -6627,9 +6627,9 @@
           <a:p>
             <a:pPr>
               <a:spcAft>
-                <a:spcPts val="800"/>
-              </a:spcAft>
-              <a:defRPr sz="1400">
+                <a:spcPts val="400"/>
+              </a:spcAft>
+              <a:defRPr sz="1100">
                 <a:solidFill>
                   <a:srgbClr val="323232"/>
                 </a:solidFill>
@@ -6642,21 +6642,21 @@
           <a:p>
             <a:pPr>
               <a:spcAft>
-                <a:spcPts val="800"/>
-              </a:spcAft>
-              <a:defRPr sz="1400">
-                <a:solidFill>
-                  <a:srgbClr val="323232"/>
-                </a:solidFill>
-              </a:defRPr>
-            </a:pPr>
-          </a:p>
-          <a:p>
-            <a:pPr>
-              <a:spcAft>
-                <a:spcPts val="800"/>
-              </a:spcAft>
-              <a:defRPr sz="1400">
+                <a:spcPts val="400"/>
+              </a:spcAft>
+              <a:defRPr sz="1100">
+                <a:solidFill>
+                  <a:srgbClr val="323232"/>
+                </a:solidFill>
+              </a:defRPr>
+            </a:pPr>
+          </a:p>
+          <a:p>
+            <a:pPr>
+              <a:spcAft>
+                <a:spcPts val="400"/>
+              </a:spcAft>
+              <a:defRPr sz="1100">
                 <a:solidFill>
                   <a:srgbClr val="323232"/>
                 </a:solidFill>
@@ -6669,9 +6669,9 @@
           <a:p>
             <a:pPr>
               <a:spcAft>
-                <a:spcPts val="800"/>
-              </a:spcAft>
-              <a:defRPr sz="1400">
+                <a:spcPts val="400"/>
+              </a:spcAft>
+              <a:defRPr sz="1100">
                 <a:solidFill>
                   <a:srgbClr val="323232"/>
                 </a:solidFill>
@@ -6684,9 +6684,9 @@
           <a:p>
             <a:pPr>
               <a:spcAft>
-                <a:spcPts val="800"/>
-              </a:spcAft>
-              <a:defRPr sz="1400">
+                <a:spcPts val="400"/>
+              </a:spcAft>
+              <a:defRPr sz="1100">
                 <a:solidFill>
                   <a:srgbClr val="323232"/>
                 </a:solidFill>
@@ -6725,7 +6725,7 @@
         <p:spPr>
           <a:xfrm>
             <a:off x="0" y="0"/>
-            <a:ext cx="9144000" cy="731520"/>
+            <a:ext cx="9144000" cy="548640"/>
           </a:xfrm>
           <a:prstGeom prst="rect">
             <a:avLst/>
@@ -6767,8 +6767,8 @@
         </p:nvSpPr>
         <p:spPr>
           <a:xfrm>
-            <a:off x="274320" y="182880"/>
-            <a:ext cx="457200" cy="365760"/>
+            <a:off x="182880" y="109728"/>
+            <a:ext cx="365760" cy="320040"/>
           </a:xfrm>
           <a:prstGeom prst="rect">
             <a:avLst/>
@@ -6782,7 +6782,7 @@
           <a:lstStyle/>
           <a:p>
             <a:pPr>
-              <a:defRPr sz="1800" b="1">
+              <a:defRPr sz="1400" b="1">
                 <a:solidFill>
                   <a:srgbClr val="FFFFFF"/>
                 </a:solidFill>
@@ -6802,8 +6802,8 @@
         </p:nvSpPr>
         <p:spPr>
           <a:xfrm>
-            <a:off x="731520" y="182880"/>
-            <a:ext cx="7772400" cy="457200"/>
+            <a:off x="548640" y="109728"/>
+            <a:ext cx="7772400" cy="365760"/>
           </a:xfrm>
           <a:prstGeom prst="rect">
             <a:avLst/>
@@ -6817,7 +6817,7 @@
           <a:lstStyle/>
           <a:p>
             <a:pPr>
-              <a:defRPr sz="2400" b="1">
+              <a:defRPr sz="2000" b="1">
                 <a:solidFill>
                   <a:srgbClr val="FFFFFF"/>
                 </a:solidFill>
@@ -6837,8 +6837,8 @@
         </p:nvSpPr>
         <p:spPr>
           <a:xfrm>
-            <a:off x="457200" y="1005840"/>
-            <a:ext cx="8229600" cy="3657600"/>
+            <a:off x="365760" y="685800"/>
+            <a:ext cx="8412480" cy="4297680"/>
           </a:xfrm>
           <a:prstGeom prst="rect">
             <a:avLst/>
@@ -6853,9 +6853,9 @@
           <a:p>
             <a:pPr>
               <a:spcAft>
-                <a:spcPts val="800"/>
-              </a:spcAft>
-              <a:defRPr sz="1400">
+                <a:spcPts val="400"/>
+              </a:spcAft>
+              <a:defRPr sz="1100">
                 <a:solidFill>
                   <a:srgbClr val="323232"/>
                 </a:solidFill>
@@ -6868,9 +6868,9 @@
           <a:p>
             <a:pPr>
               <a:spcAft>
-                <a:spcPts val="800"/>
-              </a:spcAft>
-              <a:defRPr sz="1400">
+                <a:spcPts val="400"/>
+              </a:spcAft>
+              <a:defRPr sz="1100">
                 <a:solidFill>
                   <a:srgbClr val="323232"/>
                 </a:solidFill>
@@ -6883,9 +6883,9 @@
           <a:p>
             <a:pPr>
               <a:spcAft>
-                <a:spcPts val="800"/>
-              </a:spcAft>
-              <a:defRPr sz="1400">
+                <a:spcPts val="400"/>
+              </a:spcAft>
+              <a:defRPr sz="1100">
                 <a:solidFill>
                   <a:srgbClr val="323232"/>
                 </a:solidFill>
@@ -6898,9 +6898,9 @@
           <a:p>
             <a:pPr>
               <a:spcAft>
-                <a:spcPts val="800"/>
-              </a:spcAft>
-              <a:defRPr sz="1400">
+                <a:spcPts val="400"/>
+              </a:spcAft>
+              <a:defRPr sz="1100">
                 <a:solidFill>
                   <a:srgbClr val="323232"/>
                 </a:solidFill>
@@ -6913,21 +6913,21 @@
           <a:p>
             <a:pPr>
               <a:spcAft>
-                <a:spcPts val="800"/>
-              </a:spcAft>
-              <a:defRPr sz="1400">
-                <a:solidFill>
-                  <a:srgbClr val="323232"/>
-                </a:solidFill>
-              </a:defRPr>
-            </a:pPr>
-          </a:p>
-          <a:p>
-            <a:pPr>
-              <a:spcAft>
-                <a:spcPts val="800"/>
-              </a:spcAft>
-              <a:defRPr sz="1400">
+                <a:spcPts val="400"/>
+              </a:spcAft>
+              <a:defRPr sz="1100">
+                <a:solidFill>
+                  <a:srgbClr val="323232"/>
+                </a:solidFill>
+              </a:defRPr>
+            </a:pPr>
+          </a:p>
+          <a:p>
+            <a:pPr>
+              <a:spcAft>
+                <a:spcPts val="400"/>
+              </a:spcAft>
+              <a:defRPr sz="1100">
                 <a:solidFill>
                   <a:srgbClr val="323232"/>
                 </a:solidFill>
@@ -6940,9 +6940,9 @@
           <a:p>
             <a:pPr>
               <a:spcAft>
-                <a:spcPts val="800"/>
-              </a:spcAft>
-              <a:defRPr sz="1400">
+                <a:spcPts val="400"/>
+              </a:spcAft>
+              <a:defRPr sz="1100">
                 <a:solidFill>
                   <a:srgbClr val="323232"/>
                 </a:solidFill>
@@ -6955,9 +6955,9 @@
           <a:p>
             <a:pPr>
               <a:spcAft>
-                <a:spcPts val="800"/>
-              </a:spcAft>
-              <a:defRPr sz="1400">
+                <a:spcPts val="400"/>
+              </a:spcAft>
+              <a:defRPr sz="1100">
                 <a:solidFill>
                   <a:srgbClr val="323232"/>
                 </a:solidFill>
@@ -6970,9 +6970,9 @@
           <a:p>
             <a:pPr>
               <a:spcAft>
-                <a:spcPts val="800"/>
-              </a:spcAft>
-              <a:defRPr sz="1400">
+                <a:spcPts val="400"/>
+              </a:spcAft>
+              <a:defRPr sz="1100">
                 <a:solidFill>
                   <a:srgbClr val="323232"/>
                 </a:solidFill>
@@ -6985,9 +6985,9 @@
           <a:p>
             <a:pPr>
               <a:spcAft>
-                <a:spcPts val="800"/>
-              </a:spcAft>
-              <a:defRPr sz="1400">
+                <a:spcPts val="400"/>
+              </a:spcAft>
+              <a:defRPr sz="1100">
                 <a:solidFill>
                   <a:srgbClr val="323232"/>
                 </a:solidFill>
@@ -7000,9 +7000,9 @@
           <a:p>
             <a:pPr>
               <a:spcAft>
-                <a:spcPts val="800"/>
-              </a:spcAft>
-              <a:defRPr sz="1400">
+                <a:spcPts val="400"/>
+              </a:spcAft>
+              <a:defRPr sz="1100">
                 <a:solidFill>
                   <a:srgbClr val="323232"/>
                 </a:solidFill>
@@ -7015,21 +7015,21 @@
           <a:p>
             <a:pPr>
               <a:spcAft>
-                <a:spcPts val="800"/>
-              </a:spcAft>
-              <a:defRPr sz="1400">
-                <a:solidFill>
-                  <a:srgbClr val="323232"/>
-                </a:solidFill>
-              </a:defRPr>
-            </a:pPr>
-          </a:p>
-          <a:p>
-            <a:pPr>
-              <a:spcAft>
-                <a:spcPts val="800"/>
-              </a:spcAft>
-              <a:defRPr sz="1400">
+                <a:spcPts val="400"/>
+              </a:spcAft>
+              <a:defRPr sz="1100">
+                <a:solidFill>
+                  <a:srgbClr val="323232"/>
+                </a:solidFill>
+              </a:defRPr>
+            </a:pPr>
+          </a:p>
+          <a:p>
+            <a:pPr>
+              <a:spcAft>
+                <a:spcPts val="400"/>
+              </a:spcAft>
+              <a:defRPr sz="1100">
                 <a:solidFill>
                   <a:srgbClr val="323232"/>
                 </a:solidFill>
@@ -7042,9 +7042,9 @@
           <a:p>
             <a:pPr>
               <a:spcAft>
-                <a:spcPts val="800"/>
-              </a:spcAft>
-              <a:defRPr sz="1400">
+                <a:spcPts val="400"/>
+              </a:spcAft>
+              <a:defRPr sz="1100">
                 <a:solidFill>
                   <a:srgbClr val="323232"/>
                 </a:solidFill>
@@ -7057,9 +7057,9 @@
           <a:p>
             <a:pPr>
               <a:spcAft>
-                <a:spcPts val="800"/>
-              </a:spcAft>
-              <a:defRPr sz="1400">
+                <a:spcPts val="400"/>
+              </a:spcAft>
+              <a:defRPr sz="1100">
                 <a:solidFill>
                   <a:srgbClr val="323232"/>
                 </a:solidFill>
@@ -7072,9 +7072,9 @@
           <a:p>
             <a:pPr>
               <a:spcAft>
-                <a:spcPts val="800"/>
-              </a:spcAft>
-              <a:defRPr sz="1400">
+                <a:spcPts val="400"/>
+              </a:spcAft>
+              <a:defRPr sz="1100">
                 <a:solidFill>
                   <a:srgbClr val="323232"/>
                 </a:solidFill>
@@ -7087,21 +7087,21 @@
           <a:p>
             <a:pPr>
               <a:spcAft>
-                <a:spcPts val="800"/>
-              </a:spcAft>
-              <a:defRPr sz="1400">
-                <a:solidFill>
-                  <a:srgbClr val="323232"/>
-                </a:solidFill>
-              </a:defRPr>
-            </a:pPr>
-          </a:p>
-          <a:p>
-            <a:pPr>
-              <a:spcAft>
-                <a:spcPts val="800"/>
-              </a:spcAft>
-              <a:defRPr sz="1400">
+                <a:spcPts val="400"/>
+              </a:spcAft>
+              <a:defRPr sz="1100">
+                <a:solidFill>
+                  <a:srgbClr val="323232"/>
+                </a:solidFill>
+              </a:defRPr>
+            </a:pPr>
+          </a:p>
+          <a:p>
+            <a:pPr>
+              <a:spcAft>
+                <a:spcPts val="400"/>
+              </a:spcAft>
+              <a:defRPr sz="1100">
                 <a:solidFill>
                   <a:srgbClr val="323232"/>
                 </a:solidFill>
@@ -7140,7 +7140,7 @@
         <p:spPr>
           <a:xfrm>
             <a:off x="0" y="0"/>
-            <a:ext cx="9144000" cy="731520"/>
+            <a:ext cx="9144000" cy="548640"/>
           </a:xfrm>
           <a:prstGeom prst="rect">
             <a:avLst/>
@@ -7182,8 +7182,8 @@
         </p:nvSpPr>
         <p:spPr>
           <a:xfrm>
-            <a:off x="274320" y="182880"/>
-            <a:ext cx="457200" cy="365760"/>
+            <a:off x="182880" y="109728"/>
+            <a:ext cx="365760" cy="320040"/>
           </a:xfrm>
           <a:prstGeom prst="rect">
             <a:avLst/>
@@ -7197,7 +7197,7 @@
           <a:lstStyle/>
           <a:p>
             <a:pPr>
-              <a:defRPr sz="1800" b="1">
+              <a:defRPr sz="1400" b="1">
                 <a:solidFill>
                   <a:srgbClr val="FFFFFF"/>
                 </a:solidFill>
@@ -7217,8 +7217,8 @@
         </p:nvSpPr>
         <p:spPr>
           <a:xfrm>
-            <a:off x="731520" y="182880"/>
-            <a:ext cx="7772400" cy="457200"/>
+            <a:off x="548640" y="109728"/>
+            <a:ext cx="7772400" cy="365760"/>
           </a:xfrm>
           <a:prstGeom prst="rect">
             <a:avLst/>
@@ -7232,7 +7232,7 @@
           <a:lstStyle/>
           <a:p>
             <a:pPr>
-              <a:defRPr sz="2400" b="1">
+              <a:defRPr sz="2000" b="1">
                 <a:solidFill>
                   <a:srgbClr val="FFFFFF"/>
                 </a:solidFill>
@@ -7252,8 +7252,8 @@
         </p:nvSpPr>
         <p:spPr>
           <a:xfrm>
-            <a:off x="457200" y="1005840"/>
-            <a:ext cx="8229600" cy="3657600"/>
+            <a:off x="365760" y="685800"/>
+            <a:ext cx="8412480" cy="4297680"/>
           </a:xfrm>
           <a:prstGeom prst="rect">
             <a:avLst/>
@@ -7268,9 +7268,9 @@
           <a:p>
             <a:pPr>
               <a:spcAft>
-                <a:spcPts val="800"/>
-              </a:spcAft>
-              <a:defRPr sz="1400">
+                <a:spcPts val="400"/>
+              </a:spcAft>
+              <a:defRPr sz="1100">
                 <a:solidFill>
                   <a:srgbClr val="323232"/>
                 </a:solidFill>
@@ -7283,21 +7283,21 @@
           <a:p>
             <a:pPr>
               <a:spcAft>
-                <a:spcPts val="800"/>
-              </a:spcAft>
-              <a:defRPr sz="1400">
-                <a:solidFill>
-                  <a:srgbClr val="323232"/>
-                </a:solidFill>
-              </a:defRPr>
-            </a:pPr>
-          </a:p>
-          <a:p>
-            <a:pPr>
-              <a:spcAft>
-                <a:spcPts val="800"/>
-              </a:spcAft>
-              <a:defRPr sz="1400">
+                <a:spcPts val="400"/>
+              </a:spcAft>
+              <a:defRPr sz="1100">
+                <a:solidFill>
+                  <a:srgbClr val="323232"/>
+                </a:solidFill>
+              </a:defRPr>
+            </a:pPr>
+          </a:p>
+          <a:p>
+            <a:pPr>
+              <a:spcAft>
+                <a:spcPts val="400"/>
+              </a:spcAft>
+              <a:defRPr sz="1100">
                 <a:solidFill>
                   <a:srgbClr val="323232"/>
                 </a:solidFill>
@@ -7310,9 +7310,9 @@
           <a:p>
             <a:pPr>
               <a:spcAft>
-                <a:spcPts val="800"/>
-              </a:spcAft>
-              <a:defRPr sz="1400">
+                <a:spcPts val="400"/>
+              </a:spcAft>
+              <a:defRPr sz="1100">
                 <a:solidFill>
                   <a:srgbClr val="323232"/>
                 </a:solidFill>
@@ -7325,9 +7325,9 @@
           <a:p>
             <a:pPr>
               <a:spcAft>
-                <a:spcPts val="800"/>
-              </a:spcAft>
-              <a:defRPr sz="1400">
+                <a:spcPts val="400"/>
+              </a:spcAft>
+              <a:defRPr sz="1100">
                 <a:solidFill>
                   <a:srgbClr val="323232"/>
                 </a:solidFill>
@@ -7340,9 +7340,9 @@
           <a:p>
             <a:pPr>
               <a:spcAft>
-                <a:spcPts val="800"/>
-              </a:spcAft>
-              <a:defRPr sz="1400">
+                <a:spcPts val="400"/>
+              </a:spcAft>
+              <a:defRPr sz="1100">
                 <a:solidFill>
                   <a:srgbClr val="323232"/>
                 </a:solidFill>
@@ -7355,21 +7355,21 @@
           <a:p>
             <a:pPr>
               <a:spcAft>
-                <a:spcPts val="800"/>
-              </a:spcAft>
-              <a:defRPr sz="1400">
-                <a:solidFill>
-                  <a:srgbClr val="323232"/>
-                </a:solidFill>
-              </a:defRPr>
-            </a:pPr>
-          </a:p>
-          <a:p>
-            <a:pPr>
-              <a:spcAft>
-                <a:spcPts val="800"/>
-              </a:spcAft>
-              <a:defRPr sz="1400">
+                <a:spcPts val="400"/>
+              </a:spcAft>
+              <a:defRPr sz="1100">
+                <a:solidFill>
+                  <a:srgbClr val="323232"/>
+                </a:solidFill>
+              </a:defRPr>
+            </a:pPr>
+          </a:p>
+          <a:p>
+            <a:pPr>
+              <a:spcAft>
+                <a:spcPts val="400"/>
+              </a:spcAft>
+              <a:defRPr sz="1100">
                 <a:solidFill>
                   <a:srgbClr val="323232"/>
                 </a:solidFill>
@@ -7382,9 +7382,9 @@
           <a:p>
             <a:pPr>
               <a:spcAft>
-                <a:spcPts val="800"/>
-              </a:spcAft>
-              <a:defRPr sz="1400">
+                <a:spcPts val="400"/>
+              </a:spcAft>
+              <a:defRPr sz="1100">
                 <a:solidFill>
                   <a:srgbClr val="323232"/>
                 </a:solidFill>
@@ -7397,9 +7397,9 @@
           <a:p>
             <a:pPr>
               <a:spcAft>
-                <a:spcPts val="800"/>
-              </a:spcAft>
-              <a:defRPr sz="1400">
+                <a:spcPts val="400"/>
+              </a:spcAft>
+              <a:defRPr sz="1100">
                 <a:solidFill>
                   <a:srgbClr val="323232"/>
                 </a:solidFill>
@@ -7412,9 +7412,9 @@
           <a:p>
             <a:pPr>
               <a:spcAft>
-                <a:spcPts val="800"/>
-              </a:spcAft>
-              <a:defRPr sz="1400">
+                <a:spcPts val="400"/>
+              </a:spcAft>
+              <a:defRPr sz="1100">
                 <a:solidFill>
                   <a:srgbClr val="323232"/>
                 </a:solidFill>
@@ -7427,9 +7427,9 @@
           <a:p>
             <a:pPr>
               <a:spcAft>
-                <a:spcPts val="800"/>
-              </a:spcAft>
-              <a:defRPr sz="1400">
+                <a:spcPts val="400"/>
+              </a:spcAft>
+              <a:defRPr sz="1100">
                 <a:solidFill>
                   <a:srgbClr val="323232"/>
                 </a:solidFill>
@@ -7468,7 +7468,7 @@
         <p:spPr>
           <a:xfrm>
             <a:off x="0" y="0"/>
-            <a:ext cx="9144000" cy="731520"/>
+            <a:ext cx="9144000" cy="548640"/>
           </a:xfrm>
           <a:prstGeom prst="rect">
             <a:avLst/>
@@ -7510,8 +7510,8 @@
         </p:nvSpPr>
         <p:spPr>
           <a:xfrm>
-            <a:off x="274320" y="182880"/>
-            <a:ext cx="457200" cy="365760"/>
+            <a:off x="182880" y="109728"/>
+            <a:ext cx="365760" cy="320040"/>
           </a:xfrm>
           <a:prstGeom prst="rect">
             <a:avLst/>
@@ -7525,7 +7525,7 @@
           <a:lstStyle/>
           <a:p>
             <a:pPr>
-              <a:defRPr sz="1800" b="1">
+              <a:defRPr sz="1400" b="1">
                 <a:solidFill>
                   <a:srgbClr val="FFFFFF"/>
                 </a:solidFill>
@@ -7545,8 +7545,8 @@
         </p:nvSpPr>
         <p:spPr>
           <a:xfrm>
-            <a:off x="731520" y="182880"/>
-            <a:ext cx="7772400" cy="457200"/>
+            <a:off x="548640" y="109728"/>
+            <a:ext cx="7772400" cy="365760"/>
           </a:xfrm>
           <a:prstGeom prst="rect">
             <a:avLst/>
@@ -7560,7 +7560,7 @@
           <a:lstStyle/>
           <a:p>
             <a:pPr>
-              <a:defRPr sz="2400" b="1">
+              <a:defRPr sz="2000" b="1">
                 <a:solidFill>
                   <a:srgbClr val="FFFFFF"/>
                 </a:solidFill>
@@ -7580,8 +7580,8 @@
         </p:nvSpPr>
         <p:spPr>
           <a:xfrm>
-            <a:off x="457200" y="1005840"/>
-            <a:ext cx="8229600" cy="3657600"/>
+            <a:off x="365760" y="685800"/>
+            <a:ext cx="8412480" cy="4297680"/>
           </a:xfrm>
           <a:prstGeom prst="rect">
             <a:avLst/>
@@ -7596,9 +7596,9 @@
           <a:p>
             <a:pPr>
               <a:spcAft>
-                <a:spcPts val="800"/>
-              </a:spcAft>
-              <a:defRPr sz="1400">
+                <a:spcPts val="400"/>
+              </a:spcAft>
+              <a:defRPr sz="1100">
                 <a:solidFill>
                   <a:srgbClr val="323232"/>
                 </a:solidFill>
@@ -7611,9 +7611,9 @@
           <a:p>
             <a:pPr>
               <a:spcAft>
-                <a:spcPts val="800"/>
-              </a:spcAft>
-              <a:defRPr sz="1400">
+                <a:spcPts val="400"/>
+              </a:spcAft>
+              <a:defRPr sz="1100">
                 <a:solidFill>
                   <a:srgbClr val="323232"/>
                 </a:solidFill>
@@ -7626,9 +7626,9 @@
           <a:p>
             <a:pPr>
               <a:spcAft>
-                <a:spcPts val="800"/>
-              </a:spcAft>
-              <a:defRPr sz="1400">
+                <a:spcPts val="400"/>
+              </a:spcAft>
+              <a:defRPr sz="1100">
                 <a:solidFill>
                   <a:srgbClr val="323232"/>
                 </a:solidFill>
@@ -7641,9 +7641,9 @@
           <a:p>
             <a:pPr>
               <a:spcAft>
-                <a:spcPts val="800"/>
-              </a:spcAft>
-              <a:defRPr sz="1400">
+                <a:spcPts val="400"/>
+              </a:spcAft>
+              <a:defRPr sz="1100">
                 <a:solidFill>
                   <a:srgbClr val="323232"/>
                 </a:solidFill>
@@ -7656,9 +7656,9 @@
           <a:p>
             <a:pPr>
               <a:spcAft>
-                <a:spcPts val="800"/>
-              </a:spcAft>
-              <a:defRPr sz="1400">
+                <a:spcPts val="400"/>
+              </a:spcAft>
+              <a:defRPr sz="1100">
                 <a:solidFill>
                   <a:srgbClr val="323232"/>
                 </a:solidFill>
@@ -7671,21 +7671,21 @@
           <a:p>
             <a:pPr>
               <a:spcAft>
-                <a:spcPts val="800"/>
-              </a:spcAft>
-              <a:defRPr sz="1400">
-                <a:solidFill>
-                  <a:srgbClr val="323232"/>
-                </a:solidFill>
-              </a:defRPr>
-            </a:pPr>
-          </a:p>
-          <a:p>
-            <a:pPr>
-              <a:spcAft>
-                <a:spcPts val="800"/>
-              </a:spcAft>
-              <a:defRPr sz="1400">
+                <a:spcPts val="400"/>
+              </a:spcAft>
+              <a:defRPr sz="1100">
+                <a:solidFill>
+                  <a:srgbClr val="323232"/>
+                </a:solidFill>
+              </a:defRPr>
+            </a:pPr>
+          </a:p>
+          <a:p>
+            <a:pPr>
+              <a:spcAft>
+                <a:spcPts val="400"/>
+              </a:spcAft>
+              <a:defRPr sz="1100">
                 <a:solidFill>
                   <a:srgbClr val="323232"/>
                 </a:solidFill>
@@ -7698,9 +7698,9 @@
           <a:p>
             <a:pPr>
               <a:spcAft>
-                <a:spcPts val="800"/>
-              </a:spcAft>
-              <a:defRPr sz="1400">
+                <a:spcPts val="400"/>
+              </a:spcAft>
+              <a:defRPr sz="1100">
                 <a:solidFill>
                   <a:srgbClr val="323232"/>
                 </a:solidFill>
@@ -7713,9 +7713,9 @@
           <a:p>
             <a:pPr>
               <a:spcAft>
-                <a:spcPts val="800"/>
-              </a:spcAft>
-              <a:defRPr sz="1400">
+                <a:spcPts val="400"/>
+              </a:spcAft>
+              <a:defRPr sz="1100">
                 <a:solidFill>
                   <a:srgbClr val="323232"/>
                 </a:solidFill>
@@ -7728,9 +7728,9 @@
           <a:p>
             <a:pPr>
               <a:spcAft>
-                <a:spcPts val="800"/>
-              </a:spcAft>
-              <a:defRPr sz="1400">
+                <a:spcPts val="400"/>
+              </a:spcAft>
+              <a:defRPr sz="1100">
                 <a:solidFill>
                   <a:srgbClr val="323232"/>
                 </a:solidFill>
@@ -7743,9 +7743,9 @@
           <a:p>
             <a:pPr>
               <a:spcAft>
-                <a:spcPts val="800"/>
-              </a:spcAft>
-              <a:defRPr sz="1400">
+                <a:spcPts val="400"/>
+              </a:spcAft>
+              <a:defRPr sz="1100">
                 <a:solidFill>
                   <a:srgbClr val="323232"/>
                 </a:solidFill>
@@ -7758,21 +7758,21 @@
           <a:p>
             <a:pPr>
               <a:spcAft>
-                <a:spcPts val="800"/>
-              </a:spcAft>
-              <a:defRPr sz="1400">
-                <a:solidFill>
-                  <a:srgbClr val="323232"/>
-                </a:solidFill>
-              </a:defRPr>
-            </a:pPr>
-          </a:p>
-          <a:p>
-            <a:pPr>
-              <a:spcAft>
-                <a:spcPts val="800"/>
-              </a:spcAft>
-              <a:defRPr sz="1400">
+                <a:spcPts val="400"/>
+              </a:spcAft>
+              <a:defRPr sz="1100">
+                <a:solidFill>
+                  <a:srgbClr val="323232"/>
+                </a:solidFill>
+              </a:defRPr>
+            </a:pPr>
+          </a:p>
+          <a:p>
+            <a:pPr>
+              <a:spcAft>
+                <a:spcPts val="400"/>
+              </a:spcAft>
+              <a:defRPr sz="1100">
                 <a:solidFill>
                   <a:srgbClr val="323232"/>
                 </a:solidFill>
@@ -7785,9 +7785,9 @@
           <a:p>
             <a:pPr>
               <a:spcAft>
-                <a:spcPts val="800"/>
-              </a:spcAft>
-              <a:defRPr sz="1400">
+                <a:spcPts val="400"/>
+              </a:spcAft>
+              <a:defRPr sz="1100">
                 <a:solidFill>
                   <a:srgbClr val="323232"/>
                 </a:solidFill>
@@ -7800,9 +7800,9 @@
           <a:p>
             <a:pPr>
               <a:spcAft>
-                <a:spcPts val="800"/>
-              </a:spcAft>
-              <a:defRPr sz="1400">
+                <a:spcPts val="400"/>
+              </a:spcAft>
+              <a:defRPr sz="1100">
                 <a:solidFill>
                   <a:srgbClr val="323232"/>
                 </a:solidFill>
@@ -7815,9 +7815,9 @@
           <a:p>
             <a:pPr>
               <a:spcAft>
-                <a:spcPts val="800"/>
-              </a:spcAft>
-              <a:defRPr sz="1400">
+                <a:spcPts val="400"/>
+              </a:spcAft>
+              <a:defRPr sz="1100">
                 <a:solidFill>
                   <a:srgbClr val="323232"/>
                 </a:solidFill>
@@ -7830,9 +7830,9 @@
           <a:p>
             <a:pPr>
               <a:spcAft>
-                <a:spcPts val="800"/>
-              </a:spcAft>
-              <a:defRPr sz="1400">
+                <a:spcPts val="400"/>
+              </a:spcAft>
+              <a:defRPr sz="1100">
                 <a:solidFill>
                   <a:srgbClr val="323232"/>
                 </a:solidFill>
@@ -7845,21 +7845,21 @@
           <a:p>
             <a:pPr>
               <a:spcAft>
-                <a:spcPts val="800"/>
-              </a:spcAft>
-              <a:defRPr sz="1400">
-                <a:solidFill>
-                  <a:srgbClr val="323232"/>
-                </a:solidFill>
-              </a:defRPr>
-            </a:pPr>
-          </a:p>
-          <a:p>
-            <a:pPr>
-              <a:spcAft>
-                <a:spcPts val="800"/>
-              </a:spcAft>
-              <a:defRPr sz="1400">
+                <a:spcPts val="400"/>
+              </a:spcAft>
+              <a:defRPr sz="1100">
+                <a:solidFill>
+                  <a:srgbClr val="323232"/>
+                </a:solidFill>
+              </a:defRPr>
+            </a:pPr>
+          </a:p>
+          <a:p>
+            <a:pPr>
+              <a:spcAft>
+                <a:spcPts val="400"/>
+              </a:spcAft>
+              <a:defRPr sz="1100">
                 <a:solidFill>
                   <a:srgbClr val="323232"/>
                 </a:solidFill>
@@ -7898,7 +7898,7 @@
         <p:spPr>
           <a:xfrm>
             <a:off x="0" y="0"/>
-            <a:ext cx="9144000" cy="731520"/>
+            <a:ext cx="9144000" cy="548640"/>
           </a:xfrm>
           <a:prstGeom prst="rect">
             <a:avLst/>
@@ -7940,8 +7940,8 @@
         </p:nvSpPr>
         <p:spPr>
           <a:xfrm>
-            <a:off x="274320" y="182880"/>
-            <a:ext cx="457200" cy="365760"/>
+            <a:off x="182880" y="109728"/>
+            <a:ext cx="365760" cy="320040"/>
           </a:xfrm>
           <a:prstGeom prst="rect">
             <a:avLst/>
@@ -7955,7 +7955,7 @@
           <a:lstStyle/>
           <a:p>
             <a:pPr>
-              <a:defRPr sz="1800" b="1">
+              <a:defRPr sz="1400" b="1">
                 <a:solidFill>
                   <a:srgbClr val="FFFFFF"/>
                 </a:solidFill>
@@ -7975,8 +7975,8 @@
         </p:nvSpPr>
         <p:spPr>
           <a:xfrm>
-            <a:off x="731520" y="182880"/>
-            <a:ext cx="7772400" cy="457200"/>
+            <a:off x="548640" y="109728"/>
+            <a:ext cx="7772400" cy="365760"/>
           </a:xfrm>
           <a:prstGeom prst="rect">
             <a:avLst/>
@@ -7990,7 +7990,7 @@
           <a:lstStyle/>
           <a:p>
             <a:pPr>
-              <a:defRPr sz="2400" b="1">
+              <a:defRPr sz="2000" b="1">
                 <a:solidFill>
                   <a:srgbClr val="FFFFFF"/>
                 </a:solidFill>
@@ -8010,8 +8010,8 @@
         </p:nvSpPr>
         <p:spPr>
           <a:xfrm>
-            <a:off x="457200" y="1005840"/>
-            <a:ext cx="8229600" cy="3657600"/>
+            <a:off x="365760" y="685800"/>
+            <a:ext cx="8412480" cy="4297680"/>
           </a:xfrm>
           <a:prstGeom prst="rect">
             <a:avLst/>
@@ -8026,9 +8026,9 @@
           <a:p>
             <a:pPr>
               <a:spcAft>
-                <a:spcPts val="800"/>
-              </a:spcAft>
-              <a:defRPr sz="1400">
+                <a:spcPts val="400"/>
+              </a:spcAft>
+              <a:defRPr sz="1100">
                 <a:solidFill>
                   <a:srgbClr val="323232"/>
                 </a:solidFill>
@@ -8041,21 +8041,21 @@
           <a:p>
             <a:pPr>
               <a:spcAft>
-                <a:spcPts val="800"/>
-              </a:spcAft>
-              <a:defRPr sz="1400">
-                <a:solidFill>
-                  <a:srgbClr val="323232"/>
-                </a:solidFill>
-              </a:defRPr>
-            </a:pPr>
-          </a:p>
-          <a:p>
-            <a:pPr>
-              <a:spcAft>
-                <a:spcPts val="800"/>
-              </a:spcAft>
-              <a:defRPr sz="1400">
+                <a:spcPts val="400"/>
+              </a:spcAft>
+              <a:defRPr sz="1100">
+                <a:solidFill>
+                  <a:srgbClr val="323232"/>
+                </a:solidFill>
+              </a:defRPr>
+            </a:pPr>
+          </a:p>
+          <a:p>
+            <a:pPr>
+              <a:spcAft>
+                <a:spcPts val="400"/>
+              </a:spcAft>
+              <a:defRPr sz="1100">
                 <a:solidFill>
                   <a:srgbClr val="323232"/>
                 </a:solidFill>
@@ -8068,9 +8068,9 @@
           <a:p>
             <a:pPr>
               <a:spcAft>
-                <a:spcPts val="800"/>
-              </a:spcAft>
-              <a:defRPr sz="1400">
+                <a:spcPts val="400"/>
+              </a:spcAft>
+              <a:defRPr sz="1100">
                 <a:solidFill>
                   <a:srgbClr val="323232"/>
                 </a:solidFill>
@@ -8083,9 +8083,9 @@
           <a:p>
             <a:pPr>
               <a:spcAft>
-                <a:spcPts val="800"/>
-              </a:spcAft>
-              <a:defRPr sz="1400">
+                <a:spcPts val="400"/>
+              </a:spcAft>
+              <a:defRPr sz="1100">
                 <a:solidFill>
                   <a:srgbClr val="323232"/>
                 </a:solidFill>
@@ -8098,9 +8098,9 @@
           <a:p>
             <a:pPr>
               <a:spcAft>
-                <a:spcPts val="800"/>
-              </a:spcAft>
-              <a:defRPr sz="1400">
+                <a:spcPts val="400"/>
+              </a:spcAft>
+              <a:defRPr sz="1100">
                 <a:solidFill>
                   <a:srgbClr val="323232"/>
                 </a:solidFill>
@@ -8113,9 +8113,9 @@
           <a:p>
             <a:pPr>
               <a:spcAft>
-                <a:spcPts val="800"/>
-              </a:spcAft>
-              <a:defRPr sz="1400">
+                <a:spcPts val="400"/>
+              </a:spcAft>
+              <a:defRPr sz="1100">
                 <a:solidFill>
                   <a:srgbClr val="323232"/>
                 </a:solidFill>
@@ -8128,21 +8128,21 @@
           <a:p>
             <a:pPr>
               <a:spcAft>
-                <a:spcPts val="800"/>
-              </a:spcAft>
-              <a:defRPr sz="1400">
-                <a:solidFill>
-                  <a:srgbClr val="323232"/>
-                </a:solidFill>
-              </a:defRPr>
-            </a:pPr>
-          </a:p>
-          <a:p>
-            <a:pPr>
-              <a:spcAft>
-                <a:spcPts val="800"/>
-              </a:spcAft>
-              <a:defRPr sz="1400">
+                <a:spcPts val="400"/>
+              </a:spcAft>
+              <a:defRPr sz="1100">
+                <a:solidFill>
+                  <a:srgbClr val="323232"/>
+                </a:solidFill>
+              </a:defRPr>
+            </a:pPr>
+          </a:p>
+          <a:p>
+            <a:pPr>
+              <a:spcAft>
+                <a:spcPts val="400"/>
+              </a:spcAft>
+              <a:defRPr sz="1100">
                 <a:solidFill>
                   <a:srgbClr val="323232"/>
                 </a:solidFill>
@@ -8155,9 +8155,9 @@
           <a:p>
             <a:pPr>
               <a:spcAft>
-                <a:spcPts val="800"/>
-              </a:spcAft>
-              <a:defRPr sz="1400">
+                <a:spcPts val="400"/>
+              </a:spcAft>
+              <a:defRPr sz="1100">
                 <a:solidFill>
                   <a:srgbClr val="323232"/>
                 </a:solidFill>
@@ -8170,9 +8170,9 @@
           <a:p>
             <a:pPr>
               <a:spcAft>
-                <a:spcPts val="800"/>
-              </a:spcAft>
-              <a:defRPr sz="1400">
+                <a:spcPts val="400"/>
+              </a:spcAft>
+              <a:defRPr sz="1100">
                 <a:solidFill>
                   <a:srgbClr val="323232"/>
                 </a:solidFill>
@@ -8185,9 +8185,9 @@
           <a:p>
             <a:pPr>
               <a:spcAft>
-                <a:spcPts val="800"/>
-              </a:spcAft>
-              <a:defRPr sz="1400">
+                <a:spcPts val="400"/>
+              </a:spcAft>
+              <a:defRPr sz="1100">
                 <a:solidFill>
                   <a:srgbClr val="323232"/>
                 </a:solidFill>
@@ -8200,9 +8200,9 @@
           <a:p>
             <a:pPr>
               <a:spcAft>
-                <a:spcPts val="800"/>
-              </a:spcAft>
-              <a:defRPr sz="1400">
+                <a:spcPts val="400"/>
+              </a:spcAft>
+              <a:defRPr sz="1100">
                 <a:solidFill>
                   <a:srgbClr val="323232"/>
                 </a:solidFill>
@@ -8215,21 +8215,21 @@
           <a:p>
             <a:pPr>
               <a:spcAft>
-                <a:spcPts val="800"/>
-              </a:spcAft>
-              <a:defRPr sz="1400">
-                <a:solidFill>
-                  <a:srgbClr val="323232"/>
-                </a:solidFill>
-              </a:defRPr>
-            </a:pPr>
-          </a:p>
-          <a:p>
-            <a:pPr>
-              <a:spcAft>
-                <a:spcPts val="800"/>
-              </a:spcAft>
-              <a:defRPr sz="1400">
+                <a:spcPts val="400"/>
+              </a:spcAft>
+              <a:defRPr sz="1100">
+                <a:solidFill>
+                  <a:srgbClr val="323232"/>
+                </a:solidFill>
+              </a:defRPr>
+            </a:pPr>
+          </a:p>
+          <a:p>
+            <a:pPr>
+              <a:spcAft>
+                <a:spcPts val="400"/>
+              </a:spcAft>
+              <a:defRPr sz="1100">
                 <a:solidFill>
                   <a:srgbClr val="323232"/>
                 </a:solidFill>
@@ -8268,7 +8268,7 @@
         <p:spPr>
           <a:xfrm>
             <a:off x="0" y="0"/>
-            <a:ext cx="9144000" cy="1371600"/>
+            <a:ext cx="9144000" cy="1097280"/>
           </a:xfrm>
           <a:prstGeom prst="rect">
             <a:avLst/>
@@ -8310,8 +8310,8 @@
         </p:nvSpPr>
         <p:spPr>
           <a:xfrm>
-            <a:off x="457200" y="365760"/>
-            <a:ext cx="8229600" cy="731520"/>
+            <a:off x="457200" y="274320"/>
+            <a:ext cx="8229600" cy="640080"/>
           </a:xfrm>
           <a:prstGeom prst="rect">
             <a:avLst/>
@@ -8324,8 +8324,8 @@
           </a:bodyPr>
           <a:lstStyle/>
           <a:p>
-            <a:pPr>
-              <a:defRPr sz="3600" b="1">
+            <a:pPr algn="ctr">
+              <a:defRPr sz="4400" b="1">
                 <a:solidFill>
                   <a:srgbClr val="FFFFFF"/>
                 </a:solidFill>
@@ -8345,8 +8345,8 @@
         </p:nvSpPr>
         <p:spPr>
           <a:xfrm>
-            <a:off x="457200" y="2286000"/>
-            <a:ext cx="8229600" cy="914400"/>
+            <a:off x="457200" y="1828800"/>
+            <a:ext cx="8229600" cy="2286000"/>
           </a:xfrm>
           <a:prstGeom prst="rect">
             <a:avLst/>
@@ -8354,13 +8354,13 @@
           <a:noFill/>
         </p:spPr>
         <p:txBody>
-          <a:bodyPr wrap="none">
+          <a:bodyPr wrap="square">
             <a:spAutoFit/>
           </a:bodyPr>
           <a:lstStyle/>
           <a:p>
             <a:pPr algn="ctr">
-              <a:defRPr sz="2400">
+              <a:defRPr sz="1800">
                 <a:solidFill>
                   <a:srgbClr val="323232"/>
                 </a:solidFill>
@@ -8408,7 +8408,7 @@
         <p:spPr>
           <a:xfrm>
             <a:off x="0" y="0"/>
-            <a:ext cx="9144000" cy="731520"/>
+            <a:ext cx="9144000" cy="548640"/>
           </a:xfrm>
           <a:prstGeom prst="rect">
             <a:avLst/>
@@ -8450,8 +8450,8 @@
         </p:nvSpPr>
         <p:spPr>
           <a:xfrm>
-            <a:off x="274320" y="182880"/>
-            <a:ext cx="457200" cy="365760"/>
+            <a:off x="182880" y="109728"/>
+            <a:ext cx="365760" cy="320040"/>
           </a:xfrm>
           <a:prstGeom prst="rect">
             <a:avLst/>
@@ -8465,7 +8465,7 @@
           <a:lstStyle/>
           <a:p>
             <a:pPr>
-              <a:defRPr sz="1800" b="1">
+              <a:defRPr sz="1400" b="1">
                 <a:solidFill>
                   <a:srgbClr val="FFFFFF"/>
                 </a:solidFill>
@@ -8485,8 +8485,8 @@
         </p:nvSpPr>
         <p:spPr>
           <a:xfrm>
-            <a:off x="731520" y="182880"/>
-            <a:ext cx="7772400" cy="457200"/>
+            <a:off x="548640" y="109728"/>
+            <a:ext cx="7772400" cy="365760"/>
           </a:xfrm>
           <a:prstGeom prst="rect">
             <a:avLst/>
@@ -8500,7 +8500,7 @@
           <a:lstStyle/>
           <a:p>
             <a:pPr>
-              <a:defRPr sz="2400" b="1">
+              <a:defRPr sz="2000" b="1">
                 <a:solidFill>
                   <a:srgbClr val="FFFFFF"/>
                 </a:solidFill>
@@ -8520,8 +8520,8 @@
         </p:nvSpPr>
         <p:spPr>
           <a:xfrm>
-            <a:off x="457200" y="914400"/>
-            <a:ext cx="3840480" cy="365760"/>
+            <a:off x="365760" y="685800"/>
+            <a:ext cx="3931920" cy="274320"/>
           </a:xfrm>
           <a:prstGeom prst="rect">
             <a:avLst/>
@@ -8535,7 +8535,7 @@
           <a:lstStyle/>
           <a:p>
             <a:pPr>
-              <a:defRPr sz="1600" b="1">
+              <a:defRPr sz="1400" b="1">
                 <a:solidFill>
                   <a:srgbClr val="003366"/>
                 </a:solidFill>
@@ -8555,8 +8555,8 @@
         </p:nvSpPr>
         <p:spPr>
           <a:xfrm>
-            <a:off x="457200" y="1280160"/>
-            <a:ext cx="3840480" cy="3474720"/>
+            <a:off x="365760" y="960120"/>
+            <a:ext cx="3931920" cy="3931920"/>
           </a:xfrm>
           <a:prstGeom prst="rect">
             <a:avLst/>
@@ -8571,9 +8571,9 @@
           <a:p>
             <a:pPr>
               <a:spcAft>
-                <a:spcPts val="600"/>
-              </a:spcAft>
-              <a:defRPr sz="1200">
+                <a:spcPts val="300"/>
+              </a:spcAft>
+              <a:defRPr sz="1000">
                 <a:solidFill>
                   <a:srgbClr val="323232"/>
                 </a:solidFill>
@@ -8586,9 +8586,9 @@
           <a:p>
             <a:pPr>
               <a:spcAft>
-                <a:spcPts val="600"/>
-              </a:spcAft>
-              <a:defRPr sz="1200">
+                <a:spcPts val="300"/>
+              </a:spcAft>
+              <a:defRPr sz="1000">
                 <a:solidFill>
                   <a:srgbClr val="323232"/>
                 </a:solidFill>
@@ -8601,9 +8601,9 @@
           <a:p>
             <a:pPr>
               <a:spcAft>
-                <a:spcPts val="600"/>
-              </a:spcAft>
-              <a:defRPr sz="1200">
+                <a:spcPts val="300"/>
+              </a:spcAft>
+              <a:defRPr sz="1000">
                 <a:solidFill>
                   <a:srgbClr val="323232"/>
                 </a:solidFill>
@@ -8616,9 +8616,9 @@
           <a:p>
             <a:pPr>
               <a:spcAft>
-                <a:spcPts val="600"/>
-              </a:spcAft>
-              <a:defRPr sz="1200">
+                <a:spcPts val="300"/>
+              </a:spcAft>
+              <a:defRPr sz="1000">
                 <a:solidFill>
                   <a:srgbClr val="323232"/>
                 </a:solidFill>
@@ -8631,9 +8631,9 @@
           <a:p>
             <a:pPr>
               <a:spcAft>
-                <a:spcPts val="600"/>
-              </a:spcAft>
-              <a:defRPr sz="1200">
+                <a:spcPts val="300"/>
+              </a:spcAft>
+              <a:defRPr sz="1000">
                 <a:solidFill>
                   <a:srgbClr val="323232"/>
                 </a:solidFill>
@@ -8653,8 +8653,8 @@
         </p:nvSpPr>
         <p:spPr>
           <a:xfrm>
-            <a:off x="4754880" y="914400"/>
-            <a:ext cx="3840480" cy="365760"/>
+            <a:off x="4754880" y="685800"/>
+            <a:ext cx="3931920" cy="274320"/>
           </a:xfrm>
           <a:prstGeom prst="rect">
             <a:avLst/>
@@ -8668,7 +8668,7 @@
           <a:lstStyle/>
           <a:p>
             <a:pPr>
-              <a:defRPr sz="1600" b="1">
+              <a:defRPr sz="1400" b="1">
                 <a:solidFill>
                   <a:srgbClr val="003366"/>
                 </a:solidFill>
@@ -8688,8 +8688,8 @@
         </p:nvSpPr>
         <p:spPr>
           <a:xfrm>
-            <a:off x="4754880" y="1280160"/>
-            <a:ext cx="3840480" cy="3474720"/>
+            <a:off x="4754880" y="960120"/>
+            <a:ext cx="3931920" cy="3931920"/>
           </a:xfrm>
           <a:prstGeom prst="rect">
             <a:avLst/>
@@ -8704,9 +8704,9 @@
           <a:p>
             <a:pPr>
               <a:spcAft>
-                <a:spcPts val="600"/>
-              </a:spcAft>
-              <a:defRPr sz="1200">
+                <a:spcPts val="300"/>
+              </a:spcAft>
+              <a:defRPr sz="1000">
                 <a:solidFill>
                   <a:srgbClr val="323232"/>
                 </a:solidFill>
@@ -8719,9 +8719,9 @@
           <a:p>
             <a:pPr>
               <a:spcAft>
-                <a:spcPts val="600"/>
-              </a:spcAft>
-              <a:defRPr sz="1200">
+                <a:spcPts val="300"/>
+              </a:spcAft>
+              <a:defRPr sz="1000">
                 <a:solidFill>
                   <a:srgbClr val="323232"/>
                 </a:solidFill>
@@ -8734,9 +8734,9 @@
           <a:p>
             <a:pPr>
               <a:spcAft>
-                <a:spcPts val="600"/>
-              </a:spcAft>
-              <a:defRPr sz="1200">
+                <a:spcPts val="300"/>
+              </a:spcAft>
+              <a:defRPr sz="1000">
                 <a:solidFill>
                   <a:srgbClr val="323232"/>
                 </a:solidFill>
@@ -8749,9 +8749,9 @@
           <a:p>
             <a:pPr>
               <a:spcAft>
-                <a:spcPts val="600"/>
-              </a:spcAft>
-              <a:defRPr sz="1200">
+                <a:spcPts val="300"/>
+              </a:spcAft>
+              <a:defRPr sz="1000">
                 <a:solidFill>
                   <a:srgbClr val="323232"/>
                 </a:solidFill>
@@ -8764,9 +8764,9 @@
           <a:p>
             <a:pPr>
               <a:spcAft>
-                <a:spcPts val="600"/>
-              </a:spcAft>
-              <a:defRPr sz="1200">
+                <a:spcPts val="300"/>
+              </a:spcAft>
+              <a:defRPr sz="1000">
                 <a:solidFill>
                   <a:srgbClr val="323232"/>
                 </a:solidFill>
@@ -8805,7 +8805,7 @@
         <p:spPr>
           <a:xfrm>
             <a:off x="0" y="0"/>
-            <a:ext cx="9144000" cy="731520"/>
+            <a:ext cx="9144000" cy="548640"/>
           </a:xfrm>
           <a:prstGeom prst="rect">
             <a:avLst/>
@@ -8847,8 +8847,8 @@
         </p:nvSpPr>
         <p:spPr>
           <a:xfrm>
-            <a:off x="274320" y="182880"/>
-            <a:ext cx="457200" cy="365760"/>
+            <a:off x="182880" y="109728"/>
+            <a:ext cx="365760" cy="320040"/>
           </a:xfrm>
           <a:prstGeom prst="rect">
             <a:avLst/>
@@ -8862,7 +8862,7 @@
           <a:lstStyle/>
           <a:p>
             <a:pPr>
-              <a:defRPr sz="1800" b="1">
+              <a:defRPr sz="1400" b="1">
                 <a:solidFill>
                   <a:srgbClr val="FFFFFF"/>
                 </a:solidFill>
@@ -8882,8 +8882,8 @@
         </p:nvSpPr>
         <p:spPr>
           <a:xfrm>
-            <a:off x="731520" y="182880"/>
-            <a:ext cx="7772400" cy="457200"/>
+            <a:off x="548640" y="109728"/>
+            <a:ext cx="7772400" cy="365760"/>
           </a:xfrm>
           <a:prstGeom prst="rect">
             <a:avLst/>
@@ -8897,7 +8897,7 @@
           <a:lstStyle/>
           <a:p>
             <a:pPr>
-              <a:defRPr sz="2400" b="1">
+              <a:defRPr sz="2000" b="1">
                 <a:solidFill>
                   <a:srgbClr val="FFFFFF"/>
                 </a:solidFill>
@@ -8917,8 +8917,8 @@
         </p:nvSpPr>
         <p:spPr>
           <a:xfrm>
-            <a:off x="457200" y="914400"/>
-            <a:ext cx="3840480" cy="365760"/>
+            <a:off x="365760" y="685800"/>
+            <a:ext cx="3931920" cy="274320"/>
           </a:xfrm>
           <a:prstGeom prst="rect">
             <a:avLst/>
@@ -8932,7 +8932,7 @@
           <a:lstStyle/>
           <a:p>
             <a:pPr>
-              <a:defRPr sz="1600" b="1">
+              <a:defRPr sz="1400" b="1">
                 <a:solidFill>
                   <a:srgbClr val="003366"/>
                 </a:solidFill>
@@ -8952,8 +8952,8 @@
         </p:nvSpPr>
         <p:spPr>
           <a:xfrm>
-            <a:off x="457200" y="1280160"/>
-            <a:ext cx="3840480" cy="3474720"/>
+            <a:off x="365760" y="960120"/>
+            <a:ext cx="3931920" cy="3931920"/>
           </a:xfrm>
           <a:prstGeom prst="rect">
             <a:avLst/>
@@ -8968,9 +8968,9 @@
           <a:p>
             <a:pPr>
               <a:spcAft>
-                <a:spcPts val="600"/>
-              </a:spcAft>
-              <a:defRPr sz="1200">
+                <a:spcPts val="300"/>
+              </a:spcAft>
+              <a:defRPr sz="1000">
                 <a:solidFill>
                   <a:srgbClr val="323232"/>
                 </a:solidFill>
@@ -8983,9 +8983,9 @@
           <a:p>
             <a:pPr>
               <a:spcAft>
-                <a:spcPts val="600"/>
-              </a:spcAft>
-              <a:defRPr sz="1200">
+                <a:spcPts val="300"/>
+              </a:spcAft>
+              <a:defRPr sz="1000">
                 <a:solidFill>
                   <a:srgbClr val="323232"/>
                 </a:solidFill>
@@ -8998,9 +8998,9 @@
           <a:p>
             <a:pPr>
               <a:spcAft>
-                <a:spcPts val="600"/>
-              </a:spcAft>
-              <a:defRPr sz="1200">
+                <a:spcPts val="300"/>
+              </a:spcAft>
+              <a:defRPr sz="1000">
                 <a:solidFill>
                   <a:srgbClr val="323232"/>
                 </a:solidFill>
@@ -9013,9 +9013,9 @@
           <a:p>
             <a:pPr>
               <a:spcAft>
-                <a:spcPts val="600"/>
-              </a:spcAft>
-              <a:defRPr sz="1200">
+                <a:spcPts val="300"/>
+              </a:spcAft>
+              <a:defRPr sz="1000">
                 <a:solidFill>
                   <a:srgbClr val="323232"/>
                 </a:solidFill>
@@ -9035,8 +9035,8 @@
         </p:nvSpPr>
         <p:spPr>
           <a:xfrm>
-            <a:off x="4754880" y="914400"/>
-            <a:ext cx="3840480" cy="365760"/>
+            <a:off x="4754880" y="685800"/>
+            <a:ext cx="3931920" cy="274320"/>
           </a:xfrm>
           <a:prstGeom prst="rect">
             <a:avLst/>
@@ -9050,7 +9050,7 @@
           <a:lstStyle/>
           <a:p>
             <a:pPr>
-              <a:defRPr sz="1600" b="1">
+              <a:defRPr sz="1400" b="1">
                 <a:solidFill>
                   <a:srgbClr val="003366"/>
                 </a:solidFill>
@@ -9070,8 +9070,8 @@
         </p:nvSpPr>
         <p:spPr>
           <a:xfrm>
-            <a:off x="4754880" y="1280160"/>
-            <a:ext cx="3840480" cy="3474720"/>
+            <a:off x="4754880" y="960120"/>
+            <a:ext cx="3931920" cy="3931920"/>
           </a:xfrm>
           <a:prstGeom prst="rect">
             <a:avLst/>
@@ -9086,9 +9086,9 @@
           <a:p>
             <a:pPr>
               <a:spcAft>
-                <a:spcPts val="600"/>
-              </a:spcAft>
-              <a:defRPr sz="1200">
+                <a:spcPts val="300"/>
+              </a:spcAft>
+              <a:defRPr sz="1000">
                 <a:solidFill>
                   <a:srgbClr val="323232"/>
                 </a:solidFill>
@@ -9101,9 +9101,9 @@
           <a:p>
             <a:pPr>
               <a:spcAft>
-                <a:spcPts val="600"/>
-              </a:spcAft>
-              <a:defRPr sz="1200">
+                <a:spcPts val="300"/>
+              </a:spcAft>
+              <a:defRPr sz="1000">
                 <a:solidFill>
                   <a:srgbClr val="323232"/>
                 </a:solidFill>
@@ -9116,9 +9116,9 @@
           <a:p>
             <a:pPr>
               <a:spcAft>
-                <a:spcPts val="600"/>
-              </a:spcAft>
-              <a:defRPr sz="1200">
+                <a:spcPts val="300"/>
+              </a:spcAft>
+              <a:defRPr sz="1000">
                 <a:solidFill>
                   <a:srgbClr val="323232"/>
                 </a:solidFill>
@@ -9131,9 +9131,9 @@
           <a:p>
             <a:pPr>
               <a:spcAft>
-                <a:spcPts val="600"/>
-              </a:spcAft>
-              <a:defRPr sz="1200">
+                <a:spcPts val="300"/>
+              </a:spcAft>
+              <a:defRPr sz="1000">
                 <a:solidFill>
                   <a:srgbClr val="323232"/>
                 </a:solidFill>
@@ -9146,9 +9146,9 @@
           <a:p>
             <a:pPr>
               <a:spcAft>
-                <a:spcPts val="600"/>
-              </a:spcAft>
-              <a:defRPr sz="1200">
+                <a:spcPts val="300"/>
+              </a:spcAft>
+              <a:defRPr sz="1000">
                 <a:solidFill>
                   <a:srgbClr val="323232"/>
                 </a:solidFill>
@@ -9187,7 +9187,7 @@
         <p:spPr>
           <a:xfrm>
             <a:off x="0" y="0"/>
-            <a:ext cx="9144000" cy="731520"/>
+            <a:ext cx="9144000" cy="548640"/>
           </a:xfrm>
           <a:prstGeom prst="rect">
             <a:avLst/>
@@ -9229,8 +9229,8 @@
         </p:nvSpPr>
         <p:spPr>
           <a:xfrm>
-            <a:off x="274320" y="182880"/>
-            <a:ext cx="457200" cy="365760"/>
+            <a:off x="182880" y="109728"/>
+            <a:ext cx="365760" cy="320040"/>
           </a:xfrm>
           <a:prstGeom prst="rect">
             <a:avLst/>
@@ -9244,7 +9244,7 @@
           <a:lstStyle/>
           <a:p>
             <a:pPr>
-              <a:defRPr sz="1800" b="1">
+              <a:defRPr sz="1400" b="1">
                 <a:solidFill>
                   <a:srgbClr val="FFFFFF"/>
                 </a:solidFill>
@@ -9264,8 +9264,8 @@
         </p:nvSpPr>
         <p:spPr>
           <a:xfrm>
-            <a:off x="731520" y="182880"/>
-            <a:ext cx="7772400" cy="457200"/>
+            <a:off x="548640" y="109728"/>
+            <a:ext cx="7772400" cy="365760"/>
           </a:xfrm>
           <a:prstGeom prst="rect">
             <a:avLst/>
@@ -9279,7 +9279,7 @@
           <a:lstStyle/>
           <a:p>
             <a:pPr>
-              <a:defRPr sz="2400" b="1">
+              <a:defRPr sz="2000" b="1">
                 <a:solidFill>
                   <a:srgbClr val="FFFFFF"/>
                 </a:solidFill>
@@ -9299,8 +9299,8 @@
         </p:nvSpPr>
         <p:spPr>
           <a:xfrm>
-            <a:off x="457200" y="1005840"/>
-            <a:ext cx="8229600" cy="3657600"/>
+            <a:off x="365760" y="685800"/>
+            <a:ext cx="8412480" cy="4297680"/>
           </a:xfrm>
           <a:prstGeom prst="rect">
             <a:avLst/>
@@ -9315,9 +9315,9 @@
           <a:p>
             <a:pPr>
               <a:spcAft>
-                <a:spcPts val="800"/>
-              </a:spcAft>
-              <a:defRPr sz="1400">
+                <a:spcPts val="400"/>
+              </a:spcAft>
+              <a:defRPr sz="1100">
                 <a:solidFill>
                   <a:srgbClr val="323232"/>
                 </a:solidFill>
@@ -9330,9 +9330,9 @@
           <a:p>
             <a:pPr>
               <a:spcAft>
-                <a:spcPts val="800"/>
-              </a:spcAft>
-              <a:defRPr sz="1400">
+                <a:spcPts val="400"/>
+              </a:spcAft>
+              <a:defRPr sz="1100">
                 <a:solidFill>
                   <a:srgbClr val="323232"/>
                 </a:solidFill>
@@ -9345,21 +9345,21 @@
           <a:p>
             <a:pPr>
               <a:spcAft>
-                <a:spcPts val="800"/>
-              </a:spcAft>
-              <a:defRPr sz="1400">
-                <a:solidFill>
-                  <a:srgbClr val="323232"/>
-                </a:solidFill>
-              </a:defRPr>
-            </a:pPr>
-          </a:p>
-          <a:p>
-            <a:pPr>
-              <a:spcAft>
-                <a:spcPts val="800"/>
-              </a:spcAft>
-              <a:defRPr sz="1400">
+                <a:spcPts val="400"/>
+              </a:spcAft>
+              <a:defRPr sz="1100">
+                <a:solidFill>
+                  <a:srgbClr val="323232"/>
+                </a:solidFill>
+              </a:defRPr>
+            </a:pPr>
+          </a:p>
+          <a:p>
+            <a:pPr>
+              <a:spcAft>
+                <a:spcPts val="400"/>
+              </a:spcAft>
+              <a:defRPr sz="1100">
                 <a:solidFill>
                   <a:srgbClr val="323232"/>
                 </a:solidFill>
@@ -9372,9 +9372,9 @@
           <a:p>
             <a:pPr>
               <a:spcAft>
-                <a:spcPts val="800"/>
-              </a:spcAft>
-              <a:defRPr sz="1400">
+                <a:spcPts val="400"/>
+              </a:spcAft>
+              <a:defRPr sz="1100">
                 <a:solidFill>
                   <a:srgbClr val="323232"/>
                 </a:solidFill>
@@ -9387,9 +9387,9 @@
           <a:p>
             <a:pPr>
               <a:spcAft>
-                <a:spcPts val="800"/>
-              </a:spcAft>
-              <a:defRPr sz="1400">
+                <a:spcPts val="400"/>
+              </a:spcAft>
+              <a:defRPr sz="1100">
                 <a:solidFill>
                   <a:srgbClr val="323232"/>
                 </a:solidFill>
@@ -9402,21 +9402,21 @@
           <a:p>
             <a:pPr>
               <a:spcAft>
-                <a:spcPts val="800"/>
-              </a:spcAft>
-              <a:defRPr sz="1400">
-                <a:solidFill>
-                  <a:srgbClr val="323232"/>
-                </a:solidFill>
-              </a:defRPr>
-            </a:pPr>
-          </a:p>
-          <a:p>
-            <a:pPr>
-              <a:spcAft>
-                <a:spcPts val="800"/>
-              </a:spcAft>
-              <a:defRPr sz="1400">
+                <a:spcPts val="400"/>
+              </a:spcAft>
+              <a:defRPr sz="1100">
+                <a:solidFill>
+                  <a:srgbClr val="323232"/>
+                </a:solidFill>
+              </a:defRPr>
+            </a:pPr>
+          </a:p>
+          <a:p>
+            <a:pPr>
+              <a:spcAft>
+                <a:spcPts val="400"/>
+              </a:spcAft>
+              <a:defRPr sz="1100">
                 <a:solidFill>
                   <a:srgbClr val="323232"/>
                 </a:solidFill>
@@ -9429,9 +9429,9 @@
           <a:p>
             <a:pPr>
               <a:spcAft>
-                <a:spcPts val="800"/>
-              </a:spcAft>
-              <a:defRPr sz="1400">
+                <a:spcPts val="400"/>
+              </a:spcAft>
+              <a:defRPr sz="1100">
                 <a:solidFill>
                   <a:srgbClr val="323232"/>
                 </a:solidFill>
@@ -9444,9 +9444,9 @@
           <a:p>
             <a:pPr>
               <a:spcAft>
-                <a:spcPts val="800"/>
-              </a:spcAft>
-              <a:defRPr sz="1400">
+                <a:spcPts val="400"/>
+              </a:spcAft>
+              <a:defRPr sz="1100">
                 <a:solidFill>
                   <a:srgbClr val="323232"/>
                 </a:solidFill>
@@ -9459,21 +9459,21 @@
           <a:p>
             <a:pPr>
               <a:spcAft>
-                <a:spcPts val="800"/>
-              </a:spcAft>
-              <a:defRPr sz="1400">
-                <a:solidFill>
-                  <a:srgbClr val="323232"/>
-                </a:solidFill>
-              </a:defRPr>
-            </a:pPr>
-          </a:p>
-          <a:p>
-            <a:pPr>
-              <a:spcAft>
-                <a:spcPts val="800"/>
-              </a:spcAft>
-              <a:defRPr sz="1400">
+                <a:spcPts val="400"/>
+              </a:spcAft>
+              <a:defRPr sz="1100">
+                <a:solidFill>
+                  <a:srgbClr val="323232"/>
+                </a:solidFill>
+              </a:defRPr>
+            </a:pPr>
+          </a:p>
+          <a:p>
+            <a:pPr>
+              <a:spcAft>
+                <a:spcPts val="400"/>
+              </a:spcAft>
+              <a:defRPr sz="1100">
                 <a:solidFill>
                   <a:srgbClr val="323232"/>
                 </a:solidFill>
@@ -9486,9 +9486,9 @@
           <a:p>
             <a:pPr>
               <a:spcAft>
-                <a:spcPts val="800"/>
-              </a:spcAft>
-              <a:defRPr sz="1400">
+                <a:spcPts val="400"/>
+              </a:spcAft>
+              <a:defRPr sz="1100">
                 <a:solidFill>
                   <a:srgbClr val="323232"/>
                 </a:solidFill>
@@ -9527,7 +9527,7 @@
         <p:spPr>
           <a:xfrm>
             <a:off x="0" y="0"/>
-            <a:ext cx="9144000" cy="731520"/>
+            <a:ext cx="9144000" cy="548640"/>
           </a:xfrm>
           <a:prstGeom prst="rect">
             <a:avLst/>
@@ -9569,8 +9569,8 @@
         </p:nvSpPr>
         <p:spPr>
           <a:xfrm>
-            <a:off x="274320" y="182880"/>
-            <a:ext cx="457200" cy="365760"/>
+            <a:off x="182880" y="109728"/>
+            <a:ext cx="365760" cy="320040"/>
           </a:xfrm>
           <a:prstGeom prst="rect">
             <a:avLst/>
@@ -9584,7 +9584,7 @@
           <a:lstStyle/>
           <a:p>
             <a:pPr>
-              <a:defRPr sz="1800" b="1">
+              <a:defRPr sz="1400" b="1">
                 <a:solidFill>
                   <a:srgbClr val="FFFFFF"/>
                 </a:solidFill>
@@ -9604,8 +9604,8 @@
         </p:nvSpPr>
         <p:spPr>
           <a:xfrm>
-            <a:off x="731520" y="182880"/>
-            <a:ext cx="7772400" cy="457200"/>
+            <a:off x="548640" y="109728"/>
+            <a:ext cx="7772400" cy="365760"/>
           </a:xfrm>
           <a:prstGeom prst="rect">
             <a:avLst/>
@@ -9619,7 +9619,7 @@
           <a:lstStyle/>
           <a:p>
             <a:pPr>
-              <a:defRPr sz="2400" b="1">
+              <a:defRPr sz="2000" b="1">
                 <a:solidFill>
                   <a:srgbClr val="FFFFFF"/>
                 </a:solidFill>
@@ -9639,8 +9639,8 @@
         </p:nvSpPr>
         <p:spPr>
           <a:xfrm>
-            <a:off x="457200" y="1005840"/>
-            <a:ext cx="8229600" cy="3657600"/>
+            <a:off x="365760" y="685800"/>
+            <a:ext cx="8412480" cy="4297680"/>
           </a:xfrm>
           <a:prstGeom prst="rect">
             <a:avLst/>
@@ -9655,9 +9655,9 @@
           <a:p>
             <a:pPr>
               <a:spcAft>
-                <a:spcPts val="800"/>
-              </a:spcAft>
-              <a:defRPr sz="1400">
+                <a:spcPts val="400"/>
+              </a:spcAft>
+              <a:defRPr sz="1100">
                 <a:solidFill>
                   <a:srgbClr val="323232"/>
                 </a:solidFill>
@@ -9670,9 +9670,9 @@
           <a:p>
             <a:pPr>
               <a:spcAft>
-                <a:spcPts val="800"/>
-              </a:spcAft>
-              <a:defRPr sz="1400">
+                <a:spcPts val="400"/>
+              </a:spcAft>
+              <a:defRPr sz="1100">
                 <a:solidFill>
                   <a:srgbClr val="323232"/>
                 </a:solidFill>
@@ -9685,9 +9685,9 @@
           <a:p>
             <a:pPr>
               <a:spcAft>
-                <a:spcPts val="800"/>
-              </a:spcAft>
-              <a:defRPr sz="1400">
+                <a:spcPts val="400"/>
+              </a:spcAft>
+              <a:defRPr sz="1100">
                 <a:solidFill>
                   <a:srgbClr val="323232"/>
                 </a:solidFill>
@@ -9700,21 +9700,21 @@
           <a:p>
             <a:pPr>
               <a:spcAft>
-                <a:spcPts val="800"/>
-              </a:spcAft>
-              <a:defRPr sz="1400">
-                <a:solidFill>
-                  <a:srgbClr val="323232"/>
-                </a:solidFill>
-              </a:defRPr>
-            </a:pPr>
-          </a:p>
-          <a:p>
-            <a:pPr>
-              <a:spcAft>
-                <a:spcPts val="800"/>
-              </a:spcAft>
-              <a:defRPr sz="1400">
+                <a:spcPts val="400"/>
+              </a:spcAft>
+              <a:defRPr sz="1100">
+                <a:solidFill>
+                  <a:srgbClr val="323232"/>
+                </a:solidFill>
+              </a:defRPr>
+            </a:pPr>
+          </a:p>
+          <a:p>
+            <a:pPr>
+              <a:spcAft>
+                <a:spcPts val="400"/>
+              </a:spcAft>
+              <a:defRPr sz="1100">
                 <a:solidFill>
                   <a:srgbClr val="323232"/>
                 </a:solidFill>
@@ -9727,9 +9727,9 @@
           <a:p>
             <a:pPr>
               <a:spcAft>
-                <a:spcPts val="800"/>
-              </a:spcAft>
-              <a:defRPr sz="1400">
+                <a:spcPts val="400"/>
+              </a:spcAft>
+              <a:defRPr sz="1100">
                 <a:solidFill>
                   <a:srgbClr val="323232"/>
                 </a:solidFill>
@@ -9742,9 +9742,9 @@
           <a:p>
             <a:pPr>
               <a:spcAft>
-                <a:spcPts val="800"/>
-              </a:spcAft>
-              <a:defRPr sz="1400">
+                <a:spcPts val="400"/>
+              </a:spcAft>
+              <a:defRPr sz="1100">
                 <a:solidFill>
                   <a:srgbClr val="323232"/>
                 </a:solidFill>
@@ -9757,21 +9757,21 @@
           <a:p>
             <a:pPr>
               <a:spcAft>
-                <a:spcPts val="800"/>
-              </a:spcAft>
-              <a:defRPr sz="1400">
-                <a:solidFill>
-                  <a:srgbClr val="323232"/>
-                </a:solidFill>
-              </a:defRPr>
-            </a:pPr>
-          </a:p>
-          <a:p>
-            <a:pPr>
-              <a:spcAft>
-                <a:spcPts val="800"/>
-              </a:spcAft>
-              <a:defRPr sz="1400">
+                <a:spcPts val="400"/>
+              </a:spcAft>
+              <a:defRPr sz="1100">
+                <a:solidFill>
+                  <a:srgbClr val="323232"/>
+                </a:solidFill>
+              </a:defRPr>
+            </a:pPr>
+          </a:p>
+          <a:p>
+            <a:pPr>
+              <a:spcAft>
+                <a:spcPts val="400"/>
+              </a:spcAft>
+              <a:defRPr sz="1100">
                 <a:solidFill>
                   <a:srgbClr val="323232"/>
                 </a:solidFill>
@@ -9784,9 +9784,9 @@
           <a:p>
             <a:pPr>
               <a:spcAft>
-                <a:spcPts val="800"/>
-              </a:spcAft>
-              <a:defRPr sz="1400">
+                <a:spcPts val="400"/>
+              </a:spcAft>
+              <a:defRPr sz="1100">
                 <a:solidFill>
                   <a:srgbClr val="323232"/>
                 </a:solidFill>
@@ -9799,9 +9799,9 @@
           <a:p>
             <a:pPr>
               <a:spcAft>
-                <a:spcPts val="800"/>
-              </a:spcAft>
-              <a:defRPr sz="1400">
+                <a:spcPts val="400"/>
+              </a:spcAft>
+              <a:defRPr sz="1100">
                 <a:solidFill>
                   <a:srgbClr val="323232"/>
                 </a:solidFill>
@@ -9814,21 +9814,21 @@
           <a:p>
             <a:pPr>
               <a:spcAft>
-                <a:spcPts val="800"/>
-              </a:spcAft>
-              <a:defRPr sz="1400">
-                <a:solidFill>
-                  <a:srgbClr val="323232"/>
-                </a:solidFill>
-              </a:defRPr>
-            </a:pPr>
-          </a:p>
-          <a:p>
-            <a:pPr>
-              <a:spcAft>
-                <a:spcPts val="800"/>
-              </a:spcAft>
-              <a:defRPr sz="1400">
+                <a:spcPts val="400"/>
+              </a:spcAft>
+              <a:defRPr sz="1100">
+                <a:solidFill>
+                  <a:srgbClr val="323232"/>
+                </a:solidFill>
+              </a:defRPr>
+            </a:pPr>
+          </a:p>
+          <a:p>
+            <a:pPr>
+              <a:spcAft>
+                <a:spcPts val="400"/>
+              </a:spcAft>
+              <a:defRPr sz="1100">
                 <a:solidFill>
                   <a:srgbClr val="323232"/>
                 </a:solidFill>
@@ -9841,9 +9841,9 @@
           <a:p>
             <a:pPr>
               <a:spcAft>
-                <a:spcPts val="800"/>
-              </a:spcAft>
-              <a:defRPr sz="1400">
+                <a:spcPts val="400"/>
+              </a:spcAft>
+              <a:defRPr sz="1100">
                 <a:solidFill>
                   <a:srgbClr val="323232"/>
                 </a:solidFill>
@@ -9856,9 +9856,9 @@
           <a:p>
             <a:pPr>
               <a:spcAft>
-                <a:spcPts val="800"/>
-              </a:spcAft>
-              <a:defRPr sz="1400">
+                <a:spcPts val="400"/>
+              </a:spcAft>
+              <a:defRPr sz="1100">
                 <a:solidFill>
                   <a:srgbClr val="323232"/>
                 </a:solidFill>
@@ -9871,21 +9871,21 @@
           <a:p>
             <a:pPr>
               <a:spcAft>
-                <a:spcPts val="800"/>
-              </a:spcAft>
-              <a:defRPr sz="1400">
-                <a:solidFill>
-                  <a:srgbClr val="323232"/>
-                </a:solidFill>
-              </a:defRPr>
-            </a:pPr>
-          </a:p>
-          <a:p>
-            <a:pPr>
-              <a:spcAft>
-                <a:spcPts val="800"/>
-              </a:spcAft>
-              <a:defRPr sz="1400">
+                <a:spcPts val="400"/>
+              </a:spcAft>
+              <a:defRPr sz="1100">
+                <a:solidFill>
+                  <a:srgbClr val="323232"/>
+                </a:solidFill>
+              </a:defRPr>
+            </a:pPr>
+          </a:p>
+          <a:p>
+            <a:pPr>
+              <a:spcAft>
+                <a:spcPts val="400"/>
+              </a:spcAft>
+              <a:defRPr sz="1100">
                 <a:solidFill>
                   <a:srgbClr val="323232"/>
                 </a:solidFill>
@@ -9898,9 +9898,9 @@
           <a:p>
             <a:pPr>
               <a:spcAft>
-                <a:spcPts val="800"/>
-              </a:spcAft>
-              <a:defRPr sz="1400">
+                <a:spcPts val="400"/>
+              </a:spcAft>
+              <a:defRPr sz="1100">
                 <a:solidFill>
                   <a:srgbClr val="323232"/>
                 </a:solidFill>
@@ -9939,7 +9939,7 @@
         <p:spPr>
           <a:xfrm>
             <a:off x="0" y="0"/>
-            <a:ext cx="9144000" cy="731520"/>
+            <a:ext cx="9144000" cy="548640"/>
           </a:xfrm>
           <a:prstGeom prst="rect">
             <a:avLst/>
@@ -9981,8 +9981,8 @@
         </p:nvSpPr>
         <p:spPr>
           <a:xfrm>
-            <a:off x="274320" y="182880"/>
-            <a:ext cx="457200" cy="365760"/>
+            <a:off x="182880" y="109728"/>
+            <a:ext cx="365760" cy="320040"/>
           </a:xfrm>
           <a:prstGeom prst="rect">
             <a:avLst/>
@@ -9996,7 +9996,7 @@
           <a:lstStyle/>
           <a:p>
             <a:pPr>
-              <a:defRPr sz="1800" b="1">
+              <a:defRPr sz="1400" b="1">
                 <a:solidFill>
                   <a:srgbClr val="FFFFFF"/>
                 </a:solidFill>
@@ -10016,8 +10016,8 @@
         </p:nvSpPr>
         <p:spPr>
           <a:xfrm>
-            <a:off x="731520" y="182880"/>
-            <a:ext cx="7772400" cy="457200"/>
+            <a:off x="548640" y="109728"/>
+            <a:ext cx="7772400" cy="365760"/>
           </a:xfrm>
           <a:prstGeom prst="rect">
             <a:avLst/>
@@ -10031,7 +10031,7 @@
           <a:lstStyle/>
           <a:p>
             <a:pPr>
-              <a:defRPr sz="2400" b="1">
+              <a:defRPr sz="2000" b="1">
                 <a:solidFill>
                   <a:srgbClr val="FFFFFF"/>
                 </a:solidFill>
@@ -10051,8 +10051,8 @@
         </p:nvSpPr>
         <p:spPr>
           <a:xfrm>
-            <a:off x="457200" y="914400"/>
-            <a:ext cx="3840480" cy="365760"/>
+            <a:off x="365760" y="685800"/>
+            <a:ext cx="3931920" cy="274320"/>
           </a:xfrm>
           <a:prstGeom prst="rect">
             <a:avLst/>
@@ -10066,7 +10066,7 @@
           <a:lstStyle/>
           <a:p>
             <a:pPr>
-              <a:defRPr sz="1600" b="1">
+              <a:defRPr sz="1400" b="1">
                 <a:solidFill>
                   <a:srgbClr val="003366"/>
                 </a:solidFill>
@@ -10086,8 +10086,8 @@
         </p:nvSpPr>
         <p:spPr>
           <a:xfrm>
-            <a:off x="457200" y="1280160"/>
-            <a:ext cx="3840480" cy="3474720"/>
+            <a:off x="365760" y="960120"/>
+            <a:ext cx="3931920" cy="3931920"/>
           </a:xfrm>
           <a:prstGeom prst="rect">
             <a:avLst/>
@@ -10102,9 +10102,9 @@
           <a:p>
             <a:pPr>
               <a:spcAft>
-                <a:spcPts val="600"/>
-              </a:spcAft>
-              <a:defRPr sz="1200">
+                <a:spcPts val="300"/>
+              </a:spcAft>
+              <a:defRPr sz="1000">
                 <a:solidFill>
                   <a:srgbClr val="323232"/>
                 </a:solidFill>
@@ -10117,9 +10117,9 @@
           <a:p>
             <a:pPr>
               <a:spcAft>
-                <a:spcPts val="600"/>
-              </a:spcAft>
-              <a:defRPr sz="1200">
+                <a:spcPts val="300"/>
+              </a:spcAft>
+              <a:defRPr sz="1000">
                 <a:solidFill>
                   <a:srgbClr val="323232"/>
                 </a:solidFill>
@@ -10132,9 +10132,9 @@
           <a:p>
             <a:pPr>
               <a:spcAft>
-                <a:spcPts val="600"/>
-              </a:spcAft>
-              <a:defRPr sz="1200">
+                <a:spcPts val="300"/>
+              </a:spcAft>
+              <a:defRPr sz="1000">
                 <a:solidFill>
                   <a:srgbClr val="323232"/>
                 </a:solidFill>
@@ -10147,9 +10147,9 @@
           <a:p>
             <a:pPr>
               <a:spcAft>
-                <a:spcPts val="600"/>
-              </a:spcAft>
-              <a:defRPr sz="1200">
+                <a:spcPts val="300"/>
+              </a:spcAft>
+              <a:defRPr sz="1000">
                 <a:solidFill>
                   <a:srgbClr val="323232"/>
                 </a:solidFill>
@@ -10162,9 +10162,9 @@
           <a:p>
             <a:pPr>
               <a:spcAft>
-                <a:spcPts val="600"/>
-              </a:spcAft>
-              <a:defRPr sz="1200">
+                <a:spcPts val="300"/>
+              </a:spcAft>
+              <a:defRPr sz="1000">
                 <a:solidFill>
                   <a:srgbClr val="323232"/>
                 </a:solidFill>
@@ -10184,8 +10184,8 @@
         </p:nvSpPr>
         <p:spPr>
           <a:xfrm>
-            <a:off x="4754880" y="914400"/>
-            <a:ext cx="3840480" cy="365760"/>
+            <a:off x="4754880" y="685800"/>
+            <a:ext cx="3931920" cy="274320"/>
           </a:xfrm>
           <a:prstGeom prst="rect">
             <a:avLst/>
@@ -10199,7 +10199,7 @@
           <a:lstStyle/>
           <a:p>
             <a:pPr>
-              <a:defRPr sz="1600" b="1">
+              <a:defRPr sz="1400" b="1">
                 <a:solidFill>
                   <a:srgbClr val="003366"/>
                 </a:solidFill>
@@ -10219,8 +10219,8 @@
         </p:nvSpPr>
         <p:spPr>
           <a:xfrm>
-            <a:off x="4754880" y="1280160"/>
-            <a:ext cx="3840480" cy="3474720"/>
+            <a:off x="4754880" y="960120"/>
+            <a:ext cx="3931920" cy="3931920"/>
           </a:xfrm>
           <a:prstGeom prst="rect">
             <a:avLst/>
@@ -10235,9 +10235,9 @@
           <a:p>
             <a:pPr>
               <a:spcAft>
-                <a:spcPts val="600"/>
-              </a:spcAft>
-              <a:defRPr sz="1200">
+                <a:spcPts val="300"/>
+              </a:spcAft>
+              <a:defRPr sz="1000">
                 <a:solidFill>
                   <a:srgbClr val="323232"/>
                 </a:solidFill>
@@ -10250,9 +10250,9 @@
           <a:p>
             <a:pPr>
               <a:spcAft>
-                <a:spcPts val="600"/>
-              </a:spcAft>
-              <a:defRPr sz="1200">
+                <a:spcPts val="300"/>
+              </a:spcAft>
+              <a:defRPr sz="1000">
                 <a:solidFill>
                   <a:srgbClr val="323232"/>
                 </a:solidFill>
@@ -10265,9 +10265,9 @@
           <a:p>
             <a:pPr>
               <a:spcAft>
-                <a:spcPts val="600"/>
-              </a:spcAft>
-              <a:defRPr sz="1200">
+                <a:spcPts val="300"/>
+              </a:spcAft>
+              <a:defRPr sz="1000">
                 <a:solidFill>
                   <a:srgbClr val="323232"/>
                 </a:solidFill>
@@ -10280,9 +10280,9 @@
           <a:p>
             <a:pPr>
               <a:spcAft>
-                <a:spcPts val="600"/>
-              </a:spcAft>
-              <a:defRPr sz="1200">
+                <a:spcPts val="300"/>
+              </a:spcAft>
+              <a:defRPr sz="1000">
                 <a:solidFill>
                   <a:srgbClr val="323232"/>
                 </a:solidFill>
@@ -10295,9 +10295,9 @@
           <a:p>
             <a:pPr>
               <a:spcAft>
-                <a:spcPts val="600"/>
-              </a:spcAft>
-              <a:defRPr sz="1200">
+                <a:spcPts val="300"/>
+              </a:spcAft>
+              <a:defRPr sz="1000">
                 <a:solidFill>
                   <a:srgbClr val="323232"/>
                 </a:solidFill>
@@ -10336,7 +10336,7 @@
         <p:spPr>
           <a:xfrm>
             <a:off x="0" y="0"/>
-            <a:ext cx="9144000" cy="731520"/>
+            <a:ext cx="9144000" cy="548640"/>
           </a:xfrm>
           <a:prstGeom prst="rect">
             <a:avLst/>
@@ -10378,8 +10378,8 @@
         </p:nvSpPr>
         <p:spPr>
           <a:xfrm>
-            <a:off x="274320" y="182880"/>
-            <a:ext cx="457200" cy="365760"/>
+            <a:off x="182880" y="109728"/>
+            <a:ext cx="365760" cy="320040"/>
           </a:xfrm>
           <a:prstGeom prst="rect">
             <a:avLst/>
@@ -10393,7 +10393,7 @@
           <a:lstStyle/>
           <a:p>
             <a:pPr>
-              <a:defRPr sz="1800" b="1">
+              <a:defRPr sz="1400" b="1">
                 <a:solidFill>
                   <a:srgbClr val="FFFFFF"/>
                 </a:solidFill>
@@ -10413,8 +10413,8 @@
         </p:nvSpPr>
         <p:spPr>
           <a:xfrm>
-            <a:off x="731520" y="182880"/>
-            <a:ext cx="7772400" cy="457200"/>
+            <a:off x="548640" y="109728"/>
+            <a:ext cx="7772400" cy="365760"/>
           </a:xfrm>
           <a:prstGeom prst="rect">
             <a:avLst/>
@@ -10428,7 +10428,7 @@
           <a:lstStyle/>
           <a:p>
             <a:pPr>
-              <a:defRPr sz="2400" b="1">
+              <a:defRPr sz="2000" b="1">
                 <a:solidFill>
                   <a:srgbClr val="FFFFFF"/>
                 </a:solidFill>
@@ -10448,8 +10448,8 @@
         </p:nvSpPr>
         <p:spPr>
           <a:xfrm>
-            <a:off x="457200" y="1005840"/>
-            <a:ext cx="8229600" cy="3657600"/>
+            <a:off x="365760" y="685800"/>
+            <a:ext cx="8412480" cy="4297680"/>
           </a:xfrm>
           <a:prstGeom prst="rect">
             <a:avLst/>
@@ -10464,9 +10464,9 @@
           <a:p>
             <a:pPr>
               <a:spcAft>
-                <a:spcPts val="800"/>
-              </a:spcAft>
-              <a:defRPr sz="1400">
+                <a:spcPts val="400"/>
+              </a:spcAft>
+              <a:defRPr sz="1100">
                 <a:solidFill>
                   <a:srgbClr val="323232"/>
                 </a:solidFill>
@@ -10479,9 +10479,9 @@
           <a:p>
             <a:pPr>
               <a:spcAft>
-                <a:spcPts val="800"/>
-              </a:spcAft>
-              <a:defRPr sz="1400">
+                <a:spcPts val="400"/>
+              </a:spcAft>
+              <a:defRPr sz="1100">
                 <a:solidFill>
                   <a:srgbClr val="323232"/>
                 </a:solidFill>
@@ -10494,21 +10494,21 @@
           <a:p>
             <a:pPr>
               <a:spcAft>
-                <a:spcPts val="800"/>
-              </a:spcAft>
-              <a:defRPr sz="1400">
-                <a:solidFill>
-                  <a:srgbClr val="323232"/>
-                </a:solidFill>
-              </a:defRPr>
-            </a:pPr>
-          </a:p>
-          <a:p>
-            <a:pPr>
-              <a:spcAft>
-                <a:spcPts val="800"/>
-              </a:spcAft>
-              <a:defRPr sz="1400">
+                <a:spcPts val="400"/>
+              </a:spcAft>
+              <a:defRPr sz="1100">
+                <a:solidFill>
+                  <a:srgbClr val="323232"/>
+                </a:solidFill>
+              </a:defRPr>
+            </a:pPr>
+          </a:p>
+          <a:p>
+            <a:pPr>
+              <a:spcAft>
+                <a:spcPts val="400"/>
+              </a:spcAft>
+              <a:defRPr sz="1100">
                 <a:solidFill>
                   <a:srgbClr val="323232"/>
                 </a:solidFill>
@@ -10521,9 +10521,9 @@
           <a:p>
             <a:pPr>
               <a:spcAft>
-                <a:spcPts val="800"/>
-              </a:spcAft>
-              <a:defRPr sz="1400">
+                <a:spcPts val="400"/>
+              </a:spcAft>
+              <a:defRPr sz="1100">
                 <a:solidFill>
                   <a:srgbClr val="323232"/>
                 </a:solidFill>
@@ -10536,21 +10536,21 @@
           <a:p>
             <a:pPr>
               <a:spcAft>
-                <a:spcPts val="800"/>
-              </a:spcAft>
-              <a:defRPr sz="1400">
-                <a:solidFill>
-                  <a:srgbClr val="323232"/>
-                </a:solidFill>
-              </a:defRPr>
-            </a:pPr>
-          </a:p>
-          <a:p>
-            <a:pPr>
-              <a:spcAft>
-                <a:spcPts val="800"/>
-              </a:spcAft>
-              <a:defRPr sz="1400">
+                <a:spcPts val="400"/>
+              </a:spcAft>
+              <a:defRPr sz="1100">
+                <a:solidFill>
+                  <a:srgbClr val="323232"/>
+                </a:solidFill>
+              </a:defRPr>
+            </a:pPr>
+          </a:p>
+          <a:p>
+            <a:pPr>
+              <a:spcAft>
+                <a:spcPts val="400"/>
+              </a:spcAft>
+              <a:defRPr sz="1100">
                 <a:solidFill>
                   <a:srgbClr val="323232"/>
                 </a:solidFill>
@@ -10563,9 +10563,9 @@
           <a:p>
             <a:pPr>
               <a:spcAft>
-                <a:spcPts val="800"/>
-              </a:spcAft>
-              <a:defRPr sz="1400">
+                <a:spcPts val="400"/>
+              </a:spcAft>
+              <a:defRPr sz="1100">
                 <a:solidFill>
                   <a:srgbClr val="323232"/>
                 </a:solidFill>
@@ -10578,21 +10578,21 @@
           <a:p>
             <a:pPr>
               <a:spcAft>
-                <a:spcPts val="800"/>
-              </a:spcAft>
-              <a:defRPr sz="1400">
-                <a:solidFill>
-                  <a:srgbClr val="323232"/>
-                </a:solidFill>
-              </a:defRPr>
-            </a:pPr>
-          </a:p>
-          <a:p>
-            <a:pPr>
-              <a:spcAft>
-                <a:spcPts val="800"/>
-              </a:spcAft>
-              <a:defRPr sz="1400">
+                <a:spcPts val="400"/>
+              </a:spcAft>
+              <a:defRPr sz="1100">
+                <a:solidFill>
+                  <a:srgbClr val="323232"/>
+                </a:solidFill>
+              </a:defRPr>
+            </a:pPr>
+          </a:p>
+          <a:p>
+            <a:pPr>
+              <a:spcAft>
+                <a:spcPts val="400"/>
+              </a:spcAft>
+              <a:defRPr sz="1100">
                 <a:solidFill>
                   <a:srgbClr val="323232"/>
                 </a:solidFill>
@@ -10605,9 +10605,9 @@
           <a:p>
             <a:pPr>
               <a:spcAft>
-                <a:spcPts val="800"/>
-              </a:spcAft>
-              <a:defRPr sz="1400">
+                <a:spcPts val="400"/>
+              </a:spcAft>
+              <a:defRPr sz="1100">
                 <a:solidFill>
                   <a:srgbClr val="323232"/>
                 </a:solidFill>
@@ -10620,9 +10620,9 @@
           <a:p>
             <a:pPr>
               <a:spcAft>
-                <a:spcPts val="800"/>
-              </a:spcAft>
-              <a:defRPr sz="1400">
+                <a:spcPts val="400"/>
+              </a:spcAft>
+              <a:defRPr sz="1100">
                 <a:solidFill>
                   <a:srgbClr val="323232"/>
                 </a:solidFill>
@@ -10635,9 +10635,9 @@
           <a:p>
             <a:pPr>
               <a:spcAft>
-                <a:spcPts val="800"/>
-              </a:spcAft>
-              <a:defRPr sz="1400">
+                <a:spcPts val="400"/>
+              </a:spcAft>
+              <a:defRPr sz="1100">
                 <a:solidFill>
                   <a:srgbClr val="323232"/>
                 </a:solidFill>
@@ -10650,9 +10650,9 @@
           <a:p>
             <a:pPr>
               <a:spcAft>
-                <a:spcPts val="800"/>
-              </a:spcAft>
-              <a:defRPr sz="1400">
+                <a:spcPts val="400"/>
+              </a:spcAft>
+              <a:defRPr sz="1100">
                 <a:solidFill>
                   <a:srgbClr val="323232"/>
                 </a:solidFill>
@@ -10691,7 +10691,7 @@
         <p:spPr>
           <a:xfrm>
             <a:off x="0" y="0"/>
-            <a:ext cx="9144000" cy="731520"/>
+            <a:ext cx="9144000" cy="548640"/>
           </a:xfrm>
           <a:prstGeom prst="rect">
             <a:avLst/>
@@ -10733,8 +10733,8 @@
         </p:nvSpPr>
         <p:spPr>
           <a:xfrm>
-            <a:off x="274320" y="182880"/>
-            <a:ext cx="457200" cy="365760"/>
+            <a:off x="182880" y="109728"/>
+            <a:ext cx="365760" cy="320040"/>
           </a:xfrm>
           <a:prstGeom prst="rect">
             <a:avLst/>
@@ -10748,7 +10748,7 @@
           <a:lstStyle/>
           <a:p>
             <a:pPr>
-              <a:defRPr sz="1800" b="1">
+              <a:defRPr sz="1400" b="1">
                 <a:solidFill>
                   <a:srgbClr val="FFFFFF"/>
                 </a:solidFill>
@@ -10768,8 +10768,8 @@
         </p:nvSpPr>
         <p:spPr>
           <a:xfrm>
-            <a:off x="731520" y="182880"/>
-            <a:ext cx="7772400" cy="457200"/>
+            <a:off x="548640" y="109728"/>
+            <a:ext cx="7772400" cy="365760"/>
           </a:xfrm>
           <a:prstGeom prst="rect">
             <a:avLst/>
@@ -10783,7 +10783,7 @@
           <a:lstStyle/>
           <a:p>
             <a:pPr>
-              <a:defRPr sz="2400" b="1">
+              <a:defRPr sz="2000" b="1">
                 <a:solidFill>
                   <a:srgbClr val="FFFFFF"/>
                 </a:solidFill>
@@ -10803,8 +10803,8 @@
         </p:nvSpPr>
         <p:spPr>
           <a:xfrm>
-            <a:off x="457200" y="914400"/>
-            <a:ext cx="3840480" cy="365760"/>
+            <a:off x="365760" y="685800"/>
+            <a:ext cx="3931920" cy="274320"/>
           </a:xfrm>
           <a:prstGeom prst="rect">
             <a:avLst/>
@@ -10818,7 +10818,7 @@
           <a:lstStyle/>
           <a:p>
             <a:pPr>
-              <a:defRPr sz="1600" b="1">
+              <a:defRPr sz="1400" b="1">
                 <a:solidFill>
                   <a:srgbClr val="003366"/>
                 </a:solidFill>
@@ -10838,8 +10838,8 @@
         </p:nvSpPr>
         <p:spPr>
           <a:xfrm>
-            <a:off x="457200" y="1280160"/>
-            <a:ext cx="3840480" cy="3474720"/>
+            <a:off x="365760" y="960120"/>
+            <a:ext cx="3931920" cy="3931920"/>
           </a:xfrm>
           <a:prstGeom prst="rect">
             <a:avLst/>
@@ -10854,9 +10854,9 @@
           <a:p>
             <a:pPr>
               <a:spcAft>
-                <a:spcPts val="600"/>
-              </a:spcAft>
-              <a:defRPr sz="1200">
+                <a:spcPts val="300"/>
+              </a:spcAft>
+              <a:defRPr sz="1000">
                 <a:solidFill>
                   <a:srgbClr val="323232"/>
                 </a:solidFill>
@@ -10869,9 +10869,9 @@
           <a:p>
             <a:pPr>
               <a:spcAft>
-                <a:spcPts val="600"/>
-              </a:spcAft>
-              <a:defRPr sz="1200">
+                <a:spcPts val="300"/>
+              </a:spcAft>
+              <a:defRPr sz="1000">
                 <a:solidFill>
                   <a:srgbClr val="323232"/>
                 </a:solidFill>
@@ -10884,9 +10884,9 @@
           <a:p>
             <a:pPr>
               <a:spcAft>
-                <a:spcPts val="600"/>
-              </a:spcAft>
-              <a:defRPr sz="1200">
+                <a:spcPts val="300"/>
+              </a:spcAft>
+              <a:defRPr sz="1000">
                 <a:solidFill>
                   <a:srgbClr val="323232"/>
                 </a:solidFill>
@@ -10899,9 +10899,9 @@
           <a:p>
             <a:pPr>
               <a:spcAft>
-                <a:spcPts val="600"/>
-              </a:spcAft>
-              <a:defRPr sz="1200">
+                <a:spcPts val="300"/>
+              </a:spcAft>
+              <a:defRPr sz="1000">
                 <a:solidFill>
                   <a:srgbClr val="323232"/>
                 </a:solidFill>
@@ -10914,9 +10914,9 @@
           <a:p>
             <a:pPr>
               <a:spcAft>
-                <a:spcPts val="600"/>
-              </a:spcAft>
-              <a:defRPr sz="1200">
+                <a:spcPts val="300"/>
+              </a:spcAft>
+              <a:defRPr sz="1000">
                 <a:solidFill>
                   <a:srgbClr val="323232"/>
                 </a:solidFill>
@@ -10936,8 +10936,8 @@
         </p:nvSpPr>
         <p:spPr>
           <a:xfrm>
-            <a:off x="4754880" y="914400"/>
-            <a:ext cx="3840480" cy="365760"/>
+            <a:off x="4754880" y="685800"/>
+            <a:ext cx="3931920" cy="274320"/>
           </a:xfrm>
           <a:prstGeom prst="rect">
             <a:avLst/>
@@ -10951,7 +10951,7 @@
           <a:lstStyle/>
           <a:p>
             <a:pPr>
-              <a:defRPr sz="1600" b="1">
+              <a:defRPr sz="1400" b="1">
                 <a:solidFill>
                   <a:srgbClr val="003366"/>
                 </a:solidFill>
@@ -10971,8 +10971,8 @@
         </p:nvSpPr>
         <p:spPr>
           <a:xfrm>
-            <a:off x="4754880" y="1280160"/>
-            <a:ext cx="3840480" cy="3474720"/>
+            <a:off x="4754880" y="960120"/>
+            <a:ext cx="3931920" cy="3931920"/>
           </a:xfrm>
           <a:prstGeom prst="rect">
             <a:avLst/>
@@ -10987,9 +10987,9 @@
           <a:p>
             <a:pPr>
               <a:spcAft>
-                <a:spcPts val="600"/>
-              </a:spcAft>
-              <a:defRPr sz="1200">
+                <a:spcPts val="300"/>
+              </a:spcAft>
+              <a:defRPr sz="1000">
                 <a:solidFill>
                   <a:srgbClr val="323232"/>
                 </a:solidFill>
@@ -11002,9 +11002,9 @@
           <a:p>
             <a:pPr>
               <a:spcAft>
-                <a:spcPts val="600"/>
-              </a:spcAft>
-              <a:defRPr sz="1200">
+                <a:spcPts val="300"/>
+              </a:spcAft>
+              <a:defRPr sz="1000">
                 <a:solidFill>
                   <a:srgbClr val="323232"/>
                 </a:solidFill>
@@ -11017,9 +11017,9 @@
           <a:p>
             <a:pPr>
               <a:spcAft>
-                <a:spcPts val="600"/>
-              </a:spcAft>
-              <a:defRPr sz="1200">
+                <a:spcPts val="300"/>
+              </a:spcAft>
+              <a:defRPr sz="1000">
                 <a:solidFill>
                   <a:srgbClr val="323232"/>
                 </a:solidFill>
@@ -11032,9 +11032,9 @@
           <a:p>
             <a:pPr>
               <a:spcAft>
-                <a:spcPts val="600"/>
-              </a:spcAft>
-              <a:defRPr sz="1200">
+                <a:spcPts val="300"/>
+              </a:spcAft>
+              <a:defRPr sz="1000">
                 <a:solidFill>
                   <a:srgbClr val="323232"/>
                 </a:solidFill>
@@ -11047,9 +11047,9 @@
           <a:p>
             <a:pPr>
               <a:spcAft>
-                <a:spcPts val="600"/>
-              </a:spcAft>
-              <a:defRPr sz="1200">
+                <a:spcPts val="300"/>
+              </a:spcAft>
+              <a:defRPr sz="1000">
                 <a:solidFill>
                   <a:srgbClr val="323232"/>
                 </a:solidFill>

--- a/pitch/MOTRA-Business-Plan.pptx
+++ b/pitch/MOTRA-Business-Plan.pptx
@@ -27,6 +27,7 @@
     <p:sldId id="275" r:id="rId26"/>
     <p:sldId id="276" r:id="rId27"/>
     <p:sldId id="277" r:id="rId28"/>
+    <p:sldId id="278" r:id="rId29"/>
   </p:sldIdLst>
   <p:sldSz cx="9144000" cy="5143500" type="screen4x3"/>
   <p:notesSz cx="6858000" cy="9144000"/>
@@ -5191,7 +5192,7 @@
               </a:defRPr>
             </a:pPr>
             <a:r>
-              <a:t>Revenue Streams</a:t>
+              <a:t>Payment Flow — How Money Moves</a:t>
             </a:r>
           </a:p>
         </p:txBody>
@@ -5229,253 +5230,238 @@
               </a:defRPr>
             </a:pPr>
             <a:r>
-              <a:t>PER-SERVICE PRICING:</a:t>
-            </a:r>
-          </a:p>
-          <a:p>
-            <a:pPr>
-              <a:spcAft>
-                <a:spcPts val="400"/>
-              </a:spcAft>
-              <a:defRPr sz="1100">
-                <a:solidFill>
-                  <a:srgbClr val="323232"/>
-                </a:solidFill>
-              </a:defRPr>
-            </a:pPr>
-            <a:r>
-              <a:t>• Quick Clean (5-10 min): $12-18</a:t>
-            </a:r>
-          </a:p>
-          <a:p>
-            <a:pPr>
-              <a:spcAft>
-                <a:spcPts val="400"/>
-              </a:spcAft>
-              <a:defRPr sz="1100">
-                <a:solidFill>
-                  <a:srgbClr val="323232"/>
-                </a:solidFill>
-              </a:defRPr>
-            </a:pPr>
-            <a:r>
-              <a:t>• Deep Clean (30-60 min): $45-75</a:t>
-            </a:r>
-          </a:p>
-          <a:p>
-            <a:pPr>
-              <a:spcAft>
-                <a:spcPts val="400"/>
-              </a:spcAft>
-              <a:defRPr sz="1100">
-                <a:solidFill>
-                  <a:srgbClr val="323232"/>
-                </a:solidFill>
-              </a:defRPr>
-            </a:pPr>
-            <a:r>
-              <a:t>• Light Maintenance: $25-50</a:t>
-            </a:r>
-          </a:p>
-          <a:p>
-            <a:pPr>
-              <a:spcAft>
-                <a:spcPts val="400"/>
-              </a:spcAft>
-              <a:defRPr sz="1100">
-                <a:solidFill>
-                  <a:srgbClr val="323232"/>
-                </a:solidFill>
-              </a:defRPr>
-            </a:pPr>
-            <a:r>
-              <a:t>• Emergency Response: $75-150 (premium)</a:t>
-            </a:r>
-          </a:p>
-          <a:p>
-            <a:pPr>
-              <a:spcAft>
-                <a:spcPts val="400"/>
-              </a:spcAft>
-              <a:defRPr sz="1100">
-                <a:solidFill>
-                  <a:srgbClr val="323232"/>
-                </a:solidFill>
-              </a:defRPr>
-            </a:pPr>
-          </a:p>
-          <a:p>
-            <a:pPr>
-              <a:spcAft>
-                <a:spcPts val="400"/>
-              </a:spcAft>
-              <a:defRPr sz="1100">
-                <a:solidFill>
-                  <a:srgbClr val="323232"/>
-                </a:solidFill>
-              </a:defRPr>
-            </a:pPr>
-            <a:r>
-              <a:t>UNIT ECONOMICS:</a:t>
-            </a:r>
-          </a:p>
-          <a:p>
-            <a:pPr>
-              <a:spcAft>
-                <a:spcPts val="400"/>
-              </a:spcAft>
-              <a:defRPr sz="1100">
-                <a:solidFill>
-                  <a:srgbClr val="323232"/>
-                </a:solidFill>
-              </a:defRPr>
-            </a:pPr>
-            <a:r>
-              <a:t>• Average service price: $15</a:t>
-            </a:r>
-          </a:p>
-          <a:p>
-            <a:pPr>
-              <a:spcAft>
-                <a:spcPts val="400"/>
-              </a:spcAft>
-              <a:defRPr sz="1100">
-                <a:solidFill>
-                  <a:srgbClr val="323232"/>
-                </a:solidFill>
-              </a:defRPr>
-            </a:pPr>
-            <a:r>
-              <a:t>• Technician payout: $10-11 (65-70%)</a:t>
-            </a:r>
-          </a:p>
-          <a:p>
-            <a:pPr>
-              <a:spcAft>
-                <a:spcPts val="400"/>
-              </a:spcAft>
-              <a:defRPr sz="1100">
-                <a:solidFill>
-                  <a:srgbClr val="323232"/>
-                </a:solidFill>
-              </a:defRPr>
-            </a:pPr>
-            <a:r>
-              <a:t>• Platform margin: $4-5 (27-33%)</a:t>
-            </a:r>
-          </a:p>
-          <a:p>
-            <a:pPr>
-              <a:spcAft>
-                <a:spcPts val="400"/>
-              </a:spcAft>
-              <a:defRPr sz="1100">
-                <a:solidFill>
-                  <a:srgbClr val="323232"/>
-                </a:solidFill>
-              </a:defRPr>
-            </a:pPr>
-          </a:p>
-          <a:p>
-            <a:pPr>
-              <a:spcAft>
-                <a:spcPts val="400"/>
-              </a:spcAft>
-              <a:defRPr sz="1100">
-                <a:solidFill>
-                  <a:srgbClr val="323232"/>
-                </a:solidFill>
-              </a:defRPr>
-            </a:pPr>
-            <a:r>
-              <a:t>AT SCALE:</a:t>
-            </a:r>
-          </a:p>
-          <a:p>
-            <a:pPr>
-              <a:spcAft>
-                <a:spcPts val="400"/>
-              </a:spcAft>
-              <a:defRPr sz="1100">
-                <a:solidFill>
-                  <a:srgbClr val="323232"/>
-                </a:solidFill>
-              </a:defRPr>
-            </a:pPr>
-            <a:r>
-              <a:t>• 1,000 services/day = $15K revenue, $4-5K margin</a:t>
-            </a:r>
-          </a:p>
-          <a:p>
-            <a:pPr>
-              <a:spcAft>
-                <a:spcPts val="400"/>
-              </a:spcAft>
-              <a:defRPr sz="1100">
-                <a:solidFill>
-                  <a:srgbClr val="323232"/>
-                </a:solidFill>
-              </a:defRPr>
-            </a:pPr>
-            <a:r>
-              <a:t>• 10,000 services/day = $150K revenue, $40-50K margin</a:t>
-            </a:r>
-          </a:p>
-          <a:p>
-            <a:pPr>
-              <a:spcAft>
-                <a:spcPts val="400"/>
-              </a:spcAft>
-              <a:defRPr sz="1100">
-                <a:solidFill>
-                  <a:srgbClr val="323232"/>
-                </a:solidFill>
-              </a:defRPr>
-            </a:pPr>
-          </a:p>
-          <a:p>
-            <a:pPr>
-              <a:spcAft>
-                <a:spcPts val="400"/>
-              </a:spcAft>
-              <a:defRPr sz="1100">
-                <a:solidFill>
-                  <a:srgbClr val="323232"/>
-                </a:solidFill>
-              </a:defRPr>
-            </a:pPr>
-            <a:r>
-              <a:t>ENTERPRISE CONTRACTS:</a:t>
-            </a:r>
-          </a:p>
-          <a:p>
-            <a:pPr>
-              <a:spcAft>
-                <a:spcPts val="400"/>
-              </a:spcAft>
-              <a:defRPr sz="1100">
-                <a:solidFill>
-                  <a:srgbClr val="323232"/>
-                </a:solidFill>
-              </a:defRPr>
-            </a:pPr>
-            <a:r>
-              <a:t>• Volume discounts for committed minimums</a:t>
-            </a:r>
-          </a:p>
-          <a:p>
-            <a:pPr>
-              <a:spcAft>
-                <a:spcPts val="400"/>
-              </a:spcAft>
-              <a:defRPr sz="1100">
-                <a:solidFill>
-                  <a:srgbClr val="323232"/>
-                </a:solidFill>
-              </a:defRPr>
-            </a:pPr>
-            <a:r>
-              <a:t>• SLA guarantees (response time, quality scores)</a:t>
+              <a:t>STEP 1: Fleet Operator (Waymo) pays MOTRA per service</a:t>
+            </a:r>
+          </a:p>
+          <a:p>
+            <a:pPr>
+              <a:spcAft>
+                <a:spcPts val="400"/>
+              </a:spcAft>
+              <a:defRPr sz="1100">
+                <a:solidFill>
+                  <a:srgbClr val="323232"/>
+                </a:solidFill>
+              </a:defRPr>
+            </a:pPr>
+            <a:r>
+              <a:t>    - Invoice monthly or per-service via API</a:t>
+            </a:r>
+          </a:p>
+          <a:p>
+            <a:pPr>
+              <a:spcAft>
+                <a:spcPts val="400"/>
+              </a:spcAft>
+              <a:defRPr sz="1100">
+                <a:solidFill>
+                  <a:srgbClr val="323232"/>
+                </a:solidFill>
+              </a:defRPr>
+            </a:pPr>
+            <a:r>
+              <a:t>    - Enterprise contracts with volume discounts</a:t>
+            </a:r>
+          </a:p>
+          <a:p>
+            <a:pPr>
+              <a:spcAft>
+                <a:spcPts val="400"/>
+              </a:spcAft>
+              <a:defRPr sz="1100">
+                <a:solidFill>
+                  <a:srgbClr val="323232"/>
+                </a:solidFill>
+              </a:defRPr>
+            </a:pPr>
+          </a:p>
+          <a:p>
+            <a:pPr>
+              <a:spcAft>
+                <a:spcPts val="400"/>
+              </a:spcAft>
+              <a:defRPr sz="1100">
+                <a:solidFill>
+                  <a:srgbClr val="323232"/>
+                </a:solidFill>
+              </a:defRPr>
+            </a:pPr>
+            <a:r>
+              <a:t>STEP 2: MOTRA takes platform cut (25-35%)</a:t>
+            </a:r>
+          </a:p>
+          <a:p>
+            <a:pPr>
+              <a:spcAft>
+                <a:spcPts val="400"/>
+              </a:spcAft>
+              <a:defRPr sz="1100">
+                <a:solidFill>
+                  <a:srgbClr val="323232"/>
+                </a:solidFill>
+              </a:defRPr>
+            </a:pPr>
+            <a:r>
+              <a:t>    - Covers: platform, insurance, support, quality assurance</a:t>
+            </a:r>
+          </a:p>
+          <a:p>
+            <a:pPr>
+              <a:spcAft>
+                <a:spcPts val="400"/>
+              </a:spcAft>
+              <a:defRPr sz="1100">
+                <a:solidFill>
+                  <a:srgbClr val="323232"/>
+                </a:solidFill>
+              </a:defRPr>
+            </a:pPr>
+            <a:r>
+              <a:t>    - $4-5 per $15 service</a:t>
+            </a:r>
+          </a:p>
+          <a:p>
+            <a:pPr>
+              <a:spcAft>
+                <a:spcPts val="400"/>
+              </a:spcAft>
+              <a:defRPr sz="1100">
+                <a:solidFill>
+                  <a:srgbClr val="323232"/>
+                </a:solidFill>
+              </a:defRPr>
+            </a:pPr>
+          </a:p>
+          <a:p>
+            <a:pPr>
+              <a:spcAft>
+                <a:spcPts val="400"/>
+              </a:spcAft>
+              <a:defRPr sz="1100">
+                <a:solidFill>
+                  <a:srgbClr val="323232"/>
+                </a:solidFill>
+              </a:defRPr>
+            </a:pPr>
+            <a:r>
+              <a:t>STEP 3: MOTRA pays Technician via app</a:t>
+            </a:r>
+          </a:p>
+          <a:p>
+            <a:pPr>
+              <a:spcAft>
+                <a:spcPts val="400"/>
+              </a:spcAft>
+              <a:defRPr sz="1100">
+                <a:solidFill>
+                  <a:srgbClr val="323232"/>
+                </a:solidFill>
+              </a:defRPr>
+            </a:pPr>
+            <a:r>
+              <a:t>    - 1099 contractor (not Waymo employee)</a:t>
+            </a:r>
+          </a:p>
+          <a:p>
+            <a:pPr>
+              <a:spcAft>
+                <a:spcPts val="400"/>
+              </a:spcAft>
+              <a:defRPr sz="1100">
+                <a:solidFill>
+                  <a:srgbClr val="323232"/>
+                </a:solidFill>
+              </a:defRPr>
+            </a:pPr>
+            <a:r>
+              <a:t>    - $10-11 per service ($15-20/hour effective rate)</a:t>
+            </a:r>
+          </a:p>
+          <a:p>
+            <a:pPr>
+              <a:spcAft>
+                <a:spcPts val="400"/>
+              </a:spcAft>
+              <a:defRPr sz="1100">
+                <a:solidFill>
+                  <a:srgbClr val="323232"/>
+                </a:solidFill>
+              </a:defRPr>
+            </a:pPr>
+            <a:r>
+              <a:t>    - Weekly direct deposit or instant pay option</a:t>
+            </a:r>
+          </a:p>
+          <a:p>
+            <a:pPr>
+              <a:spcAft>
+                <a:spcPts val="400"/>
+              </a:spcAft>
+              <a:defRPr sz="1100">
+                <a:solidFill>
+                  <a:srgbClr val="323232"/>
+                </a:solidFill>
+              </a:defRPr>
+            </a:pPr>
+          </a:p>
+          <a:p>
+            <a:pPr>
+              <a:spcAft>
+                <a:spcPts val="400"/>
+              </a:spcAft>
+              <a:defRPr sz="1100">
+                <a:solidFill>
+                  <a:srgbClr val="323232"/>
+                </a:solidFill>
+              </a:defRPr>
+            </a:pPr>
+            <a:r>
+              <a:t>KEY INSIGHT:</a:t>
+            </a:r>
+          </a:p>
+          <a:p>
+            <a:pPr>
+              <a:spcAft>
+                <a:spcPts val="400"/>
+              </a:spcAft>
+              <a:defRPr sz="1100">
+                <a:solidFill>
+                  <a:srgbClr val="323232"/>
+                </a:solidFill>
+              </a:defRPr>
+            </a:pPr>
+            <a:r>
+              <a:t>Waymo gets ONE vendor, ONE invoice, ZERO worker management</a:t>
+            </a:r>
+          </a:p>
+          <a:p>
+            <a:pPr>
+              <a:spcAft>
+                <a:spcPts val="400"/>
+              </a:spcAft>
+              <a:defRPr sz="1100">
+                <a:solidFill>
+                  <a:srgbClr val="323232"/>
+                </a:solidFill>
+              </a:defRPr>
+            </a:pPr>
+            <a:r>
+              <a:t>MOTRA handles recruiting, training, payroll, insurance, quality</a:t>
+            </a:r>
+          </a:p>
+          <a:p>
+            <a:pPr>
+              <a:spcAft>
+                <a:spcPts val="400"/>
+              </a:spcAft>
+              <a:defRPr sz="1100">
+                <a:solidFill>
+                  <a:srgbClr val="323232"/>
+                </a:solidFill>
+              </a:defRPr>
+            </a:pPr>
+            <a:r>
+              <a:t>Technicians get flexible gig work with consistent demand</a:t>
             </a:r>
           </a:p>
         </p:txBody>
@@ -5606,7 +5592,7 @@
               </a:defRPr>
             </a:pPr>
             <a:r>
-              <a:t>Key Activities</a:t>
+              <a:t>Revenue Streams</a:t>
             </a:r>
           </a:p>
         </p:txBody>
@@ -5644,211 +5630,196 @@
               </a:defRPr>
             </a:pPr>
             <a:r>
-              <a:t>PLATFORM DEVELOPMENT:</a:t>
-            </a:r>
-          </a:p>
-          <a:p>
-            <a:pPr>
-              <a:spcAft>
-                <a:spcPts val="400"/>
-              </a:spcAft>
-              <a:defRPr sz="1100">
-                <a:solidFill>
-                  <a:srgbClr val="323232"/>
-                </a:solidFill>
-              </a:defRPr>
-            </a:pPr>
-            <a:r>
-              <a:t>• Fleet operator dashboard (scheduling, tracking, analytics)</a:t>
-            </a:r>
-          </a:p>
-          <a:p>
-            <a:pPr>
-              <a:spcAft>
-                <a:spcPts val="400"/>
-              </a:spcAft>
-              <a:defRPr sz="1100">
-                <a:solidFill>
-                  <a:srgbClr val="323232"/>
-                </a:solidFill>
-              </a:defRPr>
-            </a:pPr>
-            <a:r>
-              <a:t>• Technician mobile app (dispatch, checklists, earnings)</a:t>
-            </a:r>
-          </a:p>
-          <a:p>
-            <a:pPr>
-              <a:spcAft>
-                <a:spcPts val="400"/>
-              </a:spcAft>
-              <a:defRPr sz="1100">
-                <a:solidFill>
-                  <a:srgbClr val="323232"/>
-                </a:solidFill>
-              </a:defRPr>
-            </a:pPr>
-            <a:r>
-              <a:t>• API for fleet management system integration</a:t>
-            </a:r>
-          </a:p>
-          <a:p>
-            <a:pPr>
-              <a:spcAft>
-                <a:spcPts val="400"/>
-              </a:spcAft>
-              <a:defRPr sz="1100">
-                <a:solidFill>
-                  <a:srgbClr val="323232"/>
-                </a:solidFill>
-              </a:defRPr>
-            </a:pPr>
-          </a:p>
-          <a:p>
-            <a:pPr>
-              <a:spcAft>
-                <a:spcPts val="400"/>
-              </a:spcAft>
-              <a:defRPr sz="1100">
-                <a:solidFill>
-                  <a:srgbClr val="323232"/>
-                </a:solidFill>
-              </a:defRPr>
-            </a:pPr>
-            <a:r>
-              <a:t>NETWORK OPERATIONS:</a:t>
-            </a:r>
-          </a:p>
-          <a:p>
-            <a:pPr>
-              <a:spcAft>
-                <a:spcPts val="400"/>
-              </a:spcAft>
-              <a:defRPr sz="1100">
-                <a:solidFill>
-                  <a:srgbClr val="323232"/>
-                </a:solidFill>
-              </a:defRPr>
-            </a:pPr>
-            <a:r>
-              <a:t>• Technician recruitment and onboarding</a:t>
-            </a:r>
-          </a:p>
-          <a:p>
-            <a:pPr>
-              <a:spcAft>
-                <a:spcPts val="400"/>
-              </a:spcAft>
-              <a:defRPr sz="1100">
-                <a:solidFill>
-                  <a:srgbClr val="323232"/>
-                </a:solidFill>
-              </a:defRPr>
-            </a:pPr>
-            <a:r>
-              <a:t>• AV-specific training and certification</a:t>
-            </a:r>
-          </a:p>
-          <a:p>
-            <a:pPr>
-              <a:spcAft>
-                <a:spcPts val="400"/>
-              </a:spcAft>
-              <a:defRPr sz="1100">
-                <a:solidFill>
-                  <a:srgbClr val="323232"/>
-                </a:solidFill>
-              </a:defRPr>
-            </a:pPr>
-            <a:r>
-              <a:t>• Quality assurance and performance management</a:t>
-            </a:r>
-          </a:p>
-          <a:p>
-            <a:pPr>
-              <a:spcAft>
-                <a:spcPts val="400"/>
-              </a:spcAft>
-              <a:defRPr sz="1100">
-                <a:solidFill>
-                  <a:srgbClr val="323232"/>
-                </a:solidFill>
-              </a:defRPr>
-            </a:pPr>
-            <a:r>
-              <a:t>• Equipment kit distribution</a:t>
-            </a:r>
-          </a:p>
-          <a:p>
-            <a:pPr>
-              <a:spcAft>
-                <a:spcPts val="400"/>
-              </a:spcAft>
-              <a:defRPr sz="1100">
-                <a:solidFill>
-                  <a:srgbClr val="323232"/>
-                </a:solidFill>
-              </a:defRPr>
-            </a:pPr>
-          </a:p>
-          <a:p>
-            <a:pPr>
-              <a:spcAft>
-                <a:spcPts val="400"/>
-              </a:spcAft>
-              <a:defRPr sz="1100">
-                <a:solidFill>
-                  <a:srgbClr val="323232"/>
-                </a:solidFill>
-              </a:defRPr>
-            </a:pPr>
-            <a:r>
-              <a:t>ENTERPRISE SALES:</a:t>
-            </a:r>
-          </a:p>
-          <a:p>
-            <a:pPr>
-              <a:spcAft>
-                <a:spcPts val="400"/>
-              </a:spcAft>
-              <a:defRPr sz="1100">
-                <a:solidFill>
-                  <a:srgbClr val="323232"/>
-                </a:solidFill>
-              </a:defRPr>
-            </a:pPr>
-            <a:r>
-              <a:t>• Outreach to AV fleet operators</a:t>
-            </a:r>
-          </a:p>
-          <a:p>
-            <a:pPr>
-              <a:spcAft>
-                <a:spcPts val="400"/>
-              </a:spcAft>
-              <a:defRPr sz="1100">
-                <a:solidFill>
-                  <a:srgbClr val="323232"/>
-                </a:solidFill>
-              </a:defRPr>
-            </a:pPr>
-            <a:r>
-              <a:t>• Pilot program management</a:t>
-            </a:r>
-          </a:p>
-          <a:p>
-            <a:pPr>
-              <a:spcAft>
-                <a:spcPts val="400"/>
-              </a:spcAft>
-              <a:defRPr sz="1100">
-                <a:solidFill>
-                  <a:srgbClr val="323232"/>
-                </a:solidFill>
-              </a:defRPr>
-            </a:pPr>
-            <a:r>
-              <a:t>• Account expansion and retention</a:t>
+              <a:t>PER-SERVICE PRICING:</a:t>
+            </a:r>
+          </a:p>
+          <a:p>
+            <a:pPr>
+              <a:spcAft>
+                <a:spcPts val="400"/>
+              </a:spcAft>
+              <a:defRPr sz="1100">
+                <a:solidFill>
+                  <a:srgbClr val="323232"/>
+                </a:solidFill>
+              </a:defRPr>
+            </a:pPr>
+            <a:r>
+              <a:t>• Quick Clean (5-10 min): $12-18</a:t>
+            </a:r>
+          </a:p>
+          <a:p>
+            <a:pPr>
+              <a:spcAft>
+                <a:spcPts val="400"/>
+              </a:spcAft>
+              <a:defRPr sz="1100">
+                <a:solidFill>
+                  <a:srgbClr val="323232"/>
+                </a:solidFill>
+              </a:defRPr>
+            </a:pPr>
+            <a:r>
+              <a:t>• Deep Clean (30-60 min): $45-75</a:t>
+            </a:r>
+          </a:p>
+          <a:p>
+            <a:pPr>
+              <a:spcAft>
+                <a:spcPts val="400"/>
+              </a:spcAft>
+              <a:defRPr sz="1100">
+                <a:solidFill>
+                  <a:srgbClr val="323232"/>
+                </a:solidFill>
+              </a:defRPr>
+            </a:pPr>
+            <a:r>
+              <a:t>• Light Maintenance: $25-50</a:t>
+            </a:r>
+          </a:p>
+          <a:p>
+            <a:pPr>
+              <a:spcAft>
+                <a:spcPts val="400"/>
+              </a:spcAft>
+              <a:defRPr sz="1100">
+                <a:solidFill>
+                  <a:srgbClr val="323232"/>
+                </a:solidFill>
+              </a:defRPr>
+            </a:pPr>
+            <a:r>
+              <a:t>• Emergency Response: $75-150 (premium)</a:t>
+            </a:r>
+          </a:p>
+          <a:p>
+            <a:pPr>
+              <a:spcAft>
+                <a:spcPts val="400"/>
+              </a:spcAft>
+              <a:defRPr sz="1100">
+                <a:solidFill>
+                  <a:srgbClr val="323232"/>
+                </a:solidFill>
+              </a:defRPr>
+            </a:pPr>
+          </a:p>
+          <a:p>
+            <a:pPr>
+              <a:spcAft>
+                <a:spcPts val="400"/>
+              </a:spcAft>
+              <a:defRPr sz="1100">
+                <a:solidFill>
+                  <a:srgbClr val="323232"/>
+                </a:solidFill>
+              </a:defRPr>
+            </a:pPr>
+            <a:r>
+              <a:t>UNIT ECONOMICS:</a:t>
+            </a:r>
+          </a:p>
+          <a:p>
+            <a:pPr>
+              <a:spcAft>
+                <a:spcPts val="400"/>
+              </a:spcAft>
+              <a:defRPr sz="1100">
+                <a:solidFill>
+                  <a:srgbClr val="323232"/>
+                </a:solidFill>
+              </a:defRPr>
+            </a:pPr>
+            <a:r>
+              <a:t>• Average service price: $15</a:t>
+            </a:r>
+          </a:p>
+          <a:p>
+            <a:pPr>
+              <a:spcAft>
+                <a:spcPts val="400"/>
+              </a:spcAft>
+              <a:defRPr sz="1100">
+                <a:solidFill>
+                  <a:srgbClr val="323232"/>
+                </a:solidFill>
+              </a:defRPr>
+            </a:pPr>
+            <a:r>
+              <a:t>• Technician payout: $10-11 (65-70%)</a:t>
+            </a:r>
+          </a:p>
+          <a:p>
+            <a:pPr>
+              <a:spcAft>
+                <a:spcPts val="400"/>
+              </a:spcAft>
+              <a:defRPr sz="1100">
+                <a:solidFill>
+                  <a:srgbClr val="323232"/>
+                </a:solidFill>
+              </a:defRPr>
+            </a:pPr>
+            <a:r>
+              <a:t>• Platform margin: $4-5 (27-33%)</a:t>
+            </a:r>
+          </a:p>
+          <a:p>
+            <a:pPr>
+              <a:spcAft>
+                <a:spcPts val="400"/>
+              </a:spcAft>
+              <a:defRPr sz="1100">
+                <a:solidFill>
+                  <a:srgbClr val="323232"/>
+                </a:solidFill>
+              </a:defRPr>
+            </a:pPr>
+          </a:p>
+          <a:p>
+            <a:pPr>
+              <a:spcAft>
+                <a:spcPts val="400"/>
+              </a:spcAft>
+              <a:defRPr sz="1100">
+                <a:solidFill>
+                  <a:srgbClr val="323232"/>
+                </a:solidFill>
+              </a:defRPr>
+            </a:pPr>
+            <a:r>
+              <a:t>AT SCALE:</a:t>
+            </a:r>
+          </a:p>
+          <a:p>
+            <a:pPr>
+              <a:spcAft>
+                <a:spcPts val="400"/>
+              </a:spcAft>
+              <a:defRPr sz="1100">
+                <a:solidFill>
+                  <a:srgbClr val="323232"/>
+                </a:solidFill>
+              </a:defRPr>
+            </a:pPr>
+            <a:r>
+              <a:t>• 1,000 services/day = $15K revenue, $4-5K margin</a:t>
+            </a:r>
+          </a:p>
+          <a:p>
+            <a:pPr>
+              <a:spcAft>
+                <a:spcPts val="400"/>
+              </a:spcAft>
+              <a:defRPr sz="1100">
+                <a:solidFill>
+                  <a:srgbClr val="323232"/>
+                </a:solidFill>
+              </a:defRPr>
+            </a:pPr>
+            <a:r>
+              <a:t>• 10,000 services/day = $150K revenue, $40-50K margin</a:t>
             </a:r>
           </a:p>
         </p:txBody>
@@ -5979,7 +5950,7 @@
               </a:defRPr>
             </a:pPr>
             <a:r>
-              <a:t>Key Resources</a:t>
+              <a:t>Key Activities</a:t>
             </a:r>
           </a:p>
         </p:txBody>
@@ -6017,268 +5988,196 @@
               </a:defRPr>
             </a:pPr>
             <a:r>
-              <a:t>TECHNOLOGY:</a:t>
-            </a:r>
-          </a:p>
-          <a:p>
-            <a:pPr>
-              <a:spcAft>
-                <a:spcPts val="400"/>
-              </a:spcAft>
-              <a:defRPr sz="1100">
-                <a:solidFill>
-                  <a:srgbClr val="323232"/>
-                </a:solidFill>
-              </a:defRPr>
-            </a:pPr>
-            <a:r>
-              <a:t>• Dispatch and routing platform</a:t>
-            </a:r>
-          </a:p>
-          <a:p>
-            <a:pPr>
-              <a:spcAft>
-                <a:spcPts val="400"/>
-              </a:spcAft>
-              <a:defRPr sz="1100">
-                <a:solidFill>
-                  <a:srgbClr val="323232"/>
-                </a:solidFill>
-              </a:defRPr>
-            </a:pPr>
-            <a:r>
-              <a:t>• Fleet operator dashboard</a:t>
-            </a:r>
-          </a:p>
-          <a:p>
-            <a:pPr>
-              <a:spcAft>
-                <a:spcPts val="400"/>
-              </a:spcAft>
-              <a:defRPr sz="1100">
-                <a:solidFill>
-                  <a:srgbClr val="323232"/>
-                </a:solidFill>
-              </a:defRPr>
-            </a:pPr>
-            <a:r>
-              <a:t>• Technician mobile application</a:t>
-            </a:r>
-          </a:p>
-          <a:p>
-            <a:pPr>
-              <a:spcAft>
-                <a:spcPts val="400"/>
-              </a:spcAft>
-              <a:defRPr sz="1100">
-                <a:solidFill>
-                  <a:srgbClr val="323232"/>
-                </a:solidFill>
-              </a:defRPr>
-            </a:pPr>
-            <a:r>
-              <a:t>• API integration layer</a:t>
-            </a:r>
-          </a:p>
-          <a:p>
-            <a:pPr>
-              <a:spcAft>
-                <a:spcPts val="400"/>
-              </a:spcAft>
-              <a:defRPr sz="1100">
-                <a:solidFill>
-                  <a:srgbClr val="323232"/>
-                </a:solidFill>
-              </a:defRPr>
-            </a:pPr>
-          </a:p>
-          <a:p>
-            <a:pPr>
-              <a:spcAft>
-                <a:spcPts val="400"/>
-              </a:spcAft>
-              <a:defRPr sz="1100">
-                <a:solidFill>
-                  <a:srgbClr val="323232"/>
-                </a:solidFill>
-              </a:defRPr>
-            </a:pPr>
-            <a:r>
-              <a:t>HUMAN:</a:t>
-            </a:r>
-          </a:p>
-          <a:p>
-            <a:pPr>
-              <a:spcAft>
-                <a:spcPts val="400"/>
-              </a:spcAft>
-              <a:defRPr sz="1100">
-                <a:solidFill>
-                  <a:srgbClr val="323232"/>
-                </a:solidFill>
-              </a:defRPr>
-            </a:pPr>
-            <a:r>
-              <a:t>• Engineering team (platform development)</a:t>
-            </a:r>
-          </a:p>
-          <a:p>
-            <a:pPr>
-              <a:spcAft>
-                <a:spcPts val="400"/>
-              </a:spcAft>
-              <a:defRPr sz="1100">
-                <a:solidFill>
-                  <a:srgbClr val="323232"/>
-                </a:solidFill>
-              </a:defRPr>
-            </a:pPr>
-            <a:r>
-              <a:t>• Operations team (network management)</a:t>
-            </a:r>
-          </a:p>
-          <a:p>
-            <a:pPr>
-              <a:spcAft>
-                <a:spcPts val="400"/>
-              </a:spcAft>
-              <a:defRPr sz="1100">
-                <a:solidFill>
-                  <a:srgbClr val="323232"/>
-                </a:solidFill>
-              </a:defRPr>
-            </a:pPr>
-            <a:r>
-              <a:t>• Sales team (enterprise relationships)</a:t>
-            </a:r>
-          </a:p>
-          <a:p>
-            <a:pPr>
-              <a:spcAft>
-                <a:spcPts val="400"/>
-              </a:spcAft>
-              <a:defRPr sz="1100">
-                <a:solidFill>
-                  <a:srgbClr val="323232"/>
-                </a:solidFill>
-              </a:defRPr>
-            </a:pPr>
-            <a:r>
-              <a:t>• Trained technician network</a:t>
-            </a:r>
-          </a:p>
-          <a:p>
-            <a:pPr>
-              <a:spcAft>
-                <a:spcPts val="400"/>
-              </a:spcAft>
-              <a:defRPr sz="1100">
-                <a:solidFill>
-                  <a:srgbClr val="323232"/>
-                </a:solidFill>
-              </a:defRPr>
-            </a:pPr>
-          </a:p>
-          <a:p>
-            <a:pPr>
-              <a:spcAft>
-                <a:spcPts val="400"/>
-              </a:spcAft>
-              <a:defRPr sz="1100">
-                <a:solidFill>
-                  <a:srgbClr val="323232"/>
-                </a:solidFill>
-              </a:defRPr>
-            </a:pPr>
-            <a:r>
-              <a:t>INTELLECTUAL:</a:t>
-            </a:r>
-          </a:p>
-          <a:p>
-            <a:pPr>
-              <a:spcAft>
-                <a:spcPts val="400"/>
-              </a:spcAft>
-              <a:defRPr sz="1100">
-                <a:solidFill>
-                  <a:srgbClr val="323232"/>
-                </a:solidFill>
-              </a:defRPr>
-            </a:pPr>
-            <a:r>
-              <a:t>• AV-specific training curriculum</a:t>
-            </a:r>
-          </a:p>
-          <a:p>
-            <a:pPr>
-              <a:spcAft>
-                <a:spcPts val="400"/>
-              </a:spcAft>
-              <a:defRPr sz="1100">
-                <a:solidFill>
-                  <a:srgbClr val="323232"/>
-                </a:solidFill>
-              </a:defRPr>
-            </a:pPr>
-            <a:r>
-              <a:t>• Quality standards and checklists</a:t>
-            </a:r>
-          </a:p>
-          <a:p>
-            <a:pPr>
-              <a:spcAft>
-                <a:spcPts val="400"/>
-              </a:spcAft>
-              <a:defRPr sz="1100">
-                <a:solidFill>
-                  <a:srgbClr val="323232"/>
-                </a:solidFill>
-              </a:defRPr>
-            </a:pPr>
-            <a:r>
-              <a:t>• Operational playbooks for each market</a:t>
-            </a:r>
-          </a:p>
-          <a:p>
-            <a:pPr>
-              <a:spcAft>
-                <a:spcPts val="400"/>
-              </a:spcAft>
-              <a:defRPr sz="1100">
-                <a:solidFill>
-                  <a:srgbClr val="323232"/>
-                </a:solidFill>
-              </a:defRPr>
-            </a:pPr>
-          </a:p>
-          <a:p>
-            <a:pPr>
-              <a:spcAft>
-                <a:spcPts val="400"/>
-              </a:spcAft>
-              <a:defRPr sz="1100">
-                <a:solidFill>
-                  <a:srgbClr val="323232"/>
-                </a:solidFill>
-              </a:defRPr>
-            </a:pPr>
-            <a:r>
-              <a:t>FINANCIAL:</a:t>
-            </a:r>
-          </a:p>
-          <a:p>
-            <a:pPr>
-              <a:spcAft>
-                <a:spcPts val="400"/>
-              </a:spcAft>
-              <a:defRPr sz="1100">
-                <a:solidFill>
-                  <a:srgbClr val="323232"/>
-                </a:solidFill>
-              </a:defRPr>
-            </a:pPr>
-            <a:r>
-              <a:t>• Seed funding for 18-month runway</a:t>
+              <a:t>PLATFORM DEVELOPMENT:</a:t>
+            </a:r>
+          </a:p>
+          <a:p>
+            <a:pPr>
+              <a:spcAft>
+                <a:spcPts val="400"/>
+              </a:spcAft>
+              <a:defRPr sz="1100">
+                <a:solidFill>
+                  <a:srgbClr val="323232"/>
+                </a:solidFill>
+              </a:defRPr>
+            </a:pPr>
+            <a:r>
+              <a:t>• Fleet operator dashboard (scheduling, tracking, analytics)</a:t>
+            </a:r>
+          </a:p>
+          <a:p>
+            <a:pPr>
+              <a:spcAft>
+                <a:spcPts val="400"/>
+              </a:spcAft>
+              <a:defRPr sz="1100">
+                <a:solidFill>
+                  <a:srgbClr val="323232"/>
+                </a:solidFill>
+              </a:defRPr>
+            </a:pPr>
+            <a:r>
+              <a:t>• Technician mobile app (dispatch, checklists, earnings)</a:t>
+            </a:r>
+          </a:p>
+          <a:p>
+            <a:pPr>
+              <a:spcAft>
+                <a:spcPts val="400"/>
+              </a:spcAft>
+              <a:defRPr sz="1100">
+                <a:solidFill>
+                  <a:srgbClr val="323232"/>
+                </a:solidFill>
+              </a:defRPr>
+            </a:pPr>
+            <a:r>
+              <a:t>• API for fleet management system integration</a:t>
+            </a:r>
+          </a:p>
+          <a:p>
+            <a:pPr>
+              <a:spcAft>
+                <a:spcPts val="400"/>
+              </a:spcAft>
+              <a:defRPr sz="1100">
+                <a:solidFill>
+                  <a:srgbClr val="323232"/>
+                </a:solidFill>
+              </a:defRPr>
+            </a:pPr>
+          </a:p>
+          <a:p>
+            <a:pPr>
+              <a:spcAft>
+                <a:spcPts val="400"/>
+              </a:spcAft>
+              <a:defRPr sz="1100">
+                <a:solidFill>
+                  <a:srgbClr val="323232"/>
+                </a:solidFill>
+              </a:defRPr>
+            </a:pPr>
+            <a:r>
+              <a:t>NETWORK OPERATIONS:</a:t>
+            </a:r>
+          </a:p>
+          <a:p>
+            <a:pPr>
+              <a:spcAft>
+                <a:spcPts val="400"/>
+              </a:spcAft>
+              <a:defRPr sz="1100">
+                <a:solidFill>
+                  <a:srgbClr val="323232"/>
+                </a:solidFill>
+              </a:defRPr>
+            </a:pPr>
+            <a:r>
+              <a:t>• Technician recruitment and onboarding</a:t>
+            </a:r>
+          </a:p>
+          <a:p>
+            <a:pPr>
+              <a:spcAft>
+                <a:spcPts val="400"/>
+              </a:spcAft>
+              <a:defRPr sz="1100">
+                <a:solidFill>
+                  <a:srgbClr val="323232"/>
+                </a:solidFill>
+              </a:defRPr>
+            </a:pPr>
+            <a:r>
+              <a:t>• AV-specific training and certification</a:t>
+            </a:r>
+          </a:p>
+          <a:p>
+            <a:pPr>
+              <a:spcAft>
+                <a:spcPts val="400"/>
+              </a:spcAft>
+              <a:defRPr sz="1100">
+                <a:solidFill>
+                  <a:srgbClr val="323232"/>
+                </a:solidFill>
+              </a:defRPr>
+            </a:pPr>
+            <a:r>
+              <a:t>• Quality assurance and performance management</a:t>
+            </a:r>
+          </a:p>
+          <a:p>
+            <a:pPr>
+              <a:spcAft>
+                <a:spcPts val="400"/>
+              </a:spcAft>
+              <a:defRPr sz="1100">
+                <a:solidFill>
+                  <a:srgbClr val="323232"/>
+                </a:solidFill>
+              </a:defRPr>
+            </a:pPr>
+          </a:p>
+          <a:p>
+            <a:pPr>
+              <a:spcAft>
+                <a:spcPts val="400"/>
+              </a:spcAft>
+              <a:defRPr sz="1100">
+                <a:solidFill>
+                  <a:srgbClr val="323232"/>
+                </a:solidFill>
+              </a:defRPr>
+            </a:pPr>
+            <a:r>
+              <a:t>ENTERPRISE SALES:</a:t>
+            </a:r>
+          </a:p>
+          <a:p>
+            <a:pPr>
+              <a:spcAft>
+                <a:spcPts val="400"/>
+              </a:spcAft>
+              <a:defRPr sz="1100">
+                <a:solidFill>
+                  <a:srgbClr val="323232"/>
+                </a:solidFill>
+              </a:defRPr>
+            </a:pPr>
+            <a:r>
+              <a:t>• Outreach to AV fleet operators</a:t>
+            </a:r>
+          </a:p>
+          <a:p>
+            <a:pPr>
+              <a:spcAft>
+                <a:spcPts val="400"/>
+              </a:spcAft>
+              <a:defRPr sz="1100">
+                <a:solidFill>
+                  <a:srgbClr val="323232"/>
+                </a:solidFill>
+              </a:defRPr>
+            </a:pPr>
+            <a:r>
+              <a:t>• Pilot program management</a:t>
+            </a:r>
+          </a:p>
+          <a:p>
+            <a:pPr>
+              <a:spcAft>
+                <a:spcPts val="400"/>
+              </a:spcAft>
+              <a:defRPr sz="1100">
+                <a:solidFill>
+                  <a:srgbClr val="323232"/>
+                </a:solidFill>
+              </a:defRPr>
+            </a:pPr>
+            <a:r>
+              <a:t>• Account expansion and retention</a:t>
             </a:r>
           </a:p>
         </p:txBody>
@@ -6409,7 +6308,7 @@
               </a:defRPr>
             </a:pPr>
             <a:r>
-              <a:t>Key Partners</a:t>
+              <a:t>Key Resources</a:t>
             </a:r>
           </a:p>
         </p:txBody>
@@ -6447,253 +6346,223 @@
               </a:defRPr>
             </a:pPr>
             <a:r>
-              <a:t>AV ECOSYSTEM:</a:t>
-            </a:r>
-          </a:p>
-          <a:p>
-            <a:pPr>
-              <a:spcAft>
-                <a:spcPts val="400"/>
-              </a:spcAft>
-              <a:defRPr sz="1100">
-                <a:solidFill>
-                  <a:srgbClr val="323232"/>
-                </a:solidFill>
-              </a:defRPr>
-            </a:pPr>
-            <a:r>
-              <a:t>• Waymo, Cruise, Zoox, Tesla (customers)</a:t>
-            </a:r>
-          </a:p>
-          <a:p>
-            <a:pPr>
-              <a:spcAft>
-                <a:spcPts val="400"/>
-              </a:spcAft>
-              <a:defRPr sz="1100">
-                <a:solidFill>
-                  <a:srgbClr val="323232"/>
-                </a:solidFill>
-              </a:defRPr>
-            </a:pPr>
-            <a:r>
-              <a:t>• AV industry associations</a:t>
-            </a:r>
-          </a:p>
-          <a:p>
-            <a:pPr>
-              <a:spcAft>
-                <a:spcPts val="400"/>
-              </a:spcAft>
-              <a:defRPr sz="1100">
-                <a:solidFill>
-                  <a:srgbClr val="323232"/>
-                </a:solidFill>
-              </a:defRPr>
-            </a:pPr>
-            <a:r>
-              <a:t>• Fleet management software providers</a:t>
-            </a:r>
-          </a:p>
-          <a:p>
-            <a:pPr>
-              <a:spcAft>
-                <a:spcPts val="400"/>
-              </a:spcAft>
-              <a:defRPr sz="1100">
-                <a:solidFill>
-                  <a:srgbClr val="323232"/>
-                </a:solidFill>
-              </a:defRPr>
-            </a:pPr>
-          </a:p>
-          <a:p>
-            <a:pPr>
-              <a:spcAft>
-                <a:spcPts val="400"/>
-              </a:spcAft>
-              <a:defRPr sz="1100">
-                <a:solidFill>
-                  <a:srgbClr val="323232"/>
-                </a:solidFill>
-              </a:defRPr>
-            </a:pPr>
-            <a:r>
-              <a:t>GIG ECONOMY:</a:t>
-            </a:r>
-          </a:p>
-          <a:p>
-            <a:pPr>
-              <a:spcAft>
-                <a:spcPts val="400"/>
-              </a:spcAft>
-              <a:defRPr sz="1100">
-                <a:solidFill>
-                  <a:srgbClr val="323232"/>
-                </a:solidFill>
-              </a:defRPr>
-            </a:pPr>
-            <a:r>
-              <a:t>• Existing gig platforms (recruitment channel)</a:t>
-            </a:r>
-          </a:p>
-          <a:p>
-            <a:pPr>
-              <a:spcAft>
-                <a:spcPts val="400"/>
-              </a:spcAft>
-              <a:defRPr sz="1100">
-                <a:solidFill>
-                  <a:srgbClr val="323232"/>
-                </a:solidFill>
-              </a:defRPr>
-            </a:pPr>
-            <a:r>
-              <a:t>• Detailing/cleaning training providers</a:t>
-            </a:r>
-          </a:p>
-          <a:p>
-            <a:pPr>
-              <a:spcAft>
-                <a:spcPts val="400"/>
-              </a:spcAft>
-              <a:defRPr sz="1100">
-                <a:solidFill>
-                  <a:srgbClr val="323232"/>
-                </a:solidFill>
-              </a:defRPr>
-            </a:pPr>
-            <a:r>
-              <a:t>• Equipment suppliers</a:t>
-            </a:r>
-          </a:p>
-          <a:p>
-            <a:pPr>
-              <a:spcAft>
-                <a:spcPts val="400"/>
-              </a:spcAft>
-              <a:defRPr sz="1100">
-                <a:solidFill>
-                  <a:srgbClr val="323232"/>
-                </a:solidFill>
-              </a:defRPr>
-            </a:pPr>
-          </a:p>
-          <a:p>
-            <a:pPr>
-              <a:spcAft>
-                <a:spcPts val="400"/>
-              </a:spcAft>
-              <a:defRPr sz="1100">
-                <a:solidFill>
-                  <a:srgbClr val="323232"/>
-                </a:solidFill>
-              </a:defRPr>
-            </a:pPr>
-            <a:r>
-              <a:t>SUPPORTING:</a:t>
-            </a:r>
-          </a:p>
-          <a:p>
-            <a:pPr>
-              <a:spcAft>
-                <a:spcPts val="400"/>
-              </a:spcAft>
-              <a:defRPr sz="1100">
-                <a:solidFill>
-                  <a:srgbClr val="323232"/>
-                </a:solidFill>
-              </a:defRPr>
-            </a:pPr>
-            <a:r>
-              <a:t>• Insurance providers (commercial auto, liability)</a:t>
-            </a:r>
-          </a:p>
-          <a:p>
-            <a:pPr>
-              <a:spcAft>
-                <a:spcPts val="400"/>
-              </a:spcAft>
-              <a:defRPr sz="1100">
-                <a:solidFill>
-                  <a:srgbClr val="323232"/>
-                </a:solidFill>
-              </a:defRPr>
-            </a:pPr>
-            <a:r>
-              <a:t>• Background check services</a:t>
-            </a:r>
-          </a:p>
-          <a:p>
-            <a:pPr>
-              <a:spcAft>
-                <a:spcPts val="400"/>
-              </a:spcAft>
-              <a:defRPr sz="1100">
-                <a:solidFill>
-                  <a:srgbClr val="323232"/>
-                </a:solidFill>
-              </a:defRPr>
-            </a:pPr>
-            <a:r>
-              <a:t>• Payment processing (Stripe, etc.)</a:t>
-            </a:r>
-          </a:p>
-          <a:p>
-            <a:pPr>
-              <a:spcAft>
-                <a:spcPts val="400"/>
-              </a:spcAft>
-              <a:defRPr sz="1100">
-                <a:solidFill>
-                  <a:srgbClr val="323232"/>
-                </a:solidFill>
-              </a:defRPr>
-            </a:pPr>
-          </a:p>
-          <a:p>
-            <a:pPr>
-              <a:spcAft>
-                <a:spcPts val="400"/>
-              </a:spcAft>
-              <a:defRPr sz="1100">
-                <a:solidFill>
-                  <a:srgbClr val="323232"/>
-                </a:solidFill>
-              </a:defRPr>
-            </a:pPr>
-            <a:r>
-              <a:t>STRATEGIC:</a:t>
-            </a:r>
-          </a:p>
-          <a:p>
-            <a:pPr>
-              <a:spcAft>
-                <a:spcPts val="400"/>
-              </a:spcAft>
-              <a:defRPr sz="1100">
-                <a:solidFill>
-                  <a:srgbClr val="323232"/>
-                </a:solidFill>
-              </a:defRPr>
-            </a:pPr>
-            <a:r>
-              <a:t>• EV charging networks (co-location opportunities)</a:t>
-            </a:r>
-          </a:p>
-          <a:p>
-            <a:pPr>
-              <a:spcAft>
-                <a:spcPts val="400"/>
-              </a:spcAft>
-              <a:defRPr sz="1100">
-                <a:solidFill>
-                  <a:srgbClr val="323232"/>
-                </a:solidFill>
-              </a:defRPr>
-            </a:pPr>
-            <a:r>
-              <a:t>• Parking/logistics providers</a:t>
+              <a:t>TECHNOLOGY:</a:t>
+            </a:r>
+          </a:p>
+          <a:p>
+            <a:pPr>
+              <a:spcAft>
+                <a:spcPts val="400"/>
+              </a:spcAft>
+              <a:defRPr sz="1100">
+                <a:solidFill>
+                  <a:srgbClr val="323232"/>
+                </a:solidFill>
+              </a:defRPr>
+            </a:pPr>
+            <a:r>
+              <a:t>• Dispatch and routing platform</a:t>
+            </a:r>
+          </a:p>
+          <a:p>
+            <a:pPr>
+              <a:spcAft>
+                <a:spcPts val="400"/>
+              </a:spcAft>
+              <a:defRPr sz="1100">
+                <a:solidFill>
+                  <a:srgbClr val="323232"/>
+                </a:solidFill>
+              </a:defRPr>
+            </a:pPr>
+            <a:r>
+              <a:t>• Fleet operator dashboard</a:t>
+            </a:r>
+          </a:p>
+          <a:p>
+            <a:pPr>
+              <a:spcAft>
+                <a:spcPts val="400"/>
+              </a:spcAft>
+              <a:defRPr sz="1100">
+                <a:solidFill>
+                  <a:srgbClr val="323232"/>
+                </a:solidFill>
+              </a:defRPr>
+            </a:pPr>
+            <a:r>
+              <a:t>• Technician mobile application</a:t>
+            </a:r>
+          </a:p>
+          <a:p>
+            <a:pPr>
+              <a:spcAft>
+                <a:spcPts val="400"/>
+              </a:spcAft>
+              <a:defRPr sz="1100">
+                <a:solidFill>
+                  <a:srgbClr val="323232"/>
+                </a:solidFill>
+              </a:defRPr>
+            </a:pPr>
+          </a:p>
+          <a:p>
+            <a:pPr>
+              <a:spcAft>
+                <a:spcPts val="400"/>
+              </a:spcAft>
+              <a:defRPr sz="1100">
+                <a:solidFill>
+                  <a:srgbClr val="323232"/>
+                </a:solidFill>
+              </a:defRPr>
+            </a:pPr>
+            <a:r>
+              <a:t>HUMAN:</a:t>
+            </a:r>
+          </a:p>
+          <a:p>
+            <a:pPr>
+              <a:spcAft>
+                <a:spcPts val="400"/>
+              </a:spcAft>
+              <a:defRPr sz="1100">
+                <a:solidFill>
+                  <a:srgbClr val="323232"/>
+                </a:solidFill>
+              </a:defRPr>
+            </a:pPr>
+            <a:r>
+              <a:t>• Engineering team (platform development)</a:t>
+            </a:r>
+          </a:p>
+          <a:p>
+            <a:pPr>
+              <a:spcAft>
+                <a:spcPts val="400"/>
+              </a:spcAft>
+              <a:defRPr sz="1100">
+                <a:solidFill>
+                  <a:srgbClr val="323232"/>
+                </a:solidFill>
+              </a:defRPr>
+            </a:pPr>
+            <a:r>
+              <a:t>• Operations team (network management)</a:t>
+            </a:r>
+          </a:p>
+          <a:p>
+            <a:pPr>
+              <a:spcAft>
+                <a:spcPts val="400"/>
+              </a:spcAft>
+              <a:defRPr sz="1100">
+                <a:solidFill>
+                  <a:srgbClr val="323232"/>
+                </a:solidFill>
+              </a:defRPr>
+            </a:pPr>
+            <a:r>
+              <a:t>• Trained technician network</a:t>
+            </a:r>
+          </a:p>
+          <a:p>
+            <a:pPr>
+              <a:spcAft>
+                <a:spcPts val="400"/>
+              </a:spcAft>
+              <a:defRPr sz="1100">
+                <a:solidFill>
+                  <a:srgbClr val="323232"/>
+                </a:solidFill>
+              </a:defRPr>
+            </a:pPr>
+          </a:p>
+          <a:p>
+            <a:pPr>
+              <a:spcAft>
+                <a:spcPts val="400"/>
+              </a:spcAft>
+              <a:defRPr sz="1100">
+                <a:solidFill>
+                  <a:srgbClr val="323232"/>
+                </a:solidFill>
+              </a:defRPr>
+            </a:pPr>
+            <a:r>
+              <a:t>INTELLECTUAL:</a:t>
+            </a:r>
+          </a:p>
+          <a:p>
+            <a:pPr>
+              <a:spcAft>
+                <a:spcPts val="400"/>
+              </a:spcAft>
+              <a:defRPr sz="1100">
+                <a:solidFill>
+                  <a:srgbClr val="323232"/>
+                </a:solidFill>
+              </a:defRPr>
+            </a:pPr>
+            <a:r>
+              <a:t>• AV-specific training curriculum</a:t>
+            </a:r>
+          </a:p>
+          <a:p>
+            <a:pPr>
+              <a:spcAft>
+                <a:spcPts val="400"/>
+              </a:spcAft>
+              <a:defRPr sz="1100">
+                <a:solidFill>
+                  <a:srgbClr val="323232"/>
+                </a:solidFill>
+              </a:defRPr>
+            </a:pPr>
+            <a:r>
+              <a:t>• Quality standards and checklists</a:t>
+            </a:r>
+          </a:p>
+          <a:p>
+            <a:pPr>
+              <a:spcAft>
+                <a:spcPts val="400"/>
+              </a:spcAft>
+              <a:defRPr sz="1100">
+                <a:solidFill>
+                  <a:srgbClr val="323232"/>
+                </a:solidFill>
+              </a:defRPr>
+            </a:pPr>
+          </a:p>
+          <a:p>
+            <a:pPr>
+              <a:spcAft>
+                <a:spcPts val="400"/>
+              </a:spcAft>
+              <a:defRPr sz="1100">
+                <a:solidFill>
+                  <a:srgbClr val="323232"/>
+                </a:solidFill>
+              </a:defRPr>
+            </a:pPr>
+            <a:r>
+              <a:t>FINANCIAL:</a:t>
+            </a:r>
+          </a:p>
+          <a:p>
+            <a:pPr>
+              <a:spcAft>
+                <a:spcPts val="400"/>
+              </a:spcAft>
+              <a:defRPr sz="1100">
+                <a:solidFill>
+                  <a:srgbClr val="323232"/>
+                </a:solidFill>
+              </a:defRPr>
+            </a:pPr>
+            <a:r>
+              <a:t>• Seed funding for 18-month runway</a:t>
             </a:r>
           </a:p>
         </p:txBody>
@@ -6824,7 +6693,7 @@
               </a:defRPr>
             </a:pPr>
             <a:r>
-              <a:t>Cost Structure</a:t>
+              <a:t>Key Partners</a:t>
             </a:r>
           </a:p>
         </p:txBody>
@@ -6862,253 +6731,181 @@
               </a:defRPr>
             </a:pPr>
             <a:r>
-              <a:t>VARIABLE COSTS (scale with volume):</a:t>
-            </a:r>
-          </a:p>
-          <a:p>
-            <a:pPr>
-              <a:spcAft>
-                <a:spcPts val="400"/>
-              </a:spcAft>
-              <a:defRPr sz="1100">
-                <a:solidFill>
-                  <a:srgbClr val="323232"/>
-                </a:solidFill>
-              </a:defRPr>
-            </a:pPr>
-            <a:r>
-              <a:t>• Technician payouts: 65-70% of service revenue</a:t>
-            </a:r>
-          </a:p>
-          <a:p>
-            <a:pPr>
-              <a:spcAft>
-                <a:spcPts val="400"/>
-              </a:spcAft>
-              <a:defRPr sz="1100">
-                <a:solidFill>
-                  <a:srgbClr val="323232"/>
-                </a:solidFill>
-              </a:defRPr>
-            </a:pPr>
-            <a:r>
-              <a:t>• Payment processing: 2-3%</a:t>
-            </a:r>
-          </a:p>
-          <a:p>
-            <a:pPr>
-              <a:spcAft>
-                <a:spcPts val="400"/>
-              </a:spcAft>
-              <a:defRPr sz="1100">
-                <a:solidFill>
-                  <a:srgbClr val="323232"/>
-                </a:solidFill>
-              </a:defRPr>
-            </a:pPr>
-            <a:r>
-              <a:t>• Insurance per service</a:t>
-            </a:r>
-          </a:p>
-          <a:p>
-            <a:pPr>
-              <a:spcAft>
-                <a:spcPts val="400"/>
-              </a:spcAft>
-              <a:defRPr sz="1100">
-                <a:solidFill>
-                  <a:srgbClr val="323232"/>
-                </a:solidFill>
-              </a:defRPr>
-            </a:pPr>
-          </a:p>
-          <a:p>
-            <a:pPr>
-              <a:spcAft>
-                <a:spcPts val="400"/>
-              </a:spcAft>
-              <a:defRPr sz="1100">
-                <a:solidFill>
-                  <a:srgbClr val="323232"/>
-                </a:solidFill>
-              </a:defRPr>
-            </a:pPr>
-            <a:r>
-              <a:t>FIXED COSTS:</a:t>
-            </a:r>
-          </a:p>
-          <a:p>
-            <a:pPr>
-              <a:spcAft>
-                <a:spcPts val="400"/>
-              </a:spcAft>
-              <a:defRPr sz="1100">
-                <a:solidFill>
-                  <a:srgbClr val="323232"/>
-                </a:solidFill>
-              </a:defRPr>
-            </a:pPr>
-            <a:r>
-              <a:t>• Platform development &amp; maintenance: $15-20K/month</a:t>
-            </a:r>
-          </a:p>
-          <a:p>
-            <a:pPr>
-              <a:spcAft>
-                <a:spcPts val="400"/>
-              </a:spcAft>
-              <a:defRPr sz="1100">
-                <a:solidFill>
-                  <a:srgbClr val="323232"/>
-                </a:solidFill>
-              </a:defRPr>
-            </a:pPr>
-            <a:r>
-              <a:t>• Core team salaries: $40-60K/month</a:t>
-            </a:r>
-          </a:p>
-          <a:p>
-            <a:pPr>
-              <a:spcAft>
-                <a:spcPts val="400"/>
-              </a:spcAft>
-              <a:defRPr sz="1100">
-                <a:solidFill>
-                  <a:srgbClr val="323232"/>
-                </a:solidFill>
-              </a:defRPr>
-            </a:pPr>
-            <a:r>
-              <a:t>• Marketing &amp; sales: $10-15K/month</a:t>
-            </a:r>
-          </a:p>
-          <a:p>
-            <a:pPr>
-              <a:spcAft>
-                <a:spcPts val="400"/>
-              </a:spcAft>
-              <a:defRPr sz="1100">
-                <a:solidFill>
-                  <a:srgbClr val="323232"/>
-                </a:solidFill>
-              </a:defRPr>
-            </a:pPr>
-            <a:r>
-              <a:t>• Insurance (business): $2-5K/month</a:t>
-            </a:r>
-          </a:p>
-          <a:p>
-            <a:pPr>
-              <a:spcAft>
-                <a:spcPts val="400"/>
-              </a:spcAft>
-              <a:defRPr sz="1100">
-                <a:solidFill>
-                  <a:srgbClr val="323232"/>
-                </a:solidFill>
-              </a:defRPr>
-            </a:pPr>
-            <a:r>
-              <a:t>• Legal &amp; compliance: $3-5K/month</a:t>
-            </a:r>
-          </a:p>
-          <a:p>
-            <a:pPr>
-              <a:spcAft>
-                <a:spcPts val="400"/>
-              </a:spcAft>
-              <a:defRPr sz="1100">
-                <a:solidFill>
-                  <a:srgbClr val="323232"/>
-                </a:solidFill>
-              </a:defRPr>
-            </a:pPr>
-          </a:p>
-          <a:p>
-            <a:pPr>
-              <a:spcAft>
-                <a:spcPts val="400"/>
-              </a:spcAft>
-              <a:defRPr sz="1100">
-                <a:solidFill>
-                  <a:srgbClr val="323232"/>
-                </a:solidFill>
-              </a:defRPr>
-            </a:pPr>
-            <a:r>
-              <a:t>STARTUP COSTS:</a:t>
-            </a:r>
-          </a:p>
-          <a:p>
-            <a:pPr>
-              <a:spcAft>
-                <a:spcPts val="400"/>
-              </a:spcAft>
-              <a:defRPr sz="1100">
-                <a:solidFill>
-                  <a:srgbClr val="323232"/>
-                </a:solidFill>
-              </a:defRPr>
-            </a:pPr>
-            <a:r>
-              <a:t>• MVP development: $100-150K</a:t>
-            </a:r>
-          </a:p>
-          <a:p>
-            <a:pPr>
-              <a:spcAft>
-                <a:spcPts val="400"/>
-              </a:spcAft>
-              <a:defRPr sz="1100">
-                <a:solidFill>
-                  <a:srgbClr val="323232"/>
-                </a:solidFill>
-              </a:defRPr>
-            </a:pPr>
-            <a:r>
-              <a:t>• Initial market launch: $50K</a:t>
-            </a:r>
-          </a:p>
-          <a:p>
-            <a:pPr>
-              <a:spcAft>
-                <a:spcPts val="400"/>
-              </a:spcAft>
-              <a:defRPr sz="1100">
-                <a:solidFill>
-                  <a:srgbClr val="323232"/>
-                </a:solidFill>
-              </a:defRPr>
-            </a:pPr>
-            <a:r>
-              <a:t>• Working capital: $100K</a:t>
-            </a:r>
-          </a:p>
-          <a:p>
-            <a:pPr>
-              <a:spcAft>
-                <a:spcPts val="400"/>
-              </a:spcAft>
-              <a:defRPr sz="1100">
-                <a:solidFill>
-                  <a:srgbClr val="323232"/>
-                </a:solidFill>
-              </a:defRPr>
-            </a:pPr>
-          </a:p>
-          <a:p>
-            <a:pPr>
-              <a:spcAft>
-                <a:spcPts val="400"/>
-              </a:spcAft>
-              <a:defRPr sz="1100">
-                <a:solidFill>
-                  <a:srgbClr val="323232"/>
-                </a:solidFill>
-              </a:defRPr>
-            </a:pPr>
-            <a:r>
-              <a:t>TOTAL SEED NEED: $1.5M for 18-month runway</a:t>
+              <a:t>AV ECOSYSTEM:</a:t>
+            </a:r>
+          </a:p>
+          <a:p>
+            <a:pPr>
+              <a:spcAft>
+                <a:spcPts val="400"/>
+              </a:spcAft>
+              <a:defRPr sz="1100">
+                <a:solidFill>
+                  <a:srgbClr val="323232"/>
+                </a:solidFill>
+              </a:defRPr>
+            </a:pPr>
+            <a:r>
+              <a:t>• Waymo, Cruise, Zoox, Tesla (customers)</a:t>
+            </a:r>
+          </a:p>
+          <a:p>
+            <a:pPr>
+              <a:spcAft>
+                <a:spcPts val="400"/>
+              </a:spcAft>
+              <a:defRPr sz="1100">
+                <a:solidFill>
+                  <a:srgbClr val="323232"/>
+                </a:solidFill>
+              </a:defRPr>
+            </a:pPr>
+            <a:r>
+              <a:t>• Fleet management software providers</a:t>
+            </a:r>
+          </a:p>
+          <a:p>
+            <a:pPr>
+              <a:spcAft>
+                <a:spcPts val="400"/>
+              </a:spcAft>
+              <a:defRPr sz="1100">
+                <a:solidFill>
+                  <a:srgbClr val="323232"/>
+                </a:solidFill>
+              </a:defRPr>
+            </a:pPr>
+          </a:p>
+          <a:p>
+            <a:pPr>
+              <a:spcAft>
+                <a:spcPts val="400"/>
+              </a:spcAft>
+              <a:defRPr sz="1100">
+                <a:solidFill>
+                  <a:srgbClr val="323232"/>
+                </a:solidFill>
+              </a:defRPr>
+            </a:pPr>
+            <a:r>
+              <a:t>GIG ECONOMY:</a:t>
+            </a:r>
+          </a:p>
+          <a:p>
+            <a:pPr>
+              <a:spcAft>
+                <a:spcPts val="400"/>
+              </a:spcAft>
+              <a:defRPr sz="1100">
+                <a:solidFill>
+                  <a:srgbClr val="323232"/>
+                </a:solidFill>
+              </a:defRPr>
+            </a:pPr>
+            <a:r>
+              <a:t>• Existing gig platforms (recruitment channel)</a:t>
+            </a:r>
+          </a:p>
+          <a:p>
+            <a:pPr>
+              <a:spcAft>
+                <a:spcPts val="400"/>
+              </a:spcAft>
+              <a:defRPr sz="1100">
+                <a:solidFill>
+                  <a:srgbClr val="323232"/>
+                </a:solidFill>
+              </a:defRPr>
+            </a:pPr>
+            <a:r>
+              <a:t>• Detailing/cleaning training providers</a:t>
+            </a:r>
+          </a:p>
+          <a:p>
+            <a:pPr>
+              <a:spcAft>
+                <a:spcPts val="400"/>
+              </a:spcAft>
+              <a:defRPr sz="1100">
+                <a:solidFill>
+                  <a:srgbClr val="323232"/>
+                </a:solidFill>
+              </a:defRPr>
+            </a:pPr>
+            <a:r>
+              <a:t>• Equipment suppliers</a:t>
+            </a:r>
+          </a:p>
+          <a:p>
+            <a:pPr>
+              <a:spcAft>
+                <a:spcPts val="400"/>
+              </a:spcAft>
+              <a:defRPr sz="1100">
+                <a:solidFill>
+                  <a:srgbClr val="323232"/>
+                </a:solidFill>
+              </a:defRPr>
+            </a:pPr>
+          </a:p>
+          <a:p>
+            <a:pPr>
+              <a:spcAft>
+                <a:spcPts val="400"/>
+              </a:spcAft>
+              <a:defRPr sz="1100">
+                <a:solidFill>
+                  <a:srgbClr val="323232"/>
+                </a:solidFill>
+              </a:defRPr>
+            </a:pPr>
+            <a:r>
+              <a:t>SUPPORTING:</a:t>
+            </a:r>
+          </a:p>
+          <a:p>
+            <a:pPr>
+              <a:spcAft>
+                <a:spcPts val="400"/>
+              </a:spcAft>
+              <a:defRPr sz="1100">
+                <a:solidFill>
+                  <a:srgbClr val="323232"/>
+                </a:solidFill>
+              </a:defRPr>
+            </a:pPr>
+            <a:r>
+              <a:t>• Insurance providers (commercial auto, liability)</a:t>
+            </a:r>
+          </a:p>
+          <a:p>
+            <a:pPr>
+              <a:spcAft>
+                <a:spcPts val="400"/>
+              </a:spcAft>
+              <a:defRPr sz="1100">
+                <a:solidFill>
+                  <a:srgbClr val="323232"/>
+                </a:solidFill>
+              </a:defRPr>
+            </a:pPr>
+            <a:r>
+              <a:t>• Background check services</a:t>
+            </a:r>
+          </a:p>
+          <a:p>
+            <a:pPr>
+              <a:spcAft>
+                <a:spcPts val="400"/>
+              </a:spcAft>
+              <a:defRPr sz="1100">
+                <a:solidFill>
+                  <a:srgbClr val="323232"/>
+                </a:solidFill>
+              </a:defRPr>
+            </a:pPr>
+            <a:r>
+              <a:t>• Payment processing (Stripe, etc.)</a:t>
             </a:r>
           </a:p>
         </p:txBody>
@@ -7567,7 +7364,7 @@
               </a:defRPr>
             </a:pPr>
             <a:r>
-              <a:t>Financial Projections</a:t>
+              <a:t>Cost Structure</a:t>
             </a:r>
           </a:p>
         </p:txBody>
@@ -7605,268 +7402,223 @@
               </a:defRPr>
             </a:pPr>
             <a:r>
-              <a:t>YEAR 1:</a:t>
-            </a:r>
-          </a:p>
-          <a:p>
-            <a:pPr>
-              <a:spcAft>
-                <a:spcPts val="400"/>
-              </a:spcAft>
-              <a:defRPr sz="1100">
-                <a:solidFill>
-                  <a:srgbClr val="323232"/>
-                </a:solidFill>
-              </a:defRPr>
-            </a:pPr>
-            <a:r>
-              <a:t>• Markets: 1 (Phoenix or SF)</a:t>
-            </a:r>
-          </a:p>
-          <a:p>
-            <a:pPr>
-              <a:spcAft>
-                <a:spcPts val="400"/>
-              </a:spcAft>
-              <a:defRPr sz="1100">
-                <a:solidFill>
-                  <a:srgbClr val="323232"/>
-                </a:solidFill>
-              </a:defRPr>
-            </a:pPr>
-            <a:r>
-              <a:t>• Vehicles served: 500</a:t>
-            </a:r>
-          </a:p>
-          <a:p>
-            <a:pPr>
-              <a:spcAft>
-                <a:spcPts val="400"/>
-              </a:spcAft>
-              <a:defRPr sz="1100">
-                <a:solidFill>
-                  <a:srgbClr val="323232"/>
-                </a:solidFill>
-              </a:defRPr>
-            </a:pPr>
-            <a:r>
-              <a:t>• Revenue: $1.2M</a:t>
-            </a:r>
-          </a:p>
-          <a:p>
-            <a:pPr>
-              <a:spcAft>
-                <a:spcPts val="400"/>
-              </a:spcAft>
-              <a:defRPr sz="1100">
-                <a:solidFill>
-                  <a:srgbClr val="323232"/>
-                </a:solidFill>
-              </a:defRPr>
-            </a:pPr>
-            <a:r>
-              <a:t>• Net: -$300K (investment phase)</a:t>
-            </a:r>
-          </a:p>
-          <a:p>
-            <a:pPr>
-              <a:spcAft>
-                <a:spcPts val="400"/>
-              </a:spcAft>
-              <a:defRPr sz="1100">
-                <a:solidFill>
-                  <a:srgbClr val="323232"/>
-                </a:solidFill>
-              </a:defRPr>
-            </a:pPr>
-          </a:p>
-          <a:p>
-            <a:pPr>
-              <a:spcAft>
-                <a:spcPts val="400"/>
-              </a:spcAft>
-              <a:defRPr sz="1100">
-                <a:solidFill>
-                  <a:srgbClr val="323232"/>
-                </a:solidFill>
-              </a:defRPr>
-            </a:pPr>
-            <a:r>
-              <a:t>YEAR 2:</a:t>
-            </a:r>
-          </a:p>
-          <a:p>
-            <a:pPr>
-              <a:spcAft>
-                <a:spcPts val="400"/>
-              </a:spcAft>
-              <a:defRPr sz="1100">
-                <a:solidFill>
-                  <a:srgbClr val="323232"/>
-                </a:solidFill>
-              </a:defRPr>
-            </a:pPr>
-            <a:r>
-              <a:t>• Markets: 3</a:t>
-            </a:r>
-          </a:p>
-          <a:p>
-            <a:pPr>
-              <a:spcAft>
-                <a:spcPts val="400"/>
-              </a:spcAft>
-              <a:defRPr sz="1100">
-                <a:solidFill>
-                  <a:srgbClr val="323232"/>
-                </a:solidFill>
-              </a:defRPr>
-            </a:pPr>
-            <a:r>
-              <a:t>• Vehicles served: 3,000</a:t>
-            </a:r>
-          </a:p>
-          <a:p>
-            <a:pPr>
-              <a:spcAft>
-                <a:spcPts val="400"/>
-              </a:spcAft>
-              <a:defRPr sz="1100">
-                <a:solidFill>
-                  <a:srgbClr val="323232"/>
-                </a:solidFill>
-              </a:defRPr>
-            </a:pPr>
-            <a:r>
-              <a:t>• Revenue: $5.5M</a:t>
-            </a:r>
-          </a:p>
-          <a:p>
-            <a:pPr>
-              <a:spcAft>
-                <a:spcPts val="400"/>
-              </a:spcAft>
-              <a:defRPr sz="1100">
-                <a:solidFill>
-                  <a:srgbClr val="323232"/>
-                </a:solidFill>
-              </a:defRPr>
-            </a:pPr>
-            <a:r>
-              <a:t>• Net: +$800K</a:t>
-            </a:r>
-          </a:p>
-          <a:p>
-            <a:pPr>
-              <a:spcAft>
-                <a:spcPts val="400"/>
-              </a:spcAft>
-              <a:defRPr sz="1100">
-                <a:solidFill>
-                  <a:srgbClr val="323232"/>
-                </a:solidFill>
-              </a:defRPr>
-            </a:pPr>
-          </a:p>
-          <a:p>
-            <a:pPr>
-              <a:spcAft>
-                <a:spcPts val="400"/>
-              </a:spcAft>
-              <a:defRPr sz="1100">
-                <a:solidFill>
-                  <a:srgbClr val="323232"/>
-                </a:solidFill>
-              </a:defRPr>
-            </a:pPr>
-            <a:r>
-              <a:t>YEAR 3:</a:t>
-            </a:r>
-          </a:p>
-          <a:p>
-            <a:pPr>
-              <a:spcAft>
-                <a:spcPts val="400"/>
-              </a:spcAft>
-              <a:defRPr sz="1100">
-                <a:solidFill>
-                  <a:srgbClr val="323232"/>
-                </a:solidFill>
-              </a:defRPr>
-            </a:pPr>
-            <a:r>
-              <a:t>• Markets: 7</a:t>
-            </a:r>
-          </a:p>
-          <a:p>
-            <a:pPr>
-              <a:spcAft>
-                <a:spcPts val="400"/>
-              </a:spcAft>
-              <a:defRPr sz="1100">
-                <a:solidFill>
-                  <a:srgbClr val="323232"/>
-                </a:solidFill>
-              </a:defRPr>
-            </a:pPr>
-            <a:r>
-              <a:t>• Vehicles served: 10,000</a:t>
-            </a:r>
-          </a:p>
-          <a:p>
-            <a:pPr>
-              <a:spcAft>
-                <a:spcPts val="400"/>
-              </a:spcAft>
-              <a:defRPr sz="1100">
-                <a:solidFill>
-                  <a:srgbClr val="323232"/>
-                </a:solidFill>
-              </a:defRPr>
-            </a:pPr>
-            <a:r>
-              <a:t>• Revenue: $15M</a:t>
-            </a:r>
-          </a:p>
-          <a:p>
-            <a:pPr>
-              <a:spcAft>
-                <a:spcPts val="400"/>
-              </a:spcAft>
-              <a:defRPr sz="1100">
-                <a:solidFill>
-                  <a:srgbClr val="323232"/>
-                </a:solidFill>
-              </a:defRPr>
-            </a:pPr>
-            <a:r>
-              <a:t>• Net: +$3.5M</a:t>
-            </a:r>
-          </a:p>
-          <a:p>
-            <a:pPr>
-              <a:spcAft>
-                <a:spcPts val="400"/>
-              </a:spcAft>
-              <a:defRPr sz="1100">
-                <a:solidFill>
-                  <a:srgbClr val="323232"/>
-                </a:solidFill>
-              </a:defRPr>
-            </a:pPr>
-          </a:p>
-          <a:p>
-            <a:pPr>
-              <a:spcAft>
-                <a:spcPts val="400"/>
-              </a:spcAft>
-              <a:defRPr sz="1100">
-                <a:solidFill>
-                  <a:srgbClr val="323232"/>
-                </a:solidFill>
-              </a:defRPr>
-            </a:pPr>
-            <a:r>
-              <a:t>PATH TO $10M ARR: 36 months</a:t>
+              <a:t>VARIABLE COSTS (scale with volume):</a:t>
+            </a:r>
+          </a:p>
+          <a:p>
+            <a:pPr>
+              <a:spcAft>
+                <a:spcPts val="400"/>
+              </a:spcAft>
+              <a:defRPr sz="1100">
+                <a:solidFill>
+                  <a:srgbClr val="323232"/>
+                </a:solidFill>
+              </a:defRPr>
+            </a:pPr>
+            <a:r>
+              <a:t>• Technician payouts: 65-70% of service revenue</a:t>
+            </a:r>
+          </a:p>
+          <a:p>
+            <a:pPr>
+              <a:spcAft>
+                <a:spcPts val="400"/>
+              </a:spcAft>
+              <a:defRPr sz="1100">
+                <a:solidFill>
+                  <a:srgbClr val="323232"/>
+                </a:solidFill>
+              </a:defRPr>
+            </a:pPr>
+            <a:r>
+              <a:t>• Payment processing: 2-3%</a:t>
+            </a:r>
+          </a:p>
+          <a:p>
+            <a:pPr>
+              <a:spcAft>
+                <a:spcPts val="400"/>
+              </a:spcAft>
+              <a:defRPr sz="1100">
+                <a:solidFill>
+                  <a:srgbClr val="323232"/>
+                </a:solidFill>
+              </a:defRPr>
+            </a:pPr>
+          </a:p>
+          <a:p>
+            <a:pPr>
+              <a:spcAft>
+                <a:spcPts val="400"/>
+              </a:spcAft>
+              <a:defRPr sz="1100">
+                <a:solidFill>
+                  <a:srgbClr val="323232"/>
+                </a:solidFill>
+              </a:defRPr>
+            </a:pPr>
+            <a:r>
+              <a:t>FIXED COSTS:</a:t>
+            </a:r>
+          </a:p>
+          <a:p>
+            <a:pPr>
+              <a:spcAft>
+                <a:spcPts val="400"/>
+              </a:spcAft>
+              <a:defRPr sz="1100">
+                <a:solidFill>
+                  <a:srgbClr val="323232"/>
+                </a:solidFill>
+              </a:defRPr>
+            </a:pPr>
+            <a:r>
+              <a:t>• Platform development &amp; maintenance: $15-20K/month</a:t>
+            </a:r>
+          </a:p>
+          <a:p>
+            <a:pPr>
+              <a:spcAft>
+                <a:spcPts val="400"/>
+              </a:spcAft>
+              <a:defRPr sz="1100">
+                <a:solidFill>
+                  <a:srgbClr val="323232"/>
+                </a:solidFill>
+              </a:defRPr>
+            </a:pPr>
+            <a:r>
+              <a:t>• Core team salaries: $40-60K/month</a:t>
+            </a:r>
+          </a:p>
+          <a:p>
+            <a:pPr>
+              <a:spcAft>
+                <a:spcPts val="400"/>
+              </a:spcAft>
+              <a:defRPr sz="1100">
+                <a:solidFill>
+                  <a:srgbClr val="323232"/>
+                </a:solidFill>
+              </a:defRPr>
+            </a:pPr>
+            <a:r>
+              <a:t>• Marketing &amp; sales: $10-15K/month</a:t>
+            </a:r>
+          </a:p>
+          <a:p>
+            <a:pPr>
+              <a:spcAft>
+                <a:spcPts val="400"/>
+              </a:spcAft>
+              <a:defRPr sz="1100">
+                <a:solidFill>
+                  <a:srgbClr val="323232"/>
+                </a:solidFill>
+              </a:defRPr>
+            </a:pPr>
+            <a:r>
+              <a:t>• Insurance &amp; legal: $5-10K/month</a:t>
+            </a:r>
+          </a:p>
+          <a:p>
+            <a:pPr>
+              <a:spcAft>
+                <a:spcPts val="400"/>
+              </a:spcAft>
+              <a:defRPr sz="1100">
+                <a:solidFill>
+                  <a:srgbClr val="323232"/>
+                </a:solidFill>
+              </a:defRPr>
+            </a:pPr>
+          </a:p>
+          <a:p>
+            <a:pPr>
+              <a:spcAft>
+                <a:spcPts val="400"/>
+              </a:spcAft>
+              <a:defRPr sz="1100">
+                <a:solidFill>
+                  <a:srgbClr val="323232"/>
+                </a:solidFill>
+              </a:defRPr>
+            </a:pPr>
+            <a:r>
+              <a:t>STARTUP COSTS:</a:t>
+            </a:r>
+          </a:p>
+          <a:p>
+            <a:pPr>
+              <a:spcAft>
+                <a:spcPts val="400"/>
+              </a:spcAft>
+              <a:defRPr sz="1100">
+                <a:solidFill>
+                  <a:srgbClr val="323232"/>
+                </a:solidFill>
+              </a:defRPr>
+            </a:pPr>
+            <a:r>
+              <a:t>• MVP development: $100-150K</a:t>
+            </a:r>
+          </a:p>
+          <a:p>
+            <a:pPr>
+              <a:spcAft>
+                <a:spcPts val="400"/>
+              </a:spcAft>
+              <a:defRPr sz="1100">
+                <a:solidFill>
+                  <a:srgbClr val="323232"/>
+                </a:solidFill>
+              </a:defRPr>
+            </a:pPr>
+            <a:r>
+              <a:t>• Initial market launch: $50K</a:t>
+            </a:r>
+          </a:p>
+          <a:p>
+            <a:pPr>
+              <a:spcAft>
+                <a:spcPts val="400"/>
+              </a:spcAft>
+              <a:defRPr sz="1100">
+                <a:solidFill>
+                  <a:srgbClr val="323232"/>
+                </a:solidFill>
+              </a:defRPr>
+            </a:pPr>
+            <a:r>
+              <a:t>• Working capital: $100K</a:t>
+            </a:r>
+          </a:p>
+          <a:p>
+            <a:pPr>
+              <a:spcAft>
+                <a:spcPts val="400"/>
+              </a:spcAft>
+              <a:defRPr sz="1100">
+                <a:solidFill>
+                  <a:srgbClr val="323232"/>
+                </a:solidFill>
+              </a:defRPr>
+            </a:pPr>
+          </a:p>
+          <a:p>
+            <a:pPr>
+              <a:spcAft>
+                <a:spcPts val="400"/>
+              </a:spcAft>
+              <a:defRPr sz="1100">
+                <a:solidFill>
+                  <a:srgbClr val="323232"/>
+                </a:solidFill>
+              </a:defRPr>
+            </a:pPr>
+            <a:r>
+              <a:t>TOTAL SEED NEED: $1.5M for 18-month runway</a:t>
             </a:r>
           </a:p>
         </p:txBody>
@@ -7997,7 +7749,7 @@
               </a:defRPr>
             </a:pPr>
             <a:r>
-              <a:t>The Ask</a:t>
+              <a:t>Financial Projections</a:t>
             </a:r>
           </a:p>
         </p:txBody>
@@ -8035,208 +7787,223 @@
               </a:defRPr>
             </a:pPr>
             <a:r>
-              <a:t>RAISING: $1.5M Seed Round</a:t>
-            </a:r>
-          </a:p>
-          <a:p>
-            <a:pPr>
-              <a:spcAft>
-                <a:spcPts val="400"/>
-              </a:spcAft>
-              <a:defRPr sz="1100">
-                <a:solidFill>
-                  <a:srgbClr val="323232"/>
-                </a:solidFill>
-              </a:defRPr>
-            </a:pPr>
-          </a:p>
-          <a:p>
-            <a:pPr>
-              <a:spcAft>
-                <a:spcPts val="400"/>
-              </a:spcAft>
-              <a:defRPr sz="1100">
-                <a:solidFill>
-                  <a:srgbClr val="323232"/>
-                </a:solidFill>
-              </a:defRPr>
-            </a:pPr>
-            <a:r>
-              <a:t>USE OF FUNDS:</a:t>
-            </a:r>
-          </a:p>
-          <a:p>
-            <a:pPr>
-              <a:spcAft>
-                <a:spcPts val="400"/>
-              </a:spcAft>
-              <a:defRPr sz="1100">
-                <a:solidFill>
-                  <a:srgbClr val="323232"/>
-                </a:solidFill>
-              </a:defRPr>
-            </a:pPr>
-            <a:r>
-              <a:t>• Product Development (40%): Platform, apps, API integrations</a:t>
-            </a:r>
-          </a:p>
-          <a:p>
-            <a:pPr>
-              <a:spcAft>
-                <a:spcPts val="400"/>
-              </a:spcAft>
-              <a:defRPr sz="1100">
-                <a:solidFill>
-                  <a:srgbClr val="323232"/>
-                </a:solidFill>
-              </a:defRPr>
-            </a:pPr>
-            <a:r>
-              <a:t>• Operations (30%): Tech recruitment, training, equipment</a:t>
-            </a:r>
-          </a:p>
-          <a:p>
-            <a:pPr>
-              <a:spcAft>
-                <a:spcPts val="400"/>
-              </a:spcAft>
-              <a:defRPr sz="1100">
-                <a:solidFill>
-                  <a:srgbClr val="323232"/>
-                </a:solidFill>
-              </a:defRPr>
-            </a:pPr>
-            <a:r>
-              <a:t>• Sales (20%): Enterprise BD, pilot programs</a:t>
-            </a:r>
-          </a:p>
-          <a:p>
-            <a:pPr>
-              <a:spcAft>
-                <a:spcPts val="400"/>
-              </a:spcAft>
-              <a:defRPr sz="1100">
-                <a:solidFill>
-                  <a:srgbClr val="323232"/>
-                </a:solidFill>
-              </a:defRPr>
-            </a:pPr>
-            <a:r>
-              <a:t>• G&amp;A (10%): Legal, insurance, admin</a:t>
-            </a:r>
-          </a:p>
-          <a:p>
-            <a:pPr>
-              <a:spcAft>
-                <a:spcPts val="400"/>
-              </a:spcAft>
-              <a:defRPr sz="1100">
-                <a:solidFill>
-                  <a:srgbClr val="323232"/>
-                </a:solidFill>
-              </a:defRPr>
-            </a:pPr>
-          </a:p>
-          <a:p>
-            <a:pPr>
-              <a:spcAft>
-                <a:spcPts val="400"/>
-              </a:spcAft>
-              <a:defRPr sz="1100">
-                <a:solidFill>
-                  <a:srgbClr val="323232"/>
-                </a:solidFill>
-              </a:defRPr>
-            </a:pPr>
-            <a:r>
-              <a:t>MILESTONES TO SERIES A:</a:t>
-            </a:r>
-          </a:p>
-          <a:p>
-            <a:pPr>
-              <a:spcAft>
-                <a:spcPts val="400"/>
-              </a:spcAft>
-              <a:defRPr sz="1100">
-                <a:solidFill>
-                  <a:srgbClr val="323232"/>
-                </a:solidFill>
-              </a:defRPr>
-            </a:pPr>
-            <a:r>
-              <a:t>• 1 enterprise contract with major AV operator</a:t>
-            </a:r>
-          </a:p>
-          <a:p>
-            <a:pPr>
-              <a:spcAft>
-                <a:spcPts val="400"/>
-              </a:spcAft>
-              <a:defRPr sz="1100">
-                <a:solidFill>
-                  <a:srgbClr val="323232"/>
-                </a:solidFill>
-              </a:defRPr>
-            </a:pPr>
-            <a:r>
-              <a:t>• 1,000+ services/month</a:t>
-            </a:r>
-          </a:p>
-          <a:p>
-            <a:pPr>
-              <a:spcAft>
-                <a:spcPts val="400"/>
-              </a:spcAft>
-              <a:defRPr sz="1100">
-                <a:solidFill>
-                  <a:srgbClr val="323232"/>
-                </a:solidFill>
-              </a:defRPr>
-            </a:pPr>
-            <a:r>
-              <a:t>• Positive unit economics proven</a:t>
-            </a:r>
-          </a:p>
-          <a:p>
-            <a:pPr>
-              <a:spcAft>
-                <a:spcPts val="400"/>
-              </a:spcAft>
-              <a:defRPr sz="1100">
-                <a:solidFill>
-                  <a:srgbClr val="323232"/>
-                </a:solidFill>
-              </a:defRPr>
-            </a:pPr>
-            <a:r>
-              <a:t>• Expansion to 2nd market</a:t>
-            </a:r>
-          </a:p>
-          <a:p>
-            <a:pPr>
-              <a:spcAft>
-                <a:spcPts val="400"/>
-              </a:spcAft>
-              <a:defRPr sz="1100">
-                <a:solidFill>
-                  <a:srgbClr val="323232"/>
-                </a:solidFill>
-              </a:defRPr>
-            </a:pPr>
-          </a:p>
-          <a:p>
-            <a:pPr>
-              <a:spcAft>
-                <a:spcPts val="400"/>
-              </a:spcAft>
-              <a:defRPr sz="1100">
-                <a:solidFill>
-                  <a:srgbClr val="323232"/>
-                </a:solidFill>
-              </a:defRPr>
-            </a:pPr>
-            <a:r>
-              <a:t>RUNWAY: 18 months to Series A metrics</a:t>
+              <a:t>YEAR 1:</a:t>
+            </a:r>
+          </a:p>
+          <a:p>
+            <a:pPr>
+              <a:spcAft>
+                <a:spcPts val="400"/>
+              </a:spcAft>
+              <a:defRPr sz="1100">
+                <a:solidFill>
+                  <a:srgbClr val="323232"/>
+                </a:solidFill>
+              </a:defRPr>
+            </a:pPr>
+            <a:r>
+              <a:t>• Markets: 1 (Phoenix or SF)</a:t>
+            </a:r>
+          </a:p>
+          <a:p>
+            <a:pPr>
+              <a:spcAft>
+                <a:spcPts val="400"/>
+              </a:spcAft>
+              <a:defRPr sz="1100">
+                <a:solidFill>
+                  <a:srgbClr val="323232"/>
+                </a:solidFill>
+              </a:defRPr>
+            </a:pPr>
+            <a:r>
+              <a:t>• Vehicles served: 500</a:t>
+            </a:r>
+          </a:p>
+          <a:p>
+            <a:pPr>
+              <a:spcAft>
+                <a:spcPts val="400"/>
+              </a:spcAft>
+              <a:defRPr sz="1100">
+                <a:solidFill>
+                  <a:srgbClr val="323232"/>
+                </a:solidFill>
+              </a:defRPr>
+            </a:pPr>
+            <a:r>
+              <a:t>• Revenue: $1.2M | Net: -$300K (investment phase)</a:t>
+            </a:r>
+          </a:p>
+          <a:p>
+            <a:pPr>
+              <a:spcAft>
+                <a:spcPts val="400"/>
+              </a:spcAft>
+              <a:defRPr sz="1100">
+                <a:solidFill>
+                  <a:srgbClr val="323232"/>
+                </a:solidFill>
+              </a:defRPr>
+            </a:pPr>
+          </a:p>
+          <a:p>
+            <a:pPr>
+              <a:spcAft>
+                <a:spcPts val="400"/>
+              </a:spcAft>
+              <a:defRPr sz="1100">
+                <a:solidFill>
+                  <a:srgbClr val="323232"/>
+                </a:solidFill>
+              </a:defRPr>
+            </a:pPr>
+            <a:r>
+              <a:t>YEAR 2:</a:t>
+            </a:r>
+          </a:p>
+          <a:p>
+            <a:pPr>
+              <a:spcAft>
+                <a:spcPts val="400"/>
+              </a:spcAft>
+              <a:defRPr sz="1100">
+                <a:solidFill>
+                  <a:srgbClr val="323232"/>
+                </a:solidFill>
+              </a:defRPr>
+            </a:pPr>
+            <a:r>
+              <a:t>• Markets: 3</a:t>
+            </a:r>
+          </a:p>
+          <a:p>
+            <a:pPr>
+              <a:spcAft>
+                <a:spcPts val="400"/>
+              </a:spcAft>
+              <a:defRPr sz="1100">
+                <a:solidFill>
+                  <a:srgbClr val="323232"/>
+                </a:solidFill>
+              </a:defRPr>
+            </a:pPr>
+            <a:r>
+              <a:t>• Vehicles served: 3,000</a:t>
+            </a:r>
+          </a:p>
+          <a:p>
+            <a:pPr>
+              <a:spcAft>
+                <a:spcPts val="400"/>
+              </a:spcAft>
+              <a:defRPr sz="1100">
+                <a:solidFill>
+                  <a:srgbClr val="323232"/>
+                </a:solidFill>
+              </a:defRPr>
+            </a:pPr>
+            <a:r>
+              <a:t>• Revenue: $5.5M | Net: +$800K</a:t>
+            </a:r>
+          </a:p>
+          <a:p>
+            <a:pPr>
+              <a:spcAft>
+                <a:spcPts val="400"/>
+              </a:spcAft>
+              <a:defRPr sz="1100">
+                <a:solidFill>
+                  <a:srgbClr val="323232"/>
+                </a:solidFill>
+              </a:defRPr>
+            </a:pPr>
+          </a:p>
+          <a:p>
+            <a:pPr>
+              <a:spcAft>
+                <a:spcPts val="400"/>
+              </a:spcAft>
+              <a:defRPr sz="1100">
+                <a:solidFill>
+                  <a:srgbClr val="323232"/>
+                </a:solidFill>
+              </a:defRPr>
+            </a:pPr>
+            <a:r>
+              <a:t>YEAR 3:</a:t>
+            </a:r>
+          </a:p>
+          <a:p>
+            <a:pPr>
+              <a:spcAft>
+                <a:spcPts val="400"/>
+              </a:spcAft>
+              <a:defRPr sz="1100">
+                <a:solidFill>
+                  <a:srgbClr val="323232"/>
+                </a:solidFill>
+              </a:defRPr>
+            </a:pPr>
+            <a:r>
+              <a:t>• Markets: 7</a:t>
+            </a:r>
+          </a:p>
+          <a:p>
+            <a:pPr>
+              <a:spcAft>
+                <a:spcPts val="400"/>
+              </a:spcAft>
+              <a:defRPr sz="1100">
+                <a:solidFill>
+                  <a:srgbClr val="323232"/>
+                </a:solidFill>
+              </a:defRPr>
+            </a:pPr>
+            <a:r>
+              <a:t>• Vehicles served: 10,000</a:t>
+            </a:r>
+          </a:p>
+          <a:p>
+            <a:pPr>
+              <a:spcAft>
+                <a:spcPts val="400"/>
+              </a:spcAft>
+              <a:defRPr sz="1100">
+                <a:solidFill>
+                  <a:srgbClr val="323232"/>
+                </a:solidFill>
+              </a:defRPr>
+            </a:pPr>
+            <a:r>
+              <a:t>• Revenue: $15M | Net: +$3.5M</a:t>
+            </a:r>
+          </a:p>
+          <a:p>
+            <a:pPr>
+              <a:spcAft>
+                <a:spcPts val="400"/>
+              </a:spcAft>
+              <a:defRPr sz="1100">
+                <a:solidFill>
+                  <a:srgbClr val="323232"/>
+                </a:solidFill>
+              </a:defRPr>
+            </a:pPr>
+          </a:p>
+          <a:p>
+            <a:pPr>
+              <a:spcAft>
+                <a:spcPts val="400"/>
+              </a:spcAft>
+              <a:defRPr sz="1100">
+                <a:solidFill>
+                  <a:srgbClr val="323232"/>
+                </a:solidFill>
+              </a:defRPr>
+            </a:pPr>
+            <a:r>
+              <a:t>PATH TO $10M ARR: 36 months</a:t>
             </a:r>
           </a:p>
         </p:txBody>
@@ -8250,6 +8017,361 @@
 </file>
 
 <file path=ppt/slides/slide22.xml><?xml version="1.0" encoding="utf-8"?>
+<p:sld xmlns:a="http://schemas.openxmlformats.org/drawingml/2006/main" xmlns:p="http://schemas.openxmlformats.org/presentationml/2006/main" xmlns:r="http://schemas.openxmlformats.org/officeDocument/2006/relationships">
+  <p:cSld>
+    <p:spTree>
+      <p:nvGrpSpPr>
+        <p:cNvPr id="1" name=""/>
+        <p:cNvGrpSpPr/>
+        <p:nvPr/>
+      </p:nvGrpSpPr>
+      <p:grpSpPr/>
+      <p:sp>
+        <p:nvSpPr>
+          <p:cNvPr id="2" name="Rectangle 1"/>
+          <p:cNvSpPr/>
+          <p:nvPr/>
+        </p:nvSpPr>
+        <p:spPr>
+          <a:xfrm>
+            <a:off x="0" y="0"/>
+            <a:ext cx="9144000" cy="548640"/>
+          </a:xfrm>
+          <a:prstGeom prst="rect">
+            <a:avLst/>
+          </a:prstGeom>
+          <a:solidFill>
+            <a:srgbClr val="003366"/>
+          </a:solidFill>
+          <a:ln>
+            <a:noFill/>
+          </a:ln>
+        </p:spPr>
+        <p:style>
+          <a:lnRef idx="1">
+            <a:schemeClr val="accent1"/>
+          </a:lnRef>
+          <a:fillRef idx="3">
+            <a:schemeClr val="accent1"/>
+          </a:fillRef>
+          <a:effectRef idx="2">
+            <a:schemeClr val="accent1"/>
+          </a:effectRef>
+          <a:fontRef idx="minor">
+            <a:schemeClr val="lt1"/>
+          </a:fontRef>
+        </p:style>
+        <p:txBody>
+          <a:bodyPr rtlCol="0" anchor="ctr"/>
+          <a:lstStyle/>
+          <a:p>
+            <a:pPr algn="ctr"/>
+          </a:p>
+        </p:txBody>
+      </p:sp>
+      <p:sp>
+        <p:nvSpPr>
+          <p:cNvPr id="3" name="TextBox 2"/>
+          <p:cNvSpPr txBox="1"/>
+          <p:nvPr/>
+        </p:nvSpPr>
+        <p:spPr>
+          <a:xfrm>
+            <a:off x="182880" y="109728"/>
+            <a:ext cx="365760" cy="320040"/>
+          </a:xfrm>
+          <a:prstGeom prst="rect">
+            <a:avLst/>
+          </a:prstGeom>
+          <a:noFill/>
+        </p:spPr>
+        <p:txBody>
+          <a:bodyPr wrap="none">
+            <a:spAutoFit/>
+          </a:bodyPr>
+          <a:lstStyle/>
+          <a:p>
+            <a:pPr>
+              <a:defRPr sz="1400" b="1">
+                <a:solidFill>
+                  <a:srgbClr val="FFFFFF"/>
+                </a:solidFill>
+              </a:defRPr>
+            </a:pPr>
+            <a:r>
+              <a:t>21</a:t>
+            </a:r>
+          </a:p>
+        </p:txBody>
+      </p:sp>
+      <p:sp>
+        <p:nvSpPr>
+          <p:cNvPr id="4" name="TextBox 3"/>
+          <p:cNvSpPr txBox="1"/>
+          <p:nvPr/>
+        </p:nvSpPr>
+        <p:spPr>
+          <a:xfrm>
+            <a:off x="548640" y="109728"/>
+            <a:ext cx="7772400" cy="365760"/>
+          </a:xfrm>
+          <a:prstGeom prst="rect">
+            <a:avLst/>
+          </a:prstGeom>
+          <a:noFill/>
+        </p:spPr>
+        <p:txBody>
+          <a:bodyPr wrap="none">
+            <a:spAutoFit/>
+          </a:bodyPr>
+          <a:lstStyle/>
+          <a:p>
+            <a:pPr>
+              <a:defRPr sz="2000" b="1">
+                <a:solidFill>
+                  <a:srgbClr val="FFFFFF"/>
+                </a:solidFill>
+              </a:defRPr>
+            </a:pPr>
+            <a:r>
+              <a:t>The Ask</a:t>
+            </a:r>
+          </a:p>
+        </p:txBody>
+      </p:sp>
+      <p:sp>
+        <p:nvSpPr>
+          <p:cNvPr id="5" name="TextBox 4"/>
+          <p:cNvSpPr txBox="1"/>
+          <p:nvPr/>
+        </p:nvSpPr>
+        <p:spPr>
+          <a:xfrm>
+            <a:off x="365760" y="685800"/>
+            <a:ext cx="8412480" cy="4297680"/>
+          </a:xfrm>
+          <a:prstGeom prst="rect">
+            <a:avLst/>
+          </a:prstGeom>
+          <a:noFill/>
+        </p:spPr>
+        <p:txBody>
+          <a:bodyPr wrap="square">
+            <a:spAutoFit/>
+          </a:bodyPr>
+          <a:lstStyle/>
+          <a:p>
+            <a:pPr>
+              <a:spcAft>
+                <a:spcPts val="400"/>
+              </a:spcAft>
+              <a:defRPr sz="1100">
+                <a:solidFill>
+                  <a:srgbClr val="323232"/>
+                </a:solidFill>
+              </a:defRPr>
+            </a:pPr>
+            <a:r>
+              <a:t>RAISING: $1.5M Seed Round</a:t>
+            </a:r>
+          </a:p>
+          <a:p>
+            <a:pPr>
+              <a:spcAft>
+                <a:spcPts val="400"/>
+              </a:spcAft>
+              <a:defRPr sz="1100">
+                <a:solidFill>
+                  <a:srgbClr val="323232"/>
+                </a:solidFill>
+              </a:defRPr>
+            </a:pPr>
+          </a:p>
+          <a:p>
+            <a:pPr>
+              <a:spcAft>
+                <a:spcPts val="400"/>
+              </a:spcAft>
+              <a:defRPr sz="1100">
+                <a:solidFill>
+                  <a:srgbClr val="323232"/>
+                </a:solidFill>
+              </a:defRPr>
+            </a:pPr>
+            <a:r>
+              <a:t>USE OF FUNDS:</a:t>
+            </a:r>
+          </a:p>
+          <a:p>
+            <a:pPr>
+              <a:spcAft>
+                <a:spcPts val="400"/>
+              </a:spcAft>
+              <a:defRPr sz="1100">
+                <a:solidFill>
+                  <a:srgbClr val="323232"/>
+                </a:solidFill>
+              </a:defRPr>
+            </a:pPr>
+            <a:r>
+              <a:t>• Product Development (40%): Platform, apps, API integrations</a:t>
+            </a:r>
+          </a:p>
+          <a:p>
+            <a:pPr>
+              <a:spcAft>
+                <a:spcPts val="400"/>
+              </a:spcAft>
+              <a:defRPr sz="1100">
+                <a:solidFill>
+                  <a:srgbClr val="323232"/>
+                </a:solidFill>
+              </a:defRPr>
+            </a:pPr>
+            <a:r>
+              <a:t>• Operations (30%): Tech recruitment, training, equipment</a:t>
+            </a:r>
+          </a:p>
+          <a:p>
+            <a:pPr>
+              <a:spcAft>
+                <a:spcPts val="400"/>
+              </a:spcAft>
+              <a:defRPr sz="1100">
+                <a:solidFill>
+                  <a:srgbClr val="323232"/>
+                </a:solidFill>
+              </a:defRPr>
+            </a:pPr>
+            <a:r>
+              <a:t>• Sales (20%): Enterprise BD, pilot programs</a:t>
+            </a:r>
+          </a:p>
+          <a:p>
+            <a:pPr>
+              <a:spcAft>
+                <a:spcPts val="400"/>
+              </a:spcAft>
+              <a:defRPr sz="1100">
+                <a:solidFill>
+                  <a:srgbClr val="323232"/>
+                </a:solidFill>
+              </a:defRPr>
+            </a:pPr>
+            <a:r>
+              <a:t>• G&amp;A (10%): Legal, insurance, admin</a:t>
+            </a:r>
+          </a:p>
+          <a:p>
+            <a:pPr>
+              <a:spcAft>
+                <a:spcPts val="400"/>
+              </a:spcAft>
+              <a:defRPr sz="1100">
+                <a:solidFill>
+                  <a:srgbClr val="323232"/>
+                </a:solidFill>
+              </a:defRPr>
+            </a:pPr>
+          </a:p>
+          <a:p>
+            <a:pPr>
+              <a:spcAft>
+                <a:spcPts val="400"/>
+              </a:spcAft>
+              <a:defRPr sz="1100">
+                <a:solidFill>
+                  <a:srgbClr val="323232"/>
+                </a:solidFill>
+              </a:defRPr>
+            </a:pPr>
+            <a:r>
+              <a:t>MILESTONES TO SERIES A:</a:t>
+            </a:r>
+          </a:p>
+          <a:p>
+            <a:pPr>
+              <a:spcAft>
+                <a:spcPts val="400"/>
+              </a:spcAft>
+              <a:defRPr sz="1100">
+                <a:solidFill>
+                  <a:srgbClr val="323232"/>
+                </a:solidFill>
+              </a:defRPr>
+            </a:pPr>
+            <a:r>
+              <a:t>• 1 enterprise contract with major AV operator</a:t>
+            </a:r>
+          </a:p>
+          <a:p>
+            <a:pPr>
+              <a:spcAft>
+                <a:spcPts val="400"/>
+              </a:spcAft>
+              <a:defRPr sz="1100">
+                <a:solidFill>
+                  <a:srgbClr val="323232"/>
+                </a:solidFill>
+              </a:defRPr>
+            </a:pPr>
+            <a:r>
+              <a:t>• 1,000+ services/month</a:t>
+            </a:r>
+          </a:p>
+          <a:p>
+            <a:pPr>
+              <a:spcAft>
+                <a:spcPts val="400"/>
+              </a:spcAft>
+              <a:defRPr sz="1100">
+                <a:solidFill>
+                  <a:srgbClr val="323232"/>
+                </a:solidFill>
+              </a:defRPr>
+            </a:pPr>
+            <a:r>
+              <a:t>• Positive unit economics proven</a:t>
+            </a:r>
+          </a:p>
+          <a:p>
+            <a:pPr>
+              <a:spcAft>
+                <a:spcPts val="400"/>
+              </a:spcAft>
+              <a:defRPr sz="1100">
+                <a:solidFill>
+                  <a:srgbClr val="323232"/>
+                </a:solidFill>
+              </a:defRPr>
+            </a:pPr>
+          </a:p>
+          <a:p>
+            <a:pPr>
+              <a:spcAft>
+                <a:spcPts val="400"/>
+              </a:spcAft>
+              <a:defRPr sz="1100">
+                <a:solidFill>
+                  <a:srgbClr val="323232"/>
+                </a:solidFill>
+              </a:defRPr>
+            </a:pPr>
+            <a:r>
+              <a:t>RUNWAY: 18 months to Series A metrics</a:t>
+            </a:r>
+          </a:p>
+        </p:txBody>
+      </p:sp>
+    </p:spTree>
+  </p:cSld>
+  <p:clrMapOvr>
+    <a:masterClrMapping/>
+  </p:clrMapOvr>
+</p:sld>
+</file>
+
+<file path=ppt/slides/slide23.xml><?xml version="1.0" encoding="utf-8"?>
 <p:sld xmlns:a="http://schemas.openxmlformats.org/drawingml/2006/main" xmlns:p="http://schemas.openxmlformats.org/presentationml/2006/main" xmlns:r="http://schemas.openxmlformats.org/officeDocument/2006/relationships">
   <p:cSld>
     <p:spTree>

--- a/pitch/MOTRA-Business-Plan.pptx
+++ b/pitch/MOTRA-Business-Plan.pptx
@@ -28,6 +28,7 @@
     <p:sldId id="276" r:id="rId27"/>
     <p:sldId id="277" r:id="rId28"/>
     <p:sldId id="278" r:id="rId29"/>
+    <p:sldId id="279" r:id="rId30"/>
   </p:sldIdLst>
   <p:sldSz cx="9144000" cy="5143500" type="screen4x3"/>
   <p:notesSz cx="6858000" cy="9144000"/>
@@ -8499,6 +8500,2120 @@
             <a:br/>
             <a:r>
               <a:t>tidytails.github.io/motra-landing</a:t>
+            </a:r>
+          </a:p>
+        </p:txBody>
+      </p:sp>
+    </p:spTree>
+  </p:cSld>
+  <p:clrMapOvr>
+    <a:masterClrMapping/>
+  </p:clrMapOvr>
+</p:sld>
+</file>
+
+<file path=ppt/slides/slide24.xml><?xml version="1.0" encoding="utf-8"?>
+<p:sld xmlns:a="http://schemas.openxmlformats.org/drawingml/2006/main" xmlns:p="http://schemas.openxmlformats.org/presentationml/2006/main" xmlns:r="http://schemas.openxmlformats.org/officeDocument/2006/relationships">
+  <p:cSld>
+    <p:spTree>
+      <p:nvGrpSpPr>
+        <p:cNvPr id="1" name=""/>
+        <p:cNvGrpSpPr/>
+        <p:nvPr/>
+      </p:nvGrpSpPr>
+      <p:grpSpPr/>
+      <p:sp>
+        <p:nvSpPr>
+          <p:cNvPr id="2" name="Rectangle 1"/>
+          <p:cNvSpPr/>
+          <p:nvPr/>
+        </p:nvSpPr>
+        <p:spPr>
+          <a:xfrm>
+            <a:off x="0" y="0"/>
+            <a:ext cx="9144000" cy="457200"/>
+          </a:xfrm>
+          <a:prstGeom prst="rect">
+            <a:avLst/>
+          </a:prstGeom>
+          <a:solidFill>
+            <a:srgbClr val="003366"/>
+          </a:solidFill>
+          <a:ln>
+            <a:noFill/>
+          </a:ln>
+        </p:spPr>
+        <p:style>
+          <a:lnRef idx="1">
+            <a:schemeClr val="accent1"/>
+          </a:lnRef>
+          <a:fillRef idx="3">
+            <a:schemeClr val="accent1"/>
+          </a:fillRef>
+          <a:effectRef idx="2">
+            <a:schemeClr val="accent1"/>
+          </a:effectRef>
+          <a:fontRef idx="minor">
+            <a:schemeClr val="lt1"/>
+          </a:fontRef>
+        </p:style>
+        <p:txBody>
+          <a:bodyPr rtlCol="0" anchor="ctr"/>
+          <a:lstStyle/>
+          <a:p>
+            <a:pPr algn="ctr"/>
+          </a:p>
+        </p:txBody>
+      </p:sp>
+      <p:sp>
+        <p:nvSpPr>
+          <p:cNvPr id="3" name="TextBox 2"/>
+          <p:cNvSpPr txBox="1"/>
+          <p:nvPr/>
+        </p:nvSpPr>
+        <p:spPr>
+          <a:xfrm>
+            <a:off x="137160" y="91440"/>
+            <a:ext cx="365760" cy="274320"/>
+          </a:xfrm>
+          <a:prstGeom prst="rect">
+            <a:avLst/>
+          </a:prstGeom>
+          <a:noFill/>
+        </p:spPr>
+        <p:txBody>
+          <a:bodyPr wrap="none">
+            <a:spAutoFit/>
+          </a:bodyPr>
+          <a:lstStyle/>
+          <a:p>
+            <a:pPr>
+              <a:defRPr sz="1200" b="1">
+                <a:solidFill>
+                  <a:srgbClr val="FFFFFF"/>
+                </a:solidFill>
+              </a:defRPr>
+            </a:pPr>
+            <a:r>
+              <a:t>11</a:t>
+            </a:r>
+          </a:p>
+        </p:txBody>
+      </p:sp>
+      <p:sp>
+        <p:nvSpPr>
+          <p:cNvPr id="4" name="TextBox 3"/>
+          <p:cNvSpPr txBox="1"/>
+          <p:nvPr/>
+        </p:nvSpPr>
+        <p:spPr>
+          <a:xfrm>
+            <a:off x="457200" y="91440"/>
+            <a:ext cx="7315200" cy="274320"/>
+          </a:xfrm>
+          <a:prstGeom prst="rect">
+            <a:avLst/>
+          </a:prstGeom>
+          <a:noFill/>
+        </p:spPr>
+        <p:txBody>
+          <a:bodyPr wrap="none">
+            <a:spAutoFit/>
+          </a:bodyPr>
+          <a:lstStyle/>
+          <a:p>
+            <a:pPr>
+              <a:defRPr sz="1800" b="1">
+                <a:solidFill>
+                  <a:srgbClr val="FFFFFF"/>
+                </a:solidFill>
+              </a:defRPr>
+            </a:pPr>
+            <a:r>
+              <a:t>BUSINESS MODEL CANVAS</a:t>
+            </a:r>
+          </a:p>
+        </p:txBody>
+      </p:sp>
+      <p:sp>
+        <p:nvSpPr>
+          <p:cNvPr id="5" name="Rounded Rectangle 4"/>
+          <p:cNvSpPr/>
+          <p:nvPr/>
+        </p:nvSpPr>
+        <p:spPr>
+          <a:xfrm>
+            <a:off x="137160" y="502920"/>
+            <a:ext cx="1719072" cy="2788920"/>
+          </a:xfrm>
+          <a:prstGeom prst="roundRect">
+            <a:avLst/>
+          </a:prstGeom>
+          <a:solidFill>
+            <a:srgbClr val="E8E4F0"/>
+          </a:solidFill>
+          <a:ln w="6350">
+            <a:solidFill>
+              <a:srgbClr val="C8C8C8"/>
+            </a:solidFill>
+          </a:ln>
+        </p:spPr>
+        <p:style>
+          <a:lnRef idx="1">
+            <a:schemeClr val="accent1"/>
+          </a:lnRef>
+          <a:fillRef idx="3">
+            <a:schemeClr val="accent1"/>
+          </a:fillRef>
+          <a:effectRef idx="2">
+            <a:schemeClr val="accent1"/>
+          </a:effectRef>
+          <a:fontRef idx="minor">
+            <a:schemeClr val="lt1"/>
+          </a:fontRef>
+        </p:style>
+        <p:txBody>
+          <a:bodyPr rtlCol="0" anchor="ctr"/>
+          <a:lstStyle/>
+          <a:p>
+            <a:pPr algn="ctr"/>
+          </a:p>
+        </p:txBody>
+      </p:sp>
+      <p:sp>
+        <p:nvSpPr>
+          <p:cNvPr id="6" name="TextBox 5"/>
+          <p:cNvSpPr txBox="1"/>
+          <p:nvPr/>
+        </p:nvSpPr>
+        <p:spPr>
+          <a:xfrm>
+            <a:off x="210312" y="548640"/>
+            <a:ext cx="1581912" cy="228600"/>
+          </a:xfrm>
+          <a:prstGeom prst="rect">
+            <a:avLst/>
+          </a:prstGeom>
+          <a:noFill/>
+        </p:spPr>
+        <p:txBody>
+          <a:bodyPr wrap="square">
+            <a:spAutoFit/>
+          </a:bodyPr>
+          <a:lstStyle/>
+          <a:p>
+            <a:pPr>
+              <a:defRPr sz="800" b="1">
+                <a:solidFill>
+                  <a:srgbClr val="003366"/>
+                </a:solidFill>
+              </a:defRPr>
+            </a:pPr>
+            <a:r>
+              <a:t>KEY PARTNERS</a:t>
+            </a:r>
+          </a:p>
+        </p:txBody>
+      </p:sp>
+      <p:sp>
+        <p:nvSpPr>
+          <p:cNvPr id="7" name="TextBox 6"/>
+          <p:cNvSpPr txBox="1"/>
+          <p:nvPr/>
+        </p:nvSpPr>
+        <p:spPr>
+          <a:xfrm>
+            <a:off x="210312" y="758952"/>
+            <a:ext cx="1581912" cy="2468880"/>
+          </a:xfrm>
+          <a:prstGeom prst="rect">
+            <a:avLst/>
+          </a:prstGeom>
+          <a:noFill/>
+        </p:spPr>
+        <p:txBody>
+          <a:bodyPr wrap="square">
+            <a:spAutoFit/>
+          </a:bodyPr>
+          <a:lstStyle/>
+          <a:p>
+            <a:pPr>
+              <a:spcAft>
+                <a:spcPts val="100"/>
+              </a:spcAft>
+              <a:defRPr sz="600">
+                <a:solidFill>
+                  <a:srgbClr val="323232"/>
+                </a:solidFill>
+              </a:defRPr>
+            </a:pPr>
+            <a:r>
+              <a:t>AV Ecosystem:</a:t>
+            </a:r>
+          </a:p>
+          <a:p>
+            <a:pPr>
+              <a:spcAft>
+                <a:spcPts val="100"/>
+              </a:spcAft>
+              <a:defRPr sz="600">
+                <a:solidFill>
+                  <a:srgbClr val="323232"/>
+                </a:solidFill>
+              </a:defRPr>
+            </a:pPr>
+            <a:r>
+              <a:t>• Waymo, Cruise, Zoox, Tesla</a:t>
+            </a:r>
+          </a:p>
+          <a:p>
+            <a:pPr>
+              <a:spcAft>
+                <a:spcPts val="100"/>
+              </a:spcAft>
+              <a:defRPr sz="600">
+                <a:solidFill>
+                  <a:srgbClr val="323232"/>
+                </a:solidFill>
+              </a:defRPr>
+            </a:pPr>
+            <a:r>
+              <a:t>• Fleet mgmt software</a:t>
+            </a:r>
+          </a:p>
+          <a:p>
+            <a:pPr>
+              <a:spcAft>
+                <a:spcPts val="100"/>
+              </a:spcAft>
+              <a:defRPr sz="600">
+                <a:solidFill>
+                  <a:srgbClr val="323232"/>
+                </a:solidFill>
+              </a:defRPr>
+            </a:pPr>
+          </a:p>
+          <a:p>
+            <a:pPr>
+              <a:spcAft>
+                <a:spcPts val="100"/>
+              </a:spcAft>
+              <a:defRPr sz="600">
+                <a:solidFill>
+                  <a:srgbClr val="323232"/>
+                </a:solidFill>
+              </a:defRPr>
+            </a:pPr>
+            <a:r>
+              <a:t>Gig Economy:</a:t>
+            </a:r>
+          </a:p>
+          <a:p>
+            <a:pPr>
+              <a:spcAft>
+                <a:spcPts val="100"/>
+              </a:spcAft>
+              <a:defRPr sz="600">
+                <a:solidFill>
+                  <a:srgbClr val="323232"/>
+                </a:solidFill>
+              </a:defRPr>
+            </a:pPr>
+            <a:r>
+              <a:t>• Existing gig platforms</a:t>
+            </a:r>
+          </a:p>
+          <a:p>
+            <a:pPr>
+              <a:spcAft>
+                <a:spcPts val="100"/>
+              </a:spcAft>
+              <a:defRPr sz="600">
+                <a:solidFill>
+                  <a:srgbClr val="323232"/>
+                </a:solidFill>
+              </a:defRPr>
+            </a:pPr>
+            <a:r>
+              <a:t>• Training providers</a:t>
+            </a:r>
+          </a:p>
+          <a:p>
+            <a:pPr>
+              <a:spcAft>
+                <a:spcPts val="100"/>
+              </a:spcAft>
+              <a:defRPr sz="600">
+                <a:solidFill>
+                  <a:srgbClr val="323232"/>
+                </a:solidFill>
+              </a:defRPr>
+            </a:pPr>
+            <a:r>
+              <a:t>• Equipment suppliers</a:t>
+            </a:r>
+          </a:p>
+          <a:p>
+            <a:pPr>
+              <a:spcAft>
+                <a:spcPts val="100"/>
+              </a:spcAft>
+              <a:defRPr sz="600">
+                <a:solidFill>
+                  <a:srgbClr val="323232"/>
+                </a:solidFill>
+              </a:defRPr>
+            </a:pPr>
+          </a:p>
+          <a:p>
+            <a:pPr>
+              <a:spcAft>
+                <a:spcPts val="100"/>
+              </a:spcAft>
+              <a:defRPr sz="600">
+                <a:solidFill>
+                  <a:srgbClr val="323232"/>
+                </a:solidFill>
+              </a:defRPr>
+            </a:pPr>
+            <a:r>
+              <a:t>Supporting:</a:t>
+            </a:r>
+          </a:p>
+          <a:p>
+            <a:pPr>
+              <a:spcAft>
+                <a:spcPts val="100"/>
+              </a:spcAft>
+              <a:defRPr sz="600">
+                <a:solidFill>
+                  <a:srgbClr val="323232"/>
+                </a:solidFill>
+              </a:defRPr>
+            </a:pPr>
+            <a:r>
+              <a:t>• Insurance providers</a:t>
+            </a:r>
+          </a:p>
+          <a:p>
+            <a:pPr>
+              <a:spcAft>
+                <a:spcPts val="100"/>
+              </a:spcAft>
+              <a:defRPr sz="600">
+                <a:solidFill>
+                  <a:srgbClr val="323232"/>
+                </a:solidFill>
+              </a:defRPr>
+            </a:pPr>
+            <a:r>
+              <a:t>• Background checks</a:t>
+            </a:r>
+          </a:p>
+          <a:p>
+            <a:pPr>
+              <a:spcAft>
+                <a:spcPts val="100"/>
+              </a:spcAft>
+              <a:defRPr sz="600">
+                <a:solidFill>
+                  <a:srgbClr val="323232"/>
+                </a:solidFill>
+              </a:defRPr>
+            </a:pPr>
+            <a:r>
+              <a:t>• Payment processing</a:t>
+            </a:r>
+          </a:p>
+        </p:txBody>
+      </p:sp>
+      <p:sp>
+        <p:nvSpPr>
+          <p:cNvPr id="8" name="Rounded Rectangle 7"/>
+          <p:cNvSpPr/>
+          <p:nvPr/>
+        </p:nvSpPr>
+        <p:spPr>
+          <a:xfrm>
+            <a:off x="1901952" y="502920"/>
+            <a:ext cx="1719072" cy="1371600"/>
+          </a:xfrm>
+          <a:prstGeom prst="roundRect">
+            <a:avLst/>
+          </a:prstGeom>
+          <a:solidFill>
+            <a:srgbClr val="E8E4F0"/>
+          </a:solidFill>
+          <a:ln w="6350">
+            <a:solidFill>
+              <a:srgbClr val="C8C8C8"/>
+            </a:solidFill>
+          </a:ln>
+        </p:spPr>
+        <p:style>
+          <a:lnRef idx="1">
+            <a:schemeClr val="accent1"/>
+          </a:lnRef>
+          <a:fillRef idx="3">
+            <a:schemeClr val="accent1"/>
+          </a:fillRef>
+          <a:effectRef idx="2">
+            <a:schemeClr val="accent1"/>
+          </a:effectRef>
+          <a:fontRef idx="minor">
+            <a:schemeClr val="lt1"/>
+          </a:fontRef>
+        </p:style>
+        <p:txBody>
+          <a:bodyPr rtlCol="0" anchor="ctr"/>
+          <a:lstStyle/>
+          <a:p>
+            <a:pPr algn="ctr"/>
+          </a:p>
+        </p:txBody>
+      </p:sp>
+      <p:sp>
+        <p:nvSpPr>
+          <p:cNvPr id="9" name="TextBox 8"/>
+          <p:cNvSpPr txBox="1"/>
+          <p:nvPr/>
+        </p:nvSpPr>
+        <p:spPr>
+          <a:xfrm>
+            <a:off x="1975104" y="548640"/>
+            <a:ext cx="1581912" cy="228600"/>
+          </a:xfrm>
+          <a:prstGeom prst="rect">
+            <a:avLst/>
+          </a:prstGeom>
+          <a:noFill/>
+        </p:spPr>
+        <p:txBody>
+          <a:bodyPr wrap="square">
+            <a:spAutoFit/>
+          </a:bodyPr>
+          <a:lstStyle/>
+          <a:p>
+            <a:pPr>
+              <a:defRPr sz="800" b="1">
+                <a:solidFill>
+                  <a:srgbClr val="003366"/>
+                </a:solidFill>
+              </a:defRPr>
+            </a:pPr>
+            <a:r>
+              <a:t>KEY ACTIVITIES</a:t>
+            </a:r>
+          </a:p>
+        </p:txBody>
+      </p:sp>
+      <p:sp>
+        <p:nvSpPr>
+          <p:cNvPr id="10" name="TextBox 9"/>
+          <p:cNvSpPr txBox="1"/>
+          <p:nvPr/>
+        </p:nvSpPr>
+        <p:spPr>
+          <a:xfrm>
+            <a:off x="1975104" y="758952"/>
+            <a:ext cx="1581912" cy="1051560"/>
+          </a:xfrm>
+          <a:prstGeom prst="rect">
+            <a:avLst/>
+          </a:prstGeom>
+          <a:noFill/>
+        </p:spPr>
+        <p:txBody>
+          <a:bodyPr wrap="square">
+            <a:spAutoFit/>
+          </a:bodyPr>
+          <a:lstStyle/>
+          <a:p>
+            <a:pPr>
+              <a:spcAft>
+                <a:spcPts val="100"/>
+              </a:spcAft>
+              <a:defRPr sz="600">
+                <a:solidFill>
+                  <a:srgbClr val="323232"/>
+                </a:solidFill>
+              </a:defRPr>
+            </a:pPr>
+            <a:r>
+              <a:t>• Platform development</a:t>
+            </a:r>
+          </a:p>
+          <a:p>
+            <a:pPr>
+              <a:spcAft>
+                <a:spcPts val="100"/>
+              </a:spcAft>
+              <a:defRPr sz="600">
+                <a:solidFill>
+                  <a:srgbClr val="323232"/>
+                </a:solidFill>
+              </a:defRPr>
+            </a:pPr>
+            <a:r>
+              <a:t>• Tech recruitment</a:t>
+            </a:r>
+          </a:p>
+          <a:p>
+            <a:pPr>
+              <a:spcAft>
+                <a:spcPts val="100"/>
+              </a:spcAft>
+              <a:defRPr sz="600">
+                <a:solidFill>
+                  <a:srgbClr val="323232"/>
+                </a:solidFill>
+              </a:defRPr>
+            </a:pPr>
+            <a:r>
+              <a:t>• AV-specific training</a:t>
+            </a:r>
+          </a:p>
+          <a:p>
+            <a:pPr>
+              <a:spcAft>
+                <a:spcPts val="100"/>
+              </a:spcAft>
+              <a:defRPr sz="600">
+                <a:solidFill>
+                  <a:srgbClr val="323232"/>
+                </a:solidFill>
+              </a:defRPr>
+            </a:pPr>
+            <a:r>
+              <a:t>• Quality assurance</a:t>
+            </a:r>
+          </a:p>
+          <a:p>
+            <a:pPr>
+              <a:spcAft>
+                <a:spcPts val="100"/>
+              </a:spcAft>
+              <a:defRPr sz="600">
+                <a:solidFill>
+                  <a:srgbClr val="323232"/>
+                </a:solidFill>
+              </a:defRPr>
+            </a:pPr>
+            <a:r>
+              <a:t>• Enterprise sales</a:t>
+            </a:r>
+          </a:p>
+        </p:txBody>
+      </p:sp>
+      <p:sp>
+        <p:nvSpPr>
+          <p:cNvPr id="11" name="Rounded Rectangle 10"/>
+          <p:cNvSpPr/>
+          <p:nvPr/>
+        </p:nvSpPr>
+        <p:spPr>
+          <a:xfrm>
+            <a:off x="1901952" y="1920240"/>
+            <a:ext cx="1719072" cy="1371600"/>
+          </a:xfrm>
+          <a:prstGeom prst="roundRect">
+            <a:avLst/>
+          </a:prstGeom>
+          <a:solidFill>
+            <a:srgbClr val="E8E4F0"/>
+          </a:solidFill>
+          <a:ln w="6350">
+            <a:solidFill>
+              <a:srgbClr val="C8C8C8"/>
+            </a:solidFill>
+          </a:ln>
+        </p:spPr>
+        <p:style>
+          <a:lnRef idx="1">
+            <a:schemeClr val="accent1"/>
+          </a:lnRef>
+          <a:fillRef idx="3">
+            <a:schemeClr val="accent1"/>
+          </a:fillRef>
+          <a:effectRef idx="2">
+            <a:schemeClr val="accent1"/>
+          </a:effectRef>
+          <a:fontRef idx="minor">
+            <a:schemeClr val="lt1"/>
+          </a:fontRef>
+        </p:style>
+        <p:txBody>
+          <a:bodyPr rtlCol="0" anchor="ctr"/>
+          <a:lstStyle/>
+          <a:p>
+            <a:pPr algn="ctr"/>
+          </a:p>
+        </p:txBody>
+      </p:sp>
+      <p:sp>
+        <p:nvSpPr>
+          <p:cNvPr id="12" name="TextBox 11"/>
+          <p:cNvSpPr txBox="1"/>
+          <p:nvPr/>
+        </p:nvSpPr>
+        <p:spPr>
+          <a:xfrm>
+            <a:off x="1975104" y="1965960"/>
+            <a:ext cx="1581912" cy="228600"/>
+          </a:xfrm>
+          <a:prstGeom prst="rect">
+            <a:avLst/>
+          </a:prstGeom>
+          <a:noFill/>
+        </p:spPr>
+        <p:txBody>
+          <a:bodyPr wrap="square">
+            <a:spAutoFit/>
+          </a:bodyPr>
+          <a:lstStyle/>
+          <a:p>
+            <a:pPr>
+              <a:defRPr sz="800" b="1">
+                <a:solidFill>
+                  <a:srgbClr val="003366"/>
+                </a:solidFill>
+              </a:defRPr>
+            </a:pPr>
+            <a:r>
+              <a:t>KEY RESOURCES</a:t>
+            </a:r>
+          </a:p>
+        </p:txBody>
+      </p:sp>
+      <p:sp>
+        <p:nvSpPr>
+          <p:cNvPr id="13" name="TextBox 12"/>
+          <p:cNvSpPr txBox="1"/>
+          <p:nvPr/>
+        </p:nvSpPr>
+        <p:spPr>
+          <a:xfrm>
+            <a:off x="1975104" y="2176272"/>
+            <a:ext cx="1581912" cy="1051560"/>
+          </a:xfrm>
+          <a:prstGeom prst="rect">
+            <a:avLst/>
+          </a:prstGeom>
+          <a:noFill/>
+        </p:spPr>
+        <p:txBody>
+          <a:bodyPr wrap="square">
+            <a:spAutoFit/>
+          </a:bodyPr>
+          <a:lstStyle/>
+          <a:p>
+            <a:pPr>
+              <a:spcAft>
+                <a:spcPts val="100"/>
+              </a:spcAft>
+              <a:defRPr sz="600">
+                <a:solidFill>
+                  <a:srgbClr val="323232"/>
+                </a:solidFill>
+              </a:defRPr>
+            </a:pPr>
+            <a:r>
+              <a:t>Technology:</a:t>
+            </a:r>
+          </a:p>
+          <a:p>
+            <a:pPr>
+              <a:spcAft>
+                <a:spcPts val="100"/>
+              </a:spcAft>
+              <a:defRPr sz="600">
+                <a:solidFill>
+                  <a:srgbClr val="323232"/>
+                </a:solidFill>
+              </a:defRPr>
+            </a:pPr>
+            <a:r>
+              <a:t>• Dispatch platform</a:t>
+            </a:r>
+          </a:p>
+          <a:p>
+            <a:pPr>
+              <a:spcAft>
+                <a:spcPts val="100"/>
+              </a:spcAft>
+              <a:defRPr sz="600">
+                <a:solidFill>
+                  <a:srgbClr val="323232"/>
+                </a:solidFill>
+              </a:defRPr>
+            </a:pPr>
+            <a:r>
+              <a:t>• Fleet dashboard</a:t>
+            </a:r>
+          </a:p>
+          <a:p>
+            <a:pPr>
+              <a:spcAft>
+                <a:spcPts val="100"/>
+              </a:spcAft>
+              <a:defRPr sz="600">
+                <a:solidFill>
+                  <a:srgbClr val="323232"/>
+                </a:solidFill>
+              </a:defRPr>
+            </a:pPr>
+            <a:r>
+              <a:t>• Technician app</a:t>
+            </a:r>
+          </a:p>
+          <a:p>
+            <a:pPr>
+              <a:spcAft>
+                <a:spcPts val="100"/>
+              </a:spcAft>
+              <a:defRPr sz="600">
+                <a:solidFill>
+                  <a:srgbClr val="323232"/>
+                </a:solidFill>
+              </a:defRPr>
+            </a:pPr>
+          </a:p>
+          <a:p>
+            <a:pPr>
+              <a:spcAft>
+                <a:spcPts val="100"/>
+              </a:spcAft>
+              <a:defRPr sz="600">
+                <a:solidFill>
+                  <a:srgbClr val="323232"/>
+                </a:solidFill>
+              </a:defRPr>
+            </a:pPr>
+            <a:r>
+              <a:t>Human:</a:t>
+            </a:r>
+          </a:p>
+          <a:p>
+            <a:pPr>
+              <a:spcAft>
+                <a:spcPts val="100"/>
+              </a:spcAft>
+              <a:defRPr sz="600">
+                <a:solidFill>
+                  <a:srgbClr val="323232"/>
+                </a:solidFill>
+              </a:defRPr>
+            </a:pPr>
+            <a:r>
+              <a:t>• Engineering team</a:t>
+            </a:r>
+          </a:p>
+          <a:p>
+            <a:pPr>
+              <a:spcAft>
+                <a:spcPts val="100"/>
+              </a:spcAft>
+              <a:defRPr sz="600">
+                <a:solidFill>
+                  <a:srgbClr val="323232"/>
+                </a:solidFill>
+              </a:defRPr>
+            </a:pPr>
+            <a:r>
+              <a:t>• Trained tech network</a:t>
+            </a:r>
+          </a:p>
+        </p:txBody>
+      </p:sp>
+      <p:sp>
+        <p:nvSpPr>
+          <p:cNvPr id="14" name="Rounded Rectangle 13"/>
+          <p:cNvSpPr/>
+          <p:nvPr/>
+        </p:nvSpPr>
+        <p:spPr>
+          <a:xfrm>
+            <a:off x="3666744" y="502920"/>
+            <a:ext cx="1719072" cy="2788920"/>
+          </a:xfrm>
+          <a:prstGeom prst="roundRect">
+            <a:avLst/>
+          </a:prstGeom>
+          <a:solidFill>
+            <a:srgbClr val="FCE4D6"/>
+          </a:solidFill>
+          <a:ln w="6350">
+            <a:solidFill>
+              <a:srgbClr val="C8C8C8"/>
+            </a:solidFill>
+          </a:ln>
+        </p:spPr>
+        <p:style>
+          <a:lnRef idx="1">
+            <a:schemeClr val="accent1"/>
+          </a:lnRef>
+          <a:fillRef idx="3">
+            <a:schemeClr val="accent1"/>
+          </a:fillRef>
+          <a:effectRef idx="2">
+            <a:schemeClr val="accent1"/>
+          </a:effectRef>
+          <a:fontRef idx="minor">
+            <a:schemeClr val="lt1"/>
+          </a:fontRef>
+        </p:style>
+        <p:txBody>
+          <a:bodyPr rtlCol="0" anchor="ctr"/>
+          <a:lstStyle/>
+          <a:p>
+            <a:pPr algn="ctr"/>
+          </a:p>
+        </p:txBody>
+      </p:sp>
+      <p:sp>
+        <p:nvSpPr>
+          <p:cNvPr id="15" name="TextBox 14"/>
+          <p:cNvSpPr txBox="1"/>
+          <p:nvPr/>
+        </p:nvSpPr>
+        <p:spPr>
+          <a:xfrm>
+            <a:off x="3739896" y="548640"/>
+            <a:ext cx="1581912" cy="228600"/>
+          </a:xfrm>
+          <a:prstGeom prst="rect">
+            <a:avLst/>
+          </a:prstGeom>
+          <a:noFill/>
+        </p:spPr>
+        <p:txBody>
+          <a:bodyPr wrap="square">
+            <a:spAutoFit/>
+          </a:bodyPr>
+          <a:lstStyle/>
+          <a:p>
+            <a:pPr>
+              <a:defRPr sz="800" b="1">
+                <a:solidFill>
+                  <a:srgbClr val="003366"/>
+                </a:solidFill>
+              </a:defRPr>
+            </a:pPr>
+            <a:r>
+              <a:t>VALUE PROPOSITIONS</a:t>
+            </a:r>
+          </a:p>
+        </p:txBody>
+      </p:sp>
+      <p:sp>
+        <p:nvSpPr>
+          <p:cNvPr id="16" name="TextBox 15"/>
+          <p:cNvSpPr txBox="1"/>
+          <p:nvPr/>
+        </p:nvSpPr>
+        <p:spPr>
+          <a:xfrm>
+            <a:off x="3739896" y="758952"/>
+            <a:ext cx="1581912" cy="2468880"/>
+          </a:xfrm>
+          <a:prstGeom prst="rect">
+            <a:avLst/>
+          </a:prstGeom>
+          <a:noFill/>
+        </p:spPr>
+        <p:txBody>
+          <a:bodyPr wrap="square">
+            <a:spAutoFit/>
+          </a:bodyPr>
+          <a:lstStyle/>
+          <a:p>
+            <a:pPr>
+              <a:spcAft>
+                <a:spcPts val="100"/>
+              </a:spcAft>
+              <a:defRPr sz="600">
+                <a:solidFill>
+                  <a:srgbClr val="323232"/>
+                </a:solidFill>
+              </a:defRPr>
+            </a:pPr>
+            <a:r>
+              <a:t>For Fleet Operators:</a:t>
+            </a:r>
+          </a:p>
+          <a:p>
+            <a:pPr>
+              <a:spcAft>
+                <a:spcPts val="100"/>
+              </a:spcAft>
+              <a:defRPr sz="600">
+                <a:solidFill>
+                  <a:srgbClr val="323232"/>
+                </a:solidFill>
+              </a:defRPr>
+            </a:pPr>
+            <a:r>
+              <a:t>• Reduce downtime</a:t>
+            </a:r>
+          </a:p>
+          <a:p>
+            <a:pPr>
+              <a:spcAft>
+                <a:spcPts val="100"/>
+              </a:spcAft>
+              <a:defRPr sz="600">
+                <a:solidFill>
+                  <a:srgbClr val="323232"/>
+                </a:solidFill>
+              </a:defRPr>
+            </a:pPr>
+            <a:r>
+              <a:t>• Variable cost model</a:t>
+            </a:r>
+          </a:p>
+          <a:p>
+            <a:pPr>
+              <a:spcAft>
+                <a:spcPts val="100"/>
+              </a:spcAft>
+              <a:defRPr sz="600">
+                <a:solidFill>
+                  <a:srgbClr val="323232"/>
+                </a:solidFill>
+              </a:defRPr>
+            </a:pPr>
+            <a:r>
+              <a:t>• Scale instantly</a:t>
+            </a:r>
+          </a:p>
+          <a:p>
+            <a:pPr>
+              <a:spcAft>
+                <a:spcPts val="100"/>
+              </a:spcAft>
+              <a:defRPr sz="600">
+                <a:solidFill>
+                  <a:srgbClr val="323232"/>
+                </a:solidFill>
+              </a:defRPr>
+            </a:pPr>
+            <a:r>
+              <a:t>• 24/7 availability</a:t>
+            </a:r>
+          </a:p>
+          <a:p>
+            <a:pPr>
+              <a:spcAft>
+                <a:spcPts val="100"/>
+              </a:spcAft>
+              <a:defRPr sz="600">
+                <a:solidFill>
+                  <a:srgbClr val="323232"/>
+                </a:solidFill>
+              </a:defRPr>
+            </a:pPr>
+            <a:r>
+              <a:t>• API integration</a:t>
+            </a:r>
+          </a:p>
+          <a:p>
+            <a:pPr>
+              <a:spcAft>
+                <a:spcPts val="100"/>
+              </a:spcAft>
+              <a:defRPr sz="600">
+                <a:solidFill>
+                  <a:srgbClr val="323232"/>
+                </a:solidFill>
+              </a:defRPr>
+            </a:pPr>
+          </a:p>
+          <a:p>
+            <a:pPr>
+              <a:spcAft>
+                <a:spcPts val="100"/>
+              </a:spcAft>
+              <a:defRPr sz="600">
+                <a:solidFill>
+                  <a:srgbClr val="323232"/>
+                </a:solidFill>
+              </a:defRPr>
+            </a:pPr>
+            <a:r>
+              <a:t>vs. In-House:</a:t>
+            </a:r>
+          </a:p>
+          <a:p>
+            <a:pPr>
+              <a:spcAft>
+                <a:spcPts val="100"/>
+              </a:spcAft>
+              <a:defRPr sz="600">
+                <a:solidFill>
+                  <a:srgbClr val="323232"/>
+                </a:solidFill>
+              </a:defRPr>
+            </a:pPr>
+            <a:r>
+              <a:t>• 50% cost reduction</a:t>
+            </a:r>
+          </a:p>
+          <a:p>
+            <a:pPr>
+              <a:spcAft>
+                <a:spcPts val="100"/>
+              </a:spcAft>
+              <a:defRPr sz="600">
+                <a:solidFill>
+                  <a:srgbClr val="323232"/>
+                </a:solidFill>
+              </a:defRPr>
+            </a:pPr>
+            <a:r>
+              <a:t>• 30% more uptime</a:t>
+            </a:r>
+          </a:p>
+          <a:p>
+            <a:pPr>
+              <a:spcAft>
+                <a:spcPts val="100"/>
+              </a:spcAft>
+              <a:defRPr sz="600">
+                <a:solidFill>
+                  <a:srgbClr val="323232"/>
+                </a:solidFill>
+              </a:defRPr>
+            </a:pPr>
+          </a:p>
+          <a:p>
+            <a:pPr>
+              <a:spcAft>
+                <a:spcPts val="100"/>
+              </a:spcAft>
+              <a:defRPr sz="600">
+                <a:solidFill>
+                  <a:srgbClr val="323232"/>
+                </a:solidFill>
+              </a:defRPr>
+            </a:pPr>
+            <a:r>
+              <a:t>For Technicians:</a:t>
+            </a:r>
+          </a:p>
+          <a:p>
+            <a:pPr>
+              <a:spcAft>
+                <a:spcPts val="100"/>
+              </a:spcAft>
+              <a:defRPr sz="600">
+                <a:solidFill>
+                  <a:srgbClr val="323232"/>
+                </a:solidFill>
+              </a:defRPr>
+            </a:pPr>
+            <a:r>
+              <a:t>• Flexible gig work</a:t>
+            </a:r>
+          </a:p>
+          <a:p>
+            <a:pPr>
+              <a:spcAft>
+                <a:spcPts val="100"/>
+              </a:spcAft>
+              <a:defRPr sz="600">
+                <a:solidFill>
+                  <a:srgbClr val="323232"/>
+                </a:solidFill>
+              </a:defRPr>
+            </a:pPr>
+            <a:r>
+              <a:t>• $15-20/hour</a:t>
+            </a:r>
+          </a:p>
+        </p:txBody>
+      </p:sp>
+      <p:sp>
+        <p:nvSpPr>
+          <p:cNvPr id="17" name="Rounded Rectangle 16"/>
+          <p:cNvSpPr/>
+          <p:nvPr/>
+        </p:nvSpPr>
+        <p:spPr>
+          <a:xfrm>
+            <a:off x="5431536" y="502920"/>
+            <a:ext cx="1719072" cy="1371600"/>
+          </a:xfrm>
+          <a:prstGeom prst="roundRect">
+            <a:avLst/>
+          </a:prstGeom>
+          <a:solidFill>
+            <a:srgbClr val="FFF9E6"/>
+          </a:solidFill>
+          <a:ln w="6350">
+            <a:solidFill>
+              <a:srgbClr val="C8C8C8"/>
+            </a:solidFill>
+          </a:ln>
+        </p:spPr>
+        <p:style>
+          <a:lnRef idx="1">
+            <a:schemeClr val="accent1"/>
+          </a:lnRef>
+          <a:fillRef idx="3">
+            <a:schemeClr val="accent1"/>
+          </a:fillRef>
+          <a:effectRef idx="2">
+            <a:schemeClr val="accent1"/>
+          </a:effectRef>
+          <a:fontRef idx="minor">
+            <a:schemeClr val="lt1"/>
+          </a:fontRef>
+        </p:style>
+        <p:txBody>
+          <a:bodyPr rtlCol="0" anchor="ctr"/>
+          <a:lstStyle/>
+          <a:p>
+            <a:pPr algn="ctr"/>
+          </a:p>
+        </p:txBody>
+      </p:sp>
+      <p:sp>
+        <p:nvSpPr>
+          <p:cNvPr id="18" name="TextBox 17"/>
+          <p:cNvSpPr txBox="1"/>
+          <p:nvPr/>
+        </p:nvSpPr>
+        <p:spPr>
+          <a:xfrm>
+            <a:off x="5504688" y="548640"/>
+            <a:ext cx="1581912" cy="228600"/>
+          </a:xfrm>
+          <a:prstGeom prst="rect">
+            <a:avLst/>
+          </a:prstGeom>
+          <a:noFill/>
+        </p:spPr>
+        <p:txBody>
+          <a:bodyPr wrap="square">
+            <a:spAutoFit/>
+          </a:bodyPr>
+          <a:lstStyle/>
+          <a:p>
+            <a:pPr>
+              <a:defRPr sz="800" b="1">
+                <a:solidFill>
+                  <a:srgbClr val="003366"/>
+                </a:solidFill>
+              </a:defRPr>
+            </a:pPr>
+            <a:r>
+              <a:t>CUSTOMER RELATIONSHIPS</a:t>
+            </a:r>
+          </a:p>
+        </p:txBody>
+      </p:sp>
+      <p:sp>
+        <p:nvSpPr>
+          <p:cNvPr id="19" name="TextBox 18"/>
+          <p:cNvSpPr txBox="1"/>
+          <p:nvPr/>
+        </p:nvSpPr>
+        <p:spPr>
+          <a:xfrm>
+            <a:off x="5504688" y="758952"/>
+            <a:ext cx="1581912" cy="1051560"/>
+          </a:xfrm>
+          <a:prstGeom prst="rect">
+            <a:avLst/>
+          </a:prstGeom>
+          <a:noFill/>
+        </p:spPr>
+        <p:txBody>
+          <a:bodyPr wrap="square">
+            <a:spAutoFit/>
+          </a:bodyPr>
+          <a:lstStyle/>
+          <a:p>
+            <a:pPr>
+              <a:spcAft>
+                <a:spcPts val="100"/>
+              </a:spcAft>
+              <a:defRPr sz="600">
+                <a:solidFill>
+                  <a:srgbClr val="323232"/>
+                </a:solidFill>
+              </a:defRPr>
+            </a:pPr>
+            <a:r>
+              <a:t>• Dedicated account mgrs</a:t>
+            </a:r>
+          </a:p>
+          <a:p>
+            <a:pPr>
+              <a:spcAft>
+                <a:spcPts val="100"/>
+              </a:spcAft>
+              <a:defRPr sz="600">
+                <a:solidFill>
+                  <a:srgbClr val="323232"/>
+                </a:solidFill>
+              </a:defRPr>
+            </a:pPr>
+            <a:r>
+              <a:t>• API integration support</a:t>
+            </a:r>
+          </a:p>
+          <a:p>
+            <a:pPr>
+              <a:spcAft>
+                <a:spcPts val="100"/>
+              </a:spcAft>
+              <a:defRPr sz="600">
+                <a:solidFill>
+                  <a:srgbClr val="323232"/>
+                </a:solidFill>
+              </a:defRPr>
+            </a:pPr>
+            <a:r>
+              <a:t>• Performance dashboards</a:t>
+            </a:r>
+          </a:p>
+          <a:p>
+            <a:pPr>
+              <a:spcAft>
+                <a:spcPts val="100"/>
+              </a:spcAft>
+              <a:defRPr sz="600">
+                <a:solidFill>
+                  <a:srgbClr val="323232"/>
+                </a:solidFill>
+              </a:defRPr>
+            </a:pPr>
+            <a:r>
+              <a:t>• SLA guarantees</a:t>
+            </a:r>
+          </a:p>
+          <a:p>
+            <a:pPr>
+              <a:spcAft>
+                <a:spcPts val="100"/>
+              </a:spcAft>
+              <a:defRPr sz="600">
+                <a:solidFill>
+                  <a:srgbClr val="323232"/>
+                </a:solidFill>
+              </a:defRPr>
+            </a:pPr>
+            <a:r>
+              <a:t>• 24/7 support</a:t>
+            </a:r>
+          </a:p>
+        </p:txBody>
+      </p:sp>
+      <p:sp>
+        <p:nvSpPr>
+          <p:cNvPr id="20" name="Rounded Rectangle 19"/>
+          <p:cNvSpPr/>
+          <p:nvPr/>
+        </p:nvSpPr>
+        <p:spPr>
+          <a:xfrm>
+            <a:off x="5431536" y="1920240"/>
+            <a:ext cx="1719072" cy="1371600"/>
+          </a:xfrm>
+          <a:prstGeom prst="roundRect">
+            <a:avLst/>
+          </a:prstGeom>
+          <a:solidFill>
+            <a:srgbClr val="FFF9E6"/>
+          </a:solidFill>
+          <a:ln w="6350">
+            <a:solidFill>
+              <a:srgbClr val="C8C8C8"/>
+            </a:solidFill>
+          </a:ln>
+        </p:spPr>
+        <p:style>
+          <a:lnRef idx="1">
+            <a:schemeClr val="accent1"/>
+          </a:lnRef>
+          <a:fillRef idx="3">
+            <a:schemeClr val="accent1"/>
+          </a:fillRef>
+          <a:effectRef idx="2">
+            <a:schemeClr val="accent1"/>
+          </a:effectRef>
+          <a:fontRef idx="minor">
+            <a:schemeClr val="lt1"/>
+          </a:fontRef>
+        </p:style>
+        <p:txBody>
+          <a:bodyPr rtlCol="0" anchor="ctr"/>
+          <a:lstStyle/>
+          <a:p>
+            <a:pPr algn="ctr"/>
+          </a:p>
+        </p:txBody>
+      </p:sp>
+      <p:sp>
+        <p:nvSpPr>
+          <p:cNvPr id="21" name="TextBox 20"/>
+          <p:cNvSpPr txBox="1"/>
+          <p:nvPr/>
+        </p:nvSpPr>
+        <p:spPr>
+          <a:xfrm>
+            <a:off x="5504688" y="1965960"/>
+            <a:ext cx="1581912" cy="228600"/>
+          </a:xfrm>
+          <a:prstGeom prst="rect">
+            <a:avLst/>
+          </a:prstGeom>
+          <a:noFill/>
+        </p:spPr>
+        <p:txBody>
+          <a:bodyPr wrap="square">
+            <a:spAutoFit/>
+          </a:bodyPr>
+          <a:lstStyle/>
+          <a:p>
+            <a:pPr>
+              <a:defRPr sz="800" b="1">
+                <a:solidFill>
+                  <a:srgbClr val="003366"/>
+                </a:solidFill>
+              </a:defRPr>
+            </a:pPr>
+            <a:r>
+              <a:t>CHANNELS</a:t>
+            </a:r>
+          </a:p>
+        </p:txBody>
+      </p:sp>
+      <p:sp>
+        <p:nvSpPr>
+          <p:cNvPr id="22" name="TextBox 21"/>
+          <p:cNvSpPr txBox="1"/>
+          <p:nvPr/>
+        </p:nvSpPr>
+        <p:spPr>
+          <a:xfrm>
+            <a:off x="5504688" y="2176272"/>
+            <a:ext cx="1581912" cy="1051560"/>
+          </a:xfrm>
+          <a:prstGeom prst="rect">
+            <a:avLst/>
+          </a:prstGeom>
+          <a:noFill/>
+        </p:spPr>
+        <p:txBody>
+          <a:bodyPr wrap="square">
+            <a:spAutoFit/>
+          </a:bodyPr>
+          <a:lstStyle/>
+          <a:p>
+            <a:pPr>
+              <a:spcAft>
+                <a:spcPts val="100"/>
+              </a:spcAft>
+              <a:defRPr sz="600">
+                <a:solidFill>
+                  <a:srgbClr val="323232"/>
+                </a:solidFill>
+              </a:defRPr>
+            </a:pPr>
+            <a:r>
+              <a:t>Acquisition:</a:t>
+            </a:r>
+          </a:p>
+          <a:p>
+            <a:pPr>
+              <a:spcAft>
+                <a:spcPts val="100"/>
+              </a:spcAft>
+              <a:defRPr sz="600">
+                <a:solidFill>
+                  <a:srgbClr val="323232"/>
+                </a:solidFill>
+              </a:defRPr>
+            </a:pPr>
+            <a:r>
+              <a:t>• Direct enterprise sales</a:t>
+            </a:r>
+          </a:p>
+          <a:p>
+            <a:pPr>
+              <a:spcAft>
+                <a:spcPts val="100"/>
+              </a:spcAft>
+              <a:defRPr sz="600">
+                <a:solidFill>
+                  <a:srgbClr val="323232"/>
+                </a:solidFill>
+              </a:defRPr>
+            </a:pPr>
+            <a:r>
+              <a:t>• Industry conferences</a:t>
+            </a:r>
+          </a:p>
+          <a:p>
+            <a:pPr>
+              <a:spcAft>
+                <a:spcPts val="100"/>
+              </a:spcAft>
+              <a:defRPr sz="600">
+                <a:solidFill>
+                  <a:srgbClr val="323232"/>
+                </a:solidFill>
+              </a:defRPr>
+            </a:pPr>
+          </a:p>
+          <a:p>
+            <a:pPr>
+              <a:spcAft>
+                <a:spcPts val="100"/>
+              </a:spcAft>
+              <a:defRPr sz="600">
+                <a:solidFill>
+                  <a:srgbClr val="323232"/>
+                </a:solidFill>
+              </a:defRPr>
+            </a:pPr>
+            <a:r>
+              <a:t>Delivery:</a:t>
+            </a:r>
+          </a:p>
+          <a:p>
+            <a:pPr>
+              <a:spcAft>
+                <a:spcPts val="100"/>
+              </a:spcAft>
+              <a:defRPr sz="600">
+                <a:solidFill>
+                  <a:srgbClr val="323232"/>
+                </a:solidFill>
+              </a:defRPr>
+            </a:pPr>
+            <a:r>
+              <a:t>• Fleet dashboard</a:t>
+            </a:r>
+          </a:p>
+          <a:p>
+            <a:pPr>
+              <a:spcAft>
+                <a:spcPts val="100"/>
+              </a:spcAft>
+              <a:defRPr sz="600">
+                <a:solidFill>
+                  <a:srgbClr val="323232"/>
+                </a:solidFill>
+              </a:defRPr>
+            </a:pPr>
+            <a:r>
+              <a:t>• API integration</a:t>
+            </a:r>
+          </a:p>
+          <a:p>
+            <a:pPr>
+              <a:spcAft>
+                <a:spcPts val="100"/>
+              </a:spcAft>
+              <a:defRPr sz="600">
+                <a:solidFill>
+                  <a:srgbClr val="323232"/>
+                </a:solidFill>
+              </a:defRPr>
+            </a:pPr>
+            <a:r>
+              <a:t>• Mobile dispatch</a:t>
+            </a:r>
+          </a:p>
+        </p:txBody>
+      </p:sp>
+      <p:sp>
+        <p:nvSpPr>
+          <p:cNvPr id="23" name="Rounded Rectangle 22"/>
+          <p:cNvSpPr/>
+          <p:nvPr/>
+        </p:nvSpPr>
+        <p:spPr>
+          <a:xfrm>
+            <a:off x="7196328" y="502920"/>
+            <a:ext cx="1719072" cy="2788920"/>
+          </a:xfrm>
+          <a:prstGeom prst="roundRect">
+            <a:avLst/>
+          </a:prstGeom>
+          <a:solidFill>
+            <a:srgbClr val="FFF9E6"/>
+          </a:solidFill>
+          <a:ln w="6350">
+            <a:solidFill>
+              <a:srgbClr val="C8C8C8"/>
+            </a:solidFill>
+          </a:ln>
+        </p:spPr>
+        <p:style>
+          <a:lnRef idx="1">
+            <a:schemeClr val="accent1"/>
+          </a:lnRef>
+          <a:fillRef idx="3">
+            <a:schemeClr val="accent1"/>
+          </a:fillRef>
+          <a:effectRef idx="2">
+            <a:schemeClr val="accent1"/>
+          </a:effectRef>
+          <a:fontRef idx="minor">
+            <a:schemeClr val="lt1"/>
+          </a:fontRef>
+        </p:style>
+        <p:txBody>
+          <a:bodyPr rtlCol="0" anchor="ctr"/>
+          <a:lstStyle/>
+          <a:p>
+            <a:pPr algn="ctr"/>
+          </a:p>
+        </p:txBody>
+      </p:sp>
+      <p:sp>
+        <p:nvSpPr>
+          <p:cNvPr id="24" name="TextBox 23"/>
+          <p:cNvSpPr txBox="1"/>
+          <p:nvPr/>
+        </p:nvSpPr>
+        <p:spPr>
+          <a:xfrm>
+            <a:off x="7269480" y="548640"/>
+            <a:ext cx="1581912" cy="228600"/>
+          </a:xfrm>
+          <a:prstGeom prst="rect">
+            <a:avLst/>
+          </a:prstGeom>
+          <a:noFill/>
+        </p:spPr>
+        <p:txBody>
+          <a:bodyPr wrap="square">
+            <a:spAutoFit/>
+          </a:bodyPr>
+          <a:lstStyle/>
+          <a:p>
+            <a:pPr>
+              <a:defRPr sz="800" b="1">
+                <a:solidFill>
+                  <a:srgbClr val="003366"/>
+                </a:solidFill>
+              </a:defRPr>
+            </a:pPr>
+            <a:r>
+              <a:t>CUSTOMER SEGMENTS</a:t>
+            </a:r>
+          </a:p>
+        </p:txBody>
+      </p:sp>
+      <p:sp>
+        <p:nvSpPr>
+          <p:cNvPr id="25" name="TextBox 24"/>
+          <p:cNvSpPr txBox="1"/>
+          <p:nvPr/>
+        </p:nvSpPr>
+        <p:spPr>
+          <a:xfrm>
+            <a:off x="7269480" y="758952"/>
+            <a:ext cx="1581912" cy="2468880"/>
+          </a:xfrm>
+          <a:prstGeom prst="rect">
+            <a:avLst/>
+          </a:prstGeom>
+          <a:noFill/>
+        </p:spPr>
+        <p:txBody>
+          <a:bodyPr wrap="square">
+            <a:spAutoFit/>
+          </a:bodyPr>
+          <a:lstStyle/>
+          <a:p>
+            <a:pPr>
+              <a:spcAft>
+                <a:spcPts val="100"/>
+              </a:spcAft>
+              <a:defRPr sz="600">
+                <a:solidFill>
+                  <a:srgbClr val="323232"/>
+                </a:solidFill>
+              </a:defRPr>
+            </a:pPr>
+            <a:r>
+              <a:t>Primary:</a:t>
+            </a:r>
+          </a:p>
+          <a:p>
+            <a:pPr>
+              <a:spcAft>
+                <a:spcPts val="100"/>
+              </a:spcAft>
+              <a:defRPr sz="600">
+                <a:solidFill>
+                  <a:srgbClr val="323232"/>
+                </a:solidFill>
+              </a:defRPr>
+            </a:pPr>
+            <a:r>
+              <a:t>• Waymo (2,500+ vehicles)</a:t>
+            </a:r>
+          </a:p>
+          <a:p>
+            <a:pPr>
+              <a:spcAft>
+                <a:spcPts val="100"/>
+              </a:spcAft>
+              <a:defRPr sz="600">
+                <a:solidFill>
+                  <a:srgbClr val="323232"/>
+                </a:solidFill>
+              </a:defRPr>
+            </a:pPr>
+            <a:r>
+              <a:t>• Cruise (rebuilding)</a:t>
+            </a:r>
+          </a:p>
+          <a:p>
+            <a:pPr>
+              <a:spcAft>
+                <a:spcPts val="100"/>
+              </a:spcAft>
+              <a:defRPr sz="600">
+                <a:solidFill>
+                  <a:srgbClr val="323232"/>
+                </a:solidFill>
+              </a:defRPr>
+            </a:pPr>
+            <a:r>
+              <a:t>• Zoox (Amazon)</a:t>
+            </a:r>
+          </a:p>
+          <a:p>
+            <a:pPr>
+              <a:spcAft>
+                <a:spcPts val="100"/>
+              </a:spcAft>
+              <a:defRPr sz="600">
+                <a:solidFill>
+                  <a:srgbClr val="323232"/>
+                </a:solidFill>
+              </a:defRPr>
+            </a:pPr>
+            <a:r>
+              <a:t>• Tesla Robotaxi</a:t>
+            </a:r>
+          </a:p>
+          <a:p>
+            <a:pPr>
+              <a:spcAft>
+                <a:spcPts val="100"/>
+              </a:spcAft>
+              <a:defRPr sz="600">
+                <a:solidFill>
+                  <a:srgbClr val="323232"/>
+                </a:solidFill>
+              </a:defRPr>
+            </a:pPr>
+          </a:p>
+          <a:p>
+            <a:pPr>
+              <a:spcAft>
+                <a:spcPts val="100"/>
+              </a:spcAft>
+              <a:defRPr sz="600">
+                <a:solidFill>
+                  <a:srgbClr val="323232"/>
+                </a:solidFill>
+              </a:defRPr>
+            </a:pPr>
+            <a:r>
+              <a:t>Secondary:</a:t>
+            </a:r>
+          </a:p>
+          <a:p>
+            <a:pPr>
+              <a:spcAft>
+                <a:spcPts val="100"/>
+              </a:spcAft>
+              <a:defRPr sz="600">
+                <a:solidFill>
+                  <a:srgbClr val="323232"/>
+                </a:solidFill>
+              </a:defRPr>
+            </a:pPr>
+            <a:r>
+              <a:t>• Amazon Delivery EVs</a:t>
+            </a:r>
+          </a:p>
+          <a:p>
+            <a:pPr>
+              <a:spcAft>
+                <a:spcPts val="100"/>
+              </a:spcAft>
+              <a:defRPr sz="600">
+                <a:solidFill>
+                  <a:srgbClr val="323232"/>
+                </a:solidFill>
+              </a:defRPr>
+            </a:pPr>
+            <a:r>
+              <a:t>• FedEx/UPS electric</a:t>
+            </a:r>
+          </a:p>
+          <a:p>
+            <a:pPr>
+              <a:spcAft>
+                <a:spcPts val="100"/>
+              </a:spcAft>
+              <a:defRPr sz="600">
+                <a:solidFill>
+                  <a:srgbClr val="323232"/>
+                </a:solidFill>
+              </a:defRPr>
+            </a:pPr>
+          </a:p>
+          <a:p>
+            <a:pPr>
+              <a:spcAft>
+                <a:spcPts val="100"/>
+              </a:spcAft>
+              <a:defRPr sz="600">
+                <a:solidFill>
+                  <a:srgbClr val="323232"/>
+                </a:solidFill>
+              </a:defRPr>
+            </a:pPr>
+            <a:r>
+              <a:t>Buyers:</a:t>
+            </a:r>
+          </a:p>
+          <a:p>
+            <a:pPr>
+              <a:spcAft>
+                <a:spcPts val="100"/>
+              </a:spcAft>
+              <a:defRPr sz="600">
+                <a:solidFill>
+                  <a:srgbClr val="323232"/>
+                </a:solidFill>
+              </a:defRPr>
+            </a:pPr>
+            <a:r>
+              <a:t>• VP of Operations</a:t>
+            </a:r>
+          </a:p>
+          <a:p>
+            <a:pPr>
+              <a:spcAft>
+                <a:spcPts val="100"/>
+              </a:spcAft>
+              <a:defRPr sz="600">
+                <a:solidFill>
+                  <a:srgbClr val="323232"/>
+                </a:solidFill>
+              </a:defRPr>
+            </a:pPr>
+            <a:r>
+              <a:t>• Fleet Ops Manager</a:t>
+            </a:r>
+          </a:p>
+        </p:txBody>
+      </p:sp>
+      <p:sp>
+        <p:nvSpPr>
+          <p:cNvPr id="26" name="Rounded Rectangle 25"/>
+          <p:cNvSpPr/>
+          <p:nvPr/>
+        </p:nvSpPr>
+        <p:spPr>
+          <a:xfrm>
+            <a:off x="137160" y="3337560"/>
+            <a:ext cx="3483864" cy="914400"/>
+          </a:xfrm>
+          <a:prstGeom prst="roundRect">
+            <a:avLst/>
+          </a:prstGeom>
+          <a:solidFill>
+            <a:srgbClr val="F0F0F0"/>
+          </a:solidFill>
+          <a:ln w="6350">
+            <a:solidFill>
+              <a:srgbClr val="C8C8C8"/>
+            </a:solidFill>
+          </a:ln>
+        </p:spPr>
+        <p:style>
+          <a:lnRef idx="1">
+            <a:schemeClr val="accent1"/>
+          </a:lnRef>
+          <a:fillRef idx="3">
+            <a:schemeClr val="accent1"/>
+          </a:fillRef>
+          <a:effectRef idx="2">
+            <a:schemeClr val="accent1"/>
+          </a:effectRef>
+          <a:fontRef idx="minor">
+            <a:schemeClr val="lt1"/>
+          </a:fontRef>
+        </p:style>
+        <p:txBody>
+          <a:bodyPr rtlCol="0" anchor="ctr"/>
+          <a:lstStyle/>
+          <a:p>
+            <a:pPr algn="ctr"/>
+          </a:p>
+        </p:txBody>
+      </p:sp>
+      <p:sp>
+        <p:nvSpPr>
+          <p:cNvPr id="27" name="TextBox 26"/>
+          <p:cNvSpPr txBox="1"/>
+          <p:nvPr/>
+        </p:nvSpPr>
+        <p:spPr>
+          <a:xfrm>
+            <a:off x="210312" y="3383280"/>
+            <a:ext cx="3346704" cy="228600"/>
+          </a:xfrm>
+          <a:prstGeom prst="rect">
+            <a:avLst/>
+          </a:prstGeom>
+          <a:noFill/>
+        </p:spPr>
+        <p:txBody>
+          <a:bodyPr wrap="square">
+            <a:spAutoFit/>
+          </a:bodyPr>
+          <a:lstStyle/>
+          <a:p>
+            <a:pPr>
+              <a:defRPr sz="800" b="1">
+                <a:solidFill>
+                  <a:srgbClr val="003366"/>
+                </a:solidFill>
+              </a:defRPr>
+            </a:pPr>
+            <a:r>
+              <a:t>COST STRUCTURE</a:t>
+            </a:r>
+          </a:p>
+        </p:txBody>
+      </p:sp>
+      <p:sp>
+        <p:nvSpPr>
+          <p:cNvPr id="28" name="TextBox 27"/>
+          <p:cNvSpPr txBox="1"/>
+          <p:nvPr/>
+        </p:nvSpPr>
+        <p:spPr>
+          <a:xfrm>
+            <a:off x="210312" y="3593592"/>
+            <a:ext cx="3346704" cy="594360"/>
+          </a:xfrm>
+          <a:prstGeom prst="rect">
+            <a:avLst/>
+          </a:prstGeom>
+          <a:noFill/>
+        </p:spPr>
+        <p:txBody>
+          <a:bodyPr wrap="square">
+            <a:spAutoFit/>
+          </a:bodyPr>
+          <a:lstStyle/>
+          <a:p>
+            <a:pPr>
+              <a:spcAft>
+                <a:spcPts val="100"/>
+              </a:spcAft>
+              <a:defRPr sz="600">
+                <a:solidFill>
+                  <a:srgbClr val="323232"/>
+                </a:solidFill>
+              </a:defRPr>
+            </a:pPr>
+            <a:r>
+              <a:t>Variable: Tech payouts (65-70%), Payment processing (2-3%)</a:t>
+            </a:r>
+          </a:p>
+          <a:p>
+            <a:pPr>
+              <a:spcAft>
+                <a:spcPts val="100"/>
+              </a:spcAft>
+              <a:defRPr sz="600">
+                <a:solidFill>
+                  <a:srgbClr val="323232"/>
+                </a:solidFill>
+              </a:defRPr>
+            </a:pPr>
+            <a:r>
+              <a:t>Fixed: Platform ($15-20K/mo), Team ($40-60K/mo), Marketing ($10-15K/mo)</a:t>
+            </a:r>
+          </a:p>
+          <a:p>
+            <a:pPr>
+              <a:spcAft>
+                <a:spcPts val="100"/>
+              </a:spcAft>
+              <a:defRPr sz="600">
+                <a:solidFill>
+                  <a:srgbClr val="323232"/>
+                </a:solidFill>
+              </a:defRPr>
+            </a:pPr>
+            <a:r>
+              <a:t>Seed: $1.5M total</a:t>
+            </a:r>
+          </a:p>
+        </p:txBody>
+      </p:sp>
+      <p:sp>
+        <p:nvSpPr>
+          <p:cNvPr id="29" name="Rounded Rectangle 28"/>
+          <p:cNvSpPr/>
+          <p:nvPr/>
+        </p:nvSpPr>
+        <p:spPr>
+          <a:xfrm>
+            <a:off x="3666744" y="3337560"/>
+            <a:ext cx="5248656" cy="914400"/>
+          </a:xfrm>
+          <a:prstGeom prst="roundRect">
+            <a:avLst/>
+          </a:prstGeom>
+          <a:solidFill>
+            <a:srgbClr val="DBEAFE"/>
+          </a:solidFill>
+          <a:ln w="6350">
+            <a:solidFill>
+              <a:srgbClr val="C8C8C8"/>
+            </a:solidFill>
+          </a:ln>
+        </p:spPr>
+        <p:style>
+          <a:lnRef idx="1">
+            <a:schemeClr val="accent1"/>
+          </a:lnRef>
+          <a:fillRef idx="3">
+            <a:schemeClr val="accent1"/>
+          </a:fillRef>
+          <a:effectRef idx="2">
+            <a:schemeClr val="accent1"/>
+          </a:effectRef>
+          <a:fontRef idx="minor">
+            <a:schemeClr val="lt1"/>
+          </a:fontRef>
+        </p:style>
+        <p:txBody>
+          <a:bodyPr rtlCol="0" anchor="ctr"/>
+          <a:lstStyle/>
+          <a:p>
+            <a:pPr algn="ctr"/>
+          </a:p>
+        </p:txBody>
+      </p:sp>
+      <p:sp>
+        <p:nvSpPr>
+          <p:cNvPr id="30" name="TextBox 29"/>
+          <p:cNvSpPr txBox="1"/>
+          <p:nvPr/>
+        </p:nvSpPr>
+        <p:spPr>
+          <a:xfrm>
+            <a:off x="3739896" y="3383280"/>
+            <a:ext cx="5111496" cy="228600"/>
+          </a:xfrm>
+          <a:prstGeom prst="rect">
+            <a:avLst/>
+          </a:prstGeom>
+          <a:noFill/>
+        </p:spPr>
+        <p:txBody>
+          <a:bodyPr wrap="square">
+            <a:spAutoFit/>
+          </a:bodyPr>
+          <a:lstStyle/>
+          <a:p>
+            <a:pPr>
+              <a:defRPr sz="800" b="1">
+                <a:solidFill>
+                  <a:srgbClr val="003366"/>
+                </a:solidFill>
+              </a:defRPr>
+            </a:pPr>
+            <a:r>
+              <a:t>REVENUE STREAMS</a:t>
+            </a:r>
+          </a:p>
+        </p:txBody>
+      </p:sp>
+      <p:sp>
+        <p:nvSpPr>
+          <p:cNvPr id="31" name="TextBox 30"/>
+          <p:cNvSpPr txBox="1"/>
+          <p:nvPr/>
+        </p:nvSpPr>
+        <p:spPr>
+          <a:xfrm>
+            <a:off x="3739896" y="3593592"/>
+            <a:ext cx="5111496" cy="594360"/>
+          </a:xfrm>
+          <a:prstGeom prst="rect">
+            <a:avLst/>
+          </a:prstGeom>
+          <a:noFill/>
+        </p:spPr>
+        <p:txBody>
+          <a:bodyPr wrap="square">
+            <a:spAutoFit/>
+          </a:bodyPr>
+          <a:lstStyle/>
+          <a:p>
+            <a:pPr>
+              <a:spcAft>
+                <a:spcPts val="100"/>
+              </a:spcAft>
+              <a:defRPr sz="600">
+                <a:solidFill>
+                  <a:srgbClr val="323232"/>
+                </a:solidFill>
+              </a:defRPr>
+            </a:pPr>
+            <a:r>
+              <a:t>Services: Quick ($12-18) | Deep ($45-75) | Emergency ($75-150)</a:t>
+            </a:r>
+          </a:p>
+          <a:p>
+            <a:pPr>
+              <a:spcAft>
+                <a:spcPts val="100"/>
+              </a:spcAft>
+              <a:defRPr sz="600">
+                <a:solidFill>
+                  <a:srgbClr val="323232"/>
+                </a:solidFill>
+              </a:defRPr>
+            </a:pPr>
+            <a:r>
+              <a:t>Unit Economics: Avg $15/service, 30% margin ($4-5), Target 10K/day</a:t>
+            </a:r>
+          </a:p>
+          <a:p>
+            <a:pPr>
+              <a:spcAft>
+                <a:spcPts val="100"/>
+              </a:spcAft>
+              <a:defRPr sz="600">
+                <a:solidFill>
+                  <a:srgbClr val="323232"/>
+                </a:solidFill>
+              </a:defRPr>
+            </a:pPr>
+            <a:r>
+              <a:t>Projections: Y1 $1.2M → Y2 $5.5M → Y3 $15M | TAM 2032: $5.5B</a:t>
             </a:r>
           </a:p>
         </p:txBody>

--- a/pitch/MOTRA-Business-Plan.pptx
+++ b/pitch/MOTRA-Business-Plan.pptx
@@ -28,7 +28,6 @@
     <p:sldId id="276" r:id="rId27"/>
     <p:sldId id="277" r:id="rId28"/>
     <p:sldId id="278" r:id="rId29"/>
-    <p:sldId id="279" r:id="rId30"/>
   </p:sldIdLst>
   <p:sldSz cx="9144000" cy="5143500" type="screen4x3"/>
   <p:notesSz cx="6858000" cy="9144000"/>
@@ -3951,7 +3950,7 @@
         <p:spPr>
           <a:xfrm>
             <a:off x="0" y="0"/>
-            <a:ext cx="9144000" cy="548640"/>
+            <a:ext cx="9144000" cy="457200"/>
           </a:xfrm>
           <a:prstGeom prst="rect">
             <a:avLst/>
@@ -3993,8 +3992,8 @@
         </p:nvSpPr>
         <p:spPr>
           <a:xfrm>
-            <a:off x="182880" y="109728"/>
-            <a:ext cx="365760" cy="320040"/>
+            <a:off x="137160" y="91440"/>
+            <a:ext cx="365760" cy="274320"/>
           </a:xfrm>
           <a:prstGeom prst="rect">
             <a:avLst/>
@@ -4008,7 +4007,7 @@
           <a:lstStyle/>
           <a:p>
             <a:pPr>
-              <a:defRPr sz="1400" b="1">
+              <a:defRPr sz="1200" b="1">
                 <a:solidFill>
                   <a:srgbClr val="FFFFFF"/>
                 </a:solidFill>
@@ -4028,8 +4027,8 @@
         </p:nvSpPr>
         <p:spPr>
           <a:xfrm>
-            <a:off x="548640" y="109728"/>
-            <a:ext cx="7772400" cy="365760"/>
+            <a:off x="457200" y="91440"/>
+            <a:ext cx="7315200" cy="274320"/>
           </a:xfrm>
           <a:prstGeom prst="rect">
             <a:avLst/>
@@ -4043,28 +4042,73 @@
           <a:lstStyle/>
           <a:p>
             <a:pPr>
-              <a:defRPr sz="2000" b="1">
+              <a:defRPr sz="1800" b="1">
                 <a:solidFill>
                   <a:srgbClr val="FFFFFF"/>
                 </a:solidFill>
               </a:defRPr>
             </a:pPr>
             <a:r>
-              <a:t>Business Model Canvas</a:t>
-            </a:r>
-          </a:p>
-        </p:txBody>
-      </p:sp>
-      <p:sp>
-        <p:nvSpPr>
-          <p:cNvPr id="5" name="TextBox 4"/>
+              <a:t>BUSINESS MODEL CANVAS</a:t>
+            </a:r>
+          </a:p>
+        </p:txBody>
+      </p:sp>
+      <p:sp>
+        <p:nvSpPr>
+          <p:cNvPr id="5" name="Rounded Rectangle 4"/>
+          <p:cNvSpPr/>
+          <p:nvPr/>
+        </p:nvSpPr>
+        <p:spPr>
+          <a:xfrm>
+            <a:off x="137160" y="502920"/>
+            <a:ext cx="1719072" cy="2788920"/>
+          </a:xfrm>
+          <a:prstGeom prst="roundRect">
+            <a:avLst/>
+          </a:prstGeom>
+          <a:solidFill>
+            <a:srgbClr val="E8E4F0"/>
+          </a:solidFill>
+          <a:ln w="6350">
+            <a:solidFill>
+              <a:srgbClr val="C8C8C8"/>
+            </a:solidFill>
+          </a:ln>
+        </p:spPr>
+        <p:style>
+          <a:lnRef idx="1">
+            <a:schemeClr val="accent1"/>
+          </a:lnRef>
+          <a:fillRef idx="3">
+            <a:schemeClr val="accent1"/>
+          </a:fillRef>
+          <a:effectRef idx="2">
+            <a:schemeClr val="accent1"/>
+          </a:effectRef>
+          <a:fontRef idx="minor">
+            <a:schemeClr val="lt1"/>
+          </a:fontRef>
+        </p:style>
+        <p:txBody>
+          <a:bodyPr rtlCol="0" anchor="ctr"/>
+          <a:lstStyle/>
+          <a:p>
+            <a:pPr algn="ctr"/>
+          </a:p>
+        </p:txBody>
+      </p:sp>
+      <p:sp>
+        <p:nvSpPr>
+          <p:cNvPr id="6" name="TextBox 5"/>
           <p:cNvSpPr txBox="1"/>
           <p:nvPr/>
         </p:nvSpPr>
         <p:spPr>
           <a:xfrm>
-            <a:off x="365760" y="685800"/>
-            <a:ext cx="8412480" cy="4297680"/>
+            <a:off x="210312" y="548640"/>
+            <a:ext cx="1581912" cy="228600"/>
           </a:xfrm>
           <a:prstGeom prst="rect">
             <a:avLst/>
@@ -4078,236 +4122,1917 @@
           <a:lstStyle/>
           <a:p>
             <a:pPr>
-              <a:spcAft>
-                <a:spcPts val="400"/>
-              </a:spcAft>
-              <a:defRPr sz="1100">
-                <a:solidFill>
-                  <a:srgbClr val="323232"/>
-                </a:solidFill>
-              </a:defRPr>
-            </a:pPr>
-            <a:r>
-              <a:t>KEY PARTNERS                          KEY ACTIVITIES                    VALUE PROPOSITION</a:t>
-            </a:r>
-          </a:p>
-          <a:p>
-            <a:pPr>
-              <a:spcAft>
-                <a:spcPts val="400"/>
-              </a:spcAft>
-              <a:defRPr sz="1100">
-                <a:solidFill>
-                  <a:srgbClr val="323232"/>
-                </a:solidFill>
-              </a:defRPr>
-            </a:pPr>
-            <a:r>
-              <a:t>• AV manufacturers                    • Platform development            • Reduce fleet downtime</a:t>
-            </a:r>
-          </a:p>
-          <a:p>
-            <a:pPr>
-              <a:spcAft>
-                <a:spcPts val="400"/>
-              </a:spcAft>
-              <a:defRPr sz="1100">
-                <a:solidFill>
-                  <a:srgbClr val="323232"/>
-                </a:solidFill>
-              </a:defRPr>
-            </a:pPr>
-            <a:r>
-              <a:t>• Fleet management systems            • Tech recruitment/training       • Variable cost model</a:t>
-            </a:r>
-          </a:p>
-          <a:p>
-            <a:pPr>
-              <a:spcAft>
-                <a:spcPts val="400"/>
-              </a:spcAft>
-              <a:defRPr sz="1100">
-                <a:solidFill>
-                  <a:srgbClr val="323232"/>
-                </a:solidFill>
-              </a:defRPr>
-            </a:pPr>
-            <a:r>
-              <a:t>• Gig worker platforms                • Quality assurance               • 24/7 availability</a:t>
-            </a:r>
-          </a:p>
-          <a:p>
-            <a:pPr>
-              <a:spcAft>
-                <a:spcPts val="400"/>
-              </a:spcAft>
-              <a:defRPr sz="1100">
-                <a:solidFill>
-                  <a:srgbClr val="323232"/>
-                </a:solidFill>
-              </a:defRPr>
-            </a:pPr>
-            <a:r>
-              <a:t>• Insurance providers                 • Enterprise sales                • AV-specialized service</a:t>
-            </a:r>
-          </a:p>
-          <a:p>
-            <a:pPr>
-              <a:spcAft>
-                <a:spcPts val="400"/>
-              </a:spcAft>
-              <a:defRPr sz="1100">
-                <a:solidFill>
-                  <a:srgbClr val="323232"/>
-                </a:solidFill>
-              </a:defRPr>
-            </a:pPr>
-          </a:p>
-          <a:p>
-            <a:pPr>
-              <a:spcAft>
-                <a:spcPts val="400"/>
-              </a:spcAft>
-              <a:defRPr sz="1100">
-                <a:solidFill>
-                  <a:srgbClr val="323232"/>
-                </a:solidFill>
-              </a:defRPr>
-            </a:pPr>
-            <a:r>
-              <a:t>KEY RESOURCES                         CUSTOMER RELATIONSHIPS            CHANNELS</a:t>
-            </a:r>
-          </a:p>
-          <a:p>
-            <a:pPr>
-              <a:spcAft>
-                <a:spcPts val="400"/>
-              </a:spcAft>
-              <a:defRPr sz="1100">
-                <a:solidFill>
-                  <a:srgbClr val="323232"/>
-                </a:solidFill>
-              </a:defRPr>
-            </a:pPr>
-            <a:r>
-              <a:t>• Tech platform                       • Dedicated account managers      • Direct enterprise sales</a:t>
-            </a:r>
-          </a:p>
-          <a:p>
-            <a:pPr>
-              <a:spcAft>
-                <a:spcPts val="400"/>
-              </a:spcAft>
-              <a:defRPr sz="1100">
-                <a:solidFill>
-                  <a:srgbClr val="323232"/>
-                </a:solidFill>
-              </a:defRPr>
-            </a:pPr>
-            <a:r>
-              <a:t>• Trained technician network          • API integration support         • Industry conferences</a:t>
-            </a:r>
-          </a:p>
-          <a:p>
-            <a:pPr>
-              <a:spcAft>
-                <a:spcPts val="400"/>
-              </a:spcAft>
-              <a:defRPr sz="1100">
-                <a:solidFill>
-                  <a:srgbClr val="323232"/>
-                </a:solidFill>
-              </a:defRPr>
-            </a:pPr>
-            <a:r>
-              <a:t>• AV-specific training program        • Performance dashboards          • Partnerships</a:t>
-            </a:r>
-          </a:p>
-          <a:p>
-            <a:pPr>
-              <a:spcAft>
-                <a:spcPts val="400"/>
-              </a:spcAft>
-              <a:defRPr sz="1100">
-                <a:solidFill>
-                  <a:srgbClr val="323232"/>
-                </a:solidFill>
-              </a:defRPr>
-            </a:pPr>
-          </a:p>
-          <a:p>
-            <a:pPr>
-              <a:spcAft>
-                <a:spcPts val="400"/>
-              </a:spcAft>
-              <a:defRPr sz="1100">
-                <a:solidFill>
-                  <a:srgbClr val="323232"/>
-                </a:solidFill>
-              </a:defRPr>
-            </a:pPr>
-            <a:r>
-              <a:t>COST STRUCTURE                                    REVENUE STREAMS</a:t>
-            </a:r>
-          </a:p>
-          <a:p>
-            <a:pPr>
-              <a:spcAft>
-                <a:spcPts val="400"/>
-              </a:spcAft>
-              <a:defRPr sz="1100">
-                <a:solidFill>
-                  <a:srgbClr val="323232"/>
-                </a:solidFill>
-              </a:defRPr>
-            </a:pPr>
-            <a:r>
-              <a:t>• Platform development &amp; maintenance              • Per-service fees ($12-75)</a:t>
-            </a:r>
-          </a:p>
-          <a:p>
-            <a:pPr>
-              <a:spcAft>
-                <a:spcPts val="400"/>
-              </a:spcAft>
-              <a:defRPr sz="1100">
-                <a:solidFill>
-                  <a:srgbClr val="323232"/>
-                </a:solidFill>
-              </a:defRPr>
-            </a:pPr>
-            <a:r>
-              <a:t>• Technician payouts (65-70% of service fee)      • Enterprise contracts</a:t>
-            </a:r>
-          </a:p>
-          <a:p>
-            <a:pPr>
-              <a:spcAft>
-                <a:spcPts val="400"/>
-              </a:spcAft>
-              <a:defRPr sz="1100">
-                <a:solidFill>
-                  <a:srgbClr val="323232"/>
-                </a:solidFill>
-              </a:defRPr>
-            </a:pPr>
-            <a:r>
-              <a:t>• Marketing &amp; sales                               • Premium/emergency services</a:t>
-            </a:r>
-          </a:p>
-          <a:p>
-            <a:pPr>
-              <a:spcAft>
-                <a:spcPts val="400"/>
-              </a:spcAft>
-              <a:defRPr sz="1100">
-                <a:solidFill>
-                  <a:srgbClr val="323232"/>
-                </a:solidFill>
-              </a:defRPr>
-            </a:pPr>
-            <a:r>
-              <a:t>• Insurance &amp; compliance                          • Data analytics (future)</a:t>
+              <a:defRPr sz="800" b="1">
+                <a:solidFill>
+                  <a:srgbClr val="003366"/>
+                </a:solidFill>
+              </a:defRPr>
+            </a:pPr>
+            <a:r>
+              <a:t>KEY PARTNERS</a:t>
+            </a:r>
+          </a:p>
+        </p:txBody>
+      </p:sp>
+      <p:sp>
+        <p:nvSpPr>
+          <p:cNvPr id="7" name="TextBox 6"/>
+          <p:cNvSpPr txBox="1"/>
+          <p:nvPr/>
+        </p:nvSpPr>
+        <p:spPr>
+          <a:xfrm>
+            <a:off x="210312" y="758952"/>
+            <a:ext cx="1581912" cy="2468880"/>
+          </a:xfrm>
+          <a:prstGeom prst="rect">
+            <a:avLst/>
+          </a:prstGeom>
+          <a:noFill/>
+        </p:spPr>
+        <p:txBody>
+          <a:bodyPr wrap="square">
+            <a:spAutoFit/>
+          </a:bodyPr>
+          <a:lstStyle/>
+          <a:p>
+            <a:pPr>
+              <a:spcAft>
+                <a:spcPts val="100"/>
+              </a:spcAft>
+              <a:defRPr sz="600">
+                <a:solidFill>
+                  <a:srgbClr val="323232"/>
+                </a:solidFill>
+              </a:defRPr>
+            </a:pPr>
+            <a:r>
+              <a:t>AV Ecosystem:</a:t>
+            </a:r>
+          </a:p>
+          <a:p>
+            <a:pPr>
+              <a:spcAft>
+                <a:spcPts val="100"/>
+              </a:spcAft>
+              <a:defRPr sz="600">
+                <a:solidFill>
+                  <a:srgbClr val="323232"/>
+                </a:solidFill>
+              </a:defRPr>
+            </a:pPr>
+            <a:r>
+              <a:t>• Waymo, Cruise, Zoox, Tesla</a:t>
+            </a:r>
+          </a:p>
+          <a:p>
+            <a:pPr>
+              <a:spcAft>
+                <a:spcPts val="100"/>
+              </a:spcAft>
+              <a:defRPr sz="600">
+                <a:solidFill>
+                  <a:srgbClr val="323232"/>
+                </a:solidFill>
+              </a:defRPr>
+            </a:pPr>
+            <a:r>
+              <a:t>• Fleet mgmt software</a:t>
+            </a:r>
+          </a:p>
+          <a:p>
+            <a:pPr>
+              <a:spcAft>
+                <a:spcPts val="100"/>
+              </a:spcAft>
+              <a:defRPr sz="600">
+                <a:solidFill>
+                  <a:srgbClr val="323232"/>
+                </a:solidFill>
+              </a:defRPr>
+            </a:pPr>
+          </a:p>
+          <a:p>
+            <a:pPr>
+              <a:spcAft>
+                <a:spcPts val="100"/>
+              </a:spcAft>
+              <a:defRPr sz="600">
+                <a:solidFill>
+                  <a:srgbClr val="323232"/>
+                </a:solidFill>
+              </a:defRPr>
+            </a:pPr>
+            <a:r>
+              <a:t>Gig Economy:</a:t>
+            </a:r>
+          </a:p>
+          <a:p>
+            <a:pPr>
+              <a:spcAft>
+                <a:spcPts val="100"/>
+              </a:spcAft>
+              <a:defRPr sz="600">
+                <a:solidFill>
+                  <a:srgbClr val="323232"/>
+                </a:solidFill>
+              </a:defRPr>
+            </a:pPr>
+            <a:r>
+              <a:t>• Existing gig platforms</a:t>
+            </a:r>
+          </a:p>
+          <a:p>
+            <a:pPr>
+              <a:spcAft>
+                <a:spcPts val="100"/>
+              </a:spcAft>
+              <a:defRPr sz="600">
+                <a:solidFill>
+                  <a:srgbClr val="323232"/>
+                </a:solidFill>
+              </a:defRPr>
+            </a:pPr>
+            <a:r>
+              <a:t>• Training providers</a:t>
+            </a:r>
+          </a:p>
+          <a:p>
+            <a:pPr>
+              <a:spcAft>
+                <a:spcPts val="100"/>
+              </a:spcAft>
+              <a:defRPr sz="600">
+                <a:solidFill>
+                  <a:srgbClr val="323232"/>
+                </a:solidFill>
+              </a:defRPr>
+            </a:pPr>
+            <a:r>
+              <a:t>• Equipment suppliers</a:t>
+            </a:r>
+          </a:p>
+          <a:p>
+            <a:pPr>
+              <a:spcAft>
+                <a:spcPts val="100"/>
+              </a:spcAft>
+              <a:defRPr sz="600">
+                <a:solidFill>
+                  <a:srgbClr val="323232"/>
+                </a:solidFill>
+              </a:defRPr>
+            </a:pPr>
+          </a:p>
+          <a:p>
+            <a:pPr>
+              <a:spcAft>
+                <a:spcPts val="100"/>
+              </a:spcAft>
+              <a:defRPr sz="600">
+                <a:solidFill>
+                  <a:srgbClr val="323232"/>
+                </a:solidFill>
+              </a:defRPr>
+            </a:pPr>
+            <a:r>
+              <a:t>Supporting:</a:t>
+            </a:r>
+          </a:p>
+          <a:p>
+            <a:pPr>
+              <a:spcAft>
+                <a:spcPts val="100"/>
+              </a:spcAft>
+              <a:defRPr sz="600">
+                <a:solidFill>
+                  <a:srgbClr val="323232"/>
+                </a:solidFill>
+              </a:defRPr>
+            </a:pPr>
+            <a:r>
+              <a:t>• Insurance providers</a:t>
+            </a:r>
+          </a:p>
+          <a:p>
+            <a:pPr>
+              <a:spcAft>
+                <a:spcPts val="100"/>
+              </a:spcAft>
+              <a:defRPr sz="600">
+                <a:solidFill>
+                  <a:srgbClr val="323232"/>
+                </a:solidFill>
+              </a:defRPr>
+            </a:pPr>
+            <a:r>
+              <a:t>• Background checks</a:t>
+            </a:r>
+          </a:p>
+          <a:p>
+            <a:pPr>
+              <a:spcAft>
+                <a:spcPts val="100"/>
+              </a:spcAft>
+              <a:defRPr sz="600">
+                <a:solidFill>
+                  <a:srgbClr val="323232"/>
+                </a:solidFill>
+              </a:defRPr>
+            </a:pPr>
+            <a:r>
+              <a:t>• Payment processing</a:t>
+            </a:r>
+          </a:p>
+        </p:txBody>
+      </p:sp>
+      <p:sp>
+        <p:nvSpPr>
+          <p:cNvPr id="8" name="Rounded Rectangle 7"/>
+          <p:cNvSpPr/>
+          <p:nvPr/>
+        </p:nvSpPr>
+        <p:spPr>
+          <a:xfrm>
+            <a:off x="1901952" y="502920"/>
+            <a:ext cx="1719072" cy="1371600"/>
+          </a:xfrm>
+          <a:prstGeom prst="roundRect">
+            <a:avLst/>
+          </a:prstGeom>
+          <a:solidFill>
+            <a:srgbClr val="E8E4F0"/>
+          </a:solidFill>
+          <a:ln w="6350">
+            <a:solidFill>
+              <a:srgbClr val="C8C8C8"/>
+            </a:solidFill>
+          </a:ln>
+        </p:spPr>
+        <p:style>
+          <a:lnRef idx="1">
+            <a:schemeClr val="accent1"/>
+          </a:lnRef>
+          <a:fillRef idx="3">
+            <a:schemeClr val="accent1"/>
+          </a:fillRef>
+          <a:effectRef idx="2">
+            <a:schemeClr val="accent1"/>
+          </a:effectRef>
+          <a:fontRef idx="minor">
+            <a:schemeClr val="lt1"/>
+          </a:fontRef>
+        </p:style>
+        <p:txBody>
+          <a:bodyPr rtlCol="0" anchor="ctr"/>
+          <a:lstStyle/>
+          <a:p>
+            <a:pPr algn="ctr"/>
+          </a:p>
+        </p:txBody>
+      </p:sp>
+      <p:sp>
+        <p:nvSpPr>
+          <p:cNvPr id="9" name="TextBox 8"/>
+          <p:cNvSpPr txBox="1"/>
+          <p:nvPr/>
+        </p:nvSpPr>
+        <p:spPr>
+          <a:xfrm>
+            <a:off x="1975104" y="548640"/>
+            <a:ext cx="1581912" cy="228600"/>
+          </a:xfrm>
+          <a:prstGeom prst="rect">
+            <a:avLst/>
+          </a:prstGeom>
+          <a:noFill/>
+        </p:spPr>
+        <p:txBody>
+          <a:bodyPr wrap="square">
+            <a:spAutoFit/>
+          </a:bodyPr>
+          <a:lstStyle/>
+          <a:p>
+            <a:pPr>
+              <a:defRPr sz="800" b="1">
+                <a:solidFill>
+                  <a:srgbClr val="003366"/>
+                </a:solidFill>
+              </a:defRPr>
+            </a:pPr>
+            <a:r>
+              <a:t>KEY ACTIVITIES</a:t>
+            </a:r>
+          </a:p>
+        </p:txBody>
+      </p:sp>
+      <p:sp>
+        <p:nvSpPr>
+          <p:cNvPr id="10" name="TextBox 9"/>
+          <p:cNvSpPr txBox="1"/>
+          <p:nvPr/>
+        </p:nvSpPr>
+        <p:spPr>
+          <a:xfrm>
+            <a:off x="1975104" y="758952"/>
+            <a:ext cx="1581912" cy="1051560"/>
+          </a:xfrm>
+          <a:prstGeom prst="rect">
+            <a:avLst/>
+          </a:prstGeom>
+          <a:noFill/>
+        </p:spPr>
+        <p:txBody>
+          <a:bodyPr wrap="square">
+            <a:spAutoFit/>
+          </a:bodyPr>
+          <a:lstStyle/>
+          <a:p>
+            <a:pPr>
+              <a:spcAft>
+                <a:spcPts val="100"/>
+              </a:spcAft>
+              <a:defRPr sz="600">
+                <a:solidFill>
+                  <a:srgbClr val="323232"/>
+                </a:solidFill>
+              </a:defRPr>
+            </a:pPr>
+            <a:r>
+              <a:t>• Platform development</a:t>
+            </a:r>
+          </a:p>
+          <a:p>
+            <a:pPr>
+              <a:spcAft>
+                <a:spcPts val="100"/>
+              </a:spcAft>
+              <a:defRPr sz="600">
+                <a:solidFill>
+                  <a:srgbClr val="323232"/>
+                </a:solidFill>
+              </a:defRPr>
+            </a:pPr>
+            <a:r>
+              <a:t>• Tech recruitment</a:t>
+            </a:r>
+          </a:p>
+          <a:p>
+            <a:pPr>
+              <a:spcAft>
+                <a:spcPts val="100"/>
+              </a:spcAft>
+              <a:defRPr sz="600">
+                <a:solidFill>
+                  <a:srgbClr val="323232"/>
+                </a:solidFill>
+              </a:defRPr>
+            </a:pPr>
+            <a:r>
+              <a:t>• AV-specific training</a:t>
+            </a:r>
+          </a:p>
+          <a:p>
+            <a:pPr>
+              <a:spcAft>
+                <a:spcPts val="100"/>
+              </a:spcAft>
+              <a:defRPr sz="600">
+                <a:solidFill>
+                  <a:srgbClr val="323232"/>
+                </a:solidFill>
+              </a:defRPr>
+            </a:pPr>
+            <a:r>
+              <a:t>• Quality assurance</a:t>
+            </a:r>
+          </a:p>
+          <a:p>
+            <a:pPr>
+              <a:spcAft>
+                <a:spcPts val="100"/>
+              </a:spcAft>
+              <a:defRPr sz="600">
+                <a:solidFill>
+                  <a:srgbClr val="323232"/>
+                </a:solidFill>
+              </a:defRPr>
+            </a:pPr>
+            <a:r>
+              <a:t>• Enterprise sales</a:t>
+            </a:r>
+          </a:p>
+        </p:txBody>
+      </p:sp>
+      <p:sp>
+        <p:nvSpPr>
+          <p:cNvPr id="11" name="Rounded Rectangle 10"/>
+          <p:cNvSpPr/>
+          <p:nvPr/>
+        </p:nvSpPr>
+        <p:spPr>
+          <a:xfrm>
+            <a:off x="1901952" y="1920240"/>
+            <a:ext cx="1719072" cy="1371600"/>
+          </a:xfrm>
+          <a:prstGeom prst="roundRect">
+            <a:avLst/>
+          </a:prstGeom>
+          <a:solidFill>
+            <a:srgbClr val="E8E4F0"/>
+          </a:solidFill>
+          <a:ln w="6350">
+            <a:solidFill>
+              <a:srgbClr val="C8C8C8"/>
+            </a:solidFill>
+          </a:ln>
+        </p:spPr>
+        <p:style>
+          <a:lnRef idx="1">
+            <a:schemeClr val="accent1"/>
+          </a:lnRef>
+          <a:fillRef idx="3">
+            <a:schemeClr val="accent1"/>
+          </a:fillRef>
+          <a:effectRef idx="2">
+            <a:schemeClr val="accent1"/>
+          </a:effectRef>
+          <a:fontRef idx="minor">
+            <a:schemeClr val="lt1"/>
+          </a:fontRef>
+        </p:style>
+        <p:txBody>
+          <a:bodyPr rtlCol="0" anchor="ctr"/>
+          <a:lstStyle/>
+          <a:p>
+            <a:pPr algn="ctr"/>
+          </a:p>
+        </p:txBody>
+      </p:sp>
+      <p:sp>
+        <p:nvSpPr>
+          <p:cNvPr id="12" name="TextBox 11"/>
+          <p:cNvSpPr txBox="1"/>
+          <p:nvPr/>
+        </p:nvSpPr>
+        <p:spPr>
+          <a:xfrm>
+            <a:off x="1975104" y="1965960"/>
+            <a:ext cx="1581912" cy="228600"/>
+          </a:xfrm>
+          <a:prstGeom prst="rect">
+            <a:avLst/>
+          </a:prstGeom>
+          <a:noFill/>
+        </p:spPr>
+        <p:txBody>
+          <a:bodyPr wrap="square">
+            <a:spAutoFit/>
+          </a:bodyPr>
+          <a:lstStyle/>
+          <a:p>
+            <a:pPr>
+              <a:defRPr sz="800" b="1">
+                <a:solidFill>
+                  <a:srgbClr val="003366"/>
+                </a:solidFill>
+              </a:defRPr>
+            </a:pPr>
+            <a:r>
+              <a:t>KEY RESOURCES</a:t>
+            </a:r>
+          </a:p>
+        </p:txBody>
+      </p:sp>
+      <p:sp>
+        <p:nvSpPr>
+          <p:cNvPr id="13" name="TextBox 12"/>
+          <p:cNvSpPr txBox="1"/>
+          <p:nvPr/>
+        </p:nvSpPr>
+        <p:spPr>
+          <a:xfrm>
+            <a:off x="1975104" y="2176272"/>
+            <a:ext cx="1581912" cy="1051560"/>
+          </a:xfrm>
+          <a:prstGeom prst="rect">
+            <a:avLst/>
+          </a:prstGeom>
+          <a:noFill/>
+        </p:spPr>
+        <p:txBody>
+          <a:bodyPr wrap="square">
+            <a:spAutoFit/>
+          </a:bodyPr>
+          <a:lstStyle/>
+          <a:p>
+            <a:pPr>
+              <a:spcAft>
+                <a:spcPts val="100"/>
+              </a:spcAft>
+              <a:defRPr sz="600">
+                <a:solidFill>
+                  <a:srgbClr val="323232"/>
+                </a:solidFill>
+              </a:defRPr>
+            </a:pPr>
+            <a:r>
+              <a:t>Technology:</a:t>
+            </a:r>
+          </a:p>
+          <a:p>
+            <a:pPr>
+              <a:spcAft>
+                <a:spcPts val="100"/>
+              </a:spcAft>
+              <a:defRPr sz="600">
+                <a:solidFill>
+                  <a:srgbClr val="323232"/>
+                </a:solidFill>
+              </a:defRPr>
+            </a:pPr>
+            <a:r>
+              <a:t>• Dispatch platform</a:t>
+            </a:r>
+          </a:p>
+          <a:p>
+            <a:pPr>
+              <a:spcAft>
+                <a:spcPts val="100"/>
+              </a:spcAft>
+              <a:defRPr sz="600">
+                <a:solidFill>
+                  <a:srgbClr val="323232"/>
+                </a:solidFill>
+              </a:defRPr>
+            </a:pPr>
+            <a:r>
+              <a:t>• Fleet dashboard</a:t>
+            </a:r>
+          </a:p>
+          <a:p>
+            <a:pPr>
+              <a:spcAft>
+                <a:spcPts val="100"/>
+              </a:spcAft>
+              <a:defRPr sz="600">
+                <a:solidFill>
+                  <a:srgbClr val="323232"/>
+                </a:solidFill>
+              </a:defRPr>
+            </a:pPr>
+            <a:r>
+              <a:t>• Technician app</a:t>
+            </a:r>
+          </a:p>
+          <a:p>
+            <a:pPr>
+              <a:spcAft>
+                <a:spcPts val="100"/>
+              </a:spcAft>
+              <a:defRPr sz="600">
+                <a:solidFill>
+                  <a:srgbClr val="323232"/>
+                </a:solidFill>
+              </a:defRPr>
+            </a:pPr>
+          </a:p>
+          <a:p>
+            <a:pPr>
+              <a:spcAft>
+                <a:spcPts val="100"/>
+              </a:spcAft>
+              <a:defRPr sz="600">
+                <a:solidFill>
+                  <a:srgbClr val="323232"/>
+                </a:solidFill>
+              </a:defRPr>
+            </a:pPr>
+            <a:r>
+              <a:t>Human:</a:t>
+            </a:r>
+          </a:p>
+          <a:p>
+            <a:pPr>
+              <a:spcAft>
+                <a:spcPts val="100"/>
+              </a:spcAft>
+              <a:defRPr sz="600">
+                <a:solidFill>
+                  <a:srgbClr val="323232"/>
+                </a:solidFill>
+              </a:defRPr>
+            </a:pPr>
+            <a:r>
+              <a:t>• Engineering team</a:t>
+            </a:r>
+          </a:p>
+          <a:p>
+            <a:pPr>
+              <a:spcAft>
+                <a:spcPts val="100"/>
+              </a:spcAft>
+              <a:defRPr sz="600">
+                <a:solidFill>
+                  <a:srgbClr val="323232"/>
+                </a:solidFill>
+              </a:defRPr>
+            </a:pPr>
+            <a:r>
+              <a:t>• Trained tech network</a:t>
+            </a:r>
+          </a:p>
+        </p:txBody>
+      </p:sp>
+      <p:sp>
+        <p:nvSpPr>
+          <p:cNvPr id="14" name="Rounded Rectangle 13"/>
+          <p:cNvSpPr/>
+          <p:nvPr/>
+        </p:nvSpPr>
+        <p:spPr>
+          <a:xfrm>
+            <a:off x="3666744" y="502920"/>
+            <a:ext cx="1719072" cy="2788920"/>
+          </a:xfrm>
+          <a:prstGeom prst="roundRect">
+            <a:avLst/>
+          </a:prstGeom>
+          <a:solidFill>
+            <a:srgbClr val="FCE4D6"/>
+          </a:solidFill>
+          <a:ln w="6350">
+            <a:solidFill>
+              <a:srgbClr val="C8C8C8"/>
+            </a:solidFill>
+          </a:ln>
+        </p:spPr>
+        <p:style>
+          <a:lnRef idx="1">
+            <a:schemeClr val="accent1"/>
+          </a:lnRef>
+          <a:fillRef idx="3">
+            <a:schemeClr val="accent1"/>
+          </a:fillRef>
+          <a:effectRef idx="2">
+            <a:schemeClr val="accent1"/>
+          </a:effectRef>
+          <a:fontRef idx="minor">
+            <a:schemeClr val="lt1"/>
+          </a:fontRef>
+        </p:style>
+        <p:txBody>
+          <a:bodyPr rtlCol="0" anchor="ctr"/>
+          <a:lstStyle/>
+          <a:p>
+            <a:pPr algn="ctr"/>
+          </a:p>
+        </p:txBody>
+      </p:sp>
+      <p:sp>
+        <p:nvSpPr>
+          <p:cNvPr id="15" name="TextBox 14"/>
+          <p:cNvSpPr txBox="1"/>
+          <p:nvPr/>
+        </p:nvSpPr>
+        <p:spPr>
+          <a:xfrm>
+            <a:off x="3739896" y="548640"/>
+            <a:ext cx="1581912" cy="228600"/>
+          </a:xfrm>
+          <a:prstGeom prst="rect">
+            <a:avLst/>
+          </a:prstGeom>
+          <a:noFill/>
+        </p:spPr>
+        <p:txBody>
+          <a:bodyPr wrap="square">
+            <a:spAutoFit/>
+          </a:bodyPr>
+          <a:lstStyle/>
+          <a:p>
+            <a:pPr>
+              <a:defRPr sz="800" b="1">
+                <a:solidFill>
+                  <a:srgbClr val="003366"/>
+                </a:solidFill>
+              </a:defRPr>
+            </a:pPr>
+            <a:r>
+              <a:t>VALUE PROPOSITIONS</a:t>
+            </a:r>
+          </a:p>
+        </p:txBody>
+      </p:sp>
+      <p:sp>
+        <p:nvSpPr>
+          <p:cNvPr id="16" name="TextBox 15"/>
+          <p:cNvSpPr txBox="1"/>
+          <p:nvPr/>
+        </p:nvSpPr>
+        <p:spPr>
+          <a:xfrm>
+            <a:off x="3739896" y="758952"/>
+            <a:ext cx="1581912" cy="2468880"/>
+          </a:xfrm>
+          <a:prstGeom prst="rect">
+            <a:avLst/>
+          </a:prstGeom>
+          <a:noFill/>
+        </p:spPr>
+        <p:txBody>
+          <a:bodyPr wrap="square">
+            <a:spAutoFit/>
+          </a:bodyPr>
+          <a:lstStyle/>
+          <a:p>
+            <a:pPr>
+              <a:spcAft>
+                <a:spcPts val="100"/>
+              </a:spcAft>
+              <a:defRPr sz="600">
+                <a:solidFill>
+                  <a:srgbClr val="323232"/>
+                </a:solidFill>
+              </a:defRPr>
+            </a:pPr>
+            <a:r>
+              <a:t>For Fleet Operators:</a:t>
+            </a:r>
+          </a:p>
+          <a:p>
+            <a:pPr>
+              <a:spcAft>
+                <a:spcPts val="100"/>
+              </a:spcAft>
+              <a:defRPr sz="600">
+                <a:solidFill>
+                  <a:srgbClr val="323232"/>
+                </a:solidFill>
+              </a:defRPr>
+            </a:pPr>
+            <a:r>
+              <a:t>• Reduce downtime</a:t>
+            </a:r>
+          </a:p>
+          <a:p>
+            <a:pPr>
+              <a:spcAft>
+                <a:spcPts val="100"/>
+              </a:spcAft>
+              <a:defRPr sz="600">
+                <a:solidFill>
+                  <a:srgbClr val="323232"/>
+                </a:solidFill>
+              </a:defRPr>
+            </a:pPr>
+            <a:r>
+              <a:t>• Variable cost model</a:t>
+            </a:r>
+          </a:p>
+          <a:p>
+            <a:pPr>
+              <a:spcAft>
+                <a:spcPts val="100"/>
+              </a:spcAft>
+              <a:defRPr sz="600">
+                <a:solidFill>
+                  <a:srgbClr val="323232"/>
+                </a:solidFill>
+              </a:defRPr>
+            </a:pPr>
+            <a:r>
+              <a:t>• Scale instantly</a:t>
+            </a:r>
+          </a:p>
+          <a:p>
+            <a:pPr>
+              <a:spcAft>
+                <a:spcPts val="100"/>
+              </a:spcAft>
+              <a:defRPr sz="600">
+                <a:solidFill>
+                  <a:srgbClr val="323232"/>
+                </a:solidFill>
+              </a:defRPr>
+            </a:pPr>
+            <a:r>
+              <a:t>• 24/7 availability</a:t>
+            </a:r>
+          </a:p>
+          <a:p>
+            <a:pPr>
+              <a:spcAft>
+                <a:spcPts val="100"/>
+              </a:spcAft>
+              <a:defRPr sz="600">
+                <a:solidFill>
+                  <a:srgbClr val="323232"/>
+                </a:solidFill>
+              </a:defRPr>
+            </a:pPr>
+            <a:r>
+              <a:t>• API integration</a:t>
+            </a:r>
+          </a:p>
+          <a:p>
+            <a:pPr>
+              <a:spcAft>
+                <a:spcPts val="100"/>
+              </a:spcAft>
+              <a:defRPr sz="600">
+                <a:solidFill>
+                  <a:srgbClr val="323232"/>
+                </a:solidFill>
+              </a:defRPr>
+            </a:pPr>
+          </a:p>
+          <a:p>
+            <a:pPr>
+              <a:spcAft>
+                <a:spcPts val="100"/>
+              </a:spcAft>
+              <a:defRPr sz="600">
+                <a:solidFill>
+                  <a:srgbClr val="323232"/>
+                </a:solidFill>
+              </a:defRPr>
+            </a:pPr>
+            <a:r>
+              <a:t>vs. In-House:</a:t>
+            </a:r>
+          </a:p>
+          <a:p>
+            <a:pPr>
+              <a:spcAft>
+                <a:spcPts val="100"/>
+              </a:spcAft>
+              <a:defRPr sz="600">
+                <a:solidFill>
+                  <a:srgbClr val="323232"/>
+                </a:solidFill>
+              </a:defRPr>
+            </a:pPr>
+            <a:r>
+              <a:t>• 50% cost reduction</a:t>
+            </a:r>
+          </a:p>
+          <a:p>
+            <a:pPr>
+              <a:spcAft>
+                <a:spcPts val="100"/>
+              </a:spcAft>
+              <a:defRPr sz="600">
+                <a:solidFill>
+                  <a:srgbClr val="323232"/>
+                </a:solidFill>
+              </a:defRPr>
+            </a:pPr>
+            <a:r>
+              <a:t>• 30% more uptime</a:t>
+            </a:r>
+          </a:p>
+          <a:p>
+            <a:pPr>
+              <a:spcAft>
+                <a:spcPts val="100"/>
+              </a:spcAft>
+              <a:defRPr sz="600">
+                <a:solidFill>
+                  <a:srgbClr val="323232"/>
+                </a:solidFill>
+              </a:defRPr>
+            </a:pPr>
+          </a:p>
+          <a:p>
+            <a:pPr>
+              <a:spcAft>
+                <a:spcPts val="100"/>
+              </a:spcAft>
+              <a:defRPr sz="600">
+                <a:solidFill>
+                  <a:srgbClr val="323232"/>
+                </a:solidFill>
+              </a:defRPr>
+            </a:pPr>
+            <a:r>
+              <a:t>For Technicians:</a:t>
+            </a:r>
+          </a:p>
+          <a:p>
+            <a:pPr>
+              <a:spcAft>
+                <a:spcPts val="100"/>
+              </a:spcAft>
+              <a:defRPr sz="600">
+                <a:solidFill>
+                  <a:srgbClr val="323232"/>
+                </a:solidFill>
+              </a:defRPr>
+            </a:pPr>
+            <a:r>
+              <a:t>• Flexible gig work</a:t>
+            </a:r>
+          </a:p>
+          <a:p>
+            <a:pPr>
+              <a:spcAft>
+                <a:spcPts val="100"/>
+              </a:spcAft>
+              <a:defRPr sz="600">
+                <a:solidFill>
+                  <a:srgbClr val="323232"/>
+                </a:solidFill>
+              </a:defRPr>
+            </a:pPr>
+            <a:r>
+              <a:t>• $15-20/hour</a:t>
+            </a:r>
+          </a:p>
+        </p:txBody>
+      </p:sp>
+      <p:sp>
+        <p:nvSpPr>
+          <p:cNvPr id="17" name="Rounded Rectangle 16"/>
+          <p:cNvSpPr/>
+          <p:nvPr/>
+        </p:nvSpPr>
+        <p:spPr>
+          <a:xfrm>
+            <a:off x="5431536" y="502920"/>
+            <a:ext cx="1719072" cy="1371600"/>
+          </a:xfrm>
+          <a:prstGeom prst="roundRect">
+            <a:avLst/>
+          </a:prstGeom>
+          <a:solidFill>
+            <a:srgbClr val="FFF9E6"/>
+          </a:solidFill>
+          <a:ln w="6350">
+            <a:solidFill>
+              <a:srgbClr val="C8C8C8"/>
+            </a:solidFill>
+          </a:ln>
+        </p:spPr>
+        <p:style>
+          <a:lnRef idx="1">
+            <a:schemeClr val="accent1"/>
+          </a:lnRef>
+          <a:fillRef idx="3">
+            <a:schemeClr val="accent1"/>
+          </a:fillRef>
+          <a:effectRef idx="2">
+            <a:schemeClr val="accent1"/>
+          </a:effectRef>
+          <a:fontRef idx="minor">
+            <a:schemeClr val="lt1"/>
+          </a:fontRef>
+        </p:style>
+        <p:txBody>
+          <a:bodyPr rtlCol="0" anchor="ctr"/>
+          <a:lstStyle/>
+          <a:p>
+            <a:pPr algn="ctr"/>
+          </a:p>
+        </p:txBody>
+      </p:sp>
+      <p:sp>
+        <p:nvSpPr>
+          <p:cNvPr id="18" name="TextBox 17"/>
+          <p:cNvSpPr txBox="1"/>
+          <p:nvPr/>
+        </p:nvSpPr>
+        <p:spPr>
+          <a:xfrm>
+            <a:off x="5504688" y="548640"/>
+            <a:ext cx="1581912" cy="228600"/>
+          </a:xfrm>
+          <a:prstGeom prst="rect">
+            <a:avLst/>
+          </a:prstGeom>
+          <a:noFill/>
+        </p:spPr>
+        <p:txBody>
+          <a:bodyPr wrap="square">
+            <a:spAutoFit/>
+          </a:bodyPr>
+          <a:lstStyle/>
+          <a:p>
+            <a:pPr>
+              <a:defRPr sz="800" b="1">
+                <a:solidFill>
+                  <a:srgbClr val="003366"/>
+                </a:solidFill>
+              </a:defRPr>
+            </a:pPr>
+            <a:r>
+              <a:t>CUSTOMER RELATIONSHIPS</a:t>
+            </a:r>
+          </a:p>
+        </p:txBody>
+      </p:sp>
+      <p:sp>
+        <p:nvSpPr>
+          <p:cNvPr id="19" name="TextBox 18"/>
+          <p:cNvSpPr txBox="1"/>
+          <p:nvPr/>
+        </p:nvSpPr>
+        <p:spPr>
+          <a:xfrm>
+            <a:off x="5504688" y="758952"/>
+            <a:ext cx="1581912" cy="1051560"/>
+          </a:xfrm>
+          <a:prstGeom prst="rect">
+            <a:avLst/>
+          </a:prstGeom>
+          <a:noFill/>
+        </p:spPr>
+        <p:txBody>
+          <a:bodyPr wrap="square">
+            <a:spAutoFit/>
+          </a:bodyPr>
+          <a:lstStyle/>
+          <a:p>
+            <a:pPr>
+              <a:spcAft>
+                <a:spcPts val="100"/>
+              </a:spcAft>
+              <a:defRPr sz="600">
+                <a:solidFill>
+                  <a:srgbClr val="323232"/>
+                </a:solidFill>
+              </a:defRPr>
+            </a:pPr>
+            <a:r>
+              <a:t>• Dedicated account mgrs</a:t>
+            </a:r>
+          </a:p>
+          <a:p>
+            <a:pPr>
+              <a:spcAft>
+                <a:spcPts val="100"/>
+              </a:spcAft>
+              <a:defRPr sz="600">
+                <a:solidFill>
+                  <a:srgbClr val="323232"/>
+                </a:solidFill>
+              </a:defRPr>
+            </a:pPr>
+            <a:r>
+              <a:t>• API integration support</a:t>
+            </a:r>
+          </a:p>
+          <a:p>
+            <a:pPr>
+              <a:spcAft>
+                <a:spcPts val="100"/>
+              </a:spcAft>
+              <a:defRPr sz="600">
+                <a:solidFill>
+                  <a:srgbClr val="323232"/>
+                </a:solidFill>
+              </a:defRPr>
+            </a:pPr>
+            <a:r>
+              <a:t>• Performance dashboards</a:t>
+            </a:r>
+          </a:p>
+          <a:p>
+            <a:pPr>
+              <a:spcAft>
+                <a:spcPts val="100"/>
+              </a:spcAft>
+              <a:defRPr sz="600">
+                <a:solidFill>
+                  <a:srgbClr val="323232"/>
+                </a:solidFill>
+              </a:defRPr>
+            </a:pPr>
+            <a:r>
+              <a:t>• SLA guarantees</a:t>
+            </a:r>
+          </a:p>
+          <a:p>
+            <a:pPr>
+              <a:spcAft>
+                <a:spcPts val="100"/>
+              </a:spcAft>
+              <a:defRPr sz="600">
+                <a:solidFill>
+                  <a:srgbClr val="323232"/>
+                </a:solidFill>
+              </a:defRPr>
+            </a:pPr>
+            <a:r>
+              <a:t>• 24/7 support</a:t>
+            </a:r>
+          </a:p>
+        </p:txBody>
+      </p:sp>
+      <p:sp>
+        <p:nvSpPr>
+          <p:cNvPr id="20" name="Rounded Rectangle 19"/>
+          <p:cNvSpPr/>
+          <p:nvPr/>
+        </p:nvSpPr>
+        <p:spPr>
+          <a:xfrm>
+            <a:off x="5431536" y="1920240"/>
+            <a:ext cx="1719072" cy="1371600"/>
+          </a:xfrm>
+          <a:prstGeom prst="roundRect">
+            <a:avLst/>
+          </a:prstGeom>
+          <a:solidFill>
+            <a:srgbClr val="FFF9E6"/>
+          </a:solidFill>
+          <a:ln w="6350">
+            <a:solidFill>
+              <a:srgbClr val="C8C8C8"/>
+            </a:solidFill>
+          </a:ln>
+        </p:spPr>
+        <p:style>
+          <a:lnRef idx="1">
+            <a:schemeClr val="accent1"/>
+          </a:lnRef>
+          <a:fillRef idx="3">
+            <a:schemeClr val="accent1"/>
+          </a:fillRef>
+          <a:effectRef idx="2">
+            <a:schemeClr val="accent1"/>
+          </a:effectRef>
+          <a:fontRef idx="minor">
+            <a:schemeClr val="lt1"/>
+          </a:fontRef>
+        </p:style>
+        <p:txBody>
+          <a:bodyPr rtlCol="0" anchor="ctr"/>
+          <a:lstStyle/>
+          <a:p>
+            <a:pPr algn="ctr"/>
+          </a:p>
+        </p:txBody>
+      </p:sp>
+      <p:sp>
+        <p:nvSpPr>
+          <p:cNvPr id="21" name="TextBox 20"/>
+          <p:cNvSpPr txBox="1"/>
+          <p:nvPr/>
+        </p:nvSpPr>
+        <p:spPr>
+          <a:xfrm>
+            <a:off x="5504688" y="1965960"/>
+            <a:ext cx="1581912" cy="228600"/>
+          </a:xfrm>
+          <a:prstGeom prst="rect">
+            <a:avLst/>
+          </a:prstGeom>
+          <a:noFill/>
+        </p:spPr>
+        <p:txBody>
+          <a:bodyPr wrap="square">
+            <a:spAutoFit/>
+          </a:bodyPr>
+          <a:lstStyle/>
+          <a:p>
+            <a:pPr>
+              <a:defRPr sz="800" b="1">
+                <a:solidFill>
+                  <a:srgbClr val="003366"/>
+                </a:solidFill>
+              </a:defRPr>
+            </a:pPr>
+            <a:r>
+              <a:t>CHANNELS</a:t>
+            </a:r>
+          </a:p>
+        </p:txBody>
+      </p:sp>
+      <p:sp>
+        <p:nvSpPr>
+          <p:cNvPr id="22" name="TextBox 21"/>
+          <p:cNvSpPr txBox="1"/>
+          <p:nvPr/>
+        </p:nvSpPr>
+        <p:spPr>
+          <a:xfrm>
+            <a:off x="5504688" y="2176272"/>
+            <a:ext cx="1581912" cy="1051560"/>
+          </a:xfrm>
+          <a:prstGeom prst="rect">
+            <a:avLst/>
+          </a:prstGeom>
+          <a:noFill/>
+        </p:spPr>
+        <p:txBody>
+          <a:bodyPr wrap="square">
+            <a:spAutoFit/>
+          </a:bodyPr>
+          <a:lstStyle/>
+          <a:p>
+            <a:pPr>
+              <a:spcAft>
+                <a:spcPts val="100"/>
+              </a:spcAft>
+              <a:defRPr sz="600">
+                <a:solidFill>
+                  <a:srgbClr val="323232"/>
+                </a:solidFill>
+              </a:defRPr>
+            </a:pPr>
+            <a:r>
+              <a:t>Acquisition:</a:t>
+            </a:r>
+          </a:p>
+          <a:p>
+            <a:pPr>
+              <a:spcAft>
+                <a:spcPts val="100"/>
+              </a:spcAft>
+              <a:defRPr sz="600">
+                <a:solidFill>
+                  <a:srgbClr val="323232"/>
+                </a:solidFill>
+              </a:defRPr>
+            </a:pPr>
+            <a:r>
+              <a:t>• Direct enterprise sales</a:t>
+            </a:r>
+          </a:p>
+          <a:p>
+            <a:pPr>
+              <a:spcAft>
+                <a:spcPts val="100"/>
+              </a:spcAft>
+              <a:defRPr sz="600">
+                <a:solidFill>
+                  <a:srgbClr val="323232"/>
+                </a:solidFill>
+              </a:defRPr>
+            </a:pPr>
+            <a:r>
+              <a:t>• Industry conferences</a:t>
+            </a:r>
+          </a:p>
+          <a:p>
+            <a:pPr>
+              <a:spcAft>
+                <a:spcPts val="100"/>
+              </a:spcAft>
+              <a:defRPr sz="600">
+                <a:solidFill>
+                  <a:srgbClr val="323232"/>
+                </a:solidFill>
+              </a:defRPr>
+            </a:pPr>
+          </a:p>
+          <a:p>
+            <a:pPr>
+              <a:spcAft>
+                <a:spcPts val="100"/>
+              </a:spcAft>
+              <a:defRPr sz="600">
+                <a:solidFill>
+                  <a:srgbClr val="323232"/>
+                </a:solidFill>
+              </a:defRPr>
+            </a:pPr>
+            <a:r>
+              <a:t>Delivery:</a:t>
+            </a:r>
+          </a:p>
+          <a:p>
+            <a:pPr>
+              <a:spcAft>
+                <a:spcPts val="100"/>
+              </a:spcAft>
+              <a:defRPr sz="600">
+                <a:solidFill>
+                  <a:srgbClr val="323232"/>
+                </a:solidFill>
+              </a:defRPr>
+            </a:pPr>
+            <a:r>
+              <a:t>• Fleet dashboard</a:t>
+            </a:r>
+          </a:p>
+          <a:p>
+            <a:pPr>
+              <a:spcAft>
+                <a:spcPts val="100"/>
+              </a:spcAft>
+              <a:defRPr sz="600">
+                <a:solidFill>
+                  <a:srgbClr val="323232"/>
+                </a:solidFill>
+              </a:defRPr>
+            </a:pPr>
+            <a:r>
+              <a:t>• API integration</a:t>
+            </a:r>
+          </a:p>
+          <a:p>
+            <a:pPr>
+              <a:spcAft>
+                <a:spcPts val="100"/>
+              </a:spcAft>
+              <a:defRPr sz="600">
+                <a:solidFill>
+                  <a:srgbClr val="323232"/>
+                </a:solidFill>
+              </a:defRPr>
+            </a:pPr>
+            <a:r>
+              <a:t>• Mobile dispatch</a:t>
+            </a:r>
+          </a:p>
+        </p:txBody>
+      </p:sp>
+      <p:sp>
+        <p:nvSpPr>
+          <p:cNvPr id="23" name="Rounded Rectangle 22"/>
+          <p:cNvSpPr/>
+          <p:nvPr/>
+        </p:nvSpPr>
+        <p:spPr>
+          <a:xfrm>
+            <a:off x="7196328" y="502920"/>
+            <a:ext cx="1719072" cy="2788920"/>
+          </a:xfrm>
+          <a:prstGeom prst="roundRect">
+            <a:avLst/>
+          </a:prstGeom>
+          <a:solidFill>
+            <a:srgbClr val="FFF9E6"/>
+          </a:solidFill>
+          <a:ln w="6350">
+            <a:solidFill>
+              <a:srgbClr val="C8C8C8"/>
+            </a:solidFill>
+          </a:ln>
+        </p:spPr>
+        <p:style>
+          <a:lnRef idx="1">
+            <a:schemeClr val="accent1"/>
+          </a:lnRef>
+          <a:fillRef idx="3">
+            <a:schemeClr val="accent1"/>
+          </a:fillRef>
+          <a:effectRef idx="2">
+            <a:schemeClr val="accent1"/>
+          </a:effectRef>
+          <a:fontRef idx="minor">
+            <a:schemeClr val="lt1"/>
+          </a:fontRef>
+        </p:style>
+        <p:txBody>
+          <a:bodyPr rtlCol="0" anchor="ctr"/>
+          <a:lstStyle/>
+          <a:p>
+            <a:pPr algn="ctr"/>
+          </a:p>
+        </p:txBody>
+      </p:sp>
+      <p:sp>
+        <p:nvSpPr>
+          <p:cNvPr id="24" name="TextBox 23"/>
+          <p:cNvSpPr txBox="1"/>
+          <p:nvPr/>
+        </p:nvSpPr>
+        <p:spPr>
+          <a:xfrm>
+            <a:off x="7269480" y="548640"/>
+            <a:ext cx="1581912" cy="228600"/>
+          </a:xfrm>
+          <a:prstGeom prst="rect">
+            <a:avLst/>
+          </a:prstGeom>
+          <a:noFill/>
+        </p:spPr>
+        <p:txBody>
+          <a:bodyPr wrap="square">
+            <a:spAutoFit/>
+          </a:bodyPr>
+          <a:lstStyle/>
+          <a:p>
+            <a:pPr>
+              <a:defRPr sz="800" b="1">
+                <a:solidFill>
+                  <a:srgbClr val="003366"/>
+                </a:solidFill>
+              </a:defRPr>
+            </a:pPr>
+            <a:r>
+              <a:t>CUSTOMER SEGMENTS</a:t>
+            </a:r>
+          </a:p>
+        </p:txBody>
+      </p:sp>
+      <p:sp>
+        <p:nvSpPr>
+          <p:cNvPr id="25" name="TextBox 24"/>
+          <p:cNvSpPr txBox="1"/>
+          <p:nvPr/>
+        </p:nvSpPr>
+        <p:spPr>
+          <a:xfrm>
+            <a:off x="7269480" y="758952"/>
+            <a:ext cx="1581912" cy="2468880"/>
+          </a:xfrm>
+          <a:prstGeom prst="rect">
+            <a:avLst/>
+          </a:prstGeom>
+          <a:noFill/>
+        </p:spPr>
+        <p:txBody>
+          <a:bodyPr wrap="square">
+            <a:spAutoFit/>
+          </a:bodyPr>
+          <a:lstStyle/>
+          <a:p>
+            <a:pPr>
+              <a:spcAft>
+                <a:spcPts val="100"/>
+              </a:spcAft>
+              <a:defRPr sz="600">
+                <a:solidFill>
+                  <a:srgbClr val="323232"/>
+                </a:solidFill>
+              </a:defRPr>
+            </a:pPr>
+            <a:r>
+              <a:t>Primary:</a:t>
+            </a:r>
+          </a:p>
+          <a:p>
+            <a:pPr>
+              <a:spcAft>
+                <a:spcPts val="100"/>
+              </a:spcAft>
+              <a:defRPr sz="600">
+                <a:solidFill>
+                  <a:srgbClr val="323232"/>
+                </a:solidFill>
+              </a:defRPr>
+            </a:pPr>
+            <a:r>
+              <a:t>• Waymo (2,500+ vehicles)</a:t>
+            </a:r>
+          </a:p>
+          <a:p>
+            <a:pPr>
+              <a:spcAft>
+                <a:spcPts val="100"/>
+              </a:spcAft>
+              <a:defRPr sz="600">
+                <a:solidFill>
+                  <a:srgbClr val="323232"/>
+                </a:solidFill>
+              </a:defRPr>
+            </a:pPr>
+            <a:r>
+              <a:t>• Cruise (rebuilding)</a:t>
+            </a:r>
+          </a:p>
+          <a:p>
+            <a:pPr>
+              <a:spcAft>
+                <a:spcPts val="100"/>
+              </a:spcAft>
+              <a:defRPr sz="600">
+                <a:solidFill>
+                  <a:srgbClr val="323232"/>
+                </a:solidFill>
+              </a:defRPr>
+            </a:pPr>
+            <a:r>
+              <a:t>• Zoox (Amazon)</a:t>
+            </a:r>
+          </a:p>
+          <a:p>
+            <a:pPr>
+              <a:spcAft>
+                <a:spcPts val="100"/>
+              </a:spcAft>
+              <a:defRPr sz="600">
+                <a:solidFill>
+                  <a:srgbClr val="323232"/>
+                </a:solidFill>
+              </a:defRPr>
+            </a:pPr>
+            <a:r>
+              <a:t>• Tesla Robotaxi</a:t>
+            </a:r>
+          </a:p>
+          <a:p>
+            <a:pPr>
+              <a:spcAft>
+                <a:spcPts val="100"/>
+              </a:spcAft>
+              <a:defRPr sz="600">
+                <a:solidFill>
+                  <a:srgbClr val="323232"/>
+                </a:solidFill>
+              </a:defRPr>
+            </a:pPr>
+          </a:p>
+          <a:p>
+            <a:pPr>
+              <a:spcAft>
+                <a:spcPts val="100"/>
+              </a:spcAft>
+              <a:defRPr sz="600">
+                <a:solidFill>
+                  <a:srgbClr val="323232"/>
+                </a:solidFill>
+              </a:defRPr>
+            </a:pPr>
+            <a:r>
+              <a:t>Secondary:</a:t>
+            </a:r>
+          </a:p>
+          <a:p>
+            <a:pPr>
+              <a:spcAft>
+                <a:spcPts val="100"/>
+              </a:spcAft>
+              <a:defRPr sz="600">
+                <a:solidFill>
+                  <a:srgbClr val="323232"/>
+                </a:solidFill>
+              </a:defRPr>
+            </a:pPr>
+            <a:r>
+              <a:t>• Amazon Delivery EVs</a:t>
+            </a:r>
+          </a:p>
+          <a:p>
+            <a:pPr>
+              <a:spcAft>
+                <a:spcPts val="100"/>
+              </a:spcAft>
+              <a:defRPr sz="600">
+                <a:solidFill>
+                  <a:srgbClr val="323232"/>
+                </a:solidFill>
+              </a:defRPr>
+            </a:pPr>
+            <a:r>
+              <a:t>• FedEx/UPS electric</a:t>
+            </a:r>
+          </a:p>
+          <a:p>
+            <a:pPr>
+              <a:spcAft>
+                <a:spcPts val="100"/>
+              </a:spcAft>
+              <a:defRPr sz="600">
+                <a:solidFill>
+                  <a:srgbClr val="323232"/>
+                </a:solidFill>
+              </a:defRPr>
+            </a:pPr>
+          </a:p>
+          <a:p>
+            <a:pPr>
+              <a:spcAft>
+                <a:spcPts val="100"/>
+              </a:spcAft>
+              <a:defRPr sz="600">
+                <a:solidFill>
+                  <a:srgbClr val="323232"/>
+                </a:solidFill>
+              </a:defRPr>
+            </a:pPr>
+            <a:r>
+              <a:t>Buyers:</a:t>
+            </a:r>
+          </a:p>
+          <a:p>
+            <a:pPr>
+              <a:spcAft>
+                <a:spcPts val="100"/>
+              </a:spcAft>
+              <a:defRPr sz="600">
+                <a:solidFill>
+                  <a:srgbClr val="323232"/>
+                </a:solidFill>
+              </a:defRPr>
+            </a:pPr>
+            <a:r>
+              <a:t>• VP of Operations</a:t>
+            </a:r>
+          </a:p>
+          <a:p>
+            <a:pPr>
+              <a:spcAft>
+                <a:spcPts val="100"/>
+              </a:spcAft>
+              <a:defRPr sz="600">
+                <a:solidFill>
+                  <a:srgbClr val="323232"/>
+                </a:solidFill>
+              </a:defRPr>
+            </a:pPr>
+            <a:r>
+              <a:t>• Fleet Ops Manager</a:t>
+            </a:r>
+          </a:p>
+        </p:txBody>
+      </p:sp>
+      <p:sp>
+        <p:nvSpPr>
+          <p:cNvPr id="26" name="Rounded Rectangle 25"/>
+          <p:cNvSpPr/>
+          <p:nvPr/>
+        </p:nvSpPr>
+        <p:spPr>
+          <a:xfrm>
+            <a:off x="137160" y="3337560"/>
+            <a:ext cx="3483864" cy="914400"/>
+          </a:xfrm>
+          <a:prstGeom prst="roundRect">
+            <a:avLst/>
+          </a:prstGeom>
+          <a:solidFill>
+            <a:srgbClr val="F0F0F0"/>
+          </a:solidFill>
+          <a:ln w="6350">
+            <a:solidFill>
+              <a:srgbClr val="C8C8C8"/>
+            </a:solidFill>
+          </a:ln>
+        </p:spPr>
+        <p:style>
+          <a:lnRef idx="1">
+            <a:schemeClr val="accent1"/>
+          </a:lnRef>
+          <a:fillRef idx="3">
+            <a:schemeClr val="accent1"/>
+          </a:fillRef>
+          <a:effectRef idx="2">
+            <a:schemeClr val="accent1"/>
+          </a:effectRef>
+          <a:fontRef idx="minor">
+            <a:schemeClr val="lt1"/>
+          </a:fontRef>
+        </p:style>
+        <p:txBody>
+          <a:bodyPr rtlCol="0" anchor="ctr"/>
+          <a:lstStyle/>
+          <a:p>
+            <a:pPr algn="ctr"/>
+          </a:p>
+        </p:txBody>
+      </p:sp>
+      <p:sp>
+        <p:nvSpPr>
+          <p:cNvPr id="27" name="TextBox 26"/>
+          <p:cNvSpPr txBox="1"/>
+          <p:nvPr/>
+        </p:nvSpPr>
+        <p:spPr>
+          <a:xfrm>
+            <a:off x="210312" y="3383280"/>
+            <a:ext cx="3346704" cy="228600"/>
+          </a:xfrm>
+          <a:prstGeom prst="rect">
+            <a:avLst/>
+          </a:prstGeom>
+          <a:noFill/>
+        </p:spPr>
+        <p:txBody>
+          <a:bodyPr wrap="square">
+            <a:spAutoFit/>
+          </a:bodyPr>
+          <a:lstStyle/>
+          <a:p>
+            <a:pPr>
+              <a:defRPr sz="800" b="1">
+                <a:solidFill>
+                  <a:srgbClr val="003366"/>
+                </a:solidFill>
+              </a:defRPr>
+            </a:pPr>
+            <a:r>
+              <a:t>COST STRUCTURE</a:t>
+            </a:r>
+          </a:p>
+        </p:txBody>
+      </p:sp>
+      <p:sp>
+        <p:nvSpPr>
+          <p:cNvPr id="28" name="TextBox 27"/>
+          <p:cNvSpPr txBox="1"/>
+          <p:nvPr/>
+        </p:nvSpPr>
+        <p:spPr>
+          <a:xfrm>
+            <a:off x="210312" y="3593592"/>
+            <a:ext cx="3346704" cy="594360"/>
+          </a:xfrm>
+          <a:prstGeom prst="rect">
+            <a:avLst/>
+          </a:prstGeom>
+          <a:noFill/>
+        </p:spPr>
+        <p:txBody>
+          <a:bodyPr wrap="square">
+            <a:spAutoFit/>
+          </a:bodyPr>
+          <a:lstStyle/>
+          <a:p>
+            <a:pPr>
+              <a:spcAft>
+                <a:spcPts val="100"/>
+              </a:spcAft>
+              <a:defRPr sz="600">
+                <a:solidFill>
+                  <a:srgbClr val="323232"/>
+                </a:solidFill>
+              </a:defRPr>
+            </a:pPr>
+            <a:r>
+              <a:t>Variable: Tech payouts (65-70%), Payment processing (2-3%)</a:t>
+            </a:r>
+          </a:p>
+          <a:p>
+            <a:pPr>
+              <a:spcAft>
+                <a:spcPts val="100"/>
+              </a:spcAft>
+              <a:defRPr sz="600">
+                <a:solidFill>
+                  <a:srgbClr val="323232"/>
+                </a:solidFill>
+              </a:defRPr>
+            </a:pPr>
+            <a:r>
+              <a:t>Fixed: Platform ($15-20K/mo), Team ($40-60K/mo), Marketing ($10-15K/mo)</a:t>
+            </a:r>
+          </a:p>
+          <a:p>
+            <a:pPr>
+              <a:spcAft>
+                <a:spcPts val="100"/>
+              </a:spcAft>
+              <a:defRPr sz="600">
+                <a:solidFill>
+                  <a:srgbClr val="323232"/>
+                </a:solidFill>
+              </a:defRPr>
+            </a:pPr>
+            <a:r>
+              <a:t>Seed: $1.5M total</a:t>
+            </a:r>
+          </a:p>
+        </p:txBody>
+      </p:sp>
+      <p:sp>
+        <p:nvSpPr>
+          <p:cNvPr id="29" name="Rounded Rectangle 28"/>
+          <p:cNvSpPr/>
+          <p:nvPr/>
+        </p:nvSpPr>
+        <p:spPr>
+          <a:xfrm>
+            <a:off x="3666744" y="3337560"/>
+            <a:ext cx="5248656" cy="914400"/>
+          </a:xfrm>
+          <a:prstGeom prst="roundRect">
+            <a:avLst/>
+          </a:prstGeom>
+          <a:solidFill>
+            <a:srgbClr val="DBEAFE"/>
+          </a:solidFill>
+          <a:ln w="6350">
+            <a:solidFill>
+              <a:srgbClr val="C8C8C8"/>
+            </a:solidFill>
+          </a:ln>
+        </p:spPr>
+        <p:style>
+          <a:lnRef idx="1">
+            <a:schemeClr val="accent1"/>
+          </a:lnRef>
+          <a:fillRef idx="3">
+            <a:schemeClr val="accent1"/>
+          </a:fillRef>
+          <a:effectRef idx="2">
+            <a:schemeClr val="accent1"/>
+          </a:effectRef>
+          <a:fontRef idx="minor">
+            <a:schemeClr val="lt1"/>
+          </a:fontRef>
+        </p:style>
+        <p:txBody>
+          <a:bodyPr rtlCol="0" anchor="ctr"/>
+          <a:lstStyle/>
+          <a:p>
+            <a:pPr algn="ctr"/>
+          </a:p>
+        </p:txBody>
+      </p:sp>
+      <p:sp>
+        <p:nvSpPr>
+          <p:cNvPr id="30" name="TextBox 29"/>
+          <p:cNvSpPr txBox="1"/>
+          <p:nvPr/>
+        </p:nvSpPr>
+        <p:spPr>
+          <a:xfrm>
+            <a:off x="3739896" y="3383280"/>
+            <a:ext cx="5111496" cy="228600"/>
+          </a:xfrm>
+          <a:prstGeom prst="rect">
+            <a:avLst/>
+          </a:prstGeom>
+          <a:noFill/>
+        </p:spPr>
+        <p:txBody>
+          <a:bodyPr wrap="square">
+            <a:spAutoFit/>
+          </a:bodyPr>
+          <a:lstStyle/>
+          <a:p>
+            <a:pPr>
+              <a:defRPr sz="800" b="1">
+                <a:solidFill>
+                  <a:srgbClr val="003366"/>
+                </a:solidFill>
+              </a:defRPr>
+            </a:pPr>
+            <a:r>
+              <a:t>REVENUE STREAMS</a:t>
+            </a:r>
+          </a:p>
+        </p:txBody>
+      </p:sp>
+      <p:sp>
+        <p:nvSpPr>
+          <p:cNvPr id="31" name="TextBox 30"/>
+          <p:cNvSpPr txBox="1"/>
+          <p:nvPr/>
+        </p:nvSpPr>
+        <p:spPr>
+          <a:xfrm>
+            <a:off x="3739896" y="3593592"/>
+            <a:ext cx="5111496" cy="594360"/>
+          </a:xfrm>
+          <a:prstGeom prst="rect">
+            <a:avLst/>
+          </a:prstGeom>
+          <a:noFill/>
+        </p:spPr>
+        <p:txBody>
+          <a:bodyPr wrap="square">
+            <a:spAutoFit/>
+          </a:bodyPr>
+          <a:lstStyle/>
+          <a:p>
+            <a:pPr>
+              <a:spcAft>
+                <a:spcPts val="100"/>
+              </a:spcAft>
+              <a:defRPr sz="600">
+                <a:solidFill>
+                  <a:srgbClr val="323232"/>
+                </a:solidFill>
+              </a:defRPr>
+            </a:pPr>
+            <a:r>
+              <a:t>Services: Quick ($12-18) | Deep ($45-75) | Emergency ($75-150)</a:t>
+            </a:r>
+          </a:p>
+          <a:p>
+            <a:pPr>
+              <a:spcAft>
+                <a:spcPts val="100"/>
+              </a:spcAft>
+              <a:defRPr sz="600">
+                <a:solidFill>
+                  <a:srgbClr val="323232"/>
+                </a:solidFill>
+              </a:defRPr>
+            </a:pPr>
+            <a:r>
+              <a:t>Unit Economics: Avg $15/service, 30% margin ($4-5), Target 10K/day</a:t>
+            </a:r>
+          </a:p>
+          <a:p>
+            <a:pPr>
+              <a:spcAft>
+                <a:spcPts val="100"/>
+              </a:spcAft>
+              <a:defRPr sz="600">
+                <a:solidFill>
+                  <a:srgbClr val="323232"/>
+                </a:solidFill>
+              </a:defRPr>
+            </a:pPr>
+            <a:r>
+              <a:t>Projections: Y1 $1.2M → Y2 $5.5M → Y3 $15M | TAM 2032: $5.5B</a:t>
             </a:r>
           </a:p>
         </p:txBody>
@@ -8500,2120 +10225,6 @@
             <a:br/>
             <a:r>
               <a:t>tidytails.github.io/motra-landing</a:t>
-            </a:r>
-          </a:p>
-        </p:txBody>
-      </p:sp>
-    </p:spTree>
-  </p:cSld>
-  <p:clrMapOvr>
-    <a:masterClrMapping/>
-  </p:clrMapOvr>
-</p:sld>
-</file>
-
-<file path=ppt/slides/slide24.xml><?xml version="1.0" encoding="utf-8"?>
-<p:sld xmlns:a="http://schemas.openxmlformats.org/drawingml/2006/main" xmlns:p="http://schemas.openxmlformats.org/presentationml/2006/main" xmlns:r="http://schemas.openxmlformats.org/officeDocument/2006/relationships">
-  <p:cSld>
-    <p:spTree>
-      <p:nvGrpSpPr>
-        <p:cNvPr id="1" name=""/>
-        <p:cNvGrpSpPr/>
-        <p:nvPr/>
-      </p:nvGrpSpPr>
-      <p:grpSpPr/>
-      <p:sp>
-        <p:nvSpPr>
-          <p:cNvPr id="2" name="Rectangle 1"/>
-          <p:cNvSpPr/>
-          <p:nvPr/>
-        </p:nvSpPr>
-        <p:spPr>
-          <a:xfrm>
-            <a:off x="0" y="0"/>
-            <a:ext cx="9144000" cy="457200"/>
-          </a:xfrm>
-          <a:prstGeom prst="rect">
-            <a:avLst/>
-          </a:prstGeom>
-          <a:solidFill>
-            <a:srgbClr val="003366"/>
-          </a:solidFill>
-          <a:ln>
-            <a:noFill/>
-          </a:ln>
-        </p:spPr>
-        <p:style>
-          <a:lnRef idx="1">
-            <a:schemeClr val="accent1"/>
-          </a:lnRef>
-          <a:fillRef idx="3">
-            <a:schemeClr val="accent1"/>
-          </a:fillRef>
-          <a:effectRef idx="2">
-            <a:schemeClr val="accent1"/>
-          </a:effectRef>
-          <a:fontRef idx="minor">
-            <a:schemeClr val="lt1"/>
-          </a:fontRef>
-        </p:style>
-        <p:txBody>
-          <a:bodyPr rtlCol="0" anchor="ctr"/>
-          <a:lstStyle/>
-          <a:p>
-            <a:pPr algn="ctr"/>
-          </a:p>
-        </p:txBody>
-      </p:sp>
-      <p:sp>
-        <p:nvSpPr>
-          <p:cNvPr id="3" name="TextBox 2"/>
-          <p:cNvSpPr txBox="1"/>
-          <p:nvPr/>
-        </p:nvSpPr>
-        <p:spPr>
-          <a:xfrm>
-            <a:off x="137160" y="91440"/>
-            <a:ext cx="365760" cy="274320"/>
-          </a:xfrm>
-          <a:prstGeom prst="rect">
-            <a:avLst/>
-          </a:prstGeom>
-          <a:noFill/>
-        </p:spPr>
-        <p:txBody>
-          <a:bodyPr wrap="none">
-            <a:spAutoFit/>
-          </a:bodyPr>
-          <a:lstStyle/>
-          <a:p>
-            <a:pPr>
-              <a:defRPr sz="1200" b="1">
-                <a:solidFill>
-                  <a:srgbClr val="FFFFFF"/>
-                </a:solidFill>
-              </a:defRPr>
-            </a:pPr>
-            <a:r>
-              <a:t>11</a:t>
-            </a:r>
-          </a:p>
-        </p:txBody>
-      </p:sp>
-      <p:sp>
-        <p:nvSpPr>
-          <p:cNvPr id="4" name="TextBox 3"/>
-          <p:cNvSpPr txBox="1"/>
-          <p:nvPr/>
-        </p:nvSpPr>
-        <p:spPr>
-          <a:xfrm>
-            <a:off x="457200" y="91440"/>
-            <a:ext cx="7315200" cy="274320"/>
-          </a:xfrm>
-          <a:prstGeom prst="rect">
-            <a:avLst/>
-          </a:prstGeom>
-          <a:noFill/>
-        </p:spPr>
-        <p:txBody>
-          <a:bodyPr wrap="none">
-            <a:spAutoFit/>
-          </a:bodyPr>
-          <a:lstStyle/>
-          <a:p>
-            <a:pPr>
-              <a:defRPr sz="1800" b="1">
-                <a:solidFill>
-                  <a:srgbClr val="FFFFFF"/>
-                </a:solidFill>
-              </a:defRPr>
-            </a:pPr>
-            <a:r>
-              <a:t>BUSINESS MODEL CANVAS</a:t>
-            </a:r>
-          </a:p>
-        </p:txBody>
-      </p:sp>
-      <p:sp>
-        <p:nvSpPr>
-          <p:cNvPr id="5" name="Rounded Rectangle 4"/>
-          <p:cNvSpPr/>
-          <p:nvPr/>
-        </p:nvSpPr>
-        <p:spPr>
-          <a:xfrm>
-            <a:off x="137160" y="502920"/>
-            <a:ext cx="1719072" cy="2788920"/>
-          </a:xfrm>
-          <a:prstGeom prst="roundRect">
-            <a:avLst/>
-          </a:prstGeom>
-          <a:solidFill>
-            <a:srgbClr val="E8E4F0"/>
-          </a:solidFill>
-          <a:ln w="6350">
-            <a:solidFill>
-              <a:srgbClr val="C8C8C8"/>
-            </a:solidFill>
-          </a:ln>
-        </p:spPr>
-        <p:style>
-          <a:lnRef idx="1">
-            <a:schemeClr val="accent1"/>
-          </a:lnRef>
-          <a:fillRef idx="3">
-            <a:schemeClr val="accent1"/>
-          </a:fillRef>
-          <a:effectRef idx="2">
-            <a:schemeClr val="accent1"/>
-          </a:effectRef>
-          <a:fontRef idx="minor">
-            <a:schemeClr val="lt1"/>
-          </a:fontRef>
-        </p:style>
-        <p:txBody>
-          <a:bodyPr rtlCol="0" anchor="ctr"/>
-          <a:lstStyle/>
-          <a:p>
-            <a:pPr algn="ctr"/>
-          </a:p>
-        </p:txBody>
-      </p:sp>
-      <p:sp>
-        <p:nvSpPr>
-          <p:cNvPr id="6" name="TextBox 5"/>
-          <p:cNvSpPr txBox="1"/>
-          <p:nvPr/>
-        </p:nvSpPr>
-        <p:spPr>
-          <a:xfrm>
-            <a:off x="210312" y="548640"/>
-            <a:ext cx="1581912" cy="228600"/>
-          </a:xfrm>
-          <a:prstGeom prst="rect">
-            <a:avLst/>
-          </a:prstGeom>
-          <a:noFill/>
-        </p:spPr>
-        <p:txBody>
-          <a:bodyPr wrap="square">
-            <a:spAutoFit/>
-          </a:bodyPr>
-          <a:lstStyle/>
-          <a:p>
-            <a:pPr>
-              <a:defRPr sz="800" b="1">
-                <a:solidFill>
-                  <a:srgbClr val="003366"/>
-                </a:solidFill>
-              </a:defRPr>
-            </a:pPr>
-            <a:r>
-              <a:t>KEY PARTNERS</a:t>
-            </a:r>
-          </a:p>
-        </p:txBody>
-      </p:sp>
-      <p:sp>
-        <p:nvSpPr>
-          <p:cNvPr id="7" name="TextBox 6"/>
-          <p:cNvSpPr txBox="1"/>
-          <p:nvPr/>
-        </p:nvSpPr>
-        <p:spPr>
-          <a:xfrm>
-            <a:off x="210312" y="758952"/>
-            <a:ext cx="1581912" cy="2468880"/>
-          </a:xfrm>
-          <a:prstGeom prst="rect">
-            <a:avLst/>
-          </a:prstGeom>
-          <a:noFill/>
-        </p:spPr>
-        <p:txBody>
-          <a:bodyPr wrap="square">
-            <a:spAutoFit/>
-          </a:bodyPr>
-          <a:lstStyle/>
-          <a:p>
-            <a:pPr>
-              <a:spcAft>
-                <a:spcPts val="100"/>
-              </a:spcAft>
-              <a:defRPr sz="600">
-                <a:solidFill>
-                  <a:srgbClr val="323232"/>
-                </a:solidFill>
-              </a:defRPr>
-            </a:pPr>
-            <a:r>
-              <a:t>AV Ecosystem:</a:t>
-            </a:r>
-          </a:p>
-          <a:p>
-            <a:pPr>
-              <a:spcAft>
-                <a:spcPts val="100"/>
-              </a:spcAft>
-              <a:defRPr sz="600">
-                <a:solidFill>
-                  <a:srgbClr val="323232"/>
-                </a:solidFill>
-              </a:defRPr>
-            </a:pPr>
-            <a:r>
-              <a:t>• Waymo, Cruise, Zoox, Tesla</a:t>
-            </a:r>
-          </a:p>
-          <a:p>
-            <a:pPr>
-              <a:spcAft>
-                <a:spcPts val="100"/>
-              </a:spcAft>
-              <a:defRPr sz="600">
-                <a:solidFill>
-                  <a:srgbClr val="323232"/>
-                </a:solidFill>
-              </a:defRPr>
-            </a:pPr>
-            <a:r>
-              <a:t>• Fleet mgmt software</a:t>
-            </a:r>
-          </a:p>
-          <a:p>
-            <a:pPr>
-              <a:spcAft>
-                <a:spcPts val="100"/>
-              </a:spcAft>
-              <a:defRPr sz="600">
-                <a:solidFill>
-                  <a:srgbClr val="323232"/>
-                </a:solidFill>
-              </a:defRPr>
-            </a:pPr>
-          </a:p>
-          <a:p>
-            <a:pPr>
-              <a:spcAft>
-                <a:spcPts val="100"/>
-              </a:spcAft>
-              <a:defRPr sz="600">
-                <a:solidFill>
-                  <a:srgbClr val="323232"/>
-                </a:solidFill>
-              </a:defRPr>
-            </a:pPr>
-            <a:r>
-              <a:t>Gig Economy:</a:t>
-            </a:r>
-          </a:p>
-          <a:p>
-            <a:pPr>
-              <a:spcAft>
-                <a:spcPts val="100"/>
-              </a:spcAft>
-              <a:defRPr sz="600">
-                <a:solidFill>
-                  <a:srgbClr val="323232"/>
-                </a:solidFill>
-              </a:defRPr>
-            </a:pPr>
-            <a:r>
-              <a:t>• Existing gig platforms</a:t>
-            </a:r>
-          </a:p>
-          <a:p>
-            <a:pPr>
-              <a:spcAft>
-                <a:spcPts val="100"/>
-              </a:spcAft>
-              <a:defRPr sz="600">
-                <a:solidFill>
-                  <a:srgbClr val="323232"/>
-                </a:solidFill>
-              </a:defRPr>
-            </a:pPr>
-            <a:r>
-              <a:t>• Training providers</a:t>
-            </a:r>
-          </a:p>
-          <a:p>
-            <a:pPr>
-              <a:spcAft>
-                <a:spcPts val="100"/>
-              </a:spcAft>
-              <a:defRPr sz="600">
-                <a:solidFill>
-                  <a:srgbClr val="323232"/>
-                </a:solidFill>
-              </a:defRPr>
-            </a:pPr>
-            <a:r>
-              <a:t>• Equipment suppliers</a:t>
-            </a:r>
-          </a:p>
-          <a:p>
-            <a:pPr>
-              <a:spcAft>
-                <a:spcPts val="100"/>
-              </a:spcAft>
-              <a:defRPr sz="600">
-                <a:solidFill>
-                  <a:srgbClr val="323232"/>
-                </a:solidFill>
-              </a:defRPr>
-            </a:pPr>
-          </a:p>
-          <a:p>
-            <a:pPr>
-              <a:spcAft>
-                <a:spcPts val="100"/>
-              </a:spcAft>
-              <a:defRPr sz="600">
-                <a:solidFill>
-                  <a:srgbClr val="323232"/>
-                </a:solidFill>
-              </a:defRPr>
-            </a:pPr>
-            <a:r>
-              <a:t>Supporting:</a:t>
-            </a:r>
-          </a:p>
-          <a:p>
-            <a:pPr>
-              <a:spcAft>
-                <a:spcPts val="100"/>
-              </a:spcAft>
-              <a:defRPr sz="600">
-                <a:solidFill>
-                  <a:srgbClr val="323232"/>
-                </a:solidFill>
-              </a:defRPr>
-            </a:pPr>
-            <a:r>
-              <a:t>• Insurance providers</a:t>
-            </a:r>
-          </a:p>
-          <a:p>
-            <a:pPr>
-              <a:spcAft>
-                <a:spcPts val="100"/>
-              </a:spcAft>
-              <a:defRPr sz="600">
-                <a:solidFill>
-                  <a:srgbClr val="323232"/>
-                </a:solidFill>
-              </a:defRPr>
-            </a:pPr>
-            <a:r>
-              <a:t>• Background checks</a:t>
-            </a:r>
-          </a:p>
-          <a:p>
-            <a:pPr>
-              <a:spcAft>
-                <a:spcPts val="100"/>
-              </a:spcAft>
-              <a:defRPr sz="600">
-                <a:solidFill>
-                  <a:srgbClr val="323232"/>
-                </a:solidFill>
-              </a:defRPr>
-            </a:pPr>
-            <a:r>
-              <a:t>• Payment processing</a:t>
-            </a:r>
-          </a:p>
-        </p:txBody>
-      </p:sp>
-      <p:sp>
-        <p:nvSpPr>
-          <p:cNvPr id="8" name="Rounded Rectangle 7"/>
-          <p:cNvSpPr/>
-          <p:nvPr/>
-        </p:nvSpPr>
-        <p:spPr>
-          <a:xfrm>
-            <a:off x="1901952" y="502920"/>
-            <a:ext cx="1719072" cy="1371600"/>
-          </a:xfrm>
-          <a:prstGeom prst="roundRect">
-            <a:avLst/>
-          </a:prstGeom>
-          <a:solidFill>
-            <a:srgbClr val="E8E4F0"/>
-          </a:solidFill>
-          <a:ln w="6350">
-            <a:solidFill>
-              <a:srgbClr val="C8C8C8"/>
-            </a:solidFill>
-          </a:ln>
-        </p:spPr>
-        <p:style>
-          <a:lnRef idx="1">
-            <a:schemeClr val="accent1"/>
-          </a:lnRef>
-          <a:fillRef idx="3">
-            <a:schemeClr val="accent1"/>
-          </a:fillRef>
-          <a:effectRef idx="2">
-            <a:schemeClr val="accent1"/>
-          </a:effectRef>
-          <a:fontRef idx="minor">
-            <a:schemeClr val="lt1"/>
-          </a:fontRef>
-        </p:style>
-        <p:txBody>
-          <a:bodyPr rtlCol="0" anchor="ctr"/>
-          <a:lstStyle/>
-          <a:p>
-            <a:pPr algn="ctr"/>
-          </a:p>
-        </p:txBody>
-      </p:sp>
-      <p:sp>
-        <p:nvSpPr>
-          <p:cNvPr id="9" name="TextBox 8"/>
-          <p:cNvSpPr txBox="1"/>
-          <p:nvPr/>
-        </p:nvSpPr>
-        <p:spPr>
-          <a:xfrm>
-            <a:off x="1975104" y="548640"/>
-            <a:ext cx="1581912" cy="228600"/>
-          </a:xfrm>
-          <a:prstGeom prst="rect">
-            <a:avLst/>
-          </a:prstGeom>
-          <a:noFill/>
-        </p:spPr>
-        <p:txBody>
-          <a:bodyPr wrap="square">
-            <a:spAutoFit/>
-          </a:bodyPr>
-          <a:lstStyle/>
-          <a:p>
-            <a:pPr>
-              <a:defRPr sz="800" b="1">
-                <a:solidFill>
-                  <a:srgbClr val="003366"/>
-                </a:solidFill>
-              </a:defRPr>
-            </a:pPr>
-            <a:r>
-              <a:t>KEY ACTIVITIES</a:t>
-            </a:r>
-          </a:p>
-        </p:txBody>
-      </p:sp>
-      <p:sp>
-        <p:nvSpPr>
-          <p:cNvPr id="10" name="TextBox 9"/>
-          <p:cNvSpPr txBox="1"/>
-          <p:nvPr/>
-        </p:nvSpPr>
-        <p:spPr>
-          <a:xfrm>
-            <a:off x="1975104" y="758952"/>
-            <a:ext cx="1581912" cy="1051560"/>
-          </a:xfrm>
-          <a:prstGeom prst="rect">
-            <a:avLst/>
-          </a:prstGeom>
-          <a:noFill/>
-        </p:spPr>
-        <p:txBody>
-          <a:bodyPr wrap="square">
-            <a:spAutoFit/>
-          </a:bodyPr>
-          <a:lstStyle/>
-          <a:p>
-            <a:pPr>
-              <a:spcAft>
-                <a:spcPts val="100"/>
-              </a:spcAft>
-              <a:defRPr sz="600">
-                <a:solidFill>
-                  <a:srgbClr val="323232"/>
-                </a:solidFill>
-              </a:defRPr>
-            </a:pPr>
-            <a:r>
-              <a:t>• Platform development</a:t>
-            </a:r>
-          </a:p>
-          <a:p>
-            <a:pPr>
-              <a:spcAft>
-                <a:spcPts val="100"/>
-              </a:spcAft>
-              <a:defRPr sz="600">
-                <a:solidFill>
-                  <a:srgbClr val="323232"/>
-                </a:solidFill>
-              </a:defRPr>
-            </a:pPr>
-            <a:r>
-              <a:t>• Tech recruitment</a:t>
-            </a:r>
-          </a:p>
-          <a:p>
-            <a:pPr>
-              <a:spcAft>
-                <a:spcPts val="100"/>
-              </a:spcAft>
-              <a:defRPr sz="600">
-                <a:solidFill>
-                  <a:srgbClr val="323232"/>
-                </a:solidFill>
-              </a:defRPr>
-            </a:pPr>
-            <a:r>
-              <a:t>• AV-specific training</a:t>
-            </a:r>
-          </a:p>
-          <a:p>
-            <a:pPr>
-              <a:spcAft>
-                <a:spcPts val="100"/>
-              </a:spcAft>
-              <a:defRPr sz="600">
-                <a:solidFill>
-                  <a:srgbClr val="323232"/>
-                </a:solidFill>
-              </a:defRPr>
-            </a:pPr>
-            <a:r>
-              <a:t>• Quality assurance</a:t>
-            </a:r>
-          </a:p>
-          <a:p>
-            <a:pPr>
-              <a:spcAft>
-                <a:spcPts val="100"/>
-              </a:spcAft>
-              <a:defRPr sz="600">
-                <a:solidFill>
-                  <a:srgbClr val="323232"/>
-                </a:solidFill>
-              </a:defRPr>
-            </a:pPr>
-            <a:r>
-              <a:t>• Enterprise sales</a:t>
-            </a:r>
-          </a:p>
-        </p:txBody>
-      </p:sp>
-      <p:sp>
-        <p:nvSpPr>
-          <p:cNvPr id="11" name="Rounded Rectangle 10"/>
-          <p:cNvSpPr/>
-          <p:nvPr/>
-        </p:nvSpPr>
-        <p:spPr>
-          <a:xfrm>
-            <a:off x="1901952" y="1920240"/>
-            <a:ext cx="1719072" cy="1371600"/>
-          </a:xfrm>
-          <a:prstGeom prst="roundRect">
-            <a:avLst/>
-          </a:prstGeom>
-          <a:solidFill>
-            <a:srgbClr val="E8E4F0"/>
-          </a:solidFill>
-          <a:ln w="6350">
-            <a:solidFill>
-              <a:srgbClr val="C8C8C8"/>
-            </a:solidFill>
-          </a:ln>
-        </p:spPr>
-        <p:style>
-          <a:lnRef idx="1">
-            <a:schemeClr val="accent1"/>
-          </a:lnRef>
-          <a:fillRef idx="3">
-            <a:schemeClr val="accent1"/>
-          </a:fillRef>
-          <a:effectRef idx="2">
-            <a:schemeClr val="accent1"/>
-          </a:effectRef>
-          <a:fontRef idx="minor">
-            <a:schemeClr val="lt1"/>
-          </a:fontRef>
-        </p:style>
-        <p:txBody>
-          <a:bodyPr rtlCol="0" anchor="ctr"/>
-          <a:lstStyle/>
-          <a:p>
-            <a:pPr algn="ctr"/>
-          </a:p>
-        </p:txBody>
-      </p:sp>
-      <p:sp>
-        <p:nvSpPr>
-          <p:cNvPr id="12" name="TextBox 11"/>
-          <p:cNvSpPr txBox="1"/>
-          <p:nvPr/>
-        </p:nvSpPr>
-        <p:spPr>
-          <a:xfrm>
-            <a:off x="1975104" y="1965960"/>
-            <a:ext cx="1581912" cy="228600"/>
-          </a:xfrm>
-          <a:prstGeom prst="rect">
-            <a:avLst/>
-          </a:prstGeom>
-          <a:noFill/>
-        </p:spPr>
-        <p:txBody>
-          <a:bodyPr wrap="square">
-            <a:spAutoFit/>
-          </a:bodyPr>
-          <a:lstStyle/>
-          <a:p>
-            <a:pPr>
-              <a:defRPr sz="800" b="1">
-                <a:solidFill>
-                  <a:srgbClr val="003366"/>
-                </a:solidFill>
-              </a:defRPr>
-            </a:pPr>
-            <a:r>
-              <a:t>KEY RESOURCES</a:t>
-            </a:r>
-          </a:p>
-        </p:txBody>
-      </p:sp>
-      <p:sp>
-        <p:nvSpPr>
-          <p:cNvPr id="13" name="TextBox 12"/>
-          <p:cNvSpPr txBox="1"/>
-          <p:nvPr/>
-        </p:nvSpPr>
-        <p:spPr>
-          <a:xfrm>
-            <a:off x="1975104" y="2176272"/>
-            <a:ext cx="1581912" cy="1051560"/>
-          </a:xfrm>
-          <a:prstGeom prst="rect">
-            <a:avLst/>
-          </a:prstGeom>
-          <a:noFill/>
-        </p:spPr>
-        <p:txBody>
-          <a:bodyPr wrap="square">
-            <a:spAutoFit/>
-          </a:bodyPr>
-          <a:lstStyle/>
-          <a:p>
-            <a:pPr>
-              <a:spcAft>
-                <a:spcPts val="100"/>
-              </a:spcAft>
-              <a:defRPr sz="600">
-                <a:solidFill>
-                  <a:srgbClr val="323232"/>
-                </a:solidFill>
-              </a:defRPr>
-            </a:pPr>
-            <a:r>
-              <a:t>Technology:</a:t>
-            </a:r>
-          </a:p>
-          <a:p>
-            <a:pPr>
-              <a:spcAft>
-                <a:spcPts val="100"/>
-              </a:spcAft>
-              <a:defRPr sz="600">
-                <a:solidFill>
-                  <a:srgbClr val="323232"/>
-                </a:solidFill>
-              </a:defRPr>
-            </a:pPr>
-            <a:r>
-              <a:t>• Dispatch platform</a:t>
-            </a:r>
-          </a:p>
-          <a:p>
-            <a:pPr>
-              <a:spcAft>
-                <a:spcPts val="100"/>
-              </a:spcAft>
-              <a:defRPr sz="600">
-                <a:solidFill>
-                  <a:srgbClr val="323232"/>
-                </a:solidFill>
-              </a:defRPr>
-            </a:pPr>
-            <a:r>
-              <a:t>• Fleet dashboard</a:t>
-            </a:r>
-          </a:p>
-          <a:p>
-            <a:pPr>
-              <a:spcAft>
-                <a:spcPts val="100"/>
-              </a:spcAft>
-              <a:defRPr sz="600">
-                <a:solidFill>
-                  <a:srgbClr val="323232"/>
-                </a:solidFill>
-              </a:defRPr>
-            </a:pPr>
-            <a:r>
-              <a:t>• Technician app</a:t>
-            </a:r>
-          </a:p>
-          <a:p>
-            <a:pPr>
-              <a:spcAft>
-                <a:spcPts val="100"/>
-              </a:spcAft>
-              <a:defRPr sz="600">
-                <a:solidFill>
-                  <a:srgbClr val="323232"/>
-                </a:solidFill>
-              </a:defRPr>
-            </a:pPr>
-          </a:p>
-          <a:p>
-            <a:pPr>
-              <a:spcAft>
-                <a:spcPts val="100"/>
-              </a:spcAft>
-              <a:defRPr sz="600">
-                <a:solidFill>
-                  <a:srgbClr val="323232"/>
-                </a:solidFill>
-              </a:defRPr>
-            </a:pPr>
-            <a:r>
-              <a:t>Human:</a:t>
-            </a:r>
-          </a:p>
-          <a:p>
-            <a:pPr>
-              <a:spcAft>
-                <a:spcPts val="100"/>
-              </a:spcAft>
-              <a:defRPr sz="600">
-                <a:solidFill>
-                  <a:srgbClr val="323232"/>
-                </a:solidFill>
-              </a:defRPr>
-            </a:pPr>
-            <a:r>
-              <a:t>• Engineering team</a:t>
-            </a:r>
-          </a:p>
-          <a:p>
-            <a:pPr>
-              <a:spcAft>
-                <a:spcPts val="100"/>
-              </a:spcAft>
-              <a:defRPr sz="600">
-                <a:solidFill>
-                  <a:srgbClr val="323232"/>
-                </a:solidFill>
-              </a:defRPr>
-            </a:pPr>
-            <a:r>
-              <a:t>• Trained tech network</a:t>
-            </a:r>
-          </a:p>
-        </p:txBody>
-      </p:sp>
-      <p:sp>
-        <p:nvSpPr>
-          <p:cNvPr id="14" name="Rounded Rectangle 13"/>
-          <p:cNvSpPr/>
-          <p:nvPr/>
-        </p:nvSpPr>
-        <p:spPr>
-          <a:xfrm>
-            <a:off x="3666744" y="502920"/>
-            <a:ext cx="1719072" cy="2788920"/>
-          </a:xfrm>
-          <a:prstGeom prst="roundRect">
-            <a:avLst/>
-          </a:prstGeom>
-          <a:solidFill>
-            <a:srgbClr val="FCE4D6"/>
-          </a:solidFill>
-          <a:ln w="6350">
-            <a:solidFill>
-              <a:srgbClr val="C8C8C8"/>
-            </a:solidFill>
-          </a:ln>
-        </p:spPr>
-        <p:style>
-          <a:lnRef idx="1">
-            <a:schemeClr val="accent1"/>
-          </a:lnRef>
-          <a:fillRef idx="3">
-            <a:schemeClr val="accent1"/>
-          </a:fillRef>
-          <a:effectRef idx="2">
-            <a:schemeClr val="accent1"/>
-          </a:effectRef>
-          <a:fontRef idx="minor">
-            <a:schemeClr val="lt1"/>
-          </a:fontRef>
-        </p:style>
-        <p:txBody>
-          <a:bodyPr rtlCol="0" anchor="ctr"/>
-          <a:lstStyle/>
-          <a:p>
-            <a:pPr algn="ctr"/>
-          </a:p>
-        </p:txBody>
-      </p:sp>
-      <p:sp>
-        <p:nvSpPr>
-          <p:cNvPr id="15" name="TextBox 14"/>
-          <p:cNvSpPr txBox="1"/>
-          <p:nvPr/>
-        </p:nvSpPr>
-        <p:spPr>
-          <a:xfrm>
-            <a:off x="3739896" y="548640"/>
-            <a:ext cx="1581912" cy="228600"/>
-          </a:xfrm>
-          <a:prstGeom prst="rect">
-            <a:avLst/>
-          </a:prstGeom>
-          <a:noFill/>
-        </p:spPr>
-        <p:txBody>
-          <a:bodyPr wrap="square">
-            <a:spAutoFit/>
-          </a:bodyPr>
-          <a:lstStyle/>
-          <a:p>
-            <a:pPr>
-              <a:defRPr sz="800" b="1">
-                <a:solidFill>
-                  <a:srgbClr val="003366"/>
-                </a:solidFill>
-              </a:defRPr>
-            </a:pPr>
-            <a:r>
-              <a:t>VALUE PROPOSITIONS</a:t>
-            </a:r>
-          </a:p>
-        </p:txBody>
-      </p:sp>
-      <p:sp>
-        <p:nvSpPr>
-          <p:cNvPr id="16" name="TextBox 15"/>
-          <p:cNvSpPr txBox="1"/>
-          <p:nvPr/>
-        </p:nvSpPr>
-        <p:spPr>
-          <a:xfrm>
-            <a:off x="3739896" y="758952"/>
-            <a:ext cx="1581912" cy="2468880"/>
-          </a:xfrm>
-          <a:prstGeom prst="rect">
-            <a:avLst/>
-          </a:prstGeom>
-          <a:noFill/>
-        </p:spPr>
-        <p:txBody>
-          <a:bodyPr wrap="square">
-            <a:spAutoFit/>
-          </a:bodyPr>
-          <a:lstStyle/>
-          <a:p>
-            <a:pPr>
-              <a:spcAft>
-                <a:spcPts val="100"/>
-              </a:spcAft>
-              <a:defRPr sz="600">
-                <a:solidFill>
-                  <a:srgbClr val="323232"/>
-                </a:solidFill>
-              </a:defRPr>
-            </a:pPr>
-            <a:r>
-              <a:t>For Fleet Operators:</a:t>
-            </a:r>
-          </a:p>
-          <a:p>
-            <a:pPr>
-              <a:spcAft>
-                <a:spcPts val="100"/>
-              </a:spcAft>
-              <a:defRPr sz="600">
-                <a:solidFill>
-                  <a:srgbClr val="323232"/>
-                </a:solidFill>
-              </a:defRPr>
-            </a:pPr>
-            <a:r>
-              <a:t>• Reduce downtime</a:t>
-            </a:r>
-          </a:p>
-          <a:p>
-            <a:pPr>
-              <a:spcAft>
-                <a:spcPts val="100"/>
-              </a:spcAft>
-              <a:defRPr sz="600">
-                <a:solidFill>
-                  <a:srgbClr val="323232"/>
-                </a:solidFill>
-              </a:defRPr>
-            </a:pPr>
-            <a:r>
-              <a:t>• Variable cost model</a:t>
-            </a:r>
-          </a:p>
-          <a:p>
-            <a:pPr>
-              <a:spcAft>
-                <a:spcPts val="100"/>
-              </a:spcAft>
-              <a:defRPr sz="600">
-                <a:solidFill>
-                  <a:srgbClr val="323232"/>
-                </a:solidFill>
-              </a:defRPr>
-            </a:pPr>
-            <a:r>
-              <a:t>• Scale instantly</a:t>
-            </a:r>
-          </a:p>
-          <a:p>
-            <a:pPr>
-              <a:spcAft>
-                <a:spcPts val="100"/>
-              </a:spcAft>
-              <a:defRPr sz="600">
-                <a:solidFill>
-                  <a:srgbClr val="323232"/>
-                </a:solidFill>
-              </a:defRPr>
-            </a:pPr>
-            <a:r>
-              <a:t>• 24/7 availability</a:t>
-            </a:r>
-          </a:p>
-          <a:p>
-            <a:pPr>
-              <a:spcAft>
-                <a:spcPts val="100"/>
-              </a:spcAft>
-              <a:defRPr sz="600">
-                <a:solidFill>
-                  <a:srgbClr val="323232"/>
-                </a:solidFill>
-              </a:defRPr>
-            </a:pPr>
-            <a:r>
-              <a:t>• API integration</a:t>
-            </a:r>
-          </a:p>
-          <a:p>
-            <a:pPr>
-              <a:spcAft>
-                <a:spcPts val="100"/>
-              </a:spcAft>
-              <a:defRPr sz="600">
-                <a:solidFill>
-                  <a:srgbClr val="323232"/>
-                </a:solidFill>
-              </a:defRPr>
-            </a:pPr>
-          </a:p>
-          <a:p>
-            <a:pPr>
-              <a:spcAft>
-                <a:spcPts val="100"/>
-              </a:spcAft>
-              <a:defRPr sz="600">
-                <a:solidFill>
-                  <a:srgbClr val="323232"/>
-                </a:solidFill>
-              </a:defRPr>
-            </a:pPr>
-            <a:r>
-              <a:t>vs. In-House:</a:t>
-            </a:r>
-          </a:p>
-          <a:p>
-            <a:pPr>
-              <a:spcAft>
-                <a:spcPts val="100"/>
-              </a:spcAft>
-              <a:defRPr sz="600">
-                <a:solidFill>
-                  <a:srgbClr val="323232"/>
-                </a:solidFill>
-              </a:defRPr>
-            </a:pPr>
-            <a:r>
-              <a:t>• 50% cost reduction</a:t>
-            </a:r>
-          </a:p>
-          <a:p>
-            <a:pPr>
-              <a:spcAft>
-                <a:spcPts val="100"/>
-              </a:spcAft>
-              <a:defRPr sz="600">
-                <a:solidFill>
-                  <a:srgbClr val="323232"/>
-                </a:solidFill>
-              </a:defRPr>
-            </a:pPr>
-            <a:r>
-              <a:t>• 30% more uptime</a:t>
-            </a:r>
-          </a:p>
-          <a:p>
-            <a:pPr>
-              <a:spcAft>
-                <a:spcPts val="100"/>
-              </a:spcAft>
-              <a:defRPr sz="600">
-                <a:solidFill>
-                  <a:srgbClr val="323232"/>
-                </a:solidFill>
-              </a:defRPr>
-            </a:pPr>
-          </a:p>
-          <a:p>
-            <a:pPr>
-              <a:spcAft>
-                <a:spcPts val="100"/>
-              </a:spcAft>
-              <a:defRPr sz="600">
-                <a:solidFill>
-                  <a:srgbClr val="323232"/>
-                </a:solidFill>
-              </a:defRPr>
-            </a:pPr>
-            <a:r>
-              <a:t>For Technicians:</a:t>
-            </a:r>
-          </a:p>
-          <a:p>
-            <a:pPr>
-              <a:spcAft>
-                <a:spcPts val="100"/>
-              </a:spcAft>
-              <a:defRPr sz="600">
-                <a:solidFill>
-                  <a:srgbClr val="323232"/>
-                </a:solidFill>
-              </a:defRPr>
-            </a:pPr>
-            <a:r>
-              <a:t>• Flexible gig work</a:t>
-            </a:r>
-          </a:p>
-          <a:p>
-            <a:pPr>
-              <a:spcAft>
-                <a:spcPts val="100"/>
-              </a:spcAft>
-              <a:defRPr sz="600">
-                <a:solidFill>
-                  <a:srgbClr val="323232"/>
-                </a:solidFill>
-              </a:defRPr>
-            </a:pPr>
-            <a:r>
-              <a:t>• $15-20/hour</a:t>
-            </a:r>
-          </a:p>
-        </p:txBody>
-      </p:sp>
-      <p:sp>
-        <p:nvSpPr>
-          <p:cNvPr id="17" name="Rounded Rectangle 16"/>
-          <p:cNvSpPr/>
-          <p:nvPr/>
-        </p:nvSpPr>
-        <p:spPr>
-          <a:xfrm>
-            <a:off x="5431536" y="502920"/>
-            <a:ext cx="1719072" cy="1371600"/>
-          </a:xfrm>
-          <a:prstGeom prst="roundRect">
-            <a:avLst/>
-          </a:prstGeom>
-          <a:solidFill>
-            <a:srgbClr val="FFF9E6"/>
-          </a:solidFill>
-          <a:ln w="6350">
-            <a:solidFill>
-              <a:srgbClr val="C8C8C8"/>
-            </a:solidFill>
-          </a:ln>
-        </p:spPr>
-        <p:style>
-          <a:lnRef idx="1">
-            <a:schemeClr val="accent1"/>
-          </a:lnRef>
-          <a:fillRef idx="3">
-            <a:schemeClr val="accent1"/>
-          </a:fillRef>
-          <a:effectRef idx="2">
-            <a:schemeClr val="accent1"/>
-          </a:effectRef>
-          <a:fontRef idx="minor">
-            <a:schemeClr val="lt1"/>
-          </a:fontRef>
-        </p:style>
-        <p:txBody>
-          <a:bodyPr rtlCol="0" anchor="ctr"/>
-          <a:lstStyle/>
-          <a:p>
-            <a:pPr algn="ctr"/>
-          </a:p>
-        </p:txBody>
-      </p:sp>
-      <p:sp>
-        <p:nvSpPr>
-          <p:cNvPr id="18" name="TextBox 17"/>
-          <p:cNvSpPr txBox="1"/>
-          <p:nvPr/>
-        </p:nvSpPr>
-        <p:spPr>
-          <a:xfrm>
-            <a:off x="5504688" y="548640"/>
-            <a:ext cx="1581912" cy="228600"/>
-          </a:xfrm>
-          <a:prstGeom prst="rect">
-            <a:avLst/>
-          </a:prstGeom>
-          <a:noFill/>
-        </p:spPr>
-        <p:txBody>
-          <a:bodyPr wrap="square">
-            <a:spAutoFit/>
-          </a:bodyPr>
-          <a:lstStyle/>
-          <a:p>
-            <a:pPr>
-              <a:defRPr sz="800" b="1">
-                <a:solidFill>
-                  <a:srgbClr val="003366"/>
-                </a:solidFill>
-              </a:defRPr>
-            </a:pPr>
-            <a:r>
-              <a:t>CUSTOMER RELATIONSHIPS</a:t>
-            </a:r>
-          </a:p>
-        </p:txBody>
-      </p:sp>
-      <p:sp>
-        <p:nvSpPr>
-          <p:cNvPr id="19" name="TextBox 18"/>
-          <p:cNvSpPr txBox="1"/>
-          <p:nvPr/>
-        </p:nvSpPr>
-        <p:spPr>
-          <a:xfrm>
-            <a:off x="5504688" y="758952"/>
-            <a:ext cx="1581912" cy="1051560"/>
-          </a:xfrm>
-          <a:prstGeom prst="rect">
-            <a:avLst/>
-          </a:prstGeom>
-          <a:noFill/>
-        </p:spPr>
-        <p:txBody>
-          <a:bodyPr wrap="square">
-            <a:spAutoFit/>
-          </a:bodyPr>
-          <a:lstStyle/>
-          <a:p>
-            <a:pPr>
-              <a:spcAft>
-                <a:spcPts val="100"/>
-              </a:spcAft>
-              <a:defRPr sz="600">
-                <a:solidFill>
-                  <a:srgbClr val="323232"/>
-                </a:solidFill>
-              </a:defRPr>
-            </a:pPr>
-            <a:r>
-              <a:t>• Dedicated account mgrs</a:t>
-            </a:r>
-          </a:p>
-          <a:p>
-            <a:pPr>
-              <a:spcAft>
-                <a:spcPts val="100"/>
-              </a:spcAft>
-              <a:defRPr sz="600">
-                <a:solidFill>
-                  <a:srgbClr val="323232"/>
-                </a:solidFill>
-              </a:defRPr>
-            </a:pPr>
-            <a:r>
-              <a:t>• API integration support</a:t>
-            </a:r>
-          </a:p>
-          <a:p>
-            <a:pPr>
-              <a:spcAft>
-                <a:spcPts val="100"/>
-              </a:spcAft>
-              <a:defRPr sz="600">
-                <a:solidFill>
-                  <a:srgbClr val="323232"/>
-                </a:solidFill>
-              </a:defRPr>
-            </a:pPr>
-            <a:r>
-              <a:t>• Performance dashboards</a:t>
-            </a:r>
-          </a:p>
-          <a:p>
-            <a:pPr>
-              <a:spcAft>
-                <a:spcPts val="100"/>
-              </a:spcAft>
-              <a:defRPr sz="600">
-                <a:solidFill>
-                  <a:srgbClr val="323232"/>
-                </a:solidFill>
-              </a:defRPr>
-            </a:pPr>
-            <a:r>
-              <a:t>• SLA guarantees</a:t>
-            </a:r>
-          </a:p>
-          <a:p>
-            <a:pPr>
-              <a:spcAft>
-                <a:spcPts val="100"/>
-              </a:spcAft>
-              <a:defRPr sz="600">
-                <a:solidFill>
-                  <a:srgbClr val="323232"/>
-                </a:solidFill>
-              </a:defRPr>
-            </a:pPr>
-            <a:r>
-              <a:t>• 24/7 support</a:t>
-            </a:r>
-          </a:p>
-        </p:txBody>
-      </p:sp>
-      <p:sp>
-        <p:nvSpPr>
-          <p:cNvPr id="20" name="Rounded Rectangle 19"/>
-          <p:cNvSpPr/>
-          <p:nvPr/>
-        </p:nvSpPr>
-        <p:spPr>
-          <a:xfrm>
-            <a:off x="5431536" y="1920240"/>
-            <a:ext cx="1719072" cy="1371600"/>
-          </a:xfrm>
-          <a:prstGeom prst="roundRect">
-            <a:avLst/>
-          </a:prstGeom>
-          <a:solidFill>
-            <a:srgbClr val="FFF9E6"/>
-          </a:solidFill>
-          <a:ln w="6350">
-            <a:solidFill>
-              <a:srgbClr val="C8C8C8"/>
-            </a:solidFill>
-          </a:ln>
-        </p:spPr>
-        <p:style>
-          <a:lnRef idx="1">
-            <a:schemeClr val="accent1"/>
-          </a:lnRef>
-          <a:fillRef idx="3">
-            <a:schemeClr val="accent1"/>
-          </a:fillRef>
-          <a:effectRef idx="2">
-            <a:schemeClr val="accent1"/>
-          </a:effectRef>
-          <a:fontRef idx="minor">
-            <a:schemeClr val="lt1"/>
-          </a:fontRef>
-        </p:style>
-        <p:txBody>
-          <a:bodyPr rtlCol="0" anchor="ctr"/>
-          <a:lstStyle/>
-          <a:p>
-            <a:pPr algn="ctr"/>
-          </a:p>
-        </p:txBody>
-      </p:sp>
-      <p:sp>
-        <p:nvSpPr>
-          <p:cNvPr id="21" name="TextBox 20"/>
-          <p:cNvSpPr txBox="1"/>
-          <p:nvPr/>
-        </p:nvSpPr>
-        <p:spPr>
-          <a:xfrm>
-            <a:off x="5504688" y="1965960"/>
-            <a:ext cx="1581912" cy="228600"/>
-          </a:xfrm>
-          <a:prstGeom prst="rect">
-            <a:avLst/>
-          </a:prstGeom>
-          <a:noFill/>
-        </p:spPr>
-        <p:txBody>
-          <a:bodyPr wrap="square">
-            <a:spAutoFit/>
-          </a:bodyPr>
-          <a:lstStyle/>
-          <a:p>
-            <a:pPr>
-              <a:defRPr sz="800" b="1">
-                <a:solidFill>
-                  <a:srgbClr val="003366"/>
-                </a:solidFill>
-              </a:defRPr>
-            </a:pPr>
-            <a:r>
-              <a:t>CHANNELS</a:t>
-            </a:r>
-          </a:p>
-        </p:txBody>
-      </p:sp>
-      <p:sp>
-        <p:nvSpPr>
-          <p:cNvPr id="22" name="TextBox 21"/>
-          <p:cNvSpPr txBox="1"/>
-          <p:nvPr/>
-        </p:nvSpPr>
-        <p:spPr>
-          <a:xfrm>
-            <a:off x="5504688" y="2176272"/>
-            <a:ext cx="1581912" cy="1051560"/>
-          </a:xfrm>
-          <a:prstGeom prst="rect">
-            <a:avLst/>
-          </a:prstGeom>
-          <a:noFill/>
-        </p:spPr>
-        <p:txBody>
-          <a:bodyPr wrap="square">
-            <a:spAutoFit/>
-          </a:bodyPr>
-          <a:lstStyle/>
-          <a:p>
-            <a:pPr>
-              <a:spcAft>
-                <a:spcPts val="100"/>
-              </a:spcAft>
-              <a:defRPr sz="600">
-                <a:solidFill>
-                  <a:srgbClr val="323232"/>
-                </a:solidFill>
-              </a:defRPr>
-            </a:pPr>
-            <a:r>
-              <a:t>Acquisition:</a:t>
-            </a:r>
-          </a:p>
-          <a:p>
-            <a:pPr>
-              <a:spcAft>
-                <a:spcPts val="100"/>
-              </a:spcAft>
-              <a:defRPr sz="600">
-                <a:solidFill>
-                  <a:srgbClr val="323232"/>
-                </a:solidFill>
-              </a:defRPr>
-            </a:pPr>
-            <a:r>
-              <a:t>• Direct enterprise sales</a:t>
-            </a:r>
-          </a:p>
-          <a:p>
-            <a:pPr>
-              <a:spcAft>
-                <a:spcPts val="100"/>
-              </a:spcAft>
-              <a:defRPr sz="600">
-                <a:solidFill>
-                  <a:srgbClr val="323232"/>
-                </a:solidFill>
-              </a:defRPr>
-            </a:pPr>
-            <a:r>
-              <a:t>• Industry conferences</a:t>
-            </a:r>
-          </a:p>
-          <a:p>
-            <a:pPr>
-              <a:spcAft>
-                <a:spcPts val="100"/>
-              </a:spcAft>
-              <a:defRPr sz="600">
-                <a:solidFill>
-                  <a:srgbClr val="323232"/>
-                </a:solidFill>
-              </a:defRPr>
-            </a:pPr>
-          </a:p>
-          <a:p>
-            <a:pPr>
-              <a:spcAft>
-                <a:spcPts val="100"/>
-              </a:spcAft>
-              <a:defRPr sz="600">
-                <a:solidFill>
-                  <a:srgbClr val="323232"/>
-                </a:solidFill>
-              </a:defRPr>
-            </a:pPr>
-            <a:r>
-              <a:t>Delivery:</a:t>
-            </a:r>
-          </a:p>
-          <a:p>
-            <a:pPr>
-              <a:spcAft>
-                <a:spcPts val="100"/>
-              </a:spcAft>
-              <a:defRPr sz="600">
-                <a:solidFill>
-                  <a:srgbClr val="323232"/>
-                </a:solidFill>
-              </a:defRPr>
-            </a:pPr>
-            <a:r>
-              <a:t>• Fleet dashboard</a:t>
-            </a:r>
-          </a:p>
-          <a:p>
-            <a:pPr>
-              <a:spcAft>
-                <a:spcPts val="100"/>
-              </a:spcAft>
-              <a:defRPr sz="600">
-                <a:solidFill>
-                  <a:srgbClr val="323232"/>
-                </a:solidFill>
-              </a:defRPr>
-            </a:pPr>
-            <a:r>
-              <a:t>• API integration</a:t>
-            </a:r>
-          </a:p>
-          <a:p>
-            <a:pPr>
-              <a:spcAft>
-                <a:spcPts val="100"/>
-              </a:spcAft>
-              <a:defRPr sz="600">
-                <a:solidFill>
-                  <a:srgbClr val="323232"/>
-                </a:solidFill>
-              </a:defRPr>
-            </a:pPr>
-            <a:r>
-              <a:t>• Mobile dispatch</a:t>
-            </a:r>
-          </a:p>
-        </p:txBody>
-      </p:sp>
-      <p:sp>
-        <p:nvSpPr>
-          <p:cNvPr id="23" name="Rounded Rectangle 22"/>
-          <p:cNvSpPr/>
-          <p:nvPr/>
-        </p:nvSpPr>
-        <p:spPr>
-          <a:xfrm>
-            <a:off x="7196328" y="502920"/>
-            <a:ext cx="1719072" cy="2788920"/>
-          </a:xfrm>
-          <a:prstGeom prst="roundRect">
-            <a:avLst/>
-          </a:prstGeom>
-          <a:solidFill>
-            <a:srgbClr val="FFF9E6"/>
-          </a:solidFill>
-          <a:ln w="6350">
-            <a:solidFill>
-              <a:srgbClr val="C8C8C8"/>
-            </a:solidFill>
-          </a:ln>
-        </p:spPr>
-        <p:style>
-          <a:lnRef idx="1">
-            <a:schemeClr val="accent1"/>
-          </a:lnRef>
-          <a:fillRef idx="3">
-            <a:schemeClr val="accent1"/>
-          </a:fillRef>
-          <a:effectRef idx="2">
-            <a:schemeClr val="accent1"/>
-          </a:effectRef>
-          <a:fontRef idx="minor">
-            <a:schemeClr val="lt1"/>
-          </a:fontRef>
-        </p:style>
-        <p:txBody>
-          <a:bodyPr rtlCol="0" anchor="ctr"/>
-          <a:lstStyle/>
-          <a:p>
-            <a:pPr algn="ctr"/>
-          </a:p>
-        </p:txBody>
-      </p:sp>
-      <p:sp>
-        <p:nvSpPr>
-          <p:cNvPr id="24" name="TextBox 23"/>
-          <p:cNvSpPr txBox="1"/>
-          <p:nvPr/>
-        </p:nvSpPr>
-        <p:spPr>
-          <a:xfrm>
-            <a:off x="7269480" y="548640"/>
-            <a:ext cx="1581912" cy="228600"/>
-          </a:xfrm>
-          <a:prstGeom prst="rect">
-            <a:avLst/>
-          </a:prstGeom>
-          <a:noFill/>
-        </p:spPr>
-        <p:txBody>
-          <a:bodyPr wrap="square">
-            <a:spAutoFit/>
-          </a:bodyPr>
-          <a:lstStyle/>
-          <a:p>
-            <a:pPr>
-              <a:defRPr sz="800" b="1">
-                <a:solidFill>
-                  <a:srgbClr val="003366"/>
-                </a:solidFill>
-              </a:defRPr>
-            </a:pPr>
-            <a:r>
-              <a:t>CUSTOMER SEGMENTS</a:t>
-            </a:r>
-          </a:p>
-        </p:txBody>
-      </p:sp>
-      <p:sp>
-        <p:nvSpPr>
-          <p:cNvPr id="25" name="TextBox 24"/>
-          <p:cNvSpPr txBox="1"/>
-          <p:nvPr/>
-        </p:nvSpPr>
-        <p:spPr>
-          <a:xfrm>
-            <a:off x="7269480" y="758952"/>
-            <a:ext cx="1581912" cy="2468880"/>
-          </a:xfrm>
-          <a:prstGeom prst="rect">
-            <a:avLst/>
-          </a:prstGeom>
-          <a:noFill/>
-        </p:spPr>
-        <p:txBody>
-          <a:bodyPr wrap="square">
-            <a:spAutoFit/>
-          </a:bodyPr>
-          <a:lstStyle/>
-          <a:p>
-            <a:pPr>
-              <a:spcAft>
-                <a:spcPts val="100"/>
-              </a:spcAft>
-              <a:defRPr sz="600">
-                <a:solidFill>
-                  <a:srgbClr val="323232"/>
-                </a:solidFill>
-              </a:defRPr>
-            </a:pPr>
-            <a:r>
-              <a:t>Primary:</a:t>
-            </a:r>
-          </a:p>
-          <a:p>
-            <a:pPr>
-              <a:spcAft>
-                <a:spcPts val="100"/>
-              </a:spcAft>
-              <a:defRPr sz="600">
-                <a:solidFill>
-                  <a:srgbClr val="323232"/>
-                </a:solidFill>
-              </a:defRPr>
-            </a:pPr>
-            <a:r>
-              <a:t>• Waymo (2,500+ vehicles)</a:t>
-            </a:r>
-          </a:p>
-          <a:p>
-            <a:pPr>
-              <a:spcAft>
-                <a:spcPts val="100"/>
-              </a:spcAft>
-              <a:defRPr sz="600">
-                <a:solidFill>
-                  <a:srgbClr val="323232"/>
-                </a:solidFill>
-              </a:defRPr>
-            </a:pPr>
-            <a:r>
-              <a:t>• Cruise (rebuilding)</a:t>
-            </a:r>
-          </a:p>
-          <a:p>
-            <a:pPr>
-              <a:spcAft>
-                <a:spcPts val="100"/>
-              </a:spcAft>
-              <a:defRPr sz="600">
-                <a:solidFill>
-                  <a:srgbClr val="323232"/>
-                </a:solidFill>
-              </a:defRPr>
-            </a:pPr>
-            <a:r>
-              <a:t>• Zoox (Amazon)</a:t>
-            </a:r>
-          </a:p>
-          <a:p>
-            <a:pPr>
-              <a:spcAft>
-                <a:spcPts val="100"/>
-              </a:spcAft>
-              <a:defRPr sz="600">
-                <a:solidFill>
-                  <a:srgbClr val="323232"/>
-                </a:solidFill>
-              </a:defRPr>
-            </a:pPr>
-            <a:r>
-              <a:t>• Tesla Robotaxi</a:t>
-            </a:r>
-          </a:p>
-          <a:p>
-            <a:pPr>
-              <a:spcAft>
-                <a:spcPts val="100"/>
-              </a:spcAft>
-              <a:defRPr sz="600">
-                <a:solidFill>
-                  <a:srgbClr val="323232"/>
-                </a:solidFill>
-              </a:defRPr>
-            </a:pPr>
-          </a:p>
-          <a:p>
-            <a:pPr>
-              <a:spcAft>
-                <a:spcPts val="100"/>
-              </a:spcAft>
-              <a:defRPr sz="600">
-                <a:solidFill>
-                  <a:srgbClr val="323232"/>
-                </a:solidFill>
-              </a:defRPr>
-            </a:pPr>
-            <a:r>
-              <a:t>Secondary:</a:t>
-            </a:r>
-          </a:p>
-          <a:p>
-            <a:pPr>
-              <a:spcAft>
-                <a:spcPts val="100"/>
-              </a:spcAft>
-              <a:defRPr sz="600">
-                <a:solidFill>
-                  <a:srgbClr val="323232"/>
-                </a:solidFill>
-              </a:defRPr>
-            </a:pPr>
-            <a:r>
-              <a:t>• Amazon Delivery EVs</a:t>
-            </a:r>
-          </a:p>
-          <a:p>
-            <a:pPr>
-              <a:spcAft>
-                <a:spcPts val="100"/>
-              </a:spcAft>
-              <a:defRPr sz="600">
-                <a:solidFill>
-                  <a:srgbClr val="323232"/>
-                </a:solidFill>
-              </a:defRPr>
-            </a:pPr>
-            <a:r>
-              <a:t>• FedEx/UPS electric</a:t>
-            </a:r>
-          </a:p>
-          <a:p>
-            <a:pPr>
-              <a:spcAft>
-                <a:spcPts val="100"/>
-              </a:spcAft>
-              <a:defRPr sz="600">
-                <a:solidFill>
-                  <a:srgbClr val="323232"/>
-                </a:solidFill>
-              </a:defRPr>
-            </a:pPr>
-          </a:p>
-          <a:p>
-            <a:pPr>
-              <a:spcAft>
-                <a:spcPts val="100"/>
-              </a:spcAft>
-              <a:defRPr sz="600">
-                <a:solidFill>
-                  <a:srgbClr val="323232"/>
-                </a:solidFill>
-              </a:defRPr>
-            </a:pPr>
-            <a:r>
-              <a:t>Buyers:</a:t>
-            </a:r>
-          </a:p>
-          <a:p>
-            <a:pPr>
-              <a:spcAft>
-                <a:spcPts val="100"/>
-              </a:spcAft>
-              <a:defRPr sz="600">
-                <a:solidFill>
-                  <a:srgbClr val="323232"/>
-                </a:solidFill>
-              </a:defRPr>
-            </a:pPr>
-            <a:r>
-              <a:t>• VP of Operations</a:t>
-            </a:r>
-          </a:p>
-          <a:p>
-            <a:pPr>
-              <a:spcAft>
-                <a:spcPts val="100"/>
-              </a:spcAft>
-              <a:defRPr sz="600">
-                <a:solidFill>
-                  <a:srgbClr val="323232"/>
-                </a:solidFill>
-              </a:defRPr>
-            </a:pPr>
-            <a:r>
-              <a:t>• Fleet Ops Manager</a:t>
-            </a:r>
-          </a:p>
-        </p:txBody>
-      </p:sp>
-      <p:sp>
-        <p:nvSpPr>
-          <p:cNvPr id="26" name="Rounded Rectangle 25"/>
-          <p:cNvSpPr/>
-          <p:nvPr/>
-        </p:nvSpPr>
-        <p:spPr>
-          <a:xfrm>
-            <a:off x="137160" y="3337560"/>
-            <a:ext cx="3483864" cy="914400"/>
-          </a:xfrm>
-          <a:prstGeom prst="roundRect">
-            <a:avLst/>
-          </a:prstGeom>
-          <a:solidFill>
-            <a:srgbClr val="F0F0F0"/>
-          </a:solidFill>
-          <a:ln w="6350">
-            <a:solidFill>
-              <a:srgbClr val="C8C8C8"/>
-            </a:solidFill>
-          </a:ln>
-        </p:spPr>
-        <p:style>
-          <a:lnRef idx="1">
-            <a:schemeClr val="accent1"/>
-          </a:lnRef>
-          <a:fillRef idx="3">
-            <a:schemeClr val="accent1"/>
-          </a:fillRef>
-          <a:effectRef idx="2">
-            <a:schemeClr val="accent1"/>
-          </a:effectRef>
-          <a:fontRef idx="minor">
-            <a:schemeClr val="lt1"/>
-          </a:fontRef>
-        </p:style>
-        <p:txBody>
-          <a:bodyPr rtlCol="0" anchor="ctr"/>
-          <a:lstStyle/>
-          <a:p>
-            <a:pPr algn="ctr"/>
-          </a:p>
-        </p:txBody>
-      </p:sp>
-      <p:sp>
-        <p:nvSpPr>
-          <p:cNvPr id="27" name="TextBox 26"/>
-          <p:cNvSpPr txBox="1"/>
-          <p:nvPr/>
-        </p:nvSpPr>
-        <p:spPr>
-          <a:xfrm>
-            <a:off x="210312" y="3383280"/>
-            <a:ext cx="3346704" cy="228600"/>
-          </a:xfrm>
-          <a:prstGeom prst="rect">
-            <a:avLst/>
-          </a:prstGeom>
-          <a:noFill/>
-        </p:spPr>
-        <p:txBody>
-          <a:bodyPr wrap="square">
-            <a:spAutoFit/>
-          </a:bodyPr>
-          <a:lstStyle/>
-          <a:p>
-            <a:pPr>
-              <a:defRPr sz="800" b="1">
-                <a:solidFill>
-                  <a:srgbClr val="003366"/>
-                </a:solidFill>
-              </a:defRPr>
-            </a:pPr>
-            <a:r>
-              <a:t>COST STRUCTURE</a:t>
-            </a:r>
-          </a:p>
-        </p:txBody>
-      </p:sp>
-      <p:sp>
-        <p:nvSpPr>
-          <p:cNvPr id="28" name="TextBox 27"/>
-          <p:cNvSpPr txBox="1"/>
-          <p:nvPr/>
-        </p:nvSpPr>
-        <p:spPr>
-          <a:xfrm>
-            <a:off x="210312" y="3593592"/>
-            <a:ext cx="3346704" cy="594360"/>
-          </a:xfrm>
-          <a:prstGeom prst="rect">
-            <a:avLst/>
-          </a:prstGeom>
-          <a:noFill/>
-        </p:spPr>
-        <p:txBody>
-          <a:bodyPr wrap="square">
-            <a:spAutoFit/>
-          </a:bodyPr>
-          <a:lstStyle/>
-          <a:p>
-            <a:pPr>
-              <a:spcAft>
-                <a:spcPts val="100"/>
-              </a:spcAft>
-              <a:defRPr sz="600">
-                <a:solidFill>
-                  <a:srgbClr val="323232"/>
-                </a:solidFill>
-              </a:defRPr>
-            </a:pPr>
-            <a:r>
-              <a:t>Variable: Tech payouts (65-70%), Payment processing (2-3%)</a:t>
-            </a:r>
-          </a:p>
-          <a:p>
-            <a:pPr>
-              <a:spcAft>
-                <a:spcPts val="100"/>
-              </a:spcAft>
-              <a:defRPr sz="600">
-                <a:solidFill>
-                  <a:srgbClr val="323232"/>
-                </a:solidFill>
-              </a:defRPr>
-            </a:pPr>
-            <a:r>
-              <a:t>Fixed: Platform ($15-20K/mo), Team ($40-60K/mo), Marketing ($10-15K/mo)</a:t>
-            </a:r>
-          </a:p>
-          <a:p>
-            <a:pPr>
-              <a:spcAft>
-                <a:spcPts val="100"/>
-              </a:spcAft>
-              <a:defRPr sz="600">
-                <a:solidFill>
-                  <a:srgbClr val="323232"/>
-                </a:solidFill>
-              </a:defRPr>
-            </a:pPr>
-            <a:r>
-              <a:t>Seed: $1.5M total</a:t>
-            </a:r>
-          </a:p>
-        </p:txBody>
-      </p:sp>
-      <p:sp>
-        <p:nvSpPr>
-          <p:cNvPr id="29" name="Rounded Rectangle 28"/>
-          <p:cNvSpPr/>
-          <p:nvPr/>
-        </p:nvSpPr>
-        <p:spPr>
-          <a:xfrm>
-            <a:off x="3666744" y="3337560"/>
-            <a:ext cx="5248656" cy="914400"/>
-          </a:xfrm>
-          <a:prstGeom prst="roundRect">
-            <a:avLst/>
-          </a:prstGeom>
-          <a:solidFill>
-            <a:srgbClr val="DBEAFE"/>
-          </a:solidFill>
-          <a:ln w="6350">
-            <a:solidFill>
-              <a:srgbClr val="C8C8C8"/>
-            </a:solidFill>
-          </a:ln>
-        </p:spPr>
-        <p:style>
-          <a:lnRef idx="1">
-            <a:schemeClr val="accent1"/>
-          </a:lnRef>
-          <a:fillRef idx="3">
-            <a:schemeClr val="accent1"/>
-          </a:fillRef>
-          <a:effectRef idx="2">
-            <a:schemeClr val="accent1"/>
-          </a:effectRef>
-          <a:fontRef idx="minor">
-            <a:schemeClr val="lt1"/>
-          </a:fontRef>
-        </p:style>
-        <p:txBody>
-          <a:bodyPr rtlCol="0" anchor="ctr"/>
-          <a:lstStyle/>
-          <a:p>
-            <a:pPr algn="ctr"/>
-          </a:p>
-        </p:txBody>
-      </p:sp>
-      <p:sp>
-        <p:nvSpPr>
-          <p:cNvPr id="30" name="TextBox 29"/>
-          <p:cNvSpPr txBox="1"/>
-          <p:nvPr/>
-        </p:nvSpPr>
-        <p:spPr>
-          <a:xfrm>
-            <a:off x="3739896" y="3383280"/>
-            <a:ext cx="5111496" cy="228600"/>
-          </a:xfrm>
-          <a:prstGeom prst="rect">
-            <a:avLst/>
-          </a:prstGeom>
-          <a:noFill/>
-        </p:spPr>
-        <p:txBody>
-          <a:bodyPr wrap="square">
-            <a:spAutoFit/>
-          </a:bodyPr>
-          <a:lstStyle/>
-          <a:p>
-            <a:pPr>
-              <a:defRPr sz="800" b="1">
-                <a:solidFill>
-                  <a:srgbClr val="003366"/>
-                </a:solidFill>
-              </a:defRPr>
-            </a:pPr>
-            <a:r>
-              <a:t>REVENUE STREAMS</a:t>
-            </a:r>
-          </a:p>
-        </p:txBody>
-      </p:sp>
-      <p:sp>
-        <p:nvSpPr>
-          <p:cNvPr id="31" name="TextBox 30"/>
-          <p:cNvSpPr txBox="1"/>
-          <p:nvPr/>
-        </p:nvSpPr>
-        <p:spPr>
-          <a:xfrm>
-            <a:off x="3739896" y="3593592"/>
-            <a:ext cx="5111496" cy="594360"/>
-          </a:xfrm>
-          <a:prstGeom prst="rect">
-            <a:avLst/>
-          </a:prstGeom>
-          <a:noFill/>
-        </p:spPr>
-        <p:txBody>
-          <a:bodyPr wrap="square">
-            <a:spAutoFit/>
-          </a:bodyPr>
-          <a:lstStyle/>
-          <a:p>
-            <a:pPr>
-              <a:spcAft>
-                <a:spcPts val="100"/>
-              </a:spcAft>
-              <a:defRPr sz="600">
-                <a:solidFill>
-                  <a:srgbClr val="323232"/>
-                </a:solidFill>
-              </a:defRPr>
-            </a:pPr>
-            <a:r>
-              <a:t>Services: Quick ($12-18) | Deep ($45-75) | Emergency ($75-150)</a:t>
-            </a:r>
-          </a:p>
-          <a:p>
-            <a:pPr>
-              <a:spcAft>
-                <a:spcPts val="100"/>
-              </a:spcAft>
-              <a:defRPr sz="600">
-                <a:solidFill>
-                  <a:srgbClr val="323232"/>
-                </a:solidFill>
-              </a:defRPr>
-            </a:pPr>
-            <a:r>
-              <a:t>Unit Economics: Avg $15/service, 30% margin ($4-5), Target 10K/day</a:t>
-            </a:r>
-          </a:p>
-          <a:p>
-            <a:pPr>
-              <a:spcAft>
-                <a:spcPts val="100"/>
-              </a:spcAft>
-              <a:defRPr sz="600">
-                <a:solidFill>
-                  <a:srgbClr val="323232"/>
-                </a:solidFill>
-              </a:defRPr>
-            </a:pPr>
-            <a:r>
-              <a:t>Projections: Y1 $1.2M → Y2 $5.5M → Y3 $15M | TAM 2032: $5.5B</a:t>
             </a:r>
           </a:p>
         </p:txBody>
